--- a/Lecture.pptx
+++ b/Lecture.pptx
@@ -1400,11 +1400,7 @@
             </a:r>
             <a:r>
               <a:rPr lang="en-US" baseline="0" dirty="0" smtClean="0"/>
-              <a:t> in another </a:t>
-            </a:r>
-            <a:r>
-              <a:rPr lang="en-US" baseline="0" dirty="0" smtClean="0"/>
-              <a:t>class</a:t>
+              <a:t> in another class</a:t>
             </a:r>
           </a:p>
           <a:p>
@@ -5538,11 +5534,7 @@
           <a:p>
             <a:r>
               <a:rPr lang="en-US" dirty="0" smtClean="0"/>
-              <a:t>Define CBUUIDs so we can</a:t>
-            </a:r>
-            <a:r>
-              <a:rPr lang="en-US" dirty="0" smtClean="0"/>
-              <a:t> discover the service and the characteristics advertised by our peripheral</a:t>
+              <a:t>Define CBUUIDs so we can discover the service and the characteristics advertised by our peripheral</a:t>
             </a:r>
           </a:p>
           <a:p>
@@ -6228,15 +6220,7 @@
           <a:p>
             <a:r>
               <a:rPr lang="en-US" dirty="0" smtClean="0"/>
-              <a:t>Current personal project: Peer to peer mesh </a:t>
-            </a:r>
-            <a:r>
-              <a:rPr lang="en-US" dirty="0" smtClean="0"/>
-              <a:t>network </a:t>
-            </a:r>
-            <a:r>
-              <a:rPr lang="en-US" dirty="0" smtClean="0"/>
-              <a:t>using BLE</a:t>
+              <a:t>Current personal project: Peer to peer mesh network using BLE</a:t>
             </a:r>
           </a:p>
         </p:txBody>
@@ -7007,7 +6991,42 @@
           <a:bodyPr/>
           <a:lstStyle/>
           <a:p>
-            <a:endParaRPr lang="en-US"/>
+            <a:r>
+              <a:rPr lang="en-US" dirty="0" smtClean="0"/>
+              <a:t>Check for errors</a:t>
+            </a:r>
+          </a:p>
+          <a:p>
+            <a:r>
+              <a:rPr lang="en-US" dirty="0" smtClean="0"/>
+              <a:t>Make sure the characteristic is the one we are subscribed to</a:t>
+            </a:r>
+          </a:p>
+          <a:p>
+            <a:r>
+              <a:rPr lang="en-US" dirty="0" smtClean="0"/>
+              <a:t>Convert the </a:t>
+            </a:r>
+            <a:r>
+              <a:rPr lang="en-US" dirty="0" err="1" smtClean="0"/>
+              <a:t>NSData</a:t>
+            </a:r>
+            <a:r>
+              <a:rPr lang="en-US" dirty="0" smtClean="0"/>
+              <a:t> to </a:t>
+            </a:r>
+            <a:r>
+              <a:rPr lang="en-US" dirty="0" err="1" smtClean="0"/>
+              <a:t>NSString</a:t>
+            </a:r>
+            <a:endParaRPr lang="en-US" dirty="0" smtClean="0"/>
+          </a:p>
+          <a:p>
+            <a:r>
+              <a:rPr lang="en-US" dirty="0" smtClean="0"/>
+              <a:t>Fire a delegate to the UI (on the main thread)</a:t>
+            </a:r>
+            <a:endParaRPr lang="en-US" dirty="0"/>
           </a:p>
         </p:txBody>
       </p:sp>
@@ -7398,30 +7417,17 @@
               <a:rPr lang="en-US" dirty="0" smtClean="0"/>
               <a:t>Peripherals</a:t>
             </a:r>
-            <a:endParaRPr lang="en-US" dirty="0" smtClean="0"/>
-          </a:p>
-          <a:p>
-            <a:r>
-              <a:rPr lang="en-US" dirty="0" smtClean="0"/>
-              <a:t>Use </a:t>
-            </a:r>
-            <a:r>
-              <a:rPr lang="en-US" dirty="0" smtClean="0"/>
-              <a:t>the advertising packets to notify users of a unique BLE </a:t>
-            </a:r>
-            <a:r>
-              <a:rPr lang="en-US" dirty="0" smtClean="0"/>
-              <a:t>device</a:t>
-            </a:r>
-          </a:p>
-          <a:p>
-            <a:r>
-              <a:rPr lang="en-US" dirty="0" smtClean="0"/>
-              <a:t>Unique </a:t>
-            </a:r>
-            <a:r>
-              <a:rPr lang="en-US" dirty="0" smtClean="0"/>
-              <a:t>beacon can then be tied to data in a smartphone app (beacon Id -&gt; shoes on sale)</a:t>
+          </a:p>
+          <a:p>
+            <a:r>
+              <a:rPr lang="en-US" dirty="0" smtClean="0"/>
+              <a:t>Use the advertising packets to notify users of a unique BLE device</a:t>
+            </a:r>
+          </a:p>
+          <a:p>
+            <a:r>
+              <a:rPr lang="en-US" dirty="0" smtClean="0"/>
+              <a:t>Unique beacon can then be tied to data in a smartphone app (beacon Id -&gt; shoes on sale)</a:t>
             </a:r>
           </a:p>
           <a:p>
@@ -7537,20 +7543,11 @@
               <a:rPr lang="en-US" dirty="0" smtClean="0"/>
               <a:t> 5.0+</a:t>
             </a:r>
-            <a:endParaRPr lang="en-US" dirty="0" smtClean="0"/>
-          </a:p>
-          <a:p>
-            <a:r>
-              <a:rPr lang="en-US" dirty="0" smtClean="0"/>
-              <a:t>Developer account (run </a:t>
-            </a:r>
-            <a:r>
-              <a:rPr lang="en-US" dirty="0" smtClean="0"/>
-              <a:t>app </a:t>
-            </a:r>
-            <a:r>
-              <a:rPr lang="en-US" dirty="0" smtClean="0"/>
-              <a:t>on </a:t>
+          </a:p>
+          <a:p>
+            <a:r>
+              <a:rPr lang="en-US" dirty="0" smtClean="0"/>
+              <a:t>Developer account (run app on </a:t>
             </a:r>
             <a:r>
               <a:rPr lang="en-US" dirty="0" err="1" smtClean="0"/>
@@ -7572,11 +7569,7 @@
             </a:r>
             <a:r>
               <a:rPr lang="en-US" dirty="0" smtClean="0"/>
-              <a:t> </a:t>
-            </a:r>
-            <a:r>
-              <a:rPr lang="en-US" dirty="0" smtClean="0"/>
-              <a:t>device (simulator cannot do BLE)</a:t>
+              <a:t> device (simulator cannot do BLE)</a:t>
             </a:r>
           </a:p>
           <a:p>
@@ -8167,11 +8160,7 @@
           <a:p>
             <a:r>
               <a:rPr lang="en-US" dirty="0" smtClean="0"/>
-              <a:t>High latency to connect to another device and send </a:t>
-            </a:r>
-            <a:r>
-              <a:rPr lang="en-US" dirty="0" smtClean="0"/>
-              <a:t>data</a:t>
+              <a:t>High latency to connect to another device and send data</a:t>
             </a:r>
           </a:p>
           <a:p>
@@ -8179,7 +8168,6 @@
               <a:rPr lang="en-US" dirty="0" smtClean="0"/>
               <a:t>Devices must be paired</a:t>
             </a:r>
-            <a:endParaRPr lang="en-US" dirty="0" smtClean="0"/>
           </a:p>
           <a:p>
             <a:endParaRPr lang="en-US" dirty="0"/>

--- a/Lecture.pptx
+++ b/Lecture.pptx
@@ -36,8 +36,8 @@
     <p:sldId id="287" r:id="rId27"/>
     <p:sldId id="276" r:id="rId28"/>
     <p:sldId id="268" r:id="rId29"/>
-    <p:sldId id="266" r:id="rId30"/>
-    <p:sldId id="269" r:id="rId31"/>
+    <p:sldId id="290" r:id="rId30"/>
+    <p:sldId id="289" r:id="rId31"/>
   </p:sldIdLst>
   <p:sldSz cx="9144000" cy="6858000" type="screen4x3"/>
   <p:notesSz cx="6858000" cy="9144000"/>
@@ -197,8 +197,8 @@
         </p14:section>
         <p14:section name="Conclusion" id="{26712436-3470-0B47-8BE7-0E4C39D00B60}">
           <p14:sldIdLst>
-            <p14:sldId id="266"/>
-            <p14:sldId id="269"/>
+            <p14:sldId id="290"/>
+            <p14:sldId id="289"/>
           </p14:sldIdLst>
         </p14:section>
       </p14:sectionLst>
@@ -601,10 +601,6 @@
           <a:bodyPr/>
           <a:lstStyle/>
           <a:p>
-            <a:r>
-              <a:rPr lang="en-US" dirty="0" smtClean="0"/>
-              <a:t>I’m fairly new to this, but I’ve worked on some very complicated Bluetooth stuff so I can save you lots of trouble.</a:t>
-            </a:r>
             <a:endParaRPr lang="en-US" dirty="0"/>
           </a:p>
         </p:txBody>
@@ -624,9 +620,9 @@
           <a:bodyPr/>
           <a:lstStyle/>
           <a:p>
-            <a:fld id="{415EADC4-4264-DF41-8D51-DAB00F6C6DC2}" type="slidenum">
-              <a:rPr lang="en-US" smtClean="0"/>
-              <a:t>2</a:t>
+            <a:fld id="{BCD8AC12-6810-D74B-9EE7-946B67E565C5}" type="slidenum">
+              <a:rPr lang="en-US" smtClean="0"/>
+              <a:t>1</a:t>
             </a:fld>
             <a:endParaRPr lang="en-US"/>
           </a:p>
@@ -635,7 +631,7 @@
     </p:spTree>
     <p:extLst>
       <p:ext uri="{BB962C8B-B14F-4D97-AF65-F5344CB8AC3E}">
-        <p14:creationId xmlns:p14="http://schemas.microsoft.com/office/powerpoint/2010/main" val="769928747"/>
+        <p14:creationId xmlns:p14="http://schemas.microsoft.com/office/powerpoint/2010/main" val="3318934594"/>
       </p:ext>
     </p:extLst>
   </p:cSld>
@@ -691,7 +687,15 @@
           <a:p>
             <a:r>
               <a:rPr lang="en-US" dirty="0" smtClean="0"/>
-              <a:t>Note that scanning and detecting are used interchangeably in the literature</a:t>
+              <a:t>You</a:t>
+            </a:r>
+            <a:r>
+              <a:rPr lang="en-US" baseline="0" dirty="0" smtClean="0"/>
+              <a:t> will have to complete a bunch of functions in </a:t>
+            </a:r>
+            <a:r>
+              <a:rPr lang="en-US" baseline="0" dirty="0" err="1" smtClean="0"/>
+              <a:t>CentralManager.m</a:t>
             </a:r>
             <a:endParaRPr lang="en-US" dirty="0"/>
           </a:p>
@@ -714,7 +718,7 @@
           <a:p>
             <a:fld id="{BCD8AC12-6810-D74B-9EE7-946B67E565C5}" type="slidenum">
               <a:rPr lang="en-US" smtClean="0"/>
-              <a:t>15</a:t>
+              <a:t>13</a:t>
             </a:fld>
             <a:endParaRPr lang="en-US"/>
           </a:p>
@@ -723,7 +727,7 @@
     </p:spTree>
     <p:extLst>
       <p:ext uri="{BB962C8B-B14F-4D97-AF65-F5344CB8AC3E}">
-        <p14:creationId xmlns:p14="http://schemas.microsoft.com/office/powerpoint/2010/main" val="775871477"/>
+        <p14:creationId xmlns:p14="http://schemas.microsoft.com/office/powerpoint/2010/main" val="711314127"/>
       </p:ext>
     </p:extLst>
   </p:cSld>
@@ -777,23 +781,37 @@
           <a:bodyPr/>
           <a:lstStyle/>
           <a:p>
-            <a:r>
-              <a:rPr lang="en-US" dirty="0" smtClean="0"/>
-              <a:t>RSSI = Received Signal Strength</a:t>
-            </a:r>
-            <a:r>
-              <a:rPr lang="en-US" baseline="0" dirty="0" smtClean="0"/>
-              <a:t> Indication</a:t>
-            </a:r>
-          </a:p>
-          <a:p>
-            <a:endParaRPr lang="en-US" baseline="0" dirty="0" smtClean="0"/>
-          </a:p>
-          <a:p>
-            <a:r>
-              <a:rPr lang="en-US" baseline="0" dirty="0" smtClean="0"/>
-              <a:t>You have to retain peripheral BEFORE you connect</a:t>
-            </a:r>
+            <a:pPr marL="0" marR="0" indent="0" algn="l" defTabSz="457200" rtl="0" eaLnBrk="1" fontAlgn="auto" latinLnBrk="0" hangingPunct="1">
+              <a:lnSpc>
+                <a:spcPct val="100000"/>
+              </a:lnSpc>
+              <a:spcBef>
+                <a:spcPts val="0"/>
+              </a:spcBef>
+              <a:spcAft>
+                <a:spcPts val="0"/>
+              </a:spcAft>
+              <a:buClrTx/>
+              <a:buSzTx/>
+              <a:buFontTx/>
+              <a:buNone/>
+              <a:tabLst/>
+              <a:defRPr/>
+            </a:pPr>
+            <a:r>
+              <a:rPr lang="en-US" dirty="0" smtClean="0"/>
+              <a:t>I define the CBUUIDs directly, as opposed to just the strings because it’s very easy in the </a:t>
+            </a:r>
+            <a:r>
+              <a:rPr lang="en-US" dirty="0" err="1" smtClean="0"/>
+              <a:t>CentralManager</a:t>
+            </a:r>
+            <a:r>
+              <a:rPr lang="en-US" dirty="0" smtClean="0"/>
+              <a:t> to use the strings by accident instead of wrapping them in CBUUIDs</a:t>
+            </a:r>
+          </a:p>
+          <a:p>
             <a:endParaRPr lang="en-US" dirty="0"/>
           </a:p>
         </p:txBody>
@@ -815,7 +833,7 @@
           <a:p>
             <a:fld id="{BCD8AC12-6810-D74B-9EE7-946B67E565C5}" type="slidenum">
               <a:rPr lang="en-US" smtClean="0"/>
-              <a:t>21</a:t>
+              <a:t>14</a:t>
             </a:fld>
             <a:endParaRPr lang="en-US"/>
           </a:p>
@@ -824,7 +842,7 @@
     </p:spTree>
     <p:extLst>
       <p:ext uri="{BB962C8B-B14F-4D97-AF65-F5344CB8AC3E}">
-        <p14:creationId xmlns:p14="http://schemas.microsoft.com/office/powerpoint/2010/main" val="1105014416"/>
+        <p14:creationId xmlns:p14="http://schemas.microsoft.com/office/powerpoint/2010/main" val="452396248"/>
       </p:ext>
     </p:extLst>
   </p:cSld>
@@ -880,7 +898,7 @@
           <a:p>
             <a:r>
               <a:rPr lang="en-US" dirty="0" smtClean="0"/>
-              <a:t>We get all </a:t>
+              <a:t>Note that scanning and detecting are used interchangeably in the literature</a:t>
             </a:r>
             <a:endParaRPr lang="en-US" dirty="0"/>
           </a:p>
@@ -903,7 +921,7 @@
           <a:p>
             <a:fld id="{BCD8AC12-6810-D74B-9EE7-946B67E565C5}" type="slidenum">
               <a:rPr lang="en-US" smtClean="0"/>
-              <a:t>23</a:t>
+              <a:t>15</a:t>
             </a:fld>
             <a:endParaRPr lang="en-US"/>
           </a:p>
@@ -912,7 +930,7 @@
     </p:spTree>
     <p:extLst>
       <p:ext uri="{BB962C8B-B14F-4D97-AF65-F5344CB8AC3E}">
-        <p14:creationId xmlns:p14="http://schemas.microsoft.com/office/powerpoint/2010/main" val="1712553548"/>
+        <p14:creationId xmlns:p14="http://schemas.microsoft.com/office/powerpoint/2010/main" val="775871477"/>
       </p:ext>
     </p:extLst>
   </p:cSld>
@@ -968,27 +986,20 @@
           <a:p>
             <a:r>
               <a:rPr lang="en-US" dirty="0" smtClean="0"/>
-              <a:t>This class focuses on </a:t>
-            </a:r>
-            <a:r>
-              <a:rPr lang="en-US" dirty="0" err="1" smtClean="0"/>
-              <a:t>CoreBluetooth</a:t>
-            </a:r>
-            <a:r>
-              <a:rPr lang="en-US" dirty="0" smtClean="0"/>
-              <a:t>. I will cover</a:t>
+              <a:t>RSSI = Received Signal Strength</a:t>
             </a:r>
             <a:r>
               <a:rPr lang="en-US" baseline="0" dirty="0" smtClean="0"/>
-              <a:t> </a:t>
-            </a:r>
-            <a:r>
-              <a:rPr lang="en-US" baseline="0" dirty="0" err="1" smtClean="0"/>
-              <a:t>iBeacons</a:t>
-            </a:r>
+              <a:t> Indication</a:t>
+            </a:r>
+          </a:p>
+          <a:p>
+            <a:endParaRPr lang="en-US" baseline="0" dirty="0" smtClean="0"/>
+          </a:p>
+          <a:p>
             <a:r>
               <a:rPr lang="en-US" baseline="0" dirty="0" smtClean="0"/>
-              <a:t> in another class</a:t>
+              <a:t>You have to retain peripheral BEFORE you connect</a:t>
             </a:r>
             <a:endParaRPr lang="en-US" dirty="0"/>
           </a:p>
@@ -1009,9 +1020,9 @@
           <a:bodyPr/>
           <a:lstStyle/>
           <a:p>
-            <a:fld id="{415EADC4-4264-DF41-8D51-DAB00F6C6DC2}" type="slidenum">
-              <a:rPr lang="en-US" smtClean="0"/>
-              <a:t>30</a:t>
+            <a:fld id="{BCD8AC12-6810-D74B-9EE7-946B67E565C5}" type="slidenum">
+              <a:rPr lang="en-US" smtClean="0"/>
+              <a:t>21</a:t>
             </a:fld>
             <a:endParaRPr lang="en-US"/>
           </a:p>
@@ -1020,7 +1031,95 @@
     </p:spTree>
     <p:extLst>
       <p:ext uri="{BB962C8B-B14F-4D97-AF65-F5344CB8AC3E}">
-        <p14:creationId xmlns:p14="http://schemas.microsoft.com/office/powerpoint/2010/main" val="1809671152"/>
+        <p14:creationId xmlns:p14="http://schemas.microsoft.com/office/powerpoint/2010/main" val="1105014416"/>
+      </p:ext>
+    </p:extLst>
+  </p:cSld>
+  <p:clrMapOvr>
+    <a:masterClrMapping/>
+  </p:clrMapOvr>
+</p:notes>
+</file>
+
+<file path=ppt/notesSlides/notesSlide14.xml><?xml version="1.0" encoding="utf-8"?>
+<p:notes xmlns:a="http://schemas.openxmlformats.org/drawingml/2006/main" xmlns:r="http://schemas.openxmlformats.org/officeDocument/2006/relationships" xmlns:p="http://schemas.openxmlformats.org/presentationml/2006/main">
+  <p:cSld>
+    <p:spTree>
+      <p:nvGrpSpPr>
+        <p:cNvPr id="1" name=""/>
+        <p:cNvGrpSpPr/>
+        <p:nvPr/>
+      </p:nvGrpSpPr>
+      <p:grpSpPr>
+        <a:xfrm>
+          <a:off x="0" y="0"/>
+          <a:ext cx="0" cy="0"/>
+          <a:chOff x="0" y="0"/>
+          <a:chExt cx="0" cy="0"/>
+        </a:xfrm>
+      </p:grpSpPr>
+      <p:sp>
+        <p:nvSpPr>
+          <p:cNvPr id="2" name="Slide Image Placeholder 1"/>
+          <p:cNvSpPr>
+            <a:spLocks noGrp="1" noRot="1" noChangeAspect="1"/>
+          </p:cNvSpPr>
+          <p:nvPr>
+            <p:ph type="sldImg"/>
+          </p:nvPr>
+        </p:nvSpPr>
+        <p:spPr/>
+      </p:sp>
+      <p:sp>
+        <p:nvSpPr>
+          <p:cNvPr id="3" name="Notes Placeholder 2"/>
+          <p:cNvSpPr>
+            <a:spLocks noGrp="1"/>
+          </p:cNvSpPr>
+          <p:nvPr>
+            <p:ph type="body" idx="1"/>
+          </p:nvPr>
+        </p:nvSpPr>
+        <p:spPr/>
+        <p:txBody>
+          <a:bodyPr/>
+          <a:lstStyle/>
+          <a:p>
+            <a:r>
+              <a:rPr lang="en-US" dirty="0" smtClean="0"/>
+              <a:t>We get all </a:t>
+            </a:r>
+            <a:endParaRPr lang="en-US" dirty="0"/>
+          </a:p>
+        </p:txBody>
+      </p:sp>
+      <p:sp>
+        <p:nvSpPr>
+          <p:cNvPr id="4" name="Slide Number Placeholder 3"/>
+          <p:cNvSpPr>
+            <a:spLocks noGrp="1"/>
+          </p:cNvSpPr>
+          <p:nvPr>
+            <p:ph type="sldNum" sz="quarter" idx="10"/>
+          </p:nvPr>
+        </p:nvSpPr>
+        <p:spPr/>
+        <p:txBody>
+          <a:bodyPr/>
+          <a:lstStyle/>
+          <a:p>
+            <a:fld id="{BCD8AC12-6810-D74B-9EE7-946B67E565C5}" type="slidenum">
+              <a:rPr lang="en-US" smtClean="0"/>
+              <a:t>23</a:t>
+            </a:fld>
+            <a:endParaRPr lang="en-US"/>
+          </a:p>
+        </p:txBody>
+      </p:sp>
+    </p:spTree>
+    <p:extLst>
+      <p:ext uri="{BB962C8B-B14F-4D97-AF65-F5344CB8AC3E}">
+        <p14:creationId xmlns:p14="http://schemas.microsoft.com/office/powerpoint/2010/main" val="1712553548"/>
       </p:ext>
     </p:extLst>
   </p:cSld>
@@ -1076,22 +1175,7 @@
           <a:p>
             <a:r>
               <a:rPr lang="en-US" dirty="0" smtClean="0"/>
-              <a:t>-This is not an intro</a:t>
-            </a:r>
-            <a:r>
-              <a:rPr lang="en-US" baseline="0" dirty="0" smtClean="0"/>
-              <a:t> to building IOS apps</a:t>
-            </a:r>
-            <a:endParaRPr lang="en-US" dirty="0" smtClean="0"/>
-          </a:p>
-          <a:p>
-            <a:r>
-              <a:rPr lang="en-US" dirty="0" smtClean="0"/>
-              <a:t>-You cannot do this on the simulator. The simulator</a:t>
-            </a:r>
-            <a:r>
-              <a:rPr lang="en-US" baseline="0" dirty="0" smtClean="0"/>
-              <a:t> cannot do BLE.</a:t>
+              <a:t>I’m fairly new to this, but I’ve worked on some very complicated Bluetooth stuff so I can save you lots of trouble.</a:t>
             </a:r>
             <a:endParaRPr lang="en-US" dirty="0"/>
           </a:p>
@@ -1114,7 +1198,7 @@
           <a:p>
             <a:fld id="{415EADC4-4264-DF41-8D51-DAB00F6C6DC2}" type="slidenum">
               <a:rPr lang="en-US" smtClean="0"/>
-              <a:t>3</a:t>
+              <a:t>2</a:t>
             </a:fld>
             <a:endParaRPr lang="en-US"/>
           </a:p>
@@ -1123,7 +1207,7 @@
     </p:spTree>
     <p:extLst>
       <p:ext uri="{BB962C8B-B14F-4D97-AF65-F5344CB8AC3E}">
-        <p14:creationId xmlns:p14="http://schemas.microsoft.com/office/powerpoint/2010/main" val="182203657"/>
+        <p14:creationId xmlns:p14="http://schemas.microsoft.com/office/powerpoint/2010/main" val="769928747"/>
       </p:ext>
     </p:extLst>
   </p:cSld>
@@ -1177,30 +1261,24 @@
           <a:bodyPr/>
           <a:lstStyle/>
           <a:p>
-            <a:pPr marL="0" marR="0" indent="0" algn="l" defTabSz="457200" rtl="0" eaLnBrk="1" fontAlgn="auto" latinLnBrk="0" hangingPunct="1">
-              <a:lnSpc>
-                <a:spcPct val="100000"/>
-              </a:lnSpc>
-              <a:spcBef>
-                <a:spcPts val="0"/>
-              </a:spcBef>
-              <a:spcAft>
-                <a:spcPts val="0"/>
-              </a:spcAft>
-              <a:buClrTx/>
-              <a:buSzTx/>
-              <a:buFontTx/>
-              <a:buNone/>
-              <a:tabLst/>
-              <a:defRPr/>
-            </a:pPr>
-            <a:r>
-              <a:rPr lang="en-US" dirty="0" smtClean="0"/>
-              <a:t>The classic application is a hear rate monitor which an app on your phone discovers,</a:t>
+            <a:r>
+              <a:rPr lang="en-US" dirty="0" smtClean="0"/>
+              <a:t>-This is not an intro</a:t>
             </a:r>
             <a:r>
               <a:rPr lang="en-US" baseline="0" dirty="0" smtClean="0"/>
-              <a:t> connects to, and subscribes to data from</a:t>
+              <a:t> to building IOS apps</a:t>
+            </a:r>
+            <a:endParaRPr lang="en-US" dirty="0" smtClean="0"/>
+          </a:p>
+          <a:p>
+            <a:r>
+              <a:rPr lang="en-US" dirty="0" smtClean="0"/>
+              <a:t>-You cannot do this on the simulator. The simulator</a:t>
+            </a:r>
+            <a:r>
+              <a:rPr lang="en-US" baseline="0" dirty="0" smtClean="0"/>
+              <a:t> cannot do BLE.</a:t>
             </a:r>
             <a:endParaRPr lang="en-US" dirty="0"/>
           </a:p>
@@ -1223,7 +1301,7 @@
           <a:p>
             <a:fld id="{415EADC4-4264-DF41-8D51-DAB00F6C6DC2}" type="slidenum">
               <a:rPr lang="en-US" smtClean="0"/>
-              <a:t>6</a:t>
+              <a:t>3</a:t>
             </a:fld>
             <a:endParaRPr lang="en-US"/>
           </a:p>
@@ -1232,7 +1310,7 @@
     </p:spTree>
     <p:extLst>
       <p:ext uri="{BB962C8B-B14F-4D97-AF65-F5344CB8AC3E}">
-        <p14:creationId xmlns:p14="http://schemas.microsoft.com/office/powerpoint/2010/main" val="2812626232"/>
+        <p14:creationId xmlns:p14="http://schemas.microsoft.com/office/powerpoint/2010/main" val="182203657"/>
       </p:ext>
     </p:extLst>
   </p:cSld>
@@ -1288,11 +1366,19 @@
           <a:p>
             <a:r>
               <a:rPr lang="en-US" dirty="0" smtClean="0"/>
-              <a:t>No</a:t>
+              <a:t>We will not discuss </a:t>
+            </a:r>
+            <a:r>
+              <a:rPr lang="en-US" dirty="0" err="1" smtClean="0"/>
+              <a:t>iBeacons</a:t>
+            </a:r>
+            <a:r>
+              <a:rPr lang="en-US" dirty="0" smtClean="0"/>
+              <a:t>- they</a:t>
             </a:r>
             <a:r>
               <a:rPr lang="en-US" baseline="0" dirty="0" smtClean="0"/>
-              <a:t> pairing opens up really cool use cases. You can walk down the street and your smartphone is in your pocket and it can interact with BLE devices- discover them, get data from them, etc. </a:t>
+              <a:t> are sufficient material for another day</a:t>
             </a:r>
             <a:endParaRPr lang="en-US" dirty="0"/>
           </a:p>
@@ -1313,9 +1399,9 @@
           <a:bodyPr/>
           <a:lstStyle/>
           <a:p>
-            <a:fld id="{415EADC4-4264-DF41-8D51-DAB00F6C6DC2}" type="slidenum">
-              <a:rPr lang="en-US" smtClean="0"/>
-              <a:t>7</a:t>
+            <a:fld id="{BCD8AC12-6810-D74B-9EE7-946B67E565C5}" type="slidenum">
+              <a:rPr lang="en-US" smtClean="0"/>
+              <a:t>4</a:t>
             </a:fld>
             <a:endParaRPr lang="en-US"/>
           </a:p>
@@ -1324,7 +1410,7 @@
     </p:spTree>
     <p:extLst>
       <p:ext uri="{BB962C8B-B14F-4D97-AF65-F5344CB8AC3E}">
-        <p14:creationId xmlns:p14="http://schemas.microsoft.com/office/powerpoint/2010/main" val="2546360090"/>
+        <p14:creationId xmlns:p14="http://schemas.microsoft.com/office/powerpoint/2010/main" val="4197829504"/>
       </p:ext>
     </p:extLst>
   </p:cSld>
@@ -1378,38 +1464,30 @@
           <a:bodyPr/>
           <a:lstStyle/>
           <a:p>
-            <a:r>
-              <a:rPr lang="en-US" dirty="0" smtClean="0"/>
-              <a:t>This class focuses on </a:t>
-            </a:r>
-            <a:r>
-              <a:rPr lang="en-US" dirty="0" err="1" smtClean="0"/>
-              <a:t>CoreBluetooth</a:t>
-            </a:r>
-            <a:r>
-              <a:rPr lang="en-US" dirty="0" smtClean="0"/>
-              <a:t>. I will cover</a:t>
+            <a:pPr marL="0" marR="0" indent="0" algn="l" defTabSz="457200" rtl="0" eaLnBrk="1" fontAlgn="auto" latinLnBrk="0" hangingPunct="1">
+              <a:lnSpc>
+                <a:spcPct val="100000"/>
+              </a:lnSpc>
+              <a:spcBef>
+                <a:spcPts val="0"/>
+              </a:spcBef>
+              <a:spcAft>
+                <a:spcPts val="0"/>
+              </a:spcAft>
+              <a:buClrTx/>
+              <a:buSzTx/>
+              <a:buFontTx/>
+              <a:buNone/>
+              <a:tabLst/>
+              <a:defRPr/>
+            </a:pPr>
+            <a:r>
+              <a:rPr lang="en-US" dirty="0" smtClean="0"/>
+              <a:t>The classic application is a hear rate monitor which an app on your phone discovers,</a:t>
             </a:r>
             <a:r>
               <a:rPr lang="en-US" baseline="0" dirty="0" smtClean="0"/>
-              <a:t> </a:t>
-            </a:r>
-            <a:r>
-              <a:rPr lang="en-US" baseline="0" dirty="0" err="1" smtClean="0"/>
-              <a:t>iBeacons</a:t>
-            </a:r>
-            <a:r>
-              <a:rPr lang="en-US" baseline="0" dirty="0" smtClean="0"/>
-              <a:t> in another class</a:t>
-            </a:r>
-          </a:p>
-          <a:p>
-            <a:endParaRPr lang="en-US" baseline="0" dirty="0" smtClean="0"/>
-          </a:p>
-          <a:p>
-            <a:r>
-              <a:rPr lang="en-US" baseline="0" dirty="0" smtClean="0"/>
-              <a:t>A beacon is a peripheral.</a:t>
+              <a:t> connects to, and subscribes to data from</a:t>
             </a:r>
             <a:endParaRPr lang="en-US" dirty="0"/>
           </a:p>
@@ -1432,7 +1510,7 @@
           <a:p>
             <a:fld id="{415EADC4-4264-DF41-8D51-DAB00F6C6DC2}" type="slidenum">
               <a:rPr lang="en-US" smtClean="0"/>
-              <a:t>8</a:t>
+              <a:t>6</a:t>
             </a:fld>
             <a:endParaRPr lang="en-US"/>
           </a:p>
@@ -1441,7 +1519,7 @@
     </p:spTree>
     <p:extLst>
       <p:ext uri="{BB962C8B-B14F-4D97-AF65-F5344CB8AC3E}">
-        <p14:creationId xmlns:p14="http://schemas.microsoft.com/office/powerpoint/2010/main" val="1809671152"/>
+        <p14:creationId xmlns:p14="http://schemas.microsoft.com/office/powerpoint/2010/main" val="2812626232"/>
       </p:ext>
     </p:extLst>
   </p:cSld>
@@ -1497,11 +1575,11 @@
           <a:p>
             <a:r>
               <a:rPr lang="en-US" dirty="0" smtClean="0"/>
-              <a:t>The HR monitor could have a HR monitor service, with a BPM notification</a:t>
+              <a:t>No</a:t>
             </a:r>
             <a:r>
               <a:rPr lang="en-US" baseline="0" dirty="0" smtClean="0"/>
-              <a:t> characteristic, which sends out data, let’s say, every second</a:t>
+              <a:t> pairing opens up really cool use cases. You can walk down the street and your smartphone is in your pocket and it can interact with BLE devices- discover them, get data from them, etc. </a:t>
             </a:r>
             <a:endParaRPr lang="en-US" dirty="0"/>
           </a:p>
@@ -1522,9 +1600,9 @@
           <a:bodyPr/>
           <a:lstStyle/>
           <a:p>
-            <a:fld id="{BCD8AC12-6810-D74B-9EE7-946B67E565C5}" type="slidenum">
-              <a:rPr lang="en-US" smtClean="0"/>
-              <a:t>9</a:t>
+            <a:fld id="{415EADC4-4264-DF41-8D51-DAB00F6C6DC2}" type="slidenum">
+              <a:rPr lang="en-US" smtClean="0"/>
+              <a:t>7</a:t>
             </a:fld>
             <a:endParaRPr lang="en-US"/>
           </a:p>
@@ -1533,7 +1611,7 @@
     </p:spTree>
     <p:extLst>
       <p:ext uri="{BB962C8B-B14F-4D97-AF65-F5344CB8AC3E}">
-        <p14:creationId xmlns:p14="http://schemas.microsoft.com/office/powerpoint/2010/main" val="126889927"/>
+        <p14:creationId xmlns:p14="http://schemas.microsoft.com/office/powerpoint/2010/main" val="2546360090"/>
       </p:ext>
     </p:extLst>
   </p:cSld>
@@ -1611,6 +1689,15 @@
               <a:rPr lang="en-US" baseline="0" dirty="0" smtClean="0"/>
               <a:t> in another class</a:t>
             </a:r>
+          </a:p>
+          <a:p>
+            <a:endParaRPr lang="en-US" baseline="0" dirty="0" smtClean="0"/>
+          </a:p>
+          <a:p>
+            <a:r>
+              <a:rPr lang="en-US" baseline="0" dirty="0" smtClean="0"/>
+              <a:t>A beacon is a peripheral.</a:t>
+            </a:r>
             <a:endParaRPr lang="en-US" dirty="0"/>
           </a:p>
         </p:txBody>
@@ -1632,7 +1719,7 @@
           <a:p>
             <a:fld id="{415EADC4-4264-DF41-8D51-DAB00F6C6DC2}" type="slidenum">
               <a:rPr lang="en-US" smtClean="0"/>
-              <a:t>11</a:t>
+              <a:t>8</a:t>
             </a:fld>
             <a:endParaRPr lang="en-US"/>
           </a:p>
@@ -1697,15 +1784,11 @@
           <a:p>
             <a:r>
               <a:rPr lang="en-US" dirty="0" smtClean="0"/>
-              <a:t>You</a:t>
+              <a:t>The HR monitor could have a HR monitor service, with a BPM notification</a:t>
             </a:r>
             <a:r>
               <a:rPr lang="en-US" baseline="0" dirty="0" smtClean="0"/>
-              <a:t> will have to complete a bunch of functions in </a:t>
-            </a:r>
-            <a:r>
-              <a:rPr lang="en-US" baseline="0" dirty="0" err="1" smtClean="0"/>
-              <a:t>CentralManager.m</a:t>
+              <a:t> characteristic, which sends out data, let’s say, every second</a:t>
             </a:r>
             <a:endParaRPr lang="en-US" dirty="0"/>
           </a:p>
@@ -1728,7 +1811,7 @@
           <a:p>
             <a:fld id="{BCD8AC12-6810-D74B-9EE7-946B67E565C5}" type="slidenum">
               <a:rPr lang="en-US" smtClean="0"/>
-              <a:t>13</a:t>
+              <a:t>9</a:t>
             </a:fld>
             <a:endParaRPr lang="en-US"/>
           </a:p>
@@ -1737,7 +1820,7 @@
     </p:spTree>
     <p:extLst>
       <p:ext uri="{BB962C8B-B14F-4D97-AF65-F5344CB8AC3E}">
-        <p14:creationId xmlns:p14="http://schemas.microsoft.com/office/powerpoint/2010/main" val="711314127"/>
+        <p14:creationId xmlns:p14="http://schemas.microsoft.com/office/powerpoint/2010/main" val="126889927"/>
       </p:ext>
     </p:extLst>
   </p:cSld>
@@ -1791,37 +1874,30 @@
           <a:bodyPr/>
           <a:lstStyle/>
           <a:p>
-            <a:pPr marL="0" marR="0" indent="0" algn="l" defTabSz="457200" rtl="0" eaLnBrk="1" fontAlgn="auto" latinLnBrk="0" hangingPunct="1">
-              <a:lnSpc>
-                <a:spcPct val="100000"/>
-              </a:lnSpc>
-              <a:spcBef>
-                <a:spcPts val="0"/>
-              </a:spcBef>
-              <a:spcAft>
-                <a:spcPts val="0"/>
-              </a:spcAft>
-              <a:buClrTx/>
-              <a:buSzTx/>
-              <a:buFontTx/>
-              <a:buNone/>
-              <a:tabLst/>
-              <a:defRPr/>
-            </a:pPr>
-            <a:r>
-              <a:rPr lang="en-US" dirty="0" smtClean="0"/>
-              <a:t>I define the CBUUIDs directly, as opposed to just the strings because it’s very easy in the </a:t>
+            <a:r>
+              <a:rPr lang="en-US" dirty="0" smtClean="0"/>
+              <a:t>This class focuses on </a:t>
             </a:r>
             <a:r>
               <a:rPr lang="en-US" dirty="0" err="1" smtClean="0"/>
-              <a:t>CentralManager</a:t>
-            </a:r>
-            <a:r>
-              <a:rPr lang="en-US" dirty="0" smtClean="0"/>
-              <a:t> to use the strings by accident instead of wrapping them in CBUUIDs</a:t>
-            </a:r>
-          </a:p>
-          <a:p>
+              <a:t>CoreBluetooth</a:t>
+            </a:r>
+            <a:r>
+              <a:rPr lang="en-US" dirty="0" smtClean="0"/>
+              <a:t>. I will cover</a:t>
+            </a:r>
+            <a:r>
+              <a:rPr lang="en-US" baseline="0" dirty="0" smtClean="0"/>
+              <a:t> </a:t>
+            </a:r>
+            <a:r>
+              <a:rPr lang="en-US" baseline="0" dirty="0" err="1" smtClean="0"/>
+              <a:t>iBeacons</a:t>
+            </a:r>
+            <a:r>
+              <a:rPr lang="en-US" baseline="0" dirty="0" smtClean="0"/>
+              <a:t> in another class</a:t>
+            </a:r>
             <a:endParaRPr lang="en-US" dirty="0"/>
           </a:p>
         </p:txBody>
@@ -1841,9 +1917,9 @@
           <a:bodyPr/>
           <a:lstStyle/>
           <a:p>
-            <a:fld id="{BCD8AC12-6810-D74B-9EE7-946B67E565C5}" type="slidenum">
-              <a:rPr lang="en-US" smtClean="0"/>
-              <a:t>14</a:t>
+            <a:fld id="{415EADC4-4264-DF41-8D51-DAB00F6C6DC2}" type="slidenum">
+              <a:rPr lang="en-US" smtClean="0"/>
+              <a:t>11</a:t>
             </a:fld>
             <a:endParaRPr lang="en-US"/>
           </a:p>
@@ -1852,7 +1928,7 @@
     </p:spTree>
     <p:extLst>
       <p:ext uri="{BB962C8B-B14F-4D97-AF65-F5344CB8AC3E}">
-        <p14:creationId xmlns:p14="http://schemas.microsoft.com/office/powerpoint/2010/main" val="452396248"/>
+        <p14:creationId xmlns:p14="http://schemas.microsoft.com/office/powerpoint/2010/main" val="1809671152"/>
       </p:ext>
     </p:extLst>
   </p:cSld>
@@ -7112,8 +7188,27 @@
           <a:p>
             <a:r>
               <a:rPr lang="en-US" dirty="0" smtClean="0"/>
-              <a:t>Fortunately, I’ve already given you a message Queue for each connected Peripheral</a:t>
-            </a:r>
+              <a:t>Fortunately, I’ve already given you a message Queue for each connected </a:t>
+            </a:r>
+            <a:r>
+              <a:rPr lang="en-US" dirty="0" smtClean="0"/>
+              <a:t>Peripheral</a:t>
+            </a:r>
+          </a:p>
+          <a:p>
+            <a:r>
+              <a:rPr lang="en-US" dirty="0" smtClean="0"/>
+              <a:t>Look at the branch </a:t>
+            </a:r>
+            <a:r>
+              <a:rPr lang="en-US" i="1" dirty="0" err="1" smtClean="0"/>
+              <a:t>chunkmsg</a:t>
+            </a:r>
+            <a:r>
+              <a:rPr lang="en-US" dirty="0" smtClean="0"/>
+              <a:t> for more details</a:t>
+            </a:r>
+            <a:endParaRPr lang="en-US" dirty="0" smtClean="0"/>
           </a:p>
           <a:p>
             <a:endParaRPr lang="en-US" dirty="0"/>
@@ -7392,7 +7487,7 @@
           <a:p>
             <a:r>
               <a:rPr lang="en-US" dirty="0" smtClean="0"/>
-              <a:t>What are Beacons?</a:t>
+              <a:t>We’re done</a:t>
             </a:r>
             <a:endParaRPr lang="en-US" dirty="0"/>
           </a:p>
@@ -7415,41 +7510,31 @@
           <a:p>
             <a:r>
               <a:rPr lang="en-US" dirty="0" smtClean="0"/>
-              <a:t>Peripherals</a:t>
-            </a:r>
-          </a:p>
-          <a:p>
-            <a:r>
-              <a:rPr lang="en-US" dirty="0" smtClean="0"/>
-              <a:t>Use the advertising packets to notify users of a unique BLE device</a:t>
-            </a:r>
-          </a:p>
-          <a:p>
-            <a:r>
-              <a:rPr lang="en-US" dirty="0" smtClean="0"/>
-              <a:t>Unique beacon can then be tied to data in a smartphone app (beacon Id -&gt; shoes on sale)</a:t>
-            </a:r>
-          </a:p>
-          <a:p>
-            <a:r>
-              <a:rPr lang="en-US" dirty="0" smtClean="0"/>
-              <a:t>Apple has their own standard, </a:t>
-            </a:r>
-            <a:r>
-              <a:rPr lang="en-US" dirty="0" err="1" smtClean="0"/>
-              <a:t>iBeacon</a:t>
-            </a:r>
-            <a:r>
-              <a:rPr lang="en-US" dirty="0" smtClean="0"/>
-              <a:t>, which uses the </a:t>
-            </a:r>
-            <a:r>
-              <a:rPr lang="en-US" dirty="0" err="1" smtClean="0"/>
-              <a:t>CoreLocation</a:t>
-            </a:r>
-            <a:r>
-              <a:rPr lang="en-US" dirty="0" smtClean="0"/>
-              <a:t> Framework</a:t>
+              <a:t>Email me (</a:t>
+            </a:r>
+            <a:r>
+              <a:rPr lang="en-US" dirty="0" smtClean="0">
+                <a:hlinkClick r:id="rId2"/>
+              </a:rPr>
+              <a:t>nflacco@twitter.com</a:t>
+            </a:r>
+            <a:r>
+              <a:rPr lang="en-US" dirty="0" smtClean="0"/>
+              <a:t>) or drop by my desk if you have </a:t>
+            </a:r>
+            <a:r>
+              <a:rPr lang="en-US" smtClean="0"/>
+              <a:t>feedback, questions</a:t>
+            </a:r>
+            <a:r>
+              <a:rPr lang="en-US" dirty="0" smtClean="0"/>
+              <a:t>, ideas, etc.</a:t>
+            </a:r>
+          </a:p>
+          <a:p>
+            <a:r>
+              <a:rPr lang="en-US" dirty="0" smtClean="0"/>
+              <a:t>I will try to get some screencasts for the remote folks</a:t>
             </a:r>
             <a:endParaRPr lang="en-US" dirty="0"/>
           </a:p>
@@ -7458,7 +7543,7 @@
     </p:spTree>
     <p:extLst>
       <p:ext uri="{BB962C8B-B14F-4D97-AF65-F5344CB8AC3E}">
-        <p14:creationId xmlns:p14="http://schemas.microsoft.com/office/powerpoint/2010/main" val="1602711782"/>
+        <p14:creationId xmlns:p14="http://schemas.microsoft.com/office/powerpoint/2010/main" val="526323798"/>
       </p:ext>
     </p:extLst>
   </p:cSld>
@@ -7624,35 +7709,64 @@
           <a:lstStyle/>
           <a:p>
             <a:r>
+              <a:rPr lang="en-US" dirty="0" smtClean="0"/>
+              <a:t>Future Courses</a:t>
+            </a:r>
+            <a:endParaRPr lang="en-US" dirty="0"/>
+          </a:p>
+        </p:txBody>
+      </p:sp>
+      <p:sp>
+        <p:nvSpPr>
+          <p:cNvPr id="3" name="Content Placeholder 2"/>
+          <p:cNvSpPr>
+            <a:spLocks noGrp="1"/>
+          </p:cNvSpPr>
+          <p:nvPr>
+            <p:ph idx="1"/>
+          </p:nvPr>
+        </p:nvSpPr>
+        <p:spPr/>
+        <p:txBody>
+          <a:bodyPr/>
+          <a:lstStyle/>
+          <a:p>
+            <a:r>
+              <a:rPr lang="en-US" dirty="0" smtClean="0"/>
+              <a:t>I hope to teach classes on the following subjects:</a:t>
+            </a:r>
+          </a:p>
+          <a:p>
+            <a:pPr lvl="1"/>
+            <a:r>
+              <a:rPr lang="en-US" dirty="0" smtClean="0"/>
+              <a:t>Peripherals, and background Peripheral discovery</a:t>
+            </a:r>
+          </a:p>
+          <a:p>
+            <a:pPr lvl="1"/>
+            <a:r>
               <a:rPr lang="en-US" dirty="0" err="1" smtClean="0"/>
-              <a:t>CoreBluetooth</a:t>
-            </a:r>
-            <a:r>
-              <a:rPr lang="en-US" dirty="0" smtClean="0"/>
-              <a:t> Background Mode</a:t>
-            </a:r>
-            <a:endParaRPr lang="en-US" dirty="0"/>
-          </a:p>
-        </p:txBody>
-      </p:sp>
-      <p:sp>
-        <p:nvSpPr>
-          <p:cNvPr id="3" name="Content Placeholder 2"/>
-          <p:cNvSpPr>
-            <a:spLocks noGrp="1"/>
-          </p:cNvSpPr>
-          <p:nvPr>
-            <p:ph idx="1"/>
-          </p:nvPr>
-        </p:nvSpPr>
-        <p:spPr/>
-        <p:txBody>
-          <a:bodyPr/>
-          <a:lstStyle/>
-          <a:p>
-            <a:r>
-              <a:rPr lang="en-US" dirty="0" smtClean="0"/>
-              <a:t>To discover peripherals, you must specify one or more Service UUIDs. You cannot do a scan for arbitrary peripherals</a:t>
+              <a:t>iBeacons</a:t>
+            </a:r>
+            <a:r>
+              <a:rPr lang="en-US" dirty="0" smtClean="0"/>
+              <a:t> (building on our work with Centrals and Peripherals, but using the </a:t>
+            </a:r>
+            <a:r>
+              <a:rPr lang="en-US" dirty="0" err="1" smtClean="0"/>
+              <a:t>CoreLocation</a:t>
+            </a:r>
+            <a:r>
+              <a:rPr lang="en-US" dirty="0" smtClean="0"/>
+              <a:t> framework)</a:t>
+            </a:r>
+          </a:p>
+          <a:p>
+            <a:pPr lvl="1"/>
+            <a:r>
+              <a:rPr lang="en-US" dirty="0" smtClean="0"/>
+              <a:t>Advanced applications of these technologies (p2p mesh networks, indoor mapping)</a:t>
             </a:r>
             <a:endParaRPr lang="en-US" dirty="0"/>
           </a:p>
@@ -7661,7 +7775,7 @@
     </p:spTree>
     <p:extLst>
       <p:ext uri="{BB962C8B-B14F-4D97-AF65-F5344CB8AC3E}">
-        <p14:creationId xmlns:p14="http://schemas.microsoft.com/office/powerpoint/2010/main" val="4195759916"/>
+        <p14:creationId xmlns:p14="http://schemas.microsoft.com/office/powerpoint/2010/main" val="2339531338"/>
       </p:ext>
     </p:extLst>
   </p:cSld>

--- a/Lecture.pptx
+++ b/Lecture.pptx
@@ -289,7 +289,7 @@
           <a:p>
             <a:fld id="{C404A6F0-BBCF-2743-A3DF-3ED198CAD670}" type="datetimeFigureOut">
               <a:rPr lang="en-US" smtClean="0"/>
-              <a:t>3/8/14</a:t>
+              <a:t>3/9/14</a:t>
             </a:fld>
             <a:endParaRPr lang="en-US"/>
           </a:p>
@@ -986,6 +986,210 @@
           <a:p>
             <a:r>
               <a:rPr lang="en-US" dirty="0" smtClean="0"/>
+              <a:t>NOTE:</a:t>
+            </a:r>
+            <a:r>
+              <a:rPr lang="en-US" baseline="0" dirty="0" smtClean="0"/>
+              <a:t> </a:t>
+            </a:r>
+            <a:r>
+              <a:rPr lang="en-US" baseline="0" dirty="0" err="1" smtClean="0"/>
+              <a:t>CBPeripheral</a:t>
+            </a:r>
+            <a:r>
+              <a:rPr lang="en-US" baseline="0" dirty="0" smtClean="0"/>
+              <a:t> is different than </a:t>
+            </a:r>
+            <a:r>
+              <a:rPr lang="en-US" baseline="0" dirty="0" err="1" smtClean="0"/>
+              <a:t>CBPeripheralManager</a:t>
+            </a:r>
+            <a:r>
+              <a:rPr lang="en-US" baseline="0" dirty="0" smtClean="0"/>
+              <a:t> (one is used for connecting to Peripherals, and one is for being </a:t>
+            </a:r>
+            <a:r>
+              <a:rPr lang="en-US" baseline="0" smtClean="0"/>
+              <a:t>a peripheral)</a:t>
+            </a:r>
+            <a:endParaRPr lang="en-US" dirty="0"/>
+          </a:p>
+        </p:txBody>
+      </p:sp>
+      <p:sp>
+        <p:nvSpPr>
+          <p:cNvPr id="4" name="Slide Number Placeholder 3"/>
+          <p:cNvSpPr>
+            <a:spLocks noGrp="1"/>
+          </p:cNvSpPr>
+          <p:nvPr>
+            <p:ph type="sldNum" sz="quarter" idx="10"/>
+          </p:nvPr>
+        </p:nvSpPr>
+        <p:spPr/>
+        <p:txBody>
+          <a:bodyPr/>
+          <a:lstStyle/>
+          <a:p>
+            <a:fld id="{BCD8AC12-6810-D74B-9EE7-946B67E565C5}" type="slidenum">
+              <a:rPr lang="en-US" smtClean="0"/>
+              <a:t>16</a:t>
+            </a:fld>
+            <a:endParaRPr lang="en-US"/>
+          </a:p>
+        </p:txBody>
+      </p:sp>
+    </p:spTree>
+    <p:extLst>
+      <p:ext uri="{BB962C8B-B14F-4D97-AF65-F5344CB8AC3E}">
+        <p14:creationId xmlns:p14="http://schemas.microsoft.com/office/powerpoint/2010/main" val="2699094001"/>
+      </p:ext>
+    </p:extLst>
+  </p:cSld>
+  <p:clrMapOvr>
+    <a:masterClrMapping/>
+  </p:clrMapOvr>
+</p:notes>
+</file>
+
+<file path=ppt/notesSlides/notesSlide14.xml><?xml version="1.0" encoding="utf-8"?>
+<p:notes xmlns:a="http://schemas.openxmlformats.org/drawingml/2006/main" xmlns:r="http://schemas.openxmlformats.org/officeDocument/2006/relationships" xmlns:p="http://schemas.openxmlformats.org/presentationml/2006/main">
+  <p:cSld>
+    <p:spTree>
+      <p:nvGrpSpPr>
+        <p:cNvPr id="1" name=""/>
+        <p:cNvGrpSpPr/>
+        <p:nvPr/>
+      </p:nvGrpSpPr>
+      <p:grpSpPr>
+        <a:xfrm>
+          <a:off x="0" y="0"/>
+          <a:ext cx="0" cy="0"/>
+          <a:chOff x="0" y="0"/>
+          <a:chExt cx="0" cy="0"/>
+        </a:xfrm>
+      </p:grpSpPr>
+      <p:sp>
+        <p:nvSpPr>
+          <p:cNvPr id="2" name="Slide Image Placeholder 1"/>
+          <p:cNvSpPr>
+            <a:spLocks noGrp="1" noRot="1" noChangeAspect="1"/>
+          </p:cNvSpPr>
+          <p:nvPr>
+            <p:ph type="sldImg"/>
+          </p:nvPr>
+        </p:nvSpPr>
+        <p:spPr/>
+      </p:sp>
+      <p:sp>
+        <p:nvSpPr>
+          <p:cNvPr id="3" name="Notes Placeholder 2"/>
+          <p:cNvSpPr>
+            <a:spLocks noGrp="1"/>
+          </p:cNvSpPr>
+          <p:nvPr>
+            <p:ph type="body" idx="1"/>
+          </p:nvPr>
+        </p:nvSpPr>
+        <p:spPr/>
+        <p:txBody>
+          <a:bodyPr/>
+          <a:lstStyle/>
+          <a:p>
+            <a:r>
+              <a:rPr lang="en-US" dirty="0" smtClean="0"/>
+              <a:t>What does</a:t>
+            </a:r>
+            <a:r>
+              <a:rPr lang="en-US" baseline="0" dirty="0" smtClean="0"/>
+              <a:t> it mean to ignore duplicates? There is a constant barrage of advertisements, so you don’t want these, unless you want constant proximity updates.</a:t>
+            </a:r>
+            <a:endParaRPr lang="en-US" dirty="0"/>
+          </a:p>
+        </p:txBody>
+      </p:sp>
+      <p:sp>
+        <p:nvSpPr>
+          <p:cNvPr id="4" name="Slide Number Placeholder 3"/>
+          <p:cNvSpPr>
+            <a:spLocks noGrp="1"/>
+          </p:cNvSpPr>
+          <p:nvPr>
+            <p:ph type="sldNum" sz="quarter" idx="10"/>
+          </p:nvPr>
+        </p:nvSpPr>
+        <p:spPr/>
+        <p:txBody>
+          <a:bodyPr/>
+          <a:lstStyle/>
+          <a:p>
+            <a:fld id="{BCD8AC12-6810-D74B-9EE7-946B67E565C5}" type="slidenum">
+              <a:rPr lang="en-US" smtClean="0"/>
+              <a:t>19</a:t>
+            </a:fld>
+            <a:endParaRPr lang="en-US"/>
+          </a:p>
+        </p:txBody>
+      </p:sp>
+    </p:spTree>
+    <p:extLst>
+      <p:ext uri="{BB962C8B-B14F-4D97-AF65-F5344CB8AC3E}">
+        <p14:creationId xmlns:p14="http://schemas.microsoft.com/office/powerpoint/2010/main" val="4081243414"/>
+      </p:ext>
+    </p:extLst>
+  </p:cSld>
+  <p:clrMapOvr>
+    <a:masterClrMapping/>
+  </p:clrMapOvr>
+</p:notes>
+</file>
+
+<file path=ppt/notesSlides/notesSlide15.xml><?xml version="1.0" encoding="utf-8"?>
+<p:notes xmlns:a="http://schemas.openxmlformats.org/drawingml/2006/main" xmlns:r="http://schemas.openxmlformats.org/officeDocument/2006/relationships" xmlns:p="http://schemas.openxmlformats.org/presentationml/2006/main">
+  <p:cSld>
+    <p:spTree>
+      <p:nvGrpSpPr>
+        <p:cNvPr id="1" name=""/>
+        <p:cNvGrpSpPr/>
+        <p:nvPr/>
+      </p:nvGrpSpPr>
+      <p:grpSpPr>
+        <a:xfrm>
+          <a:off x="0" y="0"/>
+          <a:ext cx="0" cy="0"/>
+          <a:chOff x="0" y="0"/>
+          <a:chExt cx="0" cy="0"/>
+        </a:xfrm>
+      </p:grpSpPr>
+      <p:sp>
+        <p:nvSpPr>
+          <p:cNvPr id="2" name="Slide Image Placeholder 1"/>
+          <p:cNvSpPr>
+            <a:spLocks noGrp="1" noRot="1" noChangeAspect="1"/>
+          </p:cNvSpPr>
+          <p:nvPr>
+            <p:ph type="sldImg"/>
+          </p:nvPr>
+        </p:nvSpPr>
+        <p:spPr/>
+      </p:sp>
+      <p:sp>
+        <p:nvSpPr>
+          <p:cNvPr id="3" name="Notes Placeholder 2"/>
+          <p:cNvSpPr>
+            <a:spLocks noGrp="1"/>
+          </p:cNvSpPr>
+          <p:nvPr>
+            <p:ph type="body" idx="1"/>
+          </p:nvPr>
+        </p:nvSpPr>
+        <p:spPr/>
+        <p:txBody>
+          <a:bodyPr/>
+          <a:lstStyle/>
+          <a:p>
+            <a:r>
+              <a:rPr lang="en-US" dirty="0" smtClean="0"/>
               <a:t>RSSI = Received Signal Strength</a:t>
             </a:r>
             <a:r>
@@ -1041,7 +1245,7 @@
 </p:notes>
 </file>
 
-<file path=ppt/notesSlides/notesSlide14.xml><?xml version="1.0" encoding="utf-8"?>
+<file path=ppt/notesSlides/notesSlide16.xml><?xml version="1.0" encoding="utf-8"?>
 <p:notes xmlns:a="http://schemas.openxmlformats.org/drawingml/2006/main" xmlns:r="http://schemas.openxmlformats.org/officeDocument/2006/relationships" xmlns:p="http://schemas.openxmlformats.org/presentationml/2006/main">
   <p:cSld>
     <p:spTree>
@@ -2119,7 +2323,7 @@
           <a:p>
             <a:fld id="{8E07F777-4D5A-BD4A-9040-2B1AB3E9D4B0}" type="datetimeFigureOut">
               <a:rPr lang="en-US" smtClean="0"/>
-              <a:t>3/8/14</a:t>
+              <a:t>3/9/14</a:t>
             </a:fld>
             <a:endParaRPr lang="en-US"/>
           </a:p>
@@ -2289,7 +2493,7 @@
           <a:p>
             <a:fld id="{8E07F777-4D5A-BD4A-9040-2B1AB3E9D4B0}" type="datetimeFigureOut">
               <a:rPr lang="en-US" smtClean="0"/>
-              <a:t>3/8/14</a:t>
+              <a:t>3/9/14</a:t>
             </a:fld>
             <a:endParaRPr lang="en-US"/>
           </a:p>
@@ -2469,7 +2673,7 @@
           <a:p>
             <a:fld id="{8E07F777-4D5A-BD4A-9040-2B1AB3E9D4B0}" type="datetimeFigureOut">
               <a:rPr lang="en-US" smtClean="0"/>
-              <a:t>3/8/14</a:t>
+              <a:t>3/9/14</a:t>
             </a:fld>
             <a:endParaRPr lang="en-US"/>
           </a:p>
@@ -2639,7 +2843,7 @@
           <a:p>
             <a:fld id="{8E07F777-4D5A-BD4A-9040-2B1AB3E9D4B0}" type="datetimeFigureOut">
               <a:rPr lang="en-US" smtClean="0"/>
-              <a:t>3/8/14</a:t>
+              <a:t>3/9/14</a:t>
             </a:fld>
             <a:endParaRPr lang="en-US"/>
           </a:p>
@@ -2885,7 +3089,7 @@
           <a:p>
             <a:fld id="{8E07F777-4D5A-BD4A-9040-2B1AB3E9D4B0}" type="datetimeFigureOut">
               <a:rPr lang="en-US" smtClean="0"/>
-              <a:t>3/8/14</a:t>
+              <a:t>3/9/14</a:t>
             </a:fld>
             <a:endParaRPr lang="en-US"/>
           </a:p>
@@ -3173,7 +3377,7 @@
           <a:p>
             <a:fld id="{8E07F777-4D5A-BD4A-9040-2B1AB3E9D4B0}" type="datetimeFigureOut">
               <a:rPr lang="en-US" smtClean="0"/>
-              <a:t>3/8/14</a:t>
+              <a:t>3/9/14</a:t>
             </a:fld>
             <a:endParaRPr lang="en-US"/>
           </a:p>
@@ -3595,7 +3799,7 @@
           <a:p>
             <a:fld id="{8E07F777-4D5A-BD4A-9040-2B1AB3E9D4B0}" type="datetimeFigureOut">
               <a:rPr lang="en-US" smtClean="0"/>
-              <a:t>3/8/14</a:t>
+              <a:t>3/9/14</a:t>
             </a:fld>
             <a:endParaRPr lang="en-US"/>
           </a:p>
@@ -3713,7 +3917,7 @@
           <a:p>
             <a:fld id="{8E07F777-4D5A-BD4A-9040-2B1AB3E9D4B0}" type="datetimeFigureOut">
               <a:rPr lang="en-US" smtClean="0"/>
-              <a:t>3/8/14</a:t>
+              <a:t>3/9/14</a:t>
             </a:fld>
             <a:endParaRPr lang="en-US"/>
           </a:p>
@@ -3808,7 +4012,7 @@
           <a:p>
             <a:fld id="{8E07F777-4D5A-BD4A-9040-2B1AB3E9D4B0}" type="datetimeFigureOut">
               <a:rPr lang="en-US" smtClean="0"/>
-              <a:t>3/8/14</a:t>
+              <a:t>3/9/14</a:t>
             </a:fld>
             <a:endParaRPr lang="en-US"/>
           </a:p>
@@ -4085,7 +4289,7 @@
           <a:p>
             <a:fld id="{8E07F777-4D5A-BD4A-9040-2B1AB3E9D4B0}" type="datetimeFigureOut">
               <a:rPr lang="en-US" smtClean="0"/>
-              <a:t>3/8/14</a:t>
+              <a:t>3/9/14</a:t>
             </a:fld>
             <a:endParaRPr lang="en-US"/>
           </a:p>
@@ -4338,7 +4542,7 @@
           <a:p>
             <a:fld id="{8E07F777-4D5A-BD4A-9040-2B1AB3E9D4B0}" type="datetimeFigureOut">
               <a:rPr lang="en-US" smtClean="0"/>
-              <a:t>3/8/14</a:t>
+              <a:t>3/9/14</a:t>
             </a:fld>
             <a:endParaRPr lang="en-US"/>
           </a:p>
@@ -4551,7 +4755,7 @@
           <a:p>
             <a:fld id="{8E07F777-4D5A-BD4A-9040-2B1AB3E9D4B0}" type="datetimeFigureOut">
               <a:rPr lang="en-US" smtClean="0"/>
-              <a:t>3/8/14</a:t>
+              <a:t>3/9/14</a:t>
             </a:fld>
             <a:endParaRPr lang="en-US"/>
           </a:p>
@@ -5213,7 +5417,15 @@
             </a:pPr>
             <a:r>
               <a:rPr lang="en-US" dirty="0" smtClean="0"/>
-              <a:t>Central discover services</a:t>
+              <a:t>Central </a:t>
+            </a:r>
+            <a:r>
+              <a:rPr lang="en-US" dirty="0" smtClean="0"/>
+              <a:t>discovers </a:t>
+            </a:r>
+            <a:r>
+              <a:rPr lang="en-US" dirty="0" smtClean="0"/>
+              <a:t>services</a:t>
             </a:r>
           </a:p>
           <a:p>
@@ -5426,33 +5638,19 @@
             </a:r>
             <a:r>
               <a:rPr lang="en-US" dirty="0" smtClean="0"/>
-              <a:t> clone </a:t>
+              <a:t> </a:t>
+            </a:r>
+            <a:r>
+              <a:rPr lang="en-US" dirty="0" smtClean="0"/>
+              <a:t>clone </a:t>
             </a:r>
             <a:r>
               <a:rPr lang="en-US" dirty="0" smtClean="0">
                 <a:hlinkClick r:id="rId3"/>
               </a:rPr>
-              <a:t>https://</a:t>
-            </a:r>
-            <a:r>
-              <a:rPr lang="en-US" dirty="0" err="1" smtClean="0">
-                <a:hlinkClick r:id="rId3"/>
-              </a:rPr>
-              <a:t>github.com</a:t>
-            </a:r>
-            <a:r>
-              <a:rPr lang="en-US" dirty="0" smtClean="0">
-                <a:hlinkClick r:id="rId3"/>
-              </a:rPr>
-              <a:t>/a34729t/</a:t>
-            </a:r>
-            <a:r>
-              <a:rPr lang="en-US" dirty="0" err="1" smtClean="0">
-                <a:hlinkClick r:id="rId3"/>
-              </a:rPr>
-              <a:t>SimpleCentral</a:t>
-            </a:r>
-            <a:endParaRPr lang="en-US" dirty="0"/>
+              <a:t>https://github.com/a34729t/SimpleCentral</a:t>
+            </a:r>
+            <a:endParaRPr lang="en-US" dirty="0" smtClean="0"/>
           </a:p>
           <a:p>
             <a:r>
@@ -5465,16 +5663,16 @@
               <a:buNone/>
             </a:pPr>
             <a:r>
-              <a:rPr lang="en-US" dirty="0" err="1"/>
-              <a:t>g</a:t>
-            </a:r>
-            <a:r>
               <a:rPr lang="en-US" dirty="0" err="1" smtClean="0"/>
-              <a:t>it</a:t>
-            </a:r>
-            <a:r>
-              <a:rPr lang="en-US" dirty="0" smtClean="0"/>
-              <a:t> checkout </a:t>
+              <a:t>git</a:t>
+            </a:r>
+            <a:r>
+              <a:rPr lang="en-US" dirty="0" smtClean="0"/>
+              <a:t> </a:t>
+            </a:r>
+            <a:r>
+              <a:rPr lang="en-US" dirty="0" smtClean="0"/>
+              <a:t>checkout </a:t>
             </a:r>
             <a:r>
               <a:rPr lang="en-US" dirty="0" err="1" smtClean="0"/>
@@ -5813,8 +6011,40 @@
           <a:p>
             <a:r>
               <a:rPr lang="en-US" dirty="0" smtClean="0"/>
-              <a:t>I will guide you through the implementation of everything else</a:t>
-            </a:r>
+              <a:t>I will guide you through the implementation of everything </a:t>
+            </a:r>
+            <a:r>
+              <a:rPr lang="en-US" dirty="0" smtClean="0"/>
+              <a:t>else</a:t>
+            </a:r>
+          </a:p>
+          <a:p>
+            <a:pPr lvl="1"/>
+            <a:r>
+              <a:rPr lang="en-US" dirty="0" smtClean="0"/>
+              <a:t>Delegates for </a:t>
+            </a:r>
+            <a:r>
+              <a:rPr lang="en-US" dirty="0" err="1" smtClean="0"/>
+              <a:t>CBCentralCentralManager</a:t>
+            </a:r>
+            <a:endParaRPr lang="en-US" dirty="0"/>
+          </a:p>
+          <a:p>
+            <a:pPr lvl="1"/>
+            <a:r>
+              <a:rPr lang="en-US" dirty="0" smtClean="0"/>
+              <a:t>Delegates for </a:t>
+            </a:r>
+            <a:r>
+              <a:rPr lang="en-US" dirty="0" err="1" smtClean="0"/>
+              <a:t>CBPeripheral</a:t>
+            </a:r>
+            <a:r>
+              <a:rPr lang="en-US" dirty="0" smtClean="0"/>
+              <a:t> (connected Peripheral)</a:t>
+            </a:r>
+            <a:endParaRPr lang="en-US" dirty="0" smtClean="0"/>
           </a:p>
           <a:p>
             <a:r>
@@ -5895,44 +6125,65 @@
         <p:spPr/>
         <p:txBody>
           <a:bodyPr>
-            <a:normAutofit lnSpcReduction="10000"/>
+            <a:normAutofit fontScale="92500" lnSpcReduction="20000"/>
           </a:bodyPr>
           <a:lstStyle/>
           <a:p>
             <a:r>
               <a:rPr lang="en-US" dirty="0" smtClean="0"/>
-              <a:t>We create a thread for the </a:t>
+              <a:t>We create a </a:t>
+            </a:r>
+            <a:r>
+              <a:rPr lang="en-US" dirty="0" smtClean="0"/>
+              <a:t>queue for </a:t>
+            </a:r>
+            <a:r>
+              <a:rPr lang="en-US" dirty="0" smtClean="0"/>
+              <a:t>the </a:t>
             </a:r>
             <a:r>
               <a:rPr lang="en-US" dirty="0" err="1" smtClean="0"/>
-              <a:t>CentralManager</a:t>
+              <a:t>CBCentralManager</a:t>
             </a:r>
             <a:endParaRPr lang="en-US" dirty="0" smtClean="0"/>
           </a:p>
           <a:p>
             <a:r>
               <a:rPr lang="en-US" dirty="0" smtClean="0"/>
-              <a:t>This means we need to fire delegates back into the main thread</a:t>
-            </a:r>
-          </a:p>
-          <a:p>
-            <a:r>
-              <a:rPr lang="en-US" dirty="0" smtClean="0"/>
-              <a:t>We also create a Dictionary to hold Peripherals we connect to. Why?</a:t>
+              <a:t>This means delegates also fire on this queue- any calls to the UI need to be on the main queue</a:t>
+            </a:r>
+          </a:p>
+          <a:p>
+            <a:r>
+              <a:rPr lang="en-US" dirty="0" smtClean="0"/>
+              <a:t>We </a:t>
+            </a:r>
+            <a:r>
+              <a:rPr lang="en-US" dirty="0" smtClean="0"/>
+              <a:t>also create a Dictionary to hold Peripherals we connect to. Why?</a:t>
             </a:r>
           </a:p>
           <a:p>
             <a:pPr lvl="1"/>
             <a:r>
               <a:rPr lang="en-US" dirty="0" smtClean="0"/>
-              <a:t>Peripherals need to be retained</a:t>
-            </a:r>
+              <a:t>Peripherals need to be </a:t>
+            </a:r>
+            <a:r>
+              <a:rPr lang="en-US" dirty="0" smtClean="0"/>
+              <a:t>retained as soon as they discovered</a:t>
+            </a:r>
+            <a:endParaRPr lang="en-US" dirty="0" smtClean="0"/>
           </a:p>
           <a:p>
             <a:pPr lvl="1"/>
             <a:r>
               <a:rPr lang="en-US" dirty="0" smtClean="0"/>
-              <a:t>We map the Peripheral to a </a:t>
+              <a:t>We </a:t>
+            </a:r>
+            <a:r>
+              <a:rPr lang="en-US" dirty="0" smtClean="0"/>
+              <a:t>map the Peripheral to a </a:t>
             </a:r>
             <a:r>
               <a:rPr lang="en-US" dirty="0" err="1" smtClean="0"/>
@@ -5940,7 +6191,11 @@
             </a:r>
             <a:r>
               <a:rPr lang="en-US" dirty="0" smtClean="0"/>
-              <a:t>, which functions as queue for incoming data from that Peripheral</a:t>
+              <a:t>, which functions as queue for incoming data from that </a:t>
+            </a:r>
+            <a:r>
+              <a:rPr lang="en-US" dirty="0" smtClean="0"/>
+              <a:t>Peripheral (this allows us to handle multiple peripherals)</a:t>
             </a:r>
             <a:endParaRPr lang="en-US" dirty="0"/>
           </a:p>
@@ -6180,15 +6435,13 @@
           <a:p>
             <a:r>
               <a:rPr lang="en-US" dirty="0" smtClean="0"/>
-              <a:t>We also give it an option to ignore duplicates</a:t>
-            </a:r>
-          </a:p>
-          <a:p>
-            <a:r>
-              <a:rPr lang="en-US" dirty="0" smtClean="0"/>
-              <a:t>Stopping scan is easy</a:t>
-            </a:r>
-            <a:endParaRPr lang="en-US" dirty="0"/>
+              <a:t>We also give it an option to ignore </a:t>
+            </a:r>
+            <a:r>
+              <a:rPr lang="en-US" dirty="0" smtClean="0"/>
+              <a:t>duplicates</a:t>
+            </a:r>
+            <a:endParaRPr lang="en-US" dirty="0" smtClean="0"/>
           </a:p>
         </p:txBody>
       </p:sp>
@@ -6678,8 +6931,16 @@
               <a:t>CentralManager</a:t>
             </a:r>
             <a:r>
+              <a:rPr lang="fr-FR" dirty="0" err="1" smtClean="0"/>
+              <a:t>.m</a:t>
+            </a:r>
+            <a:r>
               <a:rPr lang="fr-FR" dirty="0" smtClean="0"/>
-              <a:t> as the </a:t>
+              <a:t> </a:t>
+            </a:r>
+            <a:r>
+              <a:rPr lang="fr-FR" dirty="0" smtClean="0"/>
+              <a:t>as the </a:t>
             </a:r>
             <a:r>
               <a:rPr lang="fr-FR" dirty="0" err="1" smtClean="0"/>
@@ -6786,13 +7047,26 @@
         </p:nvSpPr>
         <p:spPr/>
         <p:txBody>
-          <a:bodyPr/>
-          <a:lstStyle/>
-          <a:p>
-            <a:r>
-              <a:rPr lang="en-US" dirty="0" smtClean="0"/>
-              <a:t>Discovered Peripheral that has a given Service, but we need to loop through all its Services to access this Service</a:t>
-            </a:r>
+          <a:bodyPr>
+            <a:normAutofit lnSpcReduction="10000"/>
+          </a:bodyPr>
+          <a:lstStyle/>
+          <a:p>
+            <a:r>
+              <a:rPr lang="en-US" dirty="0" smtClean="0"/>
+              <a:t>Discovered Peripheral that has a given Service, but we need to loop through all its Services to access this </a:t>
+            </a:r>
+            <a:r>
+              <a:rPr lang="en-US" dirty="0" smtClean="0"/>
+              <a:t>Service</a:t>
+            </a:r>
+          </a:p>
+          <a:p>
+            <a:r>
+              <a:rPr lang="en-US" dirty="0" smtClean="0"/>
+              <a:t>The only Service we can talk to (even if we had it previously) is the Service returned by the delegate</a:t>
+            </a:r>
+            <a:endParaRPr lang="en-US" dirty="0" smtClean="0"/>
           </a:p>
           <a:p>
             <a:r>
@@ -6893,7 +7167,15 @@
             </a:r>
             <a:r>
               <a:rPr lang="en-US" dirty="0" smtClean="0"/>
-              <a:t>, we need to walk through all Characteristics of Service</a:t>
+              <a:t>, we need to </a:t>
+            </a:r>
+            <a:r>
+              <a:rPr lang="en-US" dirty="0" smtClean="0"/>
+              <a:t>loop through </a:t>
+            </a:r>
+            <a:r>
+              <a:rPr lang="en-US" dirty="0" smtClean="0"/>
+              <a:t>all Characteristics of Service</a:t>
             </a:r>
           </a:p>
           <a:p>
@@ -6905,13 +7187,8 @@
           <a:p>
             <a:r>
               <a:rPr lang="en-US" dirty="0" smtClean="0"/>
-              <a:t>Once we have identified the Characteristic we want, tell the Peripheral to notify us when the value of the Characteristic </a:t>
-            </a:r>
-            <a:r>
-              <a:rPr lang="en-US" smtClean="0"/>
-              <a:t>is updated</a:t>
-            </a:r>
-            <a:endParaRPr lang="en-US" dirty="0" smtClean="0"/>
+              <a:t>Once we have identified the Characteristic we want, tell the Peripheral to notify us when the value of the Characteristic is updated</a:t>
+            </a:r>
           </a:p>
         </p:txBody>
       </p:sp>
@@ -7188,11 +7465,7 @@
           <a:p>
             <a:r>
               <a:rPr lang="en-US" dirty="0" smtClean="0"/>
-              <a:t>Fortunately, I’ve already given you a message Queue for each connected </a:t>
-            </a:r>
-            <a:r>
-              <a:rPr lang="en-US" dirty="0" smtClean="0"/>
-              <a:t>Peripheral</a:t>
+              <a:t>Fortunately, I’ve already given you a message Queue for each connected Peripheral</a:t>
             </a:r>
           </a:p>
           <a:p>
@@ -7208,7 +7481,6 @@
               <a:rPr lang="en-US" dirty="0" smtClean="0"/>
               <a:t> for more details</a:t>
             </a:r>
-            <a:endParaRPr lang="en-US" dirty="0" smtClean="0"/>
           </a:p>
           <a:p>
             <a:endParaRPr lang="en-US" dirty="0"/>

--- a/Lecture.pptx
+++ b/Lecture.pptx
@@ -289,7 +289,7 @@
           <a:p>
             <a:fld id="{C404A6F0-BBCF-2743-A3DF-3ED198CAD670}" type="datetimeFigureOut">
               <a:rPr lang="en-US" smtClean="0"/>
-              <a:t>3/9/14</a:t>
+              <a:t>3/12/14</a:t>
             </a:fld>
             <a:endParaRPr lang="en-US"/>
           </a:p>
@@ -687,15 +687,39 @@
           <a:p>
             <a:r>
               <a:rPr lang="en-US" dirty="0" smtClean="0"/>
-              <a:t>You</a:t>
+              <a:t>This class focuses on </a:t>
+            </a:r>
+            <a:r>
+              <a:rPr lang="en-US" dirty="0" err="1" smtClean="0"/>
+              <a:t>CoreBluetooth</a:t>
+            </a:r>
+            <a:r>
+              <a:rPr lang="en-US" dirty="0" smtClean="0"/>
+              <a:t>. I will cover</a:t>
             </a:r>
             <a:r>
               <a:rPr lang="en-US" baseline="0" dirty="0" smtClean="0"/>
-              <a:t> will have to complete a bunch of functions in </a:t>
+              <a:t> </a:t>
             </a:r>
             <a:r>
               <a:rPr lang="en-US" baseline="0" dirty="0" err="1" smtClean="0"/>
-              <a:t>CentralManager.m</a:t>
+              <a:t>iBeacons</a:t>
+            </a:r>
+            <a:r>
+              <a:rPr lang="en-US" baseline="0" dirty="0" smtClean="0"/>
+              <a:t> in another class</a:t>
+            </a:r>
+          </a:p>
+          <a:p>
+            <a:r>
+              <a:rPr lang="en-US" baseline="0" dirty="0" smtClean="0"/>
+              <a:t>----- Meeting Notes (3/12/14 16:18) -----</a:t>
+            </a:r>
+          </a:p>
+          <a:p>
+            <a:r>
+              <a:rPr lang="en-US" baseline="0" dirty="0" smtClean="0"/>
+              <a:t>Cast this in terms of a diagram</a:t>
             </a:r>
             <a:endParaRPr lang="en-US" dirty="0"/>
           </a:p>
@@ -716,9 +740,9 @@
           <a:bodyPr/>
           <a:lstStyle/>
           <a:p>
-            <a:fld id="{BCD8AC12-6810-D74B-9EE7-946B67E565C5}" type="slidenum">
-              <a:rPr lang="en-US" smtClean="0"/>
-              <a:t>13</a:t>
+            <a:fld id="{415EADC4-4264-DF41-8D51-DAB00F6C6DC2}" type="slidenum">
+              <a:rPr lang="en-US" smtClean="0"/>
+              <a:t>11</a:t>
             </a:fld>
             <a:endParaRPr lang="en-US"/>
           </a:p>
@@ -727,7 +751,7 @@
     </p:spTree>
     <p:extLst>
       <p:ext uri="{BB962C8B-B14F-4D97-AF65-F5344CB8AC3E}">
-        <p14:creationId xmlns:p14="http://schemas.microsoft.com/office/powerpoint/2010/main" val="711314127"/>
+        <p14:creationId xmlns:p14="http://schemas.microsoft.com/office/powerpoint/2010/main" val="1809671152"/>
       </p:ext>
     </p:extLst>
   </p:cSld>
@@ -781,37 +805,18 @@
           <a:bodyPr/>
           <a:lstStyle/>
           <a:p>
-            <a:pPr marL="0" marR="0" indent="0" algn="l" defTabSz="457200" rtl="0" eaLnBrk="1" fontAlgn="auto" latinLnBrk="0" hangingPunct="1">
-              <a:lnSpc>
-                <a:spcPct val="100000"/>
-              </a:lnSpc>
-              <a:spcBef>
-                <a:spcPts val="0"/>
-              </a:spcBef>
-              <a:spcAft>
-                <a:spcPts val="0"/>
-              </a:spcAft>
-              <a:buClrTx/>
-              <a:buSzTx/>
-              <a:buFontTx/>
-              <a:buNone/>
-              <a:tabLst/>
-              <a:defRPr/>
-            </a:pPr>
-            <a:r>
-              <a:rPr lang="en-US" dirty="0" smtClean="0"/>
-              <a:t>I define the CBUUIDs directly, as opposed to just the strings because it’s very easy in the </a:t>
-            </a:r>
-            <a:r>
-              <a:rPr lang="en-US" dirty="0" err="1" smtClean="0"/>
-              <a:t>CentralManager</a:t>
-            </a:r>
-            <a:r>
-              <a:rPr lang="en-US" dirty="0" smtClean="0"/>
-              <a:t> to use the strings by accident instead of wrapping them in CBUUIDs</a:t>
-            </a:r>
-          </a:p>
-          <a:p>
+            <a:r>
+              <a:rPr lang="en-US" dirty="0" smtClean="0"/>
+              <a:t>You</a:t>
+            </a:r>
+            <a:r>
+              <a:rPr lang="en-US" baseline="0" dirty="0" smtClean="0"/>
+              <a:t> will have to complete a bunch of functions in </a:t>
+            </a:r>
+            <a:r>
+              <a:rPr lang="en-US" baseline="0" dirty="0" err="1" smtClean="0"/>
+              <a:t>CentralManager.m</a:t>
+            </a:r>
             <a:endParaRPr lang="en-US" dirty="0"/>
           </a:p>
         </p:txBody>
@@ -833,7 +838,7 @@
           <a:p>
             <a:fld id="{BCD8AC12-6810-D74B-9EE7-946B67E565C5}" type="slidenum">
               <a:rPr lang="en-US" smtClean="0"/>
-              <a:t>14</a:t>
+              <a:t>13</a:t>
             </a:fld>
             <a:endParaRPr lang="en-US"/>
           </a:p>
@@ -842,7 +847,7 @@
     </p:spTree>
     <p:extLst>
       <p:ext uri="{BB962C8B-B14F-4D97-AF65-F5344CB8AC3E}">
-        <p14:creationId xmlns:p14="http://schemas.microsoft.com/office/powerpoint/2010/main" val="452396248"/>
+        <p14:creationId xmlns:p14="http://schemas.microsoft.com/office/powerpoint/2010/main" val="711314127"/>
       </p:ext>
     </p:extLst>
   </p:cSld>
@@ -896,10 +901,37 @@
           <a:bodyPr/>
           <a:lstStyle/>
           <a:p>
-            <a:r>
-              <a:rPr lang="en-US" dirty="0" smtClean="0"/>
-              <a:t>Note that scanning and detecting are used interchangeably in the literature</a:t>
-            </a:r>
+            <a:pPr marL="0" marR="0" indent="0" algn="l" defTabSz="457200" rtl="0" eaLnBrk="1" fontAlgn="auto" latinLnBrk="0" hangingPunct="1">
+              <a:lnSpc>
+                <a:spcPct val="100000"/>
+              </a:lnSpc>
+              <a:spcBef>
+                <a:spcPts val="0"/>
+              </a:spcBef>
+              <a:spcAft>
+                <a:spcPts val="0"/>
+              </a:spcAft>
+              <a:buClrTx/>
+              <a:buSzTx/>
+              <a:buFontTx/>
+              <a:buNone/>
+              <a:tabLst/>
+              <a:defRPr/>
+            </a:pPr>
+            <a:r>
+              <a:rPr lang="en-US" dirty="0" smtClean="0"/>
+              <a:t>I define the CBUUIDs directly, as opposed to just the strings because it’s very easy in the </a:t>
+            </a:r>
+            <a:r>
+              <a:rPr lang="en-US" dirty="0" err="1" smtClean="0"/>
+              <a:t>CentralManager</a:t>
+            </a:r>
+            <a:r>
+              <a:rPr lang="en-US" dirty="0" smtClean="0"/>
+              <a:t> to use the strings by accident instead of wrapping them in CBUUIDs</a:t>
+            </a:r>
+          </a:p>
+          <a:p>
             <a:endParaRPr lang="en-US" dirty="0"/>
           </a:p>
         </p:txBody>
@@ -921,7 +953,7 @@
           <a:p>
             <a:fld id="{BCD8AC12-6810-D74B-9EE7-946B67E565C5}" type="slidenum">
               <a:rPr lang="en-US" smtClean="0"/>
-              <a:t>15</a:t>
+              <a:t>14</a:t>
             </a:fld>
             <a:endParaRPr lang="en-US"/>
           </a:p>
@@ -930,7 +962,7 @@
     </p:spTree>
     <p:extLst>
       <p:ext uri="{BB962C8B-B14F-4D97-AF65-F5344CB8AC3E}">
-        <p14:creationId xmlns:p14="http://schemas.microsoft.com/office/powerpoint/2010/main" val="775871477"/>
+        <p14:creationId xmlns:p14="http://schemas.microsoft.com/office/powerpoint/2010/main" val="452396248"/>
       </p:ext>
     </p:extLst>
   </p:cSld>
@@ -986,31 +1018,7 @@
           <a:p>
             <a:r>
               <a:rPr lang="en-US" dirty="0" smtClean="0"/>
-              <a:t>NOTE:</a:t>
-            </a:r>
-            <a:r>
-              <a:rPr lang="en-US" baseline="0" dirty="0" smtClean="0"/>
-              <a:t> </a:t>
-            </a:r>
-            <a:r>
-              <a:rPr lang="en-US" baseline="0" dirty="0" err="1" smtClean="0"/>
-              <a:t>CBPeripheral</a:t>
-            </a:r>
-            <a:r>
-              <a:rPr lang="en-US" baseline="0" dirty="0" smtClean="0"/>
-              <a:t> is different than </a:t>
-            </a:r>
-            <a:r>
-              <a:rPr lang="en-US" baseline="0" dirty="0" err="1" smtClean="0"/>
-              <a:t>CBPeripheralManager</a:t>
-            </a:r>
-            <a:r>
-              <a:rPr lang="en-US" baseline="0" dirty="0" smtClean="0"/>
-              <a:t> (one is used for connecting to Peripherals, and one is for being </a:t>
-            </a:r>
-            <a:r>
-              <a:rPr lang="en-US" baseline="0" smtClean="0"/>
-              <a:t>a peripheral)</a:t>
+              <a:t>Note that scanning and detecting are used interchangeably in the literature</a:t>
             </a:r>
             <a:endParaRPr lang="en-US" dirty="0"/>
           </a:p>
@@ -1033,7 +1041,7 @@
           <a:p>
             <a:fld id="{BCD8AC12-6810-D74B-9EE7-946B67E565C5}" type="slidenum">
               <a:rPr lang="en-US" smtClean="0"/>
-              <a:t>16</a:t>
+              <a:t>15</a:t>
             </a:fld>
             <a:endParaRPr lang="en-US"/>
           </a:p>
@@ -1042,7 +1050,7 @@
     </p:spTree>
     <p:extLst>
       <p:ext uri="{BB962C8B-B14F-4D97-AF65-F5344CB8AC3E}">
-        <p14:creationId xmlns:p14="http://schemas.microsoft.com/office/powerpoint/2010/main" val="2699094001"/>
+        <p14:creationId xmlns:p14="http://schemas.microsoft.com/office/powerpoint/2010/main" val="775871477"/>
       </p:ext>
     </p:extLst>
   </p:cSld>
@@ -1098,11 +1106,31 @@
           <a:p>
             <a:r>
               <a:rPr lang="en-US" dirty="0" smtClean="0"/>
-              <a:t>What does</a:t>
+              <a:t>NOTE:</a:t>
             </a:r>
             <a:r>
               <a:rPr lang="en-US" baseline="0" dirty="0" smtClean="0"/>
-              <a:t> it mean to ignore duplicates? There is a constant barrage of advertisements, so you don’t want these, unless you want constant proximity updates.</a:t>
+              <a:t> </a:t>
+            </a:r>
+            <a:r>
+              <a:rPr lang="en-US" baseline="0" dirty="0" err="1" smtClean="0"/>
+              <a:t>CBPeripheral</a:t>
+            </a:r>
+            <a:r>
+              <a:rPr lang="en-US" baseline="0" dirty="0" smtClean="0"/>
+              <a:t> is different than </a:t>
+            </a:r>
+            <a:r>
+              <a:rPr lang="en-US" baseline="0" dirty="0" err="1" smtClean="0"/>
+              <a:t>CBPeripheralManager</a:t>
+            </a:r>
+            <a:r>
+              <a:rPr lang="en-US" baseline="0" dirty="0" smtClean="0"/>
+              <a:t> (one is used for connecting to Peripherals, and one is for being </a:t>
+            </a:r>
+            <a:r>
+              <a:rPr lang="en-US" baseline="0" smtClean="0"/>
+              <a:t>a peripheral)</a:t>
             </a:r>
             <a:endParaRPr lang="en-US" dirty="0"/>
           </a:p>
@@ -1125,7 +1153,7 @@
           <a:p>
             <a:fld id="{BCD8AC12-6810-D74B-9EE7-946B67E565C5}" type="slidenum">
               <a:rPr lang="en-US" smtClean="0"/>
-              <a:t>19</a:t>
+              <a:t>16</a:t>
             </a:fld>
             <a:endParaRPr lang="en-US"/>
           </a:p>
@@ -1134,7 +1162,7 @@
     </p:spTree>
     <p:extLst>
       <p:ext uri="{BB962C8B-B14F-4D97-AF65-F5344CB8AC3E}">
-        <p14:creationId xmlns:p14="http://schemas.microsoft.com/office/powerpoint/2010/main" val="4081243414"/>
+        <p14:creationId xmlns:p14="http://schemas.microsoft.com/office/powerpoint/2010/main" val="2699094001"/>
       </p:ext>
     </p:extLst>
   </p:cSld>
@@ -1190,6 +1218,98 @@
           <a:p>
             <a:r>
               <a:rPr lang="en-US" dirty="0" smtClean="0"/>
+              <a:t>What does</a:t>
+            </a:r>
+            <a:r>
+              <a:rPr lang="en-US" baseline="0" dirty="0" smtClean="0"/>
+              <a:t> it mean to ignore duplicates? There is a constant barrage of advertisements, so you don’t want these, unless you want constant proximity updates.</a:t>
+            </a:r>
+            <a:endParaRPr lang="en-US" dirty="0"/>
+          </a:p>
+        </p:txBody>
+      </p:sp>
+      <p:sp>
+        <p:nvSpPr>
+          <p:cNvPr id="4" name="Slide Number Placeholder 3"/>
+          <p:cNvSpPr>
+            <a:spLocks noGrp="1"/>
+          </p:cNvSpPr>
+          <p:nvPr>
+            <p:ph type="sldNum" sz="quarter" idx="10"/>
+          </p:nvPr>
+        </p:nvSpPr>
+        <p:spPr/>
+        <p:txBody>
+          <a:bodyPr/>
+          <a:lstStyle/>
+          <a:p>
+            <a:fld id="{BCD8AC12-6810-D74B-9EE7-946B67E565C5}" type="slidenum">
+              <a:rPr lang="en-US" smtClean="0"/>
+              <a:t>19</a:t>
+            </a:fld>
+            <a:endParaRPr lang="en-US"/>
+          </a:p>
+        </p:txBody>
+      </p:sp>
+    </p:spTree>
+    <p:extLst>
+      <p:ext uri="{BB962C8B-B14F-4D97-AF65-F5344CB8AC3E}">
+        <p14:creationId xmlns:p14="http://schemas.microsoft.com/office/powerpoint/2010/main" val="4081243414"/>
+      </p:ext>
+    </p:extLst>
+  </p:cSld>
+  <p:clrMapOvr>
+    <a:masterClrMapping/>
+  </p:clrMapOvr>
+</p:notes>
+</file>
+
+<file path=ppt/notesSlides/notesSlide16.xml><?xml version="1.0" encoding="utf-8"?>
+<p:notes xmlns:a="http://schemas.openxmlformats.org/drawingml/2006/main" xmlns:r="http://schemas.openxmlformats.org/officeDocument/2006/relationships" xmlns:p="http://schemas.openxmlformats.org/presentationml/2006/main">
+  <p:cSld>
+    <p:spTree>
+      <p:nvGrpSpPr>
+        <p:cNvPr id="1" name=""/>
+        <p:cNvGrpSpPr/>
+        <p:nvPr/>
+      </p:nvGrpSpPr>
+      <p:grpSpPr>
+        <a:xfrm>
+          <a:off x="0" y="0"/>
+          <a:ext cx="0" cy="0"/>
+          <a:chOff x="0" y="0"/>
+          <a:chExt cx="0" cy="0"/>
+        </a:xfrm>
+      </p:grpSpPr>
+      <p:sp>
+        <p:nvSpPr>
+          <p:cNvPr id="2" name="Slide Image Placeholder 1"/>
+          <p:cNvSpPr>
+            <a:spLocks noGrp="1" noRot="1" noChangeAspect="1"/>
+          </p:cNvSpPr>
+          <p:nvPr>
+            <p:ph type="sldImg"/>
+          </p:nvPr>
+        </p:nvSpPr>
+        <p:spPr/>
+      </p:sp>
+      <p:sp>
+        <p:nvSpPr>
+          <p:cNvPr id="3" name="Notes Placeholder 2"/>
+          <p:cNvSpPr>
+            <a:spLocks noGrp="1"/>
+          </p:cNvSpPr>
+          <p:nvPr>
+            <p:ph type="body" idx="1"/>
+          </p:nvPr>
+        </p:nvSpPr>
+        <p:spPr/>
+        <p:txBody>
+          <a:bodyPr/>
+          <a:lstStyle/>
+          <a:p>
+            <a:r>
+              <a:rPr lang="en-US" dirty="0" smtClean="0"/>
               <a:t>RSSI = Received Signal Strength</a:t>
             </a:r>
             <a:r>
@@ -1245,7 +1365,7 @@
 </p:notes>
 </file>
 
-<file path=ppt/notesSlides/notesSlide16.xml><?xml version="1.0" encoding="utf-8"?>
+<file path=ppt/notesSlides/notesSlide17.xml><?xml version="1.0" encoding="utf-8"?>
 <p:notes xmlns:a="http://schemas.openxmlformats.org/drawingml/2006/main" xmlns:r="http://schemas.openxmlformats.org/officeDocument/2006/relationships" xmlns:p="http://schemas.openxmlformats.org/presentationml/2006/main">
   <p:cSld>
     <p:spTree>
@@ -1785,6 +1905,24 @@
               <a:rPr lang="en-US" baseline="0" dirty="0" smtClean="0"/>
               <a:t> pairing opens up really cool use cases. You can walk down the street and your smartphone is in your pocket and it can interact with BLE devices- discover them, get data from them, etc. </a:t>
             </a:r>
+          </a:p>
+          <a:p>
+            <a:r>
+              <a:rPr lang="en-US" baseline="0" dirty="0" smtClean="0"/>
+              <a:t>----- Meeting Notes (3/12/14 16:18) -----</a:t>
+            </a:r>
+          </a:p>
+          <a:p>
+            <a:r>
+              <a:rPr lang="en-US" baseline="0" dirty="0" smtClean="0"/>
+              <a:t>Security model.</a:t>
+            </a:r>
+          </a:p>
+          <a:p>
+            <a:r>
+              <a:rPr lang="en-US" baseline="0" dirty="0" smtClean="0"/>
+              <a:t>High throughput/power consumption - relative to BLE</a:t>
+            </a:r>
             <a:endParaRPr lang="en-US" dirty="0"/>
           </a:p>
         </p:txBody>
@@ -1902,6 +2040,18 @@
               <a:rPr lang="en-US" baseline="0" dirty="0" smtClean="0"/>
               <a:t>A beacon is a peripheral.</a:t>
             </a:r>
+          </a:p>
+          <a:p>
+            <a:r>
+              <a:rPr lang="en-US" baseline="0" dirty="0" smtClean="0"/>
+              <a:t>----- Meeting Notes (3/12/14 16:18) -----</a:t>
+            </a:r>
+          </a:p>
+          <a:p>
+            <a:r>
+              <a:rPr lang="en-US" baseline="0" dirty="0" smtClean="0"/>
+              <a:t>Does CoreBluetooth use BLE? </a:t>
+            </a:r>
             <a:endParaRPr lang="en-US" dirty="0"/>
           </a:p>
         </p:txBody>
@@ -1994,6 +2144,18 @@
               <a:rPr lang="en-US" baseline="0" dirty="0" smtClean="0"/>
               <a:t> characteristic, which sends out data, let’s say, every second</a:t>
             </a:r>
+          </a:p>
+          <a:p>
+            <a:r>
+              <a:rPr lang="en-US" baseline="0" dirty="0" smtClean="0"/>
+              <a:t>----- Meeting Notes (3/12/14 16:18) -----</a:t>
+            </a:r>
+          </a:p>
+          <a:p>
+            <a:r>
+              <a:rPr lang="en-US" baseline="0" dirty="0" smtClean="0"/>
+              <a:t>You could stream data, but you have to write your own interface on a message oriented interface -&gt; do on previous page</a:t>
+            </a:r>
             <a:endParaRPr lang="en-US" dirty="0"/>
           </a:p>
         </p:txBody>
@@ -2078,31 +2240,19 @@
           <a:bodyPr/>
           <a:lstStyle/>
           <a:p>
-            <a:r>
-              <a:rPr lang="en-US" dirty="0" smtClean="0"/>
-              <a:t>This class focuses on </a:t>
-            </a:r>
-            <a:r>
-              <a:rPr lang="en-US" dirty="0" err="1" smtClean="0"/>
-              <a:t>CoreBluetooth</a:t>
-            </a:r>
-            <a:r>
-              <a:rPr lang="en-US" dirty="0" smtClean="0"/>
-              <a:t>. I will cover</a:t>
-            </a:r>
-            <a:r>
-              <a:rPr lang="en-US" baseline="0" dirty="0" smtClean="0"/>
-              <a:t> </a:t>
-            </a:r>
-            <a:r>
-              <a:rPr lang="en-US" baseline="0" dirty="0" err="1" smtClean="0"/>
-              <a:t>iBeacons</a:t>
-            </a:r>
-            <a:r>
-              <a:rPr lang="en-US" baseline="0" dirty="0" smtClean="0"/>
-              <a:t> in another class</a:t>
-            </a:r>
-            <a:endParaRPr lang="en-US" dirty="0"/>
+            <a:endParaRPr lang="en-US"/>
+          </a:p>
+          <a:p>
+            <a:r>
+              <a:rPr lang="en-US"/>
+              <a:t>----- Meeting Notes (3/12/14 16:18) -----</a:t>
+            </a:r>
+          </a:p>
+          <a:p>
+            <a:r>
+              <a:rPr lang="en-US"/>
+              <a:t>Steal diagram of characteristic and service diagram from other guy's presentation</a:t>
+            </a:r>
           </a:p>
         </p:txBody>
       </p:sp>
@@ -2121,9 +2271,9 @@
           <a:bodyPr/>
           <a:lstStyle/>
           <a:p>
-            <a:fld id="{415EADC4-4264-DF41-8D51-DAB00F6C6DC2}" type="slidenum">
-              <a:rPr lang="en-US" smtClean="0"/>
-              <a:t>11</a:t>
+            <a:fld id="{BCD8AC12-6810-D74B-9EE7-946B67E565C5}" type="slidenum">
+              <a:rPr lang="en-US" smtClean="0"/>
+              <a:t>10</a:t>
             </a:fld>
             <a:endParaRPr lang="en-US"/>
           </a:p>
@@ -2132,7 +2282,7 @@
     </p:spTree>
     <p:extLst>
       <p:ext uri="{BB962C8B-B14F-4D97-AF65-F5344CB8AC3E}">
-        <p14:creationId xmlns:p14="http://schemas.microsoft.com/office/powerpoint/2010/main" val="1809671152"/>
+        <p14:creationId xmlns:p14="http://schemas.microsoft.com/office/powerpoint/2010/main" val="2544195279"/>
       </p:ext>
     </p:extLst>
   </p:cSld>
@@ -2323,7 +2473,7 @@
           <a:p>
             <a:fld id="{8E07F777-4D5A-BD4A-9040-2B1AB3E9D4B0}" type="datetimeFigureOut">
               <a:rPr lang="en-US" smtClean="0"/>
-              <a:t>3/9/14</a:t>
+              <a:t>3/12/14</a:t>
             </a:fld>
             <a:endParaRPr lang="en-US"/>
           </a:p>
@@ -2493,7 +2643,7 @@
           <a:p>
             <a:fld id="{8E07F777-4D5A-BD4A-9040-2B1AB3E9D4B0}" type="datetimeFigureOut">
               <a:rPr lang="en-US" smtClean="0"/>
-              <a:t>3/9/14</a:t>
+              <a:t>3/12/14</a:t>
             </a:fld>
             <a:endParaRPr lang="en-US"/>
           </a:p>
@@ -2673,7 +2823,7 @@
           <a:p>
             <a:fld id="{8E07F777-4D5A-BD4A-9040-2B1AB3E9D4B0}" type="datetimeFigureOut">
               <a:rPr lang="en-US" smtClean="0"/>
-              <a:t>3/9/14</a:t>
+              <a:t>3/12/14</a:t>
             </a:fld>
             <a:endParaRPr lang="en-US"/>
           </a:p>
@@ -2843,7 +2993,7 @@
           <a:p>
             <a:fld id="{8E07F777-4D5A-BD4A-9040-2B1AB3E9D4B0}" type="datetimeFigureOut">
               <a:rPr lang="en-US" smtClean="0"/>
-              <a:t>3/9/14</a:t>
+              <a:t>3/12/14</a:t>
             </a:fld>
             <a:endParaRPr lang="en-US"/>
           </a:p>
@@ -3089,7 +3239,7 @@
           <a:p>
             <a:fld id="{8E07F777-4D5A-BD4A-9040-2B1AB3E9D4B0}" type="datetimeFigureOut">
               <a:rPr lang="en-US" smtClean="0"/>
-              <a:t>3/9/14</a:t>
+              <a:t>3/12/14</a:t>
             </a:fld>
             <a:endParaRPr lang="en-US"/>
           </a:p>
@@ -3377,7 +3527,7 @@
           <a:p>
             <a:fld id="{8E07F777-4D5A-BD4A-9040-2B1AB3E9D4B0}" type="datetimeFigureOut">
               <a:rPr lang="en-US" smtClean="0"/>
-              <a:t>3/9/14</a:t>
+              <a:t>3/12/14</a:t>
             </a:fld>
             <a:endParaRPr lang="en-US"/>
           </a:p>
@@ -3799,7 +3949,7 @@
           <a:p>
             <a:fld id="{8E07F777-4D5A-BD4A-9040-2B1AB3E9D4B0}" type="datetimeFigureOut">
               <a:rPr lang="en-US" smtClean="0"/>
-              <a:t>3/9/14</a:t>
+              <a:t>3/12/14</a:t>
             </a:fld>
             <a:endParaRPr lang="en-US"/>
           </a:p>
@@ -3917,7 +4067,7 @@
           <a:p>
             <a:fld id="{8E07F777-4D5A-BD4A-9040-2B1AB3E9D4B0}" type="datetimeFigureOut">
               <a:rPr lang="en-US" smtClean="0"/>
-              <a:t>3/9/14</a:t>
+              <a:t>3/12/14</a:t>
             </a:fld>
             <a:endParaRPr lang="en-US"/>
           </a:p>
@@ -4012,7 +4162,7 @@
           <a:p>
             <a:fld id="{8E07F777-4D5A-BD4A-9040-2B1AB3E9D4B0}" type="datetimeFigureOut">
               <a:rPr lang="en-US" smtClean="0"/>
-              <a:t>3/9/14</a:t>
+              <a:t>3/12/14</a:t>
             </a:fld>
             <a:endParaRPr lang="en-US"/>
           </a:p>
@@ -4289,7 +4439,7 @@
           <a:p>
             <a:fld id="{8E07F777-4D5A-BD4A-9040-2B1AB3E9D4B0}" type="datetimeFigureOut">
               <a:rPr lang="en-US" smtClean="0"/>
-              <a:t>3/9/14</a:t>
+              <a:t>3/12/14</a:t>
             </a:fld>
             <a:endParaRPr lang="en-US"/>
           </a:p>
@@ -4542,7 +4692,7 @@
           <a:p>
             <a:fld id="{8E07F777-4D5A-BD4A-9040-2B1AB3E9D4B0}" type="datetimeFigureOut">
               <a:rPr lang="en-US" smtClean="0"/>
-              <a:t>3/9/14</a:t>
+              <a:t>3/12/14</a:t>
             </a:fld>
             <a:endParaRPr lang="en-US"/>
           </a:p>
@@ -4755,7 +4905,7 @@
           <a:p>
             <a:fld id="{8E07F777-4D5A-BD4A-9040-2B1AB3E9D4B0}" type="datetimeFigureOut">
               <a:rPr lang="en-US" smtClean="0"/>
-              <a:t>3/9/14</a:t>
+              <a:t>3/12/14</a:t>
             </a:fld>
             <a:endParaRPr lang="en-US"/>
           </a:p>
@@ -5219,6 +5369,13 @@
   <p:clrMapOvr>
     <a:masterClrMapping/>
   </p:clrMapOvr>
+  <p:timing>
+    <p:tnLst>
+      <p:par>
+        <p:cTn xmlns:p14="http://schemas.microsoft.com/office/powerpoint/2010/main" id="1" dur="indefinite" restart="never" nodeType="tmRoot"/>
+      </p:par>
+    </p:tnLst>
+  </p:timing>
 </p:sld>
 </file>
 
@@ -5321,6 +5478,13 @@
   <p:clrMapOvr>
     <a:masterClrMapping/>
   </p:clrMapOvr>
+  <p:timing>
+    <p:tnLst>
+      <p:par>
+        <p:cTn xmlns:p14="http://schemas.microsoft.com/office/powerpoint/2010/main" id="1" dur="indefinite" restart="never" nodeType="tmRoot"/>
+      </p:par>
+    </p:tnLst>
+  </p:timing>
 </p:sld>
 </file>
 
@@ -5417,15 +5581,7 @@
             </a:pPr>
             <a:r>
               <a:rPr lang="en-US" dirty="0" smtClean="0"/>
-              <a:t>Central </a:t>
-            </a:r>
-            <a:r>
-              <a:rPr lang="en-US" dirty="0" smtClean="0"/>
-              <a:t>discovers </a:t>
-            </a:r>
-            <a:r>
-              <a:rPr lang="en-US" dirty="0" smtClean="0"/>
-              <a:t>services</a:t>
+              <a:t>Central discovers services</a:t>
             </a:r>
           </a:p>
           <a:p>
@@ -5471,6 +5627,13 @@
   <p:clrMapOvr>
     <a:masterClrMapping/>
   </p:clrMapOvr>
+  <p:timing>
+    <p:tnLst>
+      <p:par>
+        <p:cTn xmlns:p14="http://schemas.microsoft.com/office/powerpoint/2010/main" id="1" dur="indefinite" restart="never" nodeType="tmRoot"/>
+      </p:par>
+    </p:tnLst>
+  </p:timing>
 </p:sld>
 </file>
 
@@ -5555,6 +5718,13 @@
   <p:clrMapOvr>
     <a:masterClrMapping/>
   </p:clrMapOvr>
+  <p:timing>
+    <p:tnLst>
+      <p:par>
+        <p:cTn xmlns:p14="http://schemas.microsoft.com/office/powerpoint/2010/main" id="1" dur="indefinite" restart="never" nodeType="tmRoot"/>
+      </p:par>
+    </p:tnLst>
+  </p:timing>
 </p:sld>
 </file>
 
@@ -5638,11 +5808,7 @@
             </a:r>
             <a:r>
               <a:rPr lang="en-US" dirty="0" smtClean="0"/>
-              <a:t> </a:t>
-            </a:r>
-            <a:r>
-              <a:rPr lang="en-US" dirty="0" smtClean="0"/>
-              <a:t>clone </a:t>
+              <a:t> clone </a:t>
             </a:r>
             <a:r>
               <a:rPr lang="en-US" dirty="0" smtClean="0">
@@ -5668,11 +5834,7 @@
             </a:r>
             <a:r>
               <a:rPr lang="en-US" dirty="0" smtClean="0"/>
-              <a:t> </a:t>
-            </a:r>
-            <a:r>
-              <a:rPr lang="en-US" dirty="0" smtClean="0"/>
-              <a:t>checkout </a:t>
+              <a:t> checkout </a:t>
             </a:r>
             <a:r>
               <a:rPr lang="en-US" dirty="0" err="1" smtClean="0"/>
@@ -5742,6 +5904,13 @@
   <p:clrMapOvr>
     <a:masterClrMapping/>
   </p:clrMapOvr>
+  <p:timing>
+    <p:tnLst>
+      <p:par>
+        <p:cTn xmlns:p14="http://schemas.microsoft.com/office/powerpoint/2010/main" id="1" dur="indefinite" restart="never" nodeType="tmRoot"/>
+      </p:par>
+    </p:tnLst>
+  </p:timing>
 </p:sld>
 </file>
 
@@ -5837,6 +6006,13 @@
   <p:clrMapOvr>
     <a:masterClrMapping/>
   </p:clrMapOvr>
+  <p:timing>
+    <p:tnLst>
+      <p:par>
+        <p:cTn xmlns:p14="http://schemas.microsoft.com/office/powerpoint/2010/main" id="1" dur="indefinite" restart="never" nodeType="tmRoot"/>
+      </p:par>
+    </p:tnLst>
+  </p:timing>
 </p:sld>
 </file>
 
@@ -5945,6 +6121,13 @@
   <p:clrMapOvr>
     <a:masterClrMapping/>
   </p:clrMapOvr>
+  <p:timing>
+    <p:tnLst>
+      <p:par>
+        <p:cTn xmlns:p14="http://schemas.microsoft.com/office/powerpoint/2010/main" id="1" dur="indefinite" restart="never" nodeType="tmRoot"/>
+      </p:par>
+    </p:tnLst>
+  </p:timing>
 </p:sld>
 </file>
 
@@ -6011,11 +6194,7 @@
           <a:p>
             <a:r>
               <a:rPr lang="en-US" dirty="0" smtClean="0"/>
-              <a:t>I will guide you through the implementation of everything </a:t>
-            </a:r>
-            <a:r>
-              <a:rPr lang="en-US" dirty="0" smtClean="0"/>
-              <a:t>else</a:t>
+              <a:t>I will guide you through the implementation of everything else</a:t>
             </a:r>
           </a:p>
           <a:p>
@@ -6044,7 +6223,6 @@
               <a:rPr lang="en-US" dirty="0" smtClean="0"/>
               <a:t> (connected Peripheral)</a:t>
             </a:r>
-            <a:endParaRPr lang="en-US" dirty="0" smtClean="0"/>
           </a:p>
           <a:p>
             <a:r>
@@ -6065,6 +6243,13 @@
   <p:clrMapOvr>
     <a:masterClrMapping/>
   </p:clrMapOvr>
+  <p:timing>
+    <p:tnLst>
+      <p:par>
+        <p:cTn xmlns:p14="http://schemas.microsoft.com/office/powerpoint/2010/main" id="1" dur="indefinite" restart="never" nodeType="tmRoot"/>
+      </p:par>
+    </p:tnLst>
+  </p:timing>
 </p:sld>
 </file>
 
@@ -6131,15 +6316,7 @@
           <a:p>
             <a:r>
               <a:rPr lang="en-US" dirty="0" smtClean="0"/>
-              <a:t>We create a </a:t>
-            </a:r>
-            <a:r>
-              <a:rPr lang="en-US" dirty="0" smtClean="0"/>
-              <a:t>queue for </a:t>
-            </a:r>
-            <a:r>
-              <a:rPr lang="en-US" dirty="0" smtClean="0"/>
-              <a:t>the </a:t>
+              <a:t>We create a queue for the </a:t>
             </a:r>
             <a:r>
               <a:rPr lang="en-US" dirty="0" err="1" smtClean="0"/>
@@ -6156,34 +6333,21 @@
           <a:p>
             <a:r>
               <a:rPr lang="en-US" dirty="0" smtClean="0"/>
-              <a:t>We </a:t>
-            </a:r>
-            <a:r>
-              <a:rPr lang="en-US" dirty="0" smtClean="0"/>
-              <a:t>also create a Dictionary to hold Peripherals we connect to. Why?</a:t>
+              <a:t>We also create a Dictionary to hold Peripherals we connect to. Why?</a:t>
             </a:r>
           </a:p>
           <a:p>
             <a:pPr lvl="1"/>
             <a:r>
               <a:rPr lang="en-US" dirty="0" smtClean="0"/>
-              <a:t>Peripherals need to be </a:t>
-            </a:r>
-            <a:r>
-              <a:rPr lang="en-US" dirty="0" smtClean="0"/>
-              <a:t>retained as soon as they discovered</a:t>
-            </a:r>
-            <a:endParaRPr lang="en-US" dirty="0" smtClean="0"/>
+              <a:t>Peripherals need to be retained as soon as they discovered</a:t>
+            </a:r>
           </a:p>
           <a:p>
             <a:pPr lvl="1"/>
             <a:r>
               <a:rPr lang="en-US" dirty="0" smtClean="0"/>
-              <a:t>We </a:t>
-            </a:r>
-            <a:r>
-              <a:rPr lang="en-US" dirty="0" smtClean="0"/>
-              <a:t>map the Peripheral to a </a:t>
+              <a:t>We map the Peripheral to a </a:t>
             </a:r>
             <a:r>
               <a:rPr lang="en-US" dirty="0" err="1" smtClean="0"/>
@@ -6191,11 +6355,7 @@
             </a:r>
             <a:r>
               <a:rPr lang="en-US" dirty="0" smtClean="0"/>
-              <a:t>, which functions as queue for incoming data from that </a:t>
-            </a:r>
-            <a:r>
-              <a:rPr lang="en-US" dirty="0" smtClean="0"/>
-              <a:t>Peripheral (this allows us to handle multiple peripherals)</a:t>
+              <a:t>, which functions as queue for incoming data from that Peripheral (this allows us to handle multiple peripherals)</a:t>
             </a:r>
             <a:endParaRPr lang="en-US" dirty="0"/>
           </a:p>
@@ -6211,6 +6371,13 @@
   <p:clrMapOvr>
     <a:masterClrMapping/>
   </p:clrMapOvr>
+  <p:timing>
+    <p:tnLst>
+      <p:par>
+        <p:cTn xmlns:p14="http://schemas.microsoft.com/office/powerpoint/2010/main" id="1" dur="indefinite" restart="never" nodeType="tmRoot"/>
+      </p:par>
+    </p:tnLst>
+  </p:timing>
 </p:sld>
 </file>
 
@@ -6369,6 +6536,13 @@
   <p:clrMapOvr>
     <a:masterClrMapping/>
   </p:clrMapOvr>
+  <p:timing>
+    <p:tnLst>
+      <p:par>
+        <p:cTn xmlns:p14="http://schemas.microsoft.com/office/powerpoint/2010/main" id="1" dur="indefinite" restart="never" nodeType="tmRoot"/>
+      </p:par>
+    </p:tnLst>
+  </p:timing>
 </p:sld>
 </file>
 
@@ -6435,13 +6609,8 @@
           <a:p>
             <a:r>
               <a:rPr lang="en-US" dirty="0" smtClean="0"/>
-              <a:t>We also give it an option to ignore </a:t>
-            </a:r>
-            <a:r>
-              <a:rPr lang="en-US" dirty="0" smtClean="0"/>
-              <a:t>duplicates</a:t>
-            </a:r>
-            <a:endParaRPr lang="en-US" dirty="0" smtClean="0"/>
+              <a:t>We also give it an option to ignore duplicates</a:t>
+            </a:r>
           </a:p>
         </p:txBody>
       </p:sp>
@@ -6455,6 +6624,13 @@
   <p:clrMapOvr>
     <a:masterClrMapping/>
   </p:clrMapOvr>
+  <p:timing>
+    <p:tnLst>
+      <p:par>
+        <p:cTn xmlns:p14="http://schemas.microsoft.com/office/powerpoint/2010/main" id="1" dur="indefinite" restart="never" nodeType="tmRoot"/>
+      </p:par>
+    </p:tnLst>
+  </p:timing>
 </p:sld>
 </file>
 
@@ -6564,6 +6740,13 @@
   <p:clrMapOvr>
     <a:masterClrMapping/>
   </p:clrMapOvr>
+  <p:timing>
+    <p:tnLst>
+      <p:par>
+        <p:cTn xmlns:p14="http://schemas.microsoft.com/office/powerpoint/2010/main" id="1" dur="indefinite" restart="never" nodeType="tmRoot"/>
+      </p:par>
+    </p:tnLst>
+  </p:timing>
 </p:sld>
 </file>
 
@@ -6659,6 +6842,13 @@
   <p:clrMapOvr>
     <a:masterClrMapping/>
   </p:clrMapOvr>
+  <p:timing>
+    <p:tnLst>
+      <p:par>
+        <p:cTn xmlns:p14="http://schemas.microsoft.com/office/powerpoint/2010/main" id="1" dur="indefinite" restart="never" nodeType="tmRoot"/>
+      </p:par>
+    </p:tnLst>
+  </p:timing>
 </p:sld>
 </file>
 
@@ -6804,6 +6994,13 @@
   <p:clrMapOvr>
     <a:masterClrMapping/>
   </p:clrMapOvr>
+  <p:timing>
+    <p:tnLst>
+      <p:par>
+        <p:cTn xmlns:p14="http://schemas.microsoft.com/office/powerpoint/2010/main" id="1" dur="indefinite" restart="never" nodeType="tmRoot"/>
+      </p:par>
+    </p:tnLst>
+  </p:timing>
 </p:sld>
 </file>
 
@@ -6928,19 +7125,11 @@
             </a:r>
             <a:r>
               <a:rPr lang="fr-FR" dirty="0" err="1" smtClean="0"/>
-              <a:t>CentralManager</a:t>
-            </a:r>
-            <a:r>
-              <a:rPr lang="fr-FR" dirty="0" err="1" smtClean="0"/>
-              <a:t>.m</a:t>
+              <a:t>CentralManager.m</a:t>
             </a:r>
             <a:r>
               <a:rPr lang="fr-FR" dirty="0" smtClean="0"/>
-              <a:t> </a:t>
-            </a:r>
-            <a:r>
-              <a:rPr lang="fr-FR" dirty="0" smtClean="0"/>
-              <a:t>as the </a:t>
+              <a:t> as the </a:t>
             </a:r>
             <a:r>
               <a:rPr lang="fr-FR" dirty="0" err="1" smtClean="0"/>
@@ -6992,6 +7181,13 @@
   <p:clrMapOvr>
     <a:masterClrMapping/>
   </p:clrMapOvr>
+  <p:timing>
+    <p:tnLst>
+      <p:par>
+        <p:cTn xmlns:p14="http://schemas.microsoft.com/office/powerpoint/2010/main" id="1" dur="indefinite" restart="never" nodeType="tmRoot"/>
+      </p:par>
+    </p:tnLst>
+  </p:timing>
 </p:sld>
 </file>
 
@@ -7054,11 +7250,7 @@
           <a:p>
             <a:r>
               <a:rPr lang="en-US" dirty="0" smtClean="0"/>
-              <a:t>Discovered Peripheral that has a given Service, but we need to loop through all its Services to access this </a:t>
-            </a:r>
-            <a:r>
-              <a:rPr lang="en-US" dirty="0" smtClean="0"/>
-              <a:t>Service</a:t>
+              <a:t>Discovered Peripheral that has a given Service, but we need to loop through all its Services to access this Service</a:t>
             </a:r>
           </a:p>
           <a:p>
@@ -7066,7 +7258,6 @@
               <a:rPr lang="en-US" dirty="0" smtClean="0"/>
               <a:t>The only Service we can talk to (even if we had it previously) is the Service returned by the delegate</a:t>
             </a:r>
-            <a:endParaRPr lang="en-US" dirty="0" smtClean="0"/>
           </a:p>
           <a:p>
             <a:r>
@@ -7097,6 +7288,13 @@
   <p:clrMapOvr>
     <a:masterClrMapping/>
   </p:clrMapOvr>
+  <p:timing>
+    <p:tnLst>
+      <p:par>
+        <p:cTn xmlns:p14="http://schemas.microsoft.com/office/powerpoint/2010/main" id="1" dur="indefinite" restart="never" nodeType="tmRoot"/>
+      </p:par>
+    </p:tnLst>
+  </p:timing>
 </p:sld>
 </file>
 
@@ -7167,15 +7365,7 @@
             </a:r>
             <a:r>
               <a:rPr lang="en-US" dirty="0" smtClean="0"/>
-              <a:t>, we need to </a:t>
-            </a:r>
-            <a:r>
-              <a:rPr lang="en-US" dirty="0" smtClean="0"/>
-              <a:t>loop through </a:t>
-            </a:r>
-            <a:r>
-              <a:rPr lang="en-US" dirty="0" smtClean="0"/>
-              <a:t>all Characteristics of Service</a:t>
+              <a:t>, we need to loop through all Characteristics of Service</a:t>
             </a:r>
           </a:p>
           <a:p>
@@ -7202,6 +7392,13 @@
   <p:clrMapOvr>
     <a:masterClrMapping/>
   </p:clrMapOvr>
+  <p:timing>
+    <p:tnLst>
+      <p:par>
+        <p:cTn xmlns:p14="http://schemas.microsoft.com/office/powerpoint/2010/main" id="1" dur="indefinite" restart="never" nodeType="tmRoot"/>
+      </p:par>
+    </p:tnLst>
+  </p:timing>
 </p:sld>
 </file>
 
@@ -7286,6 +7483,13 @@
   <p:clrMapOvr>
     <a:masterClrMapping/>
   </p:clrMapOvr>
+  <p:timing>
+    <p:tnLst>
+      <p:par>
+        <p:cTn xmlns:p14="http://schemas.microsoft.com/office/powerpoint/2010/main" id="1" dur="indefinite" restart="never" nodeType="tmRoot"/>
+      </p:par>
+    </p:tnLst>
+  </p:timing>
 </p:sld>
 </file>
 
@@ -7393,6 +7597,13 @@
   <p:clrMapOvr>
     <a:masterClrMapping/>
   </p:clrMapOvr>
+  <p:timing>
+    <p:tnLst>
+      <p:par>
+        <p:cTn xmlns:p14="http://schemas.microsoft.com/office/powerpoint/2010/main" id="1" dur="indefinite" restart="never" nodeType="tmRoot"/>
+      </p:par>
+    </p:tnLst>
+  </p:timing>
 </p:sld>
 </file>
 
@@ -7497,6 +7708,13 @@
   <p:clrMapOvr>
     <a:masterClrMapping/>
   </p:clrMapOvr>
+  <p:timing>
+    <p:tnLst>
+      <p:par>
+        <p:cTn xmlns:p14="http://schemas.microsoft.com/office/powerpoint/2010/main" id="1" dur="indefinite" restart="never" nodeType="tmRoot"/>
+      </p:par>
+    </p:tnLst>
+  </p:timing>
 </p:sld>
 </file>
 
@@ -7722,6 +7940,13 @@
   <p:clrMapOvr>
     <a:masterClrMapping/>
   </p:clrMapOvr>
+  <p:timing>
+    <p:tnLst>
+      <p:par>
+        <p:cTn xmlns:p14="http://schemas.microsoft.com/office/powerpoint/2010/main" id="1" dur="indefinite" restart="never" nodeType="tmRoot"/>
+      </p:par>
+    </p:tnLst>
+  </p:timing>
 </p:sld>
 </file>
 
@@ -7822,6 +8047,13 @@
   <p:clrMapOvr>
     <a:masterClrMapping/>
   </p:clrMapOvr>
+  <p:timing>
+    <p:tnLst>
+      <p:par>
+        <p:cTn xmlns:p14="http://schemas.microsoft.com/office/powerpoint/2010/main" id="1" dur="indefinite" restart="never" nodeType="tmRoot"/>
+      </p:par>
+    </p:tnLst>
+  </p:timing>
 </p:sld>
 </file>
 
@@ -7945,6 +8177,13 @@
   <p:clrMapOvr>
     <a:masterClrMapping/>
   </p:clrMapOvr>
+  <p:timing>
+    <p:tnLst>
+      <p:par>
+        <p:cTn xmlns:p14="http://schemas.microsoft.com/office/powerpoint/2010/main" id="1" dur="indefinite" restart="never" nodeType="tmRoot"/>
+      </p:par>
+    </p:tnLst>
+  </p:timing>
 </p:sld>
 </file>
 
@@ -8054,6 +8293,13 @@
   <p:clrMapOvr>
     <a:masterClrMapping/>
   </p:clrMapOvr>
+  <p:timing>
+    <p:tnLst>
+      <p:par>
+        <p:cTn xmlns:p14="http://schemas.microsoft.com/office/powerpoint/2010/main" id="1" dur="indefinite" restart="never" nodeType="tmRoot"/>
+      </p:par>
+    </p:tnLst>
+  </p:timing>
 </p:sld>
 </file>
 
@@ -8161,6 +8407,13 @@
   <p:clrMapOvr>
     <a:masterClrMapping/>
   </p:clrMapOvr>
+  <p:timing>
+    <p:tnLst>
+      <p:par>
+        <p:cTn xmlns:p14="http://schemas.microsoft.com/office/powerpoint/2010/main" id="1" dur="indefinite" restart="never" nodeType="tmRoot"/>
+      </p:par>
+    </p:tnLst>
+  </p:timing>
 </p:sld>
 </file>
 
@@ -8250,6 +8503,13 @@
   <p:clrMapOvr>
     <a:masterClrMapping/>
   </p:clrMapOvr>
+  <p:timing>
+    <p:tnLst>
+      <p:par>
+        <p:cTn xmlns:p14="http://schemas.microsoft.com/office/powerpoint/2010/main" id="1" dur="indefinite" restart="never" nodeType="tmRoot"/>
+      </p:par>
+    </p:tnLst>
+  </p:timing>
 </p:sld>
 </file>
 
@@ -8436,6 +8696,13 @@
   <p:clrMapOvr>
     <a:masterClrMapping/>
   </p:clrMapOvr>
+  <p:timing>
+    <p:tnLst>
+      <p:par>
+        <p:cTn xmlns:p14="http://schemas.microsoft.com/office/powerpoint/2010/main" id="1" dur="indefinite" restart="never" nodeType="tmRoot"/>
+      </p:par>
+    </p:tnLst>
+  </p:timing>
 </p:sld>
 </file>
 
@@ -8640,6 +8907,13 @@
   <p:clrMapOvr>
     <a:masterClrMapping/>
   </p:clrMapOvr>
+  <p:timing>
+    <p:tnLst>
+      <p:par>
+        <p:cTn xmlns:p14="http://schemas.microsoft.com/office/powerpoint/2010/main" id="1" dur="indefinite" restart="never" nodeType="tmRoot"/>
+      </p:par>
+    </p:tnLst>
+  </p:timing>
 </p:sld>
 </file>
 
@@ -8756,6 +9030,13 @@
   <p:clrMapOvr>
     <a:masterClrMapping/>
   </p:clrMapOvr>
+  <p:timing>
+    <p:tnLst>
+      <p:par>
+        <p:cTn xmlns:p14="http://schemas.microsoft.com/office/powerpoint/2010/main" id="1" dur="indefinite" restart="never" nodeType="tmRoot"/>
+      </p:par>
+    </p:tnLst>
+  </p:timing>
 </p:sld>
 </file>
 
@@ -8911,6 +9192,13 @@
   <p:clrMapOvr>
     <a:masterClrMapping/>
   </p:clrMapOvr>
+  <p:timing>
+    <p:tnLst>
+      <p:par>
+        <p:cTn xmlns:p14="http://schemas.microsoft.com/office/powerpoint/2010/main" id="1" dur="indefinite" restart="never" nodeType="tmRoot"/>
+      </p:par>
+    </p:tnLst>
+  </p:timing>
 </p:sld>
 </file>
 

--- a/Lecture.pptx
+++ b/Lecture.pptx
@@ -289,7 +289,7 @@
           <a:p>
             <a:fld id="{C404A6F0-BBCF-2743-A3DF-3ED198CAD670}" type="datetimeFigureOut">
               <a:rPr lang="en-US" smtClean="0"/>
-              <a:t>3/9/14</a:t>
+              <a:t>3/19/14</a:t>
             </a:fld>
             <a:endParaRPr lang="en-US"/>
           </a:p>
@@ -685,19 +685,7 @@
           <a:bodyPr/>
           <a:lstStyle/>
           <a:p>
-            <a:r>
-              <a:rPr lang="en-US" dirty="0" smtClean="0"/>
-              <a:t>You</a:t>
-            </a:r>
-            <a:r>
-              <a:rPr lang="en-US" baseline="0" dirty="0" smtClean="0"/>
-              <a:t> will have to complete a bunch of functions in </a:t>
-            </a:r>
-            <a:r>
-              <a:rPr lang="en-US" baseline="0" dirty="0" err="1" smtClean="0"/>
-              <a:t>CentralManager.m</a:t>
-            </a:r>
-            <a:endParaRPr lang="en-US" dirty="0"/>
+            <a:endParaRPr lang="en-US"/>
           </a:p>
         </p:txBody>
       </p:sp>
@@ -718,7 +706,7 @@
           <a:p>
             <a:fld id="{BCD8AC12-6810-D74B-9EE7-946B67E565C5}" type="slidenum">
               <a:rPr lang="en-US" smtClean="0"/>
-              <a:t>13</a:t>
+              <a:t>10</a:t>
             </a:fld>
             <a:endParaRPr lang="en-US"/>
           </a:p>
@@ -727,7 +715,7 @@
     </p:spTree>
     <p:extLst>
       <p:ext uri="{BB962C8B-B14F-4D97-AF65-F5344CB8AC3E}">
-        <p14:creationId xmlns:p14="http://schemas.microsoft.com/office/powerpoint/2010/main" val="711314127"/>
+        <p14:creationId xmlns:p14="http://schemas.microsoft.com/office/powerpoint/2010/main" val="1110273325"/>
       </p:ext>
     </p:extLst>
   </p:cSld>
@@ -781,37 +769,30 @@
           <a:bodyPr/>
           <a:lstStyle/>
           <a:p>
-            <a:pPr marL="0" marR="0" indent="0" algn="l" defTabSz="457200" rtl="0" eaLnBrk="1" fontAlgn="auto" latinLnBrk="0" hangingPunct="1">
-              <a:lnSpc>
-                <a:spcPct val="100000"/>
-              </a:lnSpc>
-              <a:spcBef>
-                <a:spcPts val="0"/>
-              </a:spcBef>
-              <a:spcAft>
-                <a:spcPts val="0"/>
-              </a:spcAft>
-              <a:buClrTx/>
-              <a:buSzTx/>
-              <a:buFontTx/>
-              <a:buNone/>
-              <a:tabLst/>
-              <a:defRPr/>
-            </a:pPr>
-            <a:r>
-              <a:rPr lang="en-US" dirty="0" smtClean="0"/>
-              <a:t>I define the CBUUIDs directly, as opposed to just the strings because it’s very easy in the </a:t>
+            <a:r>
+              <a:rPr lang="en-US" dirty="0" smtClean="0"/>
+              <a:t>This class focuses on </a:t>
             </a:r>
             <a:r>
               <a:rPr lang="en-US" dirty="0" err="1" smtClean="0"/>
-              <a:t>CentralManager</a:t>
-            </a:r>
-            <a:r>
-              <a:rPr lang="en-US" dirty="0" smtClean="0"/>
-              <a:t> to use the strings by accident instead of wrapping them in CBUUIDs</a:t>
-            </a:r>
-          </a:p>
-          <a:p>
+              <a:t>CoreBluetooth</a:t>
+            </a:r>
+            <a:r>
+              <a:rPr lang="en-US" dirty="0" smtClean="0"/>
+              <a:t>. I will cover</a:t>
+            </a:r>
+            <a:r>
+              <a:rPr lang="en-US" baseline="0" dirty="0" smtClean="0"/>
+              <a:t> </a:t>
+            </a:r>
+            <a:r>
+              <a:rPr lang="en-US" baseline="0" dirty="0" err="1" smtClean="0"/>
+              <a:t>iBeacons</a:t>
+            </a:r>
+            <a:r>
+              <a:rPr lang="en-US" baseline="0" dirty="0" smtClean="0"/>
+              <a:t> in another class</a:t>
+            </a:r>
             <a:endParaRPr lang="en-US" dirty="0"/>
           </a:p>
         </p:txBody>
@@ -831,9 +812,9 @@
           <a:bodyPr/>
           <a:lstStyle/>
           <a:p>
-            <a:fld id="{BCD8AC12-6810-D74B-9EE7-946B67E565C5}" type="slidenum">
-              <a:rPr lang="en-US" smtClean="0"/>
-              <a:t>14</a:t>
+            <a:fld id="{415EADC4-4264-DF41-8D51-DAB00F6C6DC2}" type="slidenum">
+              <a:rPr lang="en-US" smtClean="0"/>
+              <a:t>11</a:t>
             </a:fld>
             <a:endParaRPr lang="en-US"/>
           </a:p>
@@ -842,7 +823,7 @@
     </p:spTree>
     <p:extLst>
       <p:ext uri="{BB962C8B-B14F-4D97-AF65-F5344CB8AC3E}">
-        <p14:creationId xmlns:p14="http://schemas.microsoft.com/office/powerpoint/2010/main" val="452396248"/>
+        <p14:creationId xmlns:p14="http://schemas.microsoft.com/office/powerpoint/2010/main" val="1809671152"/>
       </p:ext>
     </p:extLst>
   </p:cSld>
@@ -896,11 +877,7 @@
           <a:bodyPr/>
           <a:lstStyle/>
           <a:p>
-            <a:r>
-              <a:rPr lang="en-US" dirty="0" smtClean="0"/>
-              <a:t>Note that scanning and detecting are used interchangeably in the literature</a:t>
-            </a:r>
-            <a:endParaRPr lang="en-US" dirty="0"/>
+            <a:endParaRPr lang="en-US"/>
           </a:p>
         </p:txBody>
       </p:sp>
@@ -921,7 +898,7 @@
           <a:p>
             <a:fld id="{BCD8AC12-6810-D74B-9EE7-946B67E565C5}" type="slidenum">
               <a:rPr lang="en-US" smtClean="0"/>
-              <a:t>15</a:t>
+              <a:t>12</a:t>
             </a:fld>
             <a:endParaRPr lang="en-US"/>
           </a:p>
@@ -930,7 +907,7 @@
     </p:spTree>
     <p:extLst>
       <p:ext uri="{BB962C8B-B14F-4D97-AF65-F5344CB8AC3E}">
-        <p14:creationId xmlns:p14="http://schemas.microsoft.com/office/powerpoint/2010/main" val="775871477"/>
+        <p14:creationId xmlns:p14="http://schemas.microsoft.com/office/powerpoint/2010/main" val="2871435579"/>
       </p:ext>
     </p:extLst>
   </p:cSld>
@@ -986,31 +963,15 @@
           <a:p>
             <a:r>
               <a:rPr lang="en-US" dirty="0" smtClean="0"/>
-              <a:t>NOTE:</a:t>
+              <a:t>You</a:t>
             </a:r>
             <a:r>
               <a:rPr lang="en-US" baseline="0" dirty="0" smtClean="0"/>
-              <a:t> </a:t>
+              <a:t> will have to complete a bunch of functions in </a:t>
             </a:r>
             <a:r>
               <a:rPr lang="en-US" baseline="0" dirty="0" err="1" smtClean="0"/>
-              <a:t>CBPeripheral</a:t>
-            </a:r>
-            <a:r>
-              <a:rPr lang="en-US" baseline="0" dirty="0" smtClean="0"/>
-              <a:t> is different than </a:t>
-            </a:r>
-            <a:r>
-              <a:rPr lang="en-US" baseline="0" dirty="0" err="1" smtClean="0"/>
-              <a:t>CBPeripheralManager</a:t>
-            </a:r>
-            <a:r>
-              <a:rPr lang="en-US" baseline="0" dirty="0" smtClean="0"/>
-              <a:t> (one is used for connecting to Peripherals, and one is for being </a:t>
-            </a:r>
-            <a:r>
-              <a:rPr lang="en-US" baseline="0" smtClean="0"/>
-              <a:t>a peripheral)</a:t>
+              <a:t>CentralManager.m</a:t>
             </a:r>
             <a:endParaRPr lang="en-US" dirty="0"/>
           </a:p>
@@ -1033,7 +994,7 @@
           <a:p>
             <a:fld id="{BCD8AC12-6810-D74B-9EE7-946B67E565C5}" type="slidenum">
               <a:rPr lang="en-US" smtClean="0"/>
-              <a:t>16</a:t>
+              <a:t>13</a:t>
             </a:fld>
             <a:endParaRPr lang="en-US"/>
           </a:p>
@@ -1042,7 +1003,7 @@
     </p:spTree>
     <p:extLst>
       <p:ext uri="{BB962C8B-B14F-4D97-AF65-F5344CB8AC3E}">
-        <p14:creationId xmlns:p14="http://schemas.microsoft.com/office/powerpoint/2010/main" val="2699094001"/>
+        <p14:creationId xmlns:p14="http://schemas.microsoft.com/office/powerpoint/2010/main" val="711314127"/>
       </p:ext>
     </p:extLst>
   </p:cSld>
@@ -1096,14 +1057,37 @@
           <a:bodyPr/>
           <a:lstStyle/>
           <a:p>
-            <a:r>
-              <a:rPr lang="en-US" dirty="0" smtClean="0"/>
-              <a:t>What does</a:t>
-            </a:r>
-            <a:r>
-              <a:rPr lang="en-US" baseline="0" dirty="0" smtClean="0"/>
-              <a:t> it mean to ignore duplicates? There is a constant barrage of advertisements, so you don’t want these, unless you want constant proximity updates.</a:t>
-            </a:r>
+            <a:pPr marL="0" marR="0" indent="0" algn="l" defTabSz="457200" rtl="0" eaLnBrk="1" fontAlgn="auto" latinLnBrk="0" hangingPunct="1">
+              <a:lnSpc>
+                <a:spcPct val="100000"/>
+              </a:lnSpc>
+              <a:spcBef>
+                <a:spcPts val="0"/>
+              </a:spcBef>
+              <a:spcAft>
+                <a:spcPts val="0"/>
+              </a:spcAft>
+              <a:buClrTx/>
+              <a:buSzTx/>
+              <a:buFontTx/>
+              <a:buNone/>
+              <a:tabLst/>
+              <a:defRPr/>
+            </a:pPr>
+            <a:r>
+              <a:rPr lang="en-US" dirty="0" smtClean="0"/>
+              <a:t>I define the CBUUIDs directly, as opposed to just the strings because it’s very easy in the </a:t>
+            </a:r>
+            <a:r>
+              <a:rPr lang="en-US" dirty="0" err="1" smtClean="0"/>
+              <a:t>CentralManager</a:t>
+            </a:r>
+            <a:r>
+              <a:rPr lang="en-US" dirty="0" smtClean="0"/>
+              <a:t> to use the strings by accident instead of wrapping them in CBUUIDs</a:t>
+            </a:r>
+          </a:p>
+          <a:p>
             <a:endParaRPr lang="en-US" dirty="0"/>
           </a:p>
         </p:txBody>
@@ -1125,7 +1109,7 @@
           <a:p>
             <a:fld id="{BCD8AC12-6810-D74B-9EE7-946B67E565C5}" type="slidenum">
               <a:rPr lang="en-US" smtClean="0"/>
-              <a:t>19</a:t>
+              <a:t>14</a:t>
             </a:fld>
             <a:endParaRPr lang="en-US"/>
           </a:p>
@@ -1134,7 +1118,7 @@
     </p:spTree>
     <p:extLst>
       <p:ext uri="{BB962C8B-B14F-4D97-AF65-F5344CB8AC3E}">
-        <p14:creationId xmlns:p14="http://schemas.microsoft.com/office/powerpoint/2010/main" val="4081243414"/>
+        <p14:creationId xmlns:p14="http://schemas.microsoft.com/office/powerpoint/2010/main" val="452396248"/>
       </p:ext>
     </p:extLst>
   </p:cSld>
@@ -1190,20 +1174,7 @@
           <a:p>
             <a:r>
               <a:rPr lang="en-US" dirty="0" smtClean="0"/>
-              <a:t>RSSI = Received Signal Strength</a:t>
-            </a:r>
-            <a:r>
-              <a:rPr lang="en-US" baseline="0" dirty="0" smtClean="0"/>
-              <a:t> Indication</a:t>
-            </a:r>
-          </a:p>
-          <a:p>
-            <a:endParaRPr lang="en-US" baseline="0" dirty="0" smtClean="0"/>
-          </a:p>
-          <a:p>
-            <a:r>
-              <a:rPr lang="en-US" baseline="0" dirty="0" smtClean="0"/>
-              <a:t>You have to retain peripheral BEFORE you connect</a:t>
+              <a:t>Note that scanning and detecting are used interchangeably in the literature</a:t>
             </a:r>
             <a:endParaRPr lang="en-US" dirty="0"/>
           </a:p>
@@ -1226,7 +1197,7 @@
           <a:p>
             <a:fld id="{BCD8AC12-6810-D74B-9EE7-946B67E565C5}" type="slidenum">
               <a:rPr lang="en-US" smtClean="0"/>
-              <a:t>21</a:t>
+              <a:t>15</a:t>
             </a:fld>
             <a:endParaRPr lang="en-US"/>
           </a:p>
@@ -1235,7 +1206,7 @@
     </p:spTree>
     <p:extLst>
       <p:ext uri="{BB962C8B-B14F-4D97-AF65-F5344CB8AC3E}">
-        <p14:creationId xmlns:p14="http://schemas.microsoft.com/office/powerpoint/2010/main" val="1105014416"/>
+        <p14:creationId xmlns:p14="http://schemas.microsoft.com/office/powerpoint/2010/main" val="775871477"/>
       </p:ext>
     </p:extLst>
   </p:cSld>
@@ -1291,7 +1262,31 @@
           <a:p>
             <a:r>
               <a:rPr lang="en-US" dirty="0" smtClean="0"/>
-              <a:t>We get all </a:t>
+              <a:t>NOTE:</a:t>
+            </a:r>
+            <a:r>
+              <a:rPr lang="en-US" baseline="0" dirty="0" smtClean="0"/>
+              <a:t> </a:t>
+            </a:r>
+            <a:r>
+              <a:rPr lang="en-US" baseline="0" dirty="0" err="1" smtClean="0"/>
+              <a:t>CBPeripheral</a:t>
+            </a:r>
+            <a:r>
+              <a:rPr lang="en-US" baseline="0" dirty="0" smtClean="0"/>
+              <a:t> is different than </a:t>
+            </a:r>
+            <a:r>
+              <a:rPr lang="en-US" baseline="0" dirty="0" err="1" smtClean="0"/>
+              <a:t>CBPeripheralManager</a:t>
+            </a:r>
+            <a:r>
+              <a:rPr lang="en-US" baseline="0" dirty="0" smtClean="0"/>
+              <a:t> (one is used for connecting to Peripherals, and one is for being </a:t>
+            </a:r>
+            <a:r>
+              <a:rPr lang="en-US" baseline="0" smtClean="0"/>
+              <a:t>a peripheral)</a:t>
             </a:r>
             <a:endParaRPr lang="en-US" dirty="0"/>
           </a:p>
@@ -1314,7 +1309,7 @@
           <a:p>
             <a:fld id="{BCD8AC12-6810-D74B-9EE7-946B67E565C5}" type="slidenum">
               <a:rPr lang="en-US" smtClean="0"/>
-              <a:t>23</a:t>
+              <a:t>16</a:t>
             </a:fld>
             <a:endParaRPr lang="en-US"/>
           </a:p>
@@ -1323,7 +1318,267 @@
     </p:spTree>
     <p:extLst>
       <p:ext uri="{BB962C8B-B14F-4D97-AF65-F5344CB8AC3E}">
-        <p14:creationId xmlns:p14="http://schemas.microsoft.com/office/powerpoint/2010/main" val="1712553548"/>
+        <p14:creationId xmlns:p14="http://schemas.microsoft.com/office/powerpoint/2010/main" val="2699094001"/>
+      </p:ext>
+    </p:extLst>
+  </p:cSld>
+  <p:clrMapOvr>
+    <a:masterClrMapping/>
+  </p:clrMapOvr>
+</p:notes>
+</file>
+
+<file path=ppt/notesSlides/notesSlide17.xml><?xml version="1.0" encoding="utf-8"?>
+<p:notes xmlns:a="http://schemas.openxmlformats.org/drawingml/2006/main" xmlns:r="http://schemas.openxmlformats.org/officeDocument/2006/relationships" xmlns:p="http://schemas.openxmlformats.org/presentationml/2006/main">
+  <p:cSld>
+    <p:spTree>
+      <p:nvGrpSpPr>
+        <p:cNvPr id="1" name=""/>
+        <p:cNvGrpSpPr/>
+        <p:nvPr/>
+      </p:nvGrpSpPr>
+      <p:grpSpPr>
+        <a:xfrm>
+          <a:off x="0" y="0"/>
+          <a:ext cx="0" cy="0"/>
+          <a:chOff x="0" y="0"/>
+          <a:chExt cx="0" cy="0"/>
+        </a:xfrm>
+      </p:grpSpPr>
+      <p:sp>
+        <p:nvSpPr>
+          <p:cNvPr id="2" name="Slide Image Placeholder 1"/>
+          <p:cNvSpPr>
+            <a:spLocks noGrp="1" noRot="1" noChangeAspect="1"/>
+          </p:cNvSpPr>
+          <p:nvPr>
+            <p:ph type="sldImg"/>
+          </p:nvPr>
+        </p:nvSpPr>
+        <p:spPr/>
+      </p:sp>
+      <p:sp>
+        <p:nvSpPr>
+          <p:cNvPr id="3" name="Notes Placeholder 2"/>
+          <p:cNvSpPr>
+            <a:spLocks noGrp="1"/>
+          </p:cNvSpPr>
+          <p:nvPr>
+            <p:ph type="body" idx="1"/>
+          </p:nvPr>
+        </p:nvSpPr>
+        <p:spPr/>
+        <p:txBody>
+          <a:bodyPr/>
+          <a:lstStyle/>
+          <a:p>
+            <a:endParaRPr lang="en-US"/>
+          </a:p>
+        </p:txBody>
+      </p:sp>
+      <p:sp>
+        <p:nvSpPr>
+          <p:cNvPr id="4" name="Slide Number Placeholder 3"/>
+          <p:cNvSpPr>
+            <a:spLocks noGrp="1"/>
+          </p:cNvSpPr>
+          <p:nvPr>
+            <p:ph type="sldNum" sz="quarter" idx="10"/>
+          </p:nvPr>
+        </p:nvSpPr>
+        <p:spPr/>
+        <p:txBody>
+          <a:bodyPr/>
+          <a:lstStyle/>
+          <a:p>
+            <a:fld id="{BCD8AC12-6810-D74B-9EE7-946B67E565C5}" type="slidenum">
+              <a:rPr lang="en-US" smtClean="0"/>
+              <a:t>17</a:t>
+            </a:fld>
+            <a:endParaRPr lang="en-US"/>
+          </a:p>
+        </p:txBody>
+      </p:sp>
+    </p:spTree>
+    <p:extLst>
+      <p:ext uri="{BB962C8B-B14F-4D97-AF65-F5344CB8AC3E}">
+        <p14:creationId xmlns:p14="http://schemas.microsoft.com/office/powerpoint/2010/main" val="2224519792"/>
+      </p:ext>
+    </p:extLst>
+  </p:cSld>
+  <p:clrMapOvr>
+    <a:masterClrMapping/>
+  </p:clrMapOvr>
+</p:notes>
+</file>
+
+<file path=ppt/notesSlides/notesSlide18.xml><?xml version="1.0" encoding="utf-8"?>
+<p:notes xmlns:a="http://schemas.openxmlformats.org/drawingml/2006/main" xmlns:r="http://schemas.openxmlformats.org/officeDocument/2006/relationships" xmlns:p="http://schemas.openxmlformats.org/presentationml/2006/main">
+  <p:cSld>
+    <p:spTree>
+      <p:nvGrpSpPr>
+        <p:cNvPr id="1" name=""/>
+        <p:cNvGrpSpPr/>
+        <p:nvPr/>
+      </p:nvGrpSpPr>
+      <p:grpSpPr>
+        <a:xfrm>
+          <a:off x="0" y="0"/>
+          <a:ext cx="0" cy="0"/>
+          <a:chOff x="0" y="0"/>
+          <a:chExt cx="0" cy="0"/>
+        </a:xfrm>
+      </p:grpSpPr>
+      <p:sp>
+        <p:nvSpPr>
+          <p:cNvPr id="2" name="Slide Image Placeholder 1"/>
+          <p:cNvSpPr>
+            <a:spLocks noGrp="1" noRot="1" noChangeAspect="1"/>
+          </p:cNvSpPr>
+          <p:nvPr>
+            <p:ph type="sldImg"/>
+          </p:nvPr>
+        </p:nvSpPr>
+        <p:spPr/>
+      </p:sp>
+      <p:sp>
+        <p:nvSpPr>
+          <p:cNvPr id="3" name="Notes Placeholder 2"/>
+          <p:cNvSpPr>
+            <a:spLocks noGrp="1"/>
+          </p:cNvSpPr>
+          <p:nvPr>
+            <p:ph type="body" idx="1"/>
+          </p:nvPr>
+        </p:nvSpPr>
+        <p:spPr/>
+        <p:txBody>
+          <a:bodyPr/>
+          <a:lstStyle/>
+          <a:p>
+            <a:endParaRPr lang="en-US"/>
+          </a:p>
+        </p:txBody>
+      </p:sp>
+      <p:sp>
+        <p:nvSpPr>
+          <p:cNvPr id="4" name="Slide Number Placeholder 3"/>
+          <p:cNvSpPr>
+            <a:spLocks noGrp="1"/>
+          </p:cNvSpPr>
+          <p:nvPr>
+            <p:ph type="sldNum" sz="quarter" idx="10"/>
+          </p:nvPr>
+        </p:nvSpPr>
+        <p:spPr/>
+        <p:txBody>
+          <a:bodyPr/>
+          <a:lstStyle/>
+          <a:p>
+            <a:fld id="{BCD8AC12-6810-D74B-9EE7-946B67E565C5}" type="slidenum">
+              <a:rPr lang="en-US" smtClean="0"/>
+              <a:t>18</a:t>
+            </a:fld>
+            <a:endParaRPr lang="en-US"/>
+          </a:p>
+        </p:txBody>
+      </p:sp>
+    </p:spTree>
+    <p:extLst>
+      <p:ext uri="{BB962C8B-B14F-4D97-AF65-F5344CB8AC3E}">
+        <p14:creationId xmlns:p14="http://schemas.microsoft.com/office/powerpoint/2010/main" val="1810195007"/>
+      </p:ext>
+    </p:extLst>
+  </p:cSld>
+  <p:clrMapOvr>
+    <a:masterClrMapping/>
+  </p:clrMapOvr>
+</p:notes>
+</file>
+
+<file path=ppt/notesSlides/notesSlide19.xml><?xml version="1.0" encoding="utf-8"?>
+<p:notes xmlns:a="http://schemas.openxmlformats.org/drawingml/2006/main" xmlns:r="http://schemas.openxmlformats.org/officeDocument/2006/relationships" xmlns:p="http://schemas.openxmlformats.org/presentationml/2006/main">
+  <p:cSld>
+    <p:spTree>
+      <p:nvGrpSpPr>
+        <p:cNvPr id="1" name=""/>
+        <p:cNvGrpSpPr/>
+        <p:nvPr/>
+      </p:nvGrpSpPr>
+      <p:grpSpPr>
+        <a:xfrm>
+          <a:off x="0" y="0"/>
+          <a:ext cx="0" cy="0"/>
+          <a:chOff x="0" y="0"/>
+          <a:chExt cx="0" cy="0"/>
+        </a:xfrm>
+      </p:grpSpPr>
+      <p:sp>
+        <p:nvSpPr>
+          <p:cNvPr id="2" name="Slide Image Placeholder 1"/>
+          <p:cNvSpPr>
+            <a:spLocks noGrp="1" noRot="1" noChangeAspect="1"/>
+          </p:cNvSpPr>
+          <p:nvPr>
+            <p:ph type="sldImg"/>
+          </p:nvPr>
+        </p:nvSpPr>
+        <p:spPr/>
+      </p:sp>
+      <p:sp>
+        <p:nvSpPr>
+          <p:cNvPr id="3" name="Notes Placeholder 2"/>
+          <p:cNvSpPr>
+            <a:spLocks noGrp="1"/>
+          </p:cNvSpPr>
+          <p:nvPr>
+            <p:ph type="body" idx="1"/>
+          </p:nvPr>
+        </p:nvSpPr>
+        <p:spPr/>
+        <p:txBody>
+          <a:bodyPr/>
+          <a:lstStyle/>
+          <a:p>
+            <a:r>
+              <a:rPr lang="en-US" dirty="0" smtClean="0"/>
+              <a:t>What does</a:t>
+            </a:r>
+            <a:r>
+              <a:rPr lang="en-US" baseline="0" dirty="0" smtClean="0"/>
+              <a:t> it mean to ignore duplicates? There is a constant barrage of advertisements, so you don’t want these, unless you want constant proximity updates.</a:t>
+            </a:r>
+            <a:endParaRPr lang="en-US" dirty="0"/>
+          </a:p>
+        </p:txBody>
+      </p:sp>
+      <p:sp>
+        <p:nvSpPr>
+          <p:cNvPr id="4" name="Slide Number Placeholder 3"/>
+          <p:cNvSpPr>
+            <a:spLocks noGrp="1"/>
+          </p:cNvSpPr>
+          <p:nvPr>
+            <p:ph type="sldNum" sz="quarter" idx="10"/>
+          </p:nvPr>
+        </p:nvSpPr>
+        <p:spPr/>
+        <p:txBody>
+          <a:bodyPr/>
+          <a:lstStyle/>
+          <a:p>
+            <a:fld id="{BCD8AC12-6810-D74B-9EE7-946B67E565C5}" type="slidenum">
+              <a:rPr lang="en-US" smtClean="0"/>
+              <a:t>19</a:t>
+            </a:fld>
+            <a:endParaRPr lang="en-US"/>
+          </a:p>
+        </p:txBody>
+      </p:sp>
+    </p:spTree>
+    <p:extLst>
+      <p:ext uri="{BB962C8B-B14F-4D97-AF65-F5344CB8AC3E}">
+        <p14:creationId xmlns:p14="http://schemas.microsoft.com/office/powerpoint/2010/main" val="4081243414"/>
       </p:ext>
     </p:extLst>
   </p:cSld>
@@ -1421,6 +1676,867 @@
 </p:notes>
 </file>
 
+<file path=ppt/notesSlides/notesSlide20.xml><?xml version="1.0" encoding="utf-8"?>
+<p:notes xmlns:a="http://schemas.openxmlformats.org/drawingml/2006/main" xmlns:r="http://schemas.openxmlformats.org/officeDocument/2006/relationships" xmlns:p="http://schemas.openxmlformats.org/presentationml/2006/main">
+  <p:cSld>
+    <p:spTree>
+      <p:nvGrpSpPr>
+        <p:cNvPr id="1" name=""/>
+        <p:cNvGrpSpPr/>
+        <p:nvPr/>
+      </p:nvGrpSpPr>
+      <p:grpSpPr>
+        <a:xfrm>
+          <a:off x="0" y="0"/>
+          <a:ext cx="0" cy="0"/>
+          <a:chOff x="0" y="0"/>
+          <a:chExt cx="0" cy="0"/>
+        </a:xfrm>
+      </p:grpSpPr>
+      <p:sp>
+        <p:nvSpPr>
+          <p:cNvPr id="2" name="Slide Image Placeholder 1"/>
+          <p:cNvSpPr>
+            <a:spLocks noGrp="1" noRot="1" noChangeAspect="1"/>
+          </p:cNvSpPr>
+          <p:nvPr>
+            <p:ph type="sldImg"/>
+          </p:nvPr>
+        </p:nvSpPr>
+        <p:spPr/>
+      </p:sp>
+      <p:sp>
+        <p:nvSpPr>
+          <p:cNvPr id="3" name="Notes Placeholder 2"/>
+          <p:cNvSpPr>
+            <a:spLocks noGrp="1"/>
+          </p:cNvSpPr>
+          <p:nvPr>
+            <p:ph type="body" idx="1"/>
+          </p:nvPr>
+        </p:nvSpPr>
+        <p:spPr/>
+        <p:txBody>
+          <a:bodyPr/>
+          <a:lstStyle/>
+          <a:p>
+            <a:endParaRPr lang="en-US"/>
+          </a:p>
+        </p:txBody>
+      </p:sp>
+      <p:sp>
+        <p:nvSpPr>
+          <p:cNvPr id="4" name="Slide Number Placeholder 3"/>
+          <p:cNvSpPr>
+            <a:spLocks noGrp="1"/>
+          </p:cNvSpPr>
+          <p:nvPr>
+            <p:ph type="sldNum" sz="quarter" idx="10"/>
+          </p:nvPr>
+        </p:nvSpPr>
+        <p:spPr/>
+        <p:txBody>
+          <a:bodyPr/>
+          <a:lstStyle/>
+          <a:p>
+            <a:fld id="{BCD8AC12-6810-D74B-9EE7-946B67E565C5}" type="slidenum">
+              <a:rPr lang="en-US" smtClean="0"/>
+              <a:t>20</a:t>
+            </a:fld>
+            <a:endParaRPr lang="en-US"/>
+          </a:p>
+        </p:txBody>
+      </p:sp>
+    </p:spTree>
+    <p:extLst>
+      <p:ext uri="{BB962C8B-B14F-4D97-AF65-F5344CB8AC3E}">
+        <p14:creationId xmlns:p14="http://schemas.microsoft.com/office/powerpoint/2010/main" val="4082712221"/>
+      </p:ext>
+    </p:extLst>
+  </p:cSld>
+  <p:clrMapOvr>
+    <a:masterClrMapping/>
+  </p:clrMapOvr>
+</p:notes>
+</file>
+
+<file path=ppt/notesSlides/notesSlide21.xml><?xml version="1.0" encoding="utf-8"?>
+<p:notes xmlns:a="http://schemas.openxmlformats.org/drawingml/2006/main" xmlns:r="http://schemas.openxmlformats.org/officeDocument/2006/relationships" xmlns:p="http://schemas.openxmlformats.org/presentationml/2006/main">
+  <p:cSld>
+    <p:spTree>
+      <p:nvGrpSpPr>
+        <p:cNvPr id="1" name=""/>
+        <p:cNvGrpSpPr/>
+        <p:nvPr/>
+      </p:nvGrpSpPr>
+      <p:grpSpPr>
+        <a:xfrm>
+          <a:off x="0" y="0"/>
+          <a:ext cx="0" cy="0"/>
+          <a:chOff x="0" y="0"/>
+          <a:chExt cx="0" cy="0"/>
+        </a:xfrm>
+      </p:grpSpPr>
+      <p:sp>
+        <p:nvSpPr>
+          <p:cNvPr id="2" name="Slide Image Placeholder 1"/>
+          <p:cNvSpPr>
+            <a:spLocks noGrp="1" noRot="1" noChangeAspect="1"/>
+          </p:cNvSpPr>
+          <p:nvPr>
+            <p:ph type="sldImg"/>
+          </p:nvPr>
+        </p:nvSpPr>
+        <p:spPr/>
+      </p:sp>
+      <p:sp>
+        <p:nvSpPr>
+          <p:cNvPr id="3" name="Notes Placeholder 2"/>
+          <p:cNvSpPr>
+            <a:spLocks noGrp="1"/>
+          </p:cNvSpPr>
+          <p:nvPr>
+            <p:ph type="body" idx="1"/>
+          </p:nvPr>
+        </p:nvSpPr>
+        <p:spPr/>
+        <p:txBody>
+          <a:bodyPr/>
+          <a:lstStyle/>
+          <a:p>
+            <a:r>
+              <a:rPr lang="en-US" dirty="0" smtClean="0"/>
+              <a:t>RSSI = Received Signal Strength</a:t>
+            </a:r>
+            <a:r>
+              <a:rPr lang="en-US" baseline="0" dirty="0" smtClean="0"/>
+              <a:t> Indication</a:t>
+            </a:r>
+          </a:p>
+          <a:p>
+            <a:endParaRPr lang="en-US" baseline="0" dirty="0" smtClean="0"/>
+          </a:p>
+          <a:p>
+            <a:r>
+              <a:rPr lang="en-US" baseline="0" dirty="0" smtClean="0"/>
+              <a:t>You have to retain peripheral BEFORE you connect</a:t>
+            </a:r>
+            <a:endParaRPr lang="en-US" dirty="0"/>
+          </a:p>
+        </p:txBody>
+      </p:sp>
+      <p:sp>
+        <p:nvSpPr>
+          <p:cNvPr id="4" name="Slide Number Placeholder 3"/>
+          <p:cNvSpPr>
+            <a:spLocks noGrp="1"/>
+          </p:cNvSpPr>
+          <p:nvPr>
+            <p:ph type="sldNum" sz="quarter" idx="10"/>
+          </p:nvPr>
+        </p:nvSpPr>
+        <p:spPr/>
+        <p:txBody>
+          <a:bodyPr/>
+          <a:lstStyle/>
+          <a:p>
+            <a:fld id="{BCD8AC12-6810-D74B-9EE7-946B67E565C5}" type="slidenum">
+              <a:rPr lang="en-US" smtClean="0"/>
+              <a:t>21</a:t>
+            </a:fld>
+            <a:endParaRPr lang="en-US"/>
+          </a:p>
+        </p:txBody>
+      </p:sp>
+    </p:spTree>
+    <p:extLst>
+      <p:ext uri="{BB962C8B-B14F-4D97-AF65-F5344CB8AC3E}">
+        <p14:creationId xmlns:p14="http://schemas.microsoft.com/office/powerpoint/2010/main" val="1105014416"/>
+      </p:ext>
+    </p:extLst>
+  </p:cSld>
+  <p:clrMapOvr>
+    <a:masterClrMapping/>
+  </p:clrMapOvr>
+</p:notes>
+</file>
+
+<file path=ppt/notesSlides/notesSlide22.xml><?xml version="1.0" encoding="utf-8"?>
+<p:notes xmlns:a="http://schemas.openxmlformats.org/drawingml/2006/main" xmlns:r="http://schemas.openxmlformats.org/officeDocument/2006/relationships" xmlns:p="http://schemas.openxmlformats.org/presentationml/2006/main">
+  <p:cSld>
+    <p:spTree>
+      <p:nvGrpSpPr>
+        <p:cNvPr id="1" name=""/>
+        <p:cNvGrpSpPr/>
+        <p:nvPr/>
+      </p:nvGrpSpPr>
+      <p:grpSpPr>
+        <a:xfrm>
+          <a:off x="0" y="0"/>
+          <a:ext cx="0" cy="0"/>
+          <a:chOff x="0" y="0"/>
+          <a:chExt cx="0" cy="0"/>
+        </a:xfrm>
+      </p:grpSpPr>
+      <p:sp>
+        <p:nvSpPr>
+          <p:cNvPr id="2" name="Slide Image Placeholder 1"/>
+          <p:cNvSpPr>
+            <a:spLocks noGrp="1" noRot="1" noChangeAspect="1"/>
+          </p:cNvSpPr>
+          <p:nvPr>
+            <p:ph type="sldImg"/>
+          </p:nvPr>
+        </p:nvSpPr>
+        <p:spPr/>
+      </p:sp>
+      <p:sp>
+        <p:nvSpPr>
+          <p:cNvPr id="3" name="Notes Placeholder 2"/>
+          <p:cNvSpPr>
+            <a:spLocks noGrp="1"/>
+          </p:cNvSpPr>
+          <p:nvPr>
+            <p:ph type="body" idx="1"/>
+          </p:nvPr>
+        </p:nvSpPr>
+        <p:spPr/>
+        <p:txBody>
+          <a:bodyPr/>
+          <a:lstStyle/>
+          <a:p>
+            <a:endParaRPr lang="en-US"/>
+          </a:p>
+        </p:txBody>
+      </p:sp>
+      <p:sp>
+        <p:nvSpPr>
+          <p:cNvPr id="4" name="Slide Number Placeholder 3"/>
+          <p:cNvSpPr>
+            <a:spLocks noGrp="1"/>
+          </p:cNvSpPr>
+          <p:nvPr>
+            <p:ph type="sldNum" sz="quarter" idx="10"/>
+          </p:nvPr>
+        </p:nvSpPr>
+        <p:spPr/>
+        <p:txBody>
+          <a:bodyPr/>
+          <a:lstStyle/>
+          <a:p>
+            <a:fld id="{BCD8AC12-6810-D74B-9EE7-946B67E565C5}" type="slidenum">
+              <a:rPr lang="en-US" smtClean="0"/>
+              <a:t>22</a:t>
+            </a:fld>
+            <a:endParaRPr lang="en-US"/>
+          </a:p>
+        </p:txBody>
+      </p:sp>
+    </p:spTree>
+    <p:extLst>
+      <p:ext uri="{BB962C8B-B14F-4D97-AF65-F5344CB8AC3E}">
+        <p14:creationId xmlns:p14="http://schemas.microsoft.com/office/powerpoint/2010/main" val="3601301229"/>
+      </p:ext>
+    </p:extLst>
+  </p:cSld>
+  <p:clrMapOvr>
+    <a:masterClrMapping/>
+  </p:clrMapOvr>
+</p:notes>
+</file>
+
+<file path=ppt/notesSlides/notesSlide23.xml><?xml version="1.0" encoding="utf-8"?>
+<p:notes xmlns:a="http://schemas.openxmlformats.org/drawingml/2006/main" xmlns:r="http://schemas.openxmlformats.org/officeDocument/2006/relationships" xmlns:p="http://schemas.openxmlformats.org/presentationml/2006/main">
+  <p:cSld>
+    <p:spTree>
+      <p:nvGrpSpPr>
+        <p:cNvPr id="1" name=""/>
+        <p:cNvGrpSpPr/>
+        <p:nvPr/>
+      </p:nvGrpSpPr>
+      <p:grpSpPr>
+        <a:xfrm>
+          <a:off x="0" y="0"/>
+          <a:ext cx="0" cy="0"/>
+          <a:chOff x="0" y="0"/>
+          <a:chExt cx="0" cy="0"/>
+        </a:xfrm>
+      </p:grpSpPr>
+      <p:sp>
+        <p:nvSpPr>
+          <p:cNvPr id="2" name="Slide Image Placeholder 1"/>
+          <p:cNvSpPr>
+            <a:spLocks noGrp="1" noRot="1" noChangeAspect="1"/>
+          </p:cNvSpPr>
+          <p:nvPr>
+            <p:ph type="sldImg"/>
+          </p:nvPr>
+        </p:nvSpPr>
+        <p:spPr/>
+      </p:sp>
+      <p:sp>
+        <p:nvSpPr>
+          <p:cNvPr id="3" name="Notes Placeholder 2"/>
+          <p:cNvSpPr>
+            <a:spLocks noGrp="1"/>
+          </p:cNvSpPr>
+          <p:nvPr>
+            <p:ph type="body" idx="1"/>
+          </p:nvPr>
+        </p:nvSpPr>
+        <p:spPr/>
+        <p:txBody>
+          <a:bodyPr/>
+          <a:lstStyle/>
+          <a:p>
+            <a:r>
+              <a:rPr lang="en-US" dirty="0" smtClean="0"/>
+              <a:t>We get all </a:t>
+            </a:r>
+            <a:endParaRPr lang="en-US" dirty="0"/>
+          </a:p>
+        </p:txBody>
+      </p:sp>
+      <p:sp>
+        <p:nvSpPr>
+          <p:cNvPr id="4" name="Slide Number Placeholder 3"/>
+          <p:cNvSpPr>
+            <a:spLocks noGrp="1"/>
+          </p:cNvSpPr>
+          <p:nvPr>
+            <p:ph type="sldNum" sz="quarter" idx="10"/>
+          </p:nvPr>
+        </p:nvSpPr>
+        <p:spPr/>
+        <p:txBody>
+          <a:bodyPr/>
+          <a:lstStyle/>
+          <a:p>
+            <a:fld id="{BCD8AC12-6810-D74B-9EE7-946B67E565C5}" type="slidenum">
+              <a:rPr lang="en-US" smtClean="0"/>
+              <a:t>23</a:t>
+            </a:fld>
+            <a:endParaRPr lang="en-US"/>
+          </a:p>
+        </p:txBody>
+      </p:sp>
+    </p:spTree>
+    <p:extLst>
+      <p:ext uri="{BB962C8B-B14F-4D97-AF65-F5344CB8AC3E}">
+        <p14:creationId xmlns:p14="http://schemas.microsoft.com/office/powerpoint/2010/main" val="1712553548"/>
+      </p:ext>
+    </p:extLst>
+  </p:cSld>
+  <p:clrMapOvr>
+    <a:masterClrMapping/>
+  </p:clrMapOvr>
+</p:notes>
+</file>
+
+<file path=ppt/notesSlides/notesSlide24.xml><?xml version="1.0" encoding="utf-8"?>
+<p:notes xmlns:a="http://schemas.openxmlformats.org/drawingml/2006/main" xmlns:r="http://schemas.openxmlformats.org/officeDocument/2006/relationships" xmlns:p="http://schemas.openxmlformats.org/presentationml/2006/main">
+  <p:cSld>
+    <p:spTree>
+      <p:nvGrpSpPr>
+        <p:cNvPr id="1" name=""/>
+        <p:cNvGrpSpPr/>
+        <p:nvPr/>
+      </p:nvGrpSpPr>
+      <p:grpSpPr>
+        <a:xfrm>
+          <a:off x="0" y="0"/>
+          <a:ext cx="0" cy="0"/>
+          <a:chOff x="0" y="0"/>
+          <a:chExt cx="0" cy="0"/>
+        </a:xfrm>
+      </p:grpSpPr>
+      <p:sp>
+        <p:nvSpPr>
+          <p:cNvPr id="2" name="Slide Image Placeholder 1"/>
+          <p:cNvSpPr>
+            <a:spLocks noGrp="1" noRot="1" noChangeAspect="1"/>
+          </p:cNvSpPr>
+          <p:nvPr>
+            <p:ph type="sldImg"/>
+          </p:nvPr>
+        </p:nvSpPr>
+        <p:spPr/>
+      </p:sp>
+      <p:sp>
+        <p:nvSpPr>
+          <p:cNvPr id="3" name="Notes Placeholder 2"/>
+          <p:cNvSpPr>
+            <a:spLocks noGrp="1"/>
+          </p:cNvSpPr>
+          <p:nvPr>
+            <p:ph type="body" idx="1"/>
+          </p:nvPr>
+        </p:nvSpPr>
+        <p:spPr/>
+        <p:txBody>
+          <a:bodyPr/>
+          <a:lstStyle/>
+          <a:p>
+            <a:endParaRPr lang="en-US"/>
+          </a:p>
+        </p:txBody>
+      </p:sp>
+      <p:sp>
+        <p:nvSpPr>
+          <p:cNvPr id="4" name="Slide Number Placeholder 3"/>
+          <p:cNvSpPr>
+            <a:spLocks noGrp="1"/>
+          </p:cNvSpPr>
+          <p:nvPr>
+            <p:ph type="sldNum" sz="quarter" idx="10"/>
+          </p:nvPr>
+        </p:nvSpPr>
+        <p:spPr/>
+        <p:txBody>
+          <a:bodyPr/>
+          <a:lstStyle/>
+          <a:p>
+            <a:fld id="{BCD8AC12-6810-D74B-9EE7-946B67E565C5}" type="slidenum">
+              <a:rPr lang="en-US" smtClean="0"/>
+              <a:t>24</a:t>
+            </a:fld>
+            <a:endParaRPr lang="en-US"/>
+          </a:p>
+        </p:txBody>
+      </p:sp>
+    </p:spTree>
+    <p:extLst>
+      <p:ext uri="{BB962C8B-B14F-4D97-AF65-F5344CB8AC3E}">
+        <p14:creationId xmlns:p14="http://schemas.microsoft.com/office/powerpoint/2010/main" val="3546137927"/>
+      </p:ext>
+    </p:extLst>
+  </p:cSld>
+  <p:clrMapOvr>
+    <a:masterClrMapping/>
+  </p:clrMapOvr>
+</p:notes>
+</file>
+
+<file path=ppt/notesSlides/notesSlide25.xml><?xml version="1.0" encoding="utf-8"?>
+<p:notes xmlns:a="http://schemas.openxmlformats.org/drawingml/2006/main" xmlns:r="http://schemas.openxmlformats.org/officeDocument/2006/relationships" xmlns:p="http://schemas.openxmlformats.org/presentationml/2006/main">
+  <p:cSld>
+    <p:spTree>
+      <p:nvGrpSpPr>
+        <p:cNvPr id="1" name=""/>
+        <p:cNvGrpSpPr/>
+        <p:nvPr/>
+      </p:nvGrpSpPr>
+      <p:grpSpPr>
+        <a:xfrm>
+          <a:off x="0" y="0"/>
+          <a:ext cx="0" cy="0"/>
+          <a:chOff x="0" y="0"/>
+          <a:chExt cx="0" cy="0"/>
+        </a:xfrm>
+      </p:grpSpPr>
+      <p:sp>
+        <p:nvSpPr>
+          <p:cNvPr id="2" name="Slide Image Placeholder 1"/>
+          <p:cNvSpPr>
+            <a:spLocks noGrp="1" noRot="1" noChangeAspect="1"/>
+          </p:cNvSpPr>
+          <p:nvPr>
+            <p:ph type="sldImg"/>
+          </p:nvPr>
+        </p:nvSpPr>
+        <p:spPr/>
+      </p:sp>
+      <p:sp>
+        <p:nvSpPr>
+          <p:cNvPr id="3" name="Notes Placeholder 2"/>
+          <p:cNvSpPr>
+            <a:spLocks noGrp="1"/>
+          </p:cNvSpPr>
+          <p:nvPr>
+            <p:ph type="body" idx="1"/>
+          </p:nvPr>
+        </p:nvSpPr>
+        <p:spPr/>
+        <p:txBody>
+          <a:bodyPr/>
+          <a:lstStyle/>
+          <a:p>
+            <a:endParaRPr lang="en-US"/>
+          </a:p>
+        </p:txBody>
+      </p:sp>
+      <p:sp>
+        <p:nvSpPr>
+          <p:cNvPr id="4" name="Slide Number Placeholder 3"/>
+          <p:cNvSpPr>
+            <a:spLocks noGrp="1"/>
+          </p:cNvSpPr>
+          <p:nvPr>
+            <p:ph type="sldNum" sz="quarter" idx="10"/>
+          </p:nvPr>
+        </p:nvSpPr>
+        <p:spPr/>
+        <p:txBody>
+          <a:bodyPr/>
+          <a:lstStyle/>
+          <a:p>
+            <a:fld id="{BCD8AC12-6810-D74B-9EE7-946B67E565C5}" type="slidenum">
+              <a:rPr lang="en-US" smtClean="0"/>
+              <a:t>25</a:t>
+            </a:fld>
+            <a:endParaRPr lang="en-US"/>
+          </a:p>
+        </p:txBody>
+      </p:sp>
+    </p:spTree>
+    <p:extLst>
+      <p:ext uri="{BB962C8B-B14F-4D97-AF65-F5344CB8AC3E}">
+        <p14:creationId xmlns:p14="http://schemas.microsoft.com/office/powerpoint/2010/main" val="3787462518"/>
+      </p:ext>
+    </p:extLst>
+  </p:cSld>
+  <p:clrMapOvr>
+    <a:masterClrMapping/>
+  </p:clrMapOvr>
+</p:notes>
+</file>
+
+<file path=ppt/notesSlides/notesSlide26.xml><?xml version="1.0" encoding="utf-8"?>
+<p:notes xmlns:a="http://schemas.openxmlformats.org/drawingml/2006/main" xmlns:r="http://schemas.openxmlformats.org/officeDocument/2006/relationships" xmlns:p="http://schemas.openxmlformats.org/presentationml/2006/main">
+  <p:cSld>
+    <p:spTree>
+      <p:nvGrpSpPr>
+        <p:cNvPr id="1" name=""/>
+        <p:cNvGrpSpPr/>
+        <p:nvPr/>
+      </p:nvGrpSpPr>
+      <p:grpSpPr>
+        <a:xfrm>
+          <a:off x="0" y="0"/>
+          <a:ext cx="0" cy="0"/>
+          <a:chOff x="0" y="0"/>
+          <a:chExt cx="0" cy="0"/>
+        </a:xfrm>
+      </p:grpSpPr>
+      <p:sp>
+        <p:nvSpPr>
+          <p:cNvPr id="2" name="Slide Image Placeholder 1"/>
+          <p:cNvSpPr>
+            <a:spLocks noGrp="1" noRot="1" noChangeAspect="1"/>
+          </p:cNvSpPr>
+          <p:nvPr>
+            <p:ph type="sldImg"/>
+          </p:nvPr>
+        </p:nvSpPr>
+        <p:spPr/>
+      </p:sp>
+      <p:sp>
+        <p:nvSpPr>
+          <p:cNvPr id="3" name="Notes Placeholder 2"/>
+          <p:cNvSpPr>
+            <a:spLocks noGrp="1"/>
+          </p:cNvSpPr>
+          <p:nvPr>
+            <p:ph type="body" idx="1"/>
+          </p:nvPr>
+        </p:nvSpPr>
+        <p:spPr/>
+        <p:txBody>
+          <a:bodyPr/>
+          <a:lstStyle/>
+          <a:p>
+            <a:endParaRPr lang="en-US"/>
+          </a:p>
+        </p:txBody>
+      </p:sp>
+      <p:sp>
+        <p:nvSpPr>
+          <p:cNvPr id="4" name="Slide Number Placeholder 3"/>
+          <p:cNvSpPr>
+            <a:spLocks noGrp="1"/>
+          </p:cNvSpPr>
+          <p:nvPr>
+            <p:ph type="sldNum" sz="quarter" idx="10"/>
+          </p:nvPr>
+        </p:nvSpPr>
+        <p:spPr/>
+        <p:txBody>
+          <a:bodyPr/>
+          <a:lstStyle/>
+          <a:p>
+            <a:fld id="{BCD8AC12-6810-D74B-9EE7-946B67E565C5}" type="slidenum">
+              <a:rPr lang="en-US" smtClean="0"/>
+              <a:t>26</a:t>
+            </a:fld>
+            <a:endParaRPr lang="en-US"/>
+          </a:p>
+        </p:txBody>
+      </p:sp>
+    </p:spTree>
+    <p:extLst>
+      <p:ext uri="{BB962C8B-B14F-4D97-AF65-F5344CB8AC3E}">
+        <p14:creationId xmlns:p14="http://schemas.microsoft.com/office/powerpoint/2010/main" val="2696954511"/>
+      </p:ext>
+    </p:extLst>
+  </p:cSld>
+  <p:clrMapOvr>
+    <a:masterClrMapping/>
+  </p:clrMapOvr>
+</p:notes>
+</file>
+
+<file path=ppt/notesSlides/notesSlide27.xml><?xml version="1.0" encoding="utf-8"?>
+<p:notes xmlns:a="http://schemas.openxmlformats.org/drawingml/2006/main" xmlns:r="http://schemas.openxmlformats.org/officeDocument/2006/relationships" xmlns:p="http://schemas.openxmlformats.org/presentationml/2006/main">
+  <p:cSld>
+    <p:spTree>
+      <p:nvGrpSpPr>
+        <p:cNvPr id="1" name=""/>
+        <p:cNvGrpSpPr/>
+        <p:nvPr/>
+      </p:nvGrpSpPr>
+      <p:grpSpPr>
+        <a:xfrm>
+          <a:off x="0" y="0"/>
+          <a:ext cx="0" cy="0"/>
+          <a:chOff x="0" y="0"/>
+          <a:chExt cx="0" cy="0"/>
+        </a:xfrm>
+      </p:grpSpPr>
+      <p:sp>
+        <p:nvSpPr>
+          <p:cNvPr id="2" name="Slide Image Placeholder 1"/>
+          <p:cNvSpPr>
+            <a:spLocks noGrp="1" noRot="1" noChangeAspect="1"/>
+          </p:cNvSpPr>
+          <p:nvPr>
+            <p:ph type="sldImg"/>
+          </p:nvPr>
+        </p:nvSpPr>
+        <p:spPr/>
+      </p:sp>
+      <p:sp>
+        <p:nvSpPr>
+          <p:cNvPr id="3" name="Notes Placeholder 2"/>
+          <p:cNvSpPr>
+            <a:spLocks noGrp="1"/>
+          </p:cNvSpPr>
+          <p:nvPr>
+            <p:ph type="body" idx="1"/>
+          </p:nvPr>
+        </p:nvSpPr>
+        <p:spPr/>
+        <p:txBody>
+          <a:bodyPr/>
+          <a:lstStyle/>
+          <a:p>
+            <a:endParaRPr lang="en-US"/>
+          </a:p>
+        </p:txBody>
+      </p:sp>
+      <p:sp>
+        <p:nvSpPr>
+          <p:cNvPr id="4" name="Slide Number Placeholder 3"/>
+          <p:cNvSpPr>
+            <a:spLocks noGrp="1"/>
+          </p:cNvSpPr>
+          <p:nvPr>
+            <p:ph type="sldNum" sz="quarter" idx="10"/>
+          </p:nvPr>
+        </p:nvSpPr>
+        <p:spPr/>
+        <p:txBody>
+          <a:bodyPr/>
+          <a:lstStyle/>
+          <a:p>
+            <a:fld id="{BCD8AC12-6810-D74B-9EE7-946B67E565C5}" type="slidenum">
+              <a:rPr lang="en-US" smtClean="0"/>
+              <a:t>27</a:t>
+            </a:fld>
+            <a:endParaRPr lang="en-US"/>
+          </a:p>
+        </p:txBody>
+      </p:sp>
+    </p:spTree>
+    <p:extLst>
+      <p:ext uri="{BB962C8B-B14F-4D97-AF65-F5344CB8AC3E}">
+        <p14:creationId xmlns:p14="http://schemas.microsoft.com/office/powerpoint/2010/main" val="812700733"/>
+      </p:ext>
+    </p:extLst>
+  </p:cSld>
+  <p:clrMapOvr>
+    <a:masterClrMapping/>
+  </p:clrMapOvr>
+</p:notes>
+</file>
+
+<file path=ppt/notesSlides/notesSlide28.xml><?xml version="1.0" encoding="utf-8"?>
+<p:notes xmlns:a="http://schemas.openxmlformats.org/drawingml/2006/main" xmlns:r="http://schemas.openxmlformats.org/officeDocument/2006/relationships" xmlns:p="http://schemas.openxmlformats.org/presentationml/2006/main">
+  <p:cSld>
+    <p:spTree>
+      <p:nvGrpSpPr>
+        <p:cNvPr id="1" name=""/>
+        <p:cNvGrpSpPr/>
+        <p:nvPr/>
+      </p:nvGrpSpPr>
+      <p:grpSpPr>
+        <a:xfrm>
+          <a:off x="0" y="0"/>
+          <a:ext cx="0" cy="0"/>
+          <a:chOff x="0" y="0"/>
+          <a:chExt cx="0" cy="0"/>
+        </a:xfrm>
+      </p:grpSpPr>
+      <p:sp>
+        <p:nvSpPr>
+          <p:cNvPr id="2" name="Slide Image Placeholder 1"/>
+          <p:cNvSpPr>
+            <a:spLocks noGrp="1" noRot="1" noChangeAspect="1"/>
+          </p:cNvSpPr>
+          <p:nvPr>
+            <p:ph type="sldImg"/>
+          </p:nvPr>
+        </p:nvSpPr>
+        <p:spPr/>
+      </p:sp>
+      <p:sp>
+        <p:nvSpPr>
+          <p:cNvPr id="3" name="Notes Placeholder 2"/>
+          <p:cNvSpPr>
+            <a:spLocks noGrp="1"/>
+          </p:cNvSpPr>
+          <p:nvPr>
+            <p:ph type="body" idx="1"/>
+          </p:nvPr>
+        </p:nvSpPr>
+        <p:spPr/>
+        <p:txBody>
+          <a:bodyPr/>
+          <a:lstStyle/>
+          <a:p>
+            <a:endParaRPr lang="en-US"/>
+          </a:p>
+        </p:txBody>
+      </p:sp>
+      <p:sp>
+        <p:nvSpPr>
+          <p:cNvPr id="4" name="Slide Number Placeholder 3"/>
+          <p:cNvSpPr>
+            <a:spLocks noGrp="1"/>
+          </p:cNvSpPr>
+          <p:nvPr>
+            <p:ph type="sldNum" sz="quarter" idx="10"/>
+          </p:nvPr>
+        </p:nvSpPr>
+        <p:spPr/>
+        <p:txBody>
+          <a:bodyPr/>
+          <a:lstStyle/>
+          <a:p>
+            <a:fld id="{BCD8AC12-6810-D74B-9EE7-946B67E565C5}" type="slidenum">
+              <a:rPr lang="en-US" smtClean="0"/>
+              <a:t>28</a:t>
+            </a:fld>
+            <a:endParaRPr lang="en-US"/>
+          </a:p>
+        </p:txBody>
+      </p:sp>
+    </p:spTree>
+    <p:extLst>
+      <p:ext uri="{BB962C8B-B14F-4D97-AF65-F5344CB8AC3E}">
+        <p14:creationId xmlns:p14="http://schemas.microsoft.com/office/powerpoint/2010/main" val="873029215"/>
+      </p:ext>
+    </p:extLst>
+  </p:cSld>
+  <p:clrMapOvr>
+    <a:masterClrMapping/>
+  </p:clrMapOvr>
+</p:notes>
+</file>
+
+<file path=ppt/notesSlides/notesSlide29.xml><?xml version="1.0" encoding="utf-8"?>
+<p:notes xmlns:a="http://schemas.openxmlformats.org/drawingml/2006/main" xmlns:r="http://schemas.openxmlformats.org/officeDocument/2006/relationships" xmlns:p="http://schemas.openxmlformats.org/presentationml/2006/main">
+  <p:cSld>
+    <p:spTree>
+      <p:nvGrpSpPr>
+        <p:cNvPr id="1" name=""/>
+        <p:cNvGrpSpPr/>
+        <p:nvPr/>
+      </p:nvGrpSpPr>
+      <p:grpSpPr>
+        <a:xfrm>
+          <a:off x="0" y="0"/>
+          <a:ext cx="0" cy="0"/>
+          <a:chOff x="0" y="0"/>
+          <a:chExt cx="0" cy="0"/>
+        </a:xfrm>
+      </p:grpSpPr>
+      <p:sp>
+        <p:nvSpPr>
+          <p:cNvPr id="2" name="Slide Image Placeholder 1"/>
+          <p:cNvSpPr>
+            <a:spLocks noGrp="1" noRot="1" noChangeAspect="1"/>
+          </p:cNvSpPr>
+          <p:nvPr>
+            <p:ph type="sldImg"/>
+          </p:nvPr>
+        </p:nvSpPr>
+        <p:spPr/>
+      </p:sp>
+      <p:sp>
+        <p:nvSpPr>
+          <p:cNvPr id="3" name="Notes Placeholder 2"/>
+          <p:cNvSpPr>
+            <a:spLocks noGrp="1"/>
+          </p:cNvSpPr>
+          <p:nvPr>
+            <p:ph type="body" idx="1"/>
+          </p:nvPr>
+        </p:nvSpPr>
+        <p:spPr/>
+        <p:txBody>
+          <a:bodyPr/>
+          <a:lstStyle/>
+          <a:p>
+            <a:endParaRPr lang="en-US"/>
+          </a:p>
+        </p:txBody>
+      </p:sp>
+      <p:sp>
+        <p:nvSpPr>
+          <p:cNvPr id="4" name="Slide Number Placeholder 3"/>
+          <p:cNvSpPr>
+            <a:spLocks noGrp="1"/>
+          </p:cNvSpPr>
+          <p:nvPr>
+            <p:ph type="sldNum" sz="quarter" idx="10"/>
+          </p:nvPr>
+        </p:nvSpPr>
+        <p:spPr/>
+        <p:txBody>
+          <a:bodyPr/>
+          <a:lstStyle/>
+          <a:p>
+            <a:fld id="{BCD8AC12-6810-D74B-9EE7-946B67E565C5}" type="slidenum">
+              <a:rPr lang="en-US" smtClean="0"/>
+              <a:t>29</a:t>
+            </a:fld>
+            <a:endParaRPr lang="en-US"/>
+          </a:p>
+        </p:txBody>
+      </p:sp>
+    </p:spTree>
+    <p:extLst>
+      <p:ext uri="{BB962C8B-B14F-4D97-AF65-F5344CB8AC3E}">
+        <p14:creationId xmlns:p14="http://schemas.microsoft.com/office/powerpoint/2010/main" val="1888731412"/>
+      </p:ext>
+    </p:extLst>
+  </p:cSld>
+  <p:clrMapOvr>
+    <a:masterClrMapping/>
+  </p:clrMapOvr>
+</p:notes>
+</file>
+
 <file path=ppt/notesSlides/notesSlide3.xml><?xml version="1.0" encoding="utf-8"?>
 <p:notes xmlns:a="http://schemas.openxmlformats.org/drawingml/2006/main" xmlns:r="http://schemas.openxmlformats.org/officeDocument/2006/relationships" xmlns:p="http://schemas.openxmlformats.org/presentationml/2006/main">
   <p:cSld>
@@ -1515,6 +2631,90 @@
     <p:extLst>
       <p:ext uri="{BB962C8B-B14F-4D97-AF65-F5344CB8AC3E}">
         <p14:creationId xmlns:p14="http://schemas.microsoft.com/office/powerpoint/2010/main" val="182203657"/>
+      </p:ext>
+    </p:extLst>
+  </p:cSld>
+  <p:clrMapOvr>
+    <a:masterClrMapping/>
+  </p:clrMapOvr>
+</p:notes>
+</file>
+
+<file path=ppt/notesSlides/notesSlide30.xml><?xml version="1.0" encoding="utf-8"?>
+<p:notes xmlns:a="http://schemas.openxmlformats.org/drawingml/2006/main" xmlns:r="http://schemas.openxmlformats.org/officeDocument/2006/relationships" xmlns:p="http://schemas.openxmlformats.org/presentationml/2006/main">
+  <p:cSld>
+    <p:spTree>
+      <p:nvGrpSpPr>
+        <p:cNvPr id="1" name=""/>
+        <p:cNvGrpSpPr/>
+        <p:nvPr/>
+      </p:nvGrpSpPr>
+      <p:grpSpPr>
+        <a:xfrm>
+          <a:off x="0" y="0"/>
+          <a:ext cx="0" cy="0"/>
+          <a:chOff x="0" y="0"/>
+          <a:chExt cx="0" cy="0"/>
+        </a:xfrm>
+      </p:grpSpPr>
+      <p:sp>
+        <p:nvSpPr>
+          <p:cNvPr id="2" name="Slide Image Placeholder 1"/>
+          <p:cNvSpPr>
+            <a:spLocks noGrp="1" noRot="1" noChangeAspect="1"/>
+          </p:cNvSpPr>
+          <p:nvPr>
+            <p:ph type="sldImg"/>
+          </p:nvPr>
+        </p:nvSpPr>
+        <p:spPr/>
+      </p:sp>
+      <p:sp>
+        <p:nvSpPr>
+          <p:cNvPr id="3" name="Notes Placeholder 2"/>
+          <p:cNvSpPr>
+            <a:spLocks noGrp="1"/>
+          </p:cNvSpPr>
+          <p:nvPr>
+            <p:ph type="body" idx="1"/>
+          </p:nvPr>
+        </p:nvSpPr>
+        <p:spPr/>
+        <p:txBody>
+          <a:bodyPr/>
+          <a:lstStyle/>
+          <a:p>
+            <a:endParaRPr lang="en-US"/>
+          </a:p>
+        </p:txBody>
+      </p:sp>
+      <p:sp>
+        <p:nvSpPr>
+          <p:cNvPr id="4" name="Slide Number Placeholder 3"/>
+          <p:cNvSpPr>
+            <a:spLocks noGrp="1"/>
+          </p:cNvSpPr>
+          <p:nvPr>
+            <p:ph type="sldNum" sz="quarter" idx="10"/>
+          </p:nvPr>
+        </p:nvSpPr>
+        <p:spPr/>
+        <p:txBody>
+          <a:bodyPr/>
+          <a:lstStyle/>
+          <a:p>
+            <a:fld id="{BCD8AC12-6810-D74B-9EE7-946B67E565C5}" type="slidenum">
+              <a:rPr lang="en-US" smtClean="0"/>
+              <a:t>30</a:t>
+            </a:fld>
+            <a:endParaRPr lang="en-US"/>
+          </a:p>
+        </p:txBody>
+      </p:sp>
+    </p:spTree>
+    <p:extLst>
+      <p:ext uri="{BB962C8B-B14F-4D97-AF65-F5344CB8AC3E}">
+        <p14:creationId xmlns:p14="http://schemas.microsoft.com/office/powerpoint/2010/main" val="569879177"/>
       </p:ext>
     </p:extLst>
   </p:cSld>
@@ -1570,7 +2770,30 @@
           <a:p>
             <a:r>
               <a:rPr lang="en-US" dirty="0" smtClean="0"/>
-              <a:t>We will not discuss </a:t>
+              <a:t>We are building a simple app that discovers a service (generated</a:t>
+            </a:r>
+            <a:r>
+              <a:rPr lang="en-US" baseline="0" dirty="0" smtClean="0"/>
+              <a:t> by my </a:t>
+            </a:r>
+            <a:r>
+              <a:rPr lang="en-US" baseline="0" dirty="0" err="1" smtClean="0"/>
+              <a:t>ipad</a:t>
+            </a:r>
+            <a:r>
+              <a:rPr lang="en-US" baseline="0" dirty="0" smtClean="0"/>
+              <a:t>) and subscribes to data sent by this service. There are enough wrinkles to doing this that I decided to focus on the very basic case. If we have time, I’ll show you how to send messages that are split into chunks.</a:t>
+            </a:r>
+            <a:endParaRPr lang="en-US" dirty="0" smtClean="0"/>
+          </a:p>
+          <a:p>
+            <a:r>
+              <a:rPr lang="en-US" dirty="0" smtClean="0"/>
+              <a:t>We </a:t>
+            </a:r>
+            <a:r>
+              <a:rPr lang="en-US" dirty="0" smtClean="0"/>
+              <a:t>will not discuss </a:t>
             </a:r>
             <a:r>
               <a:rPr lang="en-US" dirty="0" err="1" smtClean="0"/>
@@ -1582,9 +2805,12 @@
             </a:r>
             <a:r>
               <a:rPr lang="en-US" baseline="0" dirty="0" smtClean="0"/>
-              <a:t> are sufficient material for another day</a:t>
-            </a:r>
-            <a:endParaRPr lang="en-US" dirty="0"/>
+              <a:t> are sufficient material for another </a:t>
+            </a:r>
+            <a:r>
+              <a:rPr lang="en-US" baseline="0" dirty="0" smtClean="0"/>
+              <a:t>day</a:t>
+            </a:r>
           </a:p>
         </p:txBody>
       </p:sp>
@@ -1668,32 +2894,7 @@
           <a:bodyPr/>
           <a:lstStyle/>
           <a:p>
-            <a:pPr marL="0" marR="0" indent="0" algn="l" defTabSz="457200" rtl="0" eaLnBrk="1" fontAlgn="auto" latinLnBrk="0" hangingPunct="1">
-              <a:lnSpc>
-                <a:spcPct val="100000"/>
-              </a:lnSpc>
-              <a:spcBef>
-                <a:spcPts val="0"/>
-              </a:spcBef>
-              <a:spcAft>
-                <a:spcPts val="0"/>
-              </a:spcAft>
-              <a:buClrTx/>
-              <a:buSzTx/>
-              <a:buFontTx/>
-              <a:buNone/>
-              <a:tabLst/>
-              <a:defRPr/>
-            </a:pPr>
-            <a:r>
-              <a:rPr lang="en-US" dirty="0" smtClean="0"/>
-              <a:t>The classic application is a hear rate monitor which an app on your phone discovers,</a:t>
-            </a:r>
-            <a:r>
-              <a:rPr lang="en-US" baseline="0" dirty="0" smtClean="0"/>
-              <a:t> connects to, and subscribes to data from</a:t>
-            </a:r>
-            <a:endParaRPr lang="en-US" dirty="0"/>
+            <a:endParaRPr lang="en-US"/>
           </a:p>
         </p:txBody>
       </p:sp>
@@ -1712,9 +2913,9 @@
           <a:bodyPr/>
           <a:lstStyle/>
           <a:p>
-            <a:fld id="{415EADC4-4264-DF41-8D51-DAB00F6C6DC2}" type="slidenum">
-              <a:rPr lang="en-US" smtClean="0"/>
-              <a:t>6</a:t>
+            <a:fld id="{BCD8AC12-6810-D74B-9EE7-946B67E565C5}" type="slidenum">
+              <a:rPr lang="en-US" smtClean="0"/>
+              <a:t>5</a:t>
             </a:fld>
             <a:endParaRPr lang="en-US"/>
           </a:p>
@@ -1723,7 +2924,7 @@
     </p:spTree>
     <p:extLst>
       <p:ext uri="{BB962C8B-B14F-4D97-AF65-F5344CB8AC3E}">
-        <p14:creationId xmlns:p14="http://schemas.microsoft.com/office/powerpoint/2010/main" val="2812626232"/>
+        <p14:creationId xmlns:p14="http://schemas.microsoft.com/office/powerpoint/2010/main" val="3450505844"/>
       </p:ext>
     </p:extLst>
   </p:cSld>
@@ -1777,13 +2978,30 @@
           <a:bodyPr/>
           <a:lstStyle/>
           <a:p>
-            <a:r>
-              <a:rPr lang="en-US" dirty="0" smtClean="0"/>
-              <a:t>No</a:t>
+            <a:pPr marL="0" marR="0" indent="0" algn="l" defTabSz="457200" rtl="0" eaLnBrk="1" fontAlgn="auto" latinLnBrk="0" hangingPunct="1">
+              <a:lnSpc>
+                <a:spcPct val="100000"/>
+              </a:lnSpc>
+              <a:spcBef>
+                <a:spcPts val="0"/>
+              </a:spcBef>
+              <a:spcAft>
+                <a:spcPts val="0"/>
+              </a:spcAft>
+              <a:buClrTx/>
+              <a:buSzTx/>
+              <a:buFontTx/>
+              <a:buNone/>
+              <a:tabLst/>
+              <a:defRPr/>
+            </a:pPr>
+            <a:r>
+              <a:rPr lang="en-US" dirty="0" smtClean="0"/>
+              <a:t>The classic application is a hear rate monitor which an app on your phone discovers,</a:t>
             </a:r>
             <a:r>
               <a:rPr lang="en-US" baseline="0" dirty="0" smtClean="0"/>
-              <a:t> pairing opens up really cool use cases. You can walk down the street and your smartphone is in your pocket and it can interact with BLE devices- discover them, get data from them, etc. </a:t>
+              <a:t> connects to, and subscribes to data from</a:t>
             </a:r>
             <a:endParaRPr lang="en-US" dirty="0"/>
           </a:p>
@@ -1806,7 +3024,7 @@
           <a:p>
             <a:fld id="{415EADC4-4264-DF41-8D51-DAB00F6C6DC2}" type="slidenum">
               <a:rPr lang="en-US" smtClean="0"/>
-              <a:t>7</a:t>
+              <a:t>6</a:t>
             </a:fld>
             <a:endParaRPr lang="en-US"/>
           </a:p>
@@ -1815,7 +3033,7 @@
     </p:spTree>
     <p:extLst>
       <p:ext uri="{BB962C8B-B14F-4D97-AF65-F5344CB8AC3E}">
-        <p14:creationId xmlns:p14="http://schemas.microsoft.com/office/powerpoint/2010/main" val="2546360090"/>
+        <p14:creationId xmlns:p14="http://schemas.microsoft.com/office/powerpoint/2010/main" val="2812626232"/>
       </p:ext>
     </p:extLst>
   </p:cSld>
@@ -1871,36 +3089,11 @@
           <a:p>
             <a:r>
               <a:rPr lang="en-US" dirty="0" smtClean="0"/>
-              <a:t>This class focuses on </a:t>
-            </a:r>
-            <a:r>
-              <a:rPr lang="en-US" dirty="0" err="1" smtClean="0"/>
-              <a:t>CoreBluetooth</a:t>
-            </a:r>
-            <a:r>
-              <a:rPr lang="en-US" dirty="0" smtClean="0"/>
-              <a:t>. I will cover</a:t>
+              <a:t>No</a:t>
             </a:r>
             <a:r>
               <a:rPr lang="en-US" baseline="0" dirty="0" smtClean="0"/>
-              <a:t> </a:t>
-            </a:r>
-            <a:r>
-              <a:rPr lang="en-US" baseline="0" dirty="0" err="1" smtClean="0"/>
-              <a:t>iBeacons</a:t>
-            </a:r>
-            <a:r>
-              <a:rPr lang="en-US" baseline="0" dirty="0" smtClean="0"/>
-              <a:t> in another class</a:t>
-            </a:r>
-          </a:p>
-          <a:p>
-            <a:endParaRPr lang="en-US" baseline="0" dirty="0" smtClean="0"/>
-          </a:p>
-          <a:p>
-            <a:r>
-              <a:rPr lang="en-US" baseline="0" dirty="0" smtClean="0"/>
-              <a:t>A beacon is a peripheral.</a:t>
+              <a:t> pairing opens up really cool use cases. You can walk down the street and your smartphone is in your pocket and it can interact with BLE devices- discover them, get data from them, etc. </a:t>
             </a:r>
             <a:endParaRPr lang="en-US" dirty="0"/>
           </a:p>
@@ -1923,7 +3116,7 @@
           <a:p>
             <a:fld id="{415EADC4-4264-DF41-8D51-DAB00F6C6DC2}" type="slidenum">
               <a:rPr lang="en-US" smtClean="0"/>
-              <a:t>8</a:t>
+              <a:t>7</a:t>
             </a:fld>
             <a:endParaRPr lang="en-US"/>
           </a:p>
@@ -1932,7 +3125,7 @@
     </p:spTree>
     <p:extLst>
       <p:ext uri="{BB962C8B-B14F-4D97-AF65-F5344CB8AC3E}">
-        <p14:creationId xmlns:p14="http://schemas.microsoft.com/office/powerpoint/2010/main" val="1809671152"/>
+        <p14:creationId xmlns:p14="http://schemas.microsoft.com/office/powerpoint/2010/main" val="2546360090"/>
       </p:ext>
     </p:extLst>
   </p:cSld>
@@ -1988,11 +3181,36 @@
           <a:p>
             <a:r>
               <a:rPr lang="en-US" dirty="0" smtClean="0"/>
-              <a:t>The HR monitor could have a HR monitor service, with a BPM notification</a:t>
+              <a:t>This class focuses on </a:t>
+            </a:r>
+            <a:r>
+              <a:rPr lang="en-US" dirty="0" err="1" smtClean="0"/>
+              <a:t>CoreBluetooth</a:t>
+            </a:r>
+            <a:r>
+              <a:rPr lang="en-US" dirty="0" smtClean="0"/>
+              <a:t>. I will cover</a:t>
             </a:r>
             <a:r>
               <a:rPr lang="en-US" baseline="0" dirty="0" smtClean="0"/>
-              <a:t> characteristic, which sends out data, let’s say, every second</a:t>
+              <a:t> </a:t>
+            </a:r>
+            <a:r>
+              <a:rPr lang="en-US" baseline="0" dirty="0" err="1" smtClean="0"/>
+              <a:t>iBeacons</a:t>
+            </a:r>
+            <a:r>
+              <a:rPr lang="en-US" baseline="0" dirty="0" smtClean="0"/>
+              <a:t> in another class</a:t>
+            </a:r>
+          </a:p>
+          <a:p>
+            <a:endParaRPr lang="en-US" baseline="0" dirty="0" smtClean="0"/>
+          </a:p>
+          <a:p>
+            <a:r>
+              <a:rPr lang="en-US" baseline="0" dirty="0" smtClean="0"/>
+              <a:t>A beacon is a peripheral.</a:t>
             </a:r>
             <a:endParaRPr lang="en-US" dirty="0"/>
           </a:p>
@@ -2013,9 +3231,9 @@
           <a:bodyPr/>
           <a:lstStyle/>
           <a:p>
-            <a:fld id="{BCD8AC12-6810-D74B-9EE7-946B67E565C5}" type="slidenum">
-              <a:rPr lang="en-US" smtClean="0"/>
-              <a:t>9</a:t>
+            <a:fld id="{415EADC4-4264-DF41-8D51-DAB00F6C6DC2}" type="slidenum">
+              <a:rPr lang="en-US" smtClean="0"/>
+              <a:t>8</a:t>
             </a:fld>
             <a:endParaRPr lang="en-US"/>
           </a:p>
@@ -2024,7 +3242,7 @@
     </p:spTree>
     <p:extLst>
       <p:ext uri="{BB962C8B-B14F-4D97-AF65-F5344CB8AC3E}">
-        <p14:creationId xmlns:p14="http://schemas.microsoft.com/office/powerpoint/2010/main" val="126889927"/>
+        <p14:creationId xmlns:p14="http://schemas.microsoft.com/office/powerpoint/2010/main" val="1809671152"/>
       </p:ext>
     </p:extLst>
   </p:cSld>
@@ -2080,27 +3298,11 @@
           <a:p>
             <a:r>
               <a:rPr lang="en-US" dirty="0" smtClean="0"/>
-              <a:t>This class focuses on </a:t>
-            </a:r>
-            <a:r>
-              <a:rPr lang="en-US" dirty="0" err="1" smtClean="0"/>
-              <a:t>CoreBluetooth</a:t>
-            </a:r>
-            <a:r>
-              <a:rPr lang="en-US" dirty="0" smtClean="0"/>
-              <a:t>. I will cover</a:t>
+              <a:t>The HR monitor could have a HR monitor service, with a BPM notification</a:t>
             </a:r>
             <a:r>
               <a:rPr lang="en-US" baseline="0" dirty="0" smtClean="0"/>
-              <a:t> </a:t>
-            </a:r>
-            <a:r>
-              <a:rPr lang="en-US" baseline="0" dirty="0" err="1" smtClean="0"/>
-              <a:t>iBeacons</a:t>
-            </a:r>
-            <a:r>
-              <a:rPr lang="en-US" baseline="0" dirty="0" smtClean="0"/>
-              <a:t> in another class</a:t>
+              <a:t> characteristic, which sends out data, let’s say, every second</a:t>
             </a:r>
             <a:endParaRPr lang="en-US" dirty="0"/>
           </a:p>
@@ -2121,9 +3323,9 @@
           <a:bodyPr/>
           <a:lstStyle/>
           <a:p>
-            <a:fld id="{415EADC4-4264-DF41-8D51-DAB00F6C6DC2}" type="slidenum">
-              <a:rPr lang="en-US" smtClean="0"/>
-              <a:t>11</a:t>
+            <a:fld id="{BCD8AC12-6810-D74B-9EE7-946B67E565C5}" type="slidenum">
+              <a:rPr lang="en-US" smtClean="0"/>
+              <a:t>9</a:t>
             </a:fld>
             <a:endParaRPr lang="en-US"/>
           </a:p>
@@ -2132,7 +3334,7 @@
     </p:spTree>
     <p:extLst>
       <p:ext uri="{BB962C8B-B14F-4D97-AF65-F5344CB8AC3E}">
-        <p14:creationId xmlns:p14="http://schemas.microsoft.com/office/powerpoint/2010/main" val="1809671152"/>
+        <p14:creationId xmlns:p14="http://schemas.microsoft.com/office/powerpoint/2010/main" val="126889927"/>
       </p:ext>
     </p:extLst>
   </p:cSld>
@@ -2323,7 +3525,7 @@
           <a:p>
             <a:fld id="{8E07F777-4D5A-BD4A-9040-2B1AB3E9D4B0}" type="datetimeFigureOut">
               <a:rPr lang="en-US" smtClean="0"/>
-              <a:t>3/9/14</a:t>
+              <a:t>3/19/14</a:t>
             </a:fld>
             <a:endParaRPr lang="en-US"/>
           </a:p>
@@ -2493,7 +3695,7 @@
           <a:p>
             <a:fld id="{8E07F777-4D5A-BD4A-9040-2B1AB3E9D4B0}" type="datetimeFigureOut">
               <a:rPr lang="en-US" smtClean="0"/>
-              <a:t>3/9/14</a:t>
+              <a:t>3/19/14</a:t>
             </a:fld>
             <a:endParaRPr lang="en-US"/>
           </a:p>
@@ -2673,7 +3875,7 @@
           <a:p>
             <a:fld id="{8E07F777-4D5A-BD4A-9040-2B1AB3E9D4B0}" type="datetimeFigureOut">
               <a:rPr lang="en-US" smtClean="0"/>
-              <a:t>3/9/14</a:t>
+              <a:t>3/19/14</a:t>
             </a:fld>
             <a:endParaRPr lang="en-US"/>
           </a:p>
@@ -2843,7 +4045,7 @@
           <a:p>
             <a:fld id="{8E07F777-4D5A-BD4A-9040-2B1AB3E9D4B0}" type="datetimeFigureOut">
               <a:rPr lang="en-US" smtClean="0"/>
-              <a:t>3/9/14</a:t>
+              <a:t>3/19/14</a:t>
             </a:fld>
             <a:endParaRPr lang="en-US"/>
           </a:p>
@@ -3089,7 +4291,7 @@
           <a:p>
             <a:fld id="{8E07F777-4D5A-BD4A-9040-2B1AB3E9D4B0}" type="datetimeFigureOut">
               <a:rPr lang="en-US" smtClean="0"/>
-              <a:t>3/9/14</a:t>
+              <a:t>3/19/14</a:t>
             </a:fld>
             <a:endParaRPr lang="en-US"/>
           </a:p>
@@ -3377,7 +4579,7 @@
           <a:p>
             <a:fld id="{8E07F777-4D5A-BD4A-9040-2B1AB3E9D4B0}" type="datetimeFigureOut">
               <a:rPr lang="en-US" smtClean="0"/>
-              <a:t>3/9/14</a:t>
+              <a:t>3/19/14</a:t>
             </a:fld>
             <a:endParaRPr lang="en-US"/>
           </a:p>
@@ -3799,7 +5001,7 @@
           <a:p>
             <a:fld id="{8E07F777-4D5A-BD4A-9040-2B1AB3E9D4B0}" type="datetimeFigureOut">
               <a:rPr lang="en-US" smtClean="0"/>
-              <a:t>3/9/14</a:t>
+              <a:t>3/19/14</a:t>
             </a:fld>
             <a:endParaRPr lang="en-US"/>
           </a:p>
@@ -3917,7 +5119,7 @@
           <a:p>
             <a:fld id="{8E07F777-4D5A-BD4A-9040-2B1AB3E9D4B0}" type="datetimeFigureOut">
               <a:rPr lang="en-US" smtClean="0"/>
-              <a:t>3/9/14</a:t>
+              <a:t>3/19/14</a:t>
             </a:fld>
             <a:endParaRPr lang="en-US"/>
           </a:p>
@@ -4012,7 +5214,7 @@
           <a:p>
             <a:fld id="{8E07F777-4D5A-BD4A-9040-2B1AB3E9D4B0}" type="datetimeFigureOut">
               <a:rPr lang="en-US" smtClean="0"/>
-              <a:t>3/9/14</a:t>
+              <a:t>3/19/14</a:t>
             </a:fld>
             <a:endParaRPr lang="en-US"/>
           </a:p>
@@ -4289,7 +5491,7 @@
           <a:p>
             <a:fld id="{8E07F777-4D5A-BD4A-9040-2B1AB3E9D4B0}" type="datetimeFigureOut">
               <a:rPr lang="en-US" smtClean="0"/>
-              <a:t>3/9/14</a:t>
+              <a:t>3/19/14</a:t>
             </a:fld>
             <a:endParaRPr lang="en-US"/>
           </a:p>
@@ -4542,7 +5744,7 @@
           <a:p>
             <a:fld id="{8E07F777-4D5A-BD4A-9040-2B1AB3E9D4B0}" type="datetimeFigureOut">
               <a:rPr lang="en-US" smtClean="0"/>
-              <a:t>3/9/14</a:t>
+              <a:t>3/19/14</a:t>
             </a:fld>
             <a:endParaRPr lang="en-US"/>
           </a:p>
@@ -4755,7 +5957,7 @@
           <a:p>
             <a:fld id="{8E07F777-4D5A-BD4A-9040-2B1AB3E9D4B0}" type="datetimeFigureOut">
               <a:rPr lang="en-US" smtClean="0"/>
-              <a:t>3/9/14</a:t>
+              <a:t>3/19/14</a:t>
             </a:fld>
             <a:endParaRPr lang="en-US"/>
           </a:p>
@@ -5219,6 +6421,13 @@
   <p:clrMapOvr>
     <a:masterClrMapping/>
   </p:clrMapOvr>
+  <p:timing>
+    <p:tnLst>
+      <p:par>
+        <p:cTn xmlns:p14="http://schemas.microsoft.com/office/powerpoint/2010/main" id="1" dur="indefinite" restart="never" nodeType="tmRoot"/>
+      </p:par>
+    </p:tnLst>
+  </p:timing>
 </p:sld>
 </file>
 
@@ -5321,6 +6530,13 @@
   <p:clrMapOvr>
     <a:masterClrMapping/>
   </p:clrMapOvr>
+  <p:timing>
+    <p:tnLst>
+      <p:par>
+        <p:cTn xmlns:p14="http://schemas.microsoft.com/office/powerpoint/2010/main" id="1" dur="indefinite" restart="never" nodeType="tmRoot"/>
+      </p:par>
+    </p:tnLst>
+  </p:timing>
 </p:sld>
 </file>
 
@@ -5417,15 +6633,7 @@
             </a:pPr>
             <a:r>
               <a:rPr lang="en-US" dirty="0" smtClean="0"/>
-              <a:t>Central </a:t>
-            </a:r>
-            <a:r>
-              <a:rPr lang="en-US" dirty="0" smtClean="0"/>
-              <a:t>discovers </a:t>
-            </a:r>
-            <a:r>
-              <a:rPr lang="en-US" dirty="0" smtClean="0"/>
-              <a:t>services</a:t>
+              <a:t>Central discovers services</a:t>
             </a:r>
           </a:p>
           <a:p>
@@ -5471,6 +6679,13 @@
   <p:clrMapOvr>
     <a:masterClrMapping/>
   </p:clrMapOvr>
+  <p:timing>
+    <p:tnLst>
+      <p:par>
+        <p:cTn xmlns:p14="http://schemas.microsoft.com/office/powerpoint/2010/main" id="1" dur="indefinite" restart="never" nodeType="tmRoot"/>
+      </p:par>
+    </p:tnLst>
+  </p:timing>
 </p:sld>
 </file>
 
@@ -5555,6 +6770,13 @@
   <p:clrMapOvr>
     <a:masterClrMapping/>
   </p:clrMapOvr>
+  <p:timing>
+    <p:tnLst>
+      <p:par>
+        <p:cTn xmlns:p14="http://schemas.microsoft.com/office/powerpoint/2010/main" id="1" dur="indefinite" restart="never" nodeType="tmRoot"/>
+      </p:par>
+    </p:tnLst>
+  </p:timing>
 </p:sld>
 </file>
 
@@ -5638,11 +6860,7 @@
             </a:r>
             <a:r>
               <a:rPr lang="en-US" dirty="0" smtClean="0"/>
-              <a:t> </a:t>
-            </a:r>
-            <a:r>
-              <a:rPr lang="en-US" dirty="0" smtClean="0"/>
-              <a:t>clone </a:t>
+              <a:t> clone </a:t>
             </a:r>
             <a:r>
               <a:rPr lang="en-US" dirty="0" smtClean="0">
@@ -5668,11 +6886,7 @@
             </a:r>
             <a:r>
               <a:rPr lang="en-US" dirty="0" smtClean="0"/>
-              <a:t> </a:t>
-            </a:r>
-            <a:r>
-              <a:rPr lang="en-US" dirty="0" smtClean="0"/>
-              <a:t>checkout </a:t>
+              <a:t> checkout </a:t>
             </a:r>
             <a:r>
               <a:rPr lang="en-US" dirty="0" err="1" smtClean="0"/>
@@ -5742,6 +6956,13 @@
   <p:clrMapOvr>
     <a:masterClrMapping/>
   </p:clrMapOvr>
+  <p:timing>
+    <p:tnLst>
+      <p:par>
+        <p:cTn xmlns:p14="http://schemas.microsoft.com/office/powerpoint/2010/main" id="1" dur="indefinite" restart="never" nodeType="tmRoot"/>
+      </p:par>
+    </p:tnLst>
+  </p:timing>
 </p:sld>
 </file>
 
@@ -5837,6 +7058,13 @@
   <p:clrMapOvr>
     <a:masterClrMapping/>
   </p:clrMapOvr>
+  <p:timing>
+    <p:tnLst>
+      <p:par>
+        <p:cTn xmlns:p14="http://schemas.microsoft.com/office/powerpoint/2010/main" id="1" dur="indefinite" restart="never" nodeType="tmRoot"/>
+      </p:par>
+    </p:tnLst>
+  </p:timing>
 </p:sld>
 </file>
 
@@ -5945,6 +7173,13 @@
   <p:clrMapOvr>
     <a:masterClrMapping/>
   </p:clrMapOvr>
+  <p:timing>
+    <p:tnLst>
+      <p:par>
+        <p:cTn xmlns:p14="http://schemas.microsoft.com/office/powerpoint/2010/main" id="1" dur="indefinite" restart="never" nodeType="tmRoot"/>
+      </p:par>
+    </p:tnLst>
+  </p:timing>
 </p:sld>
 </file>
 
@@ -6011,11 +7246,7 @@
           <a:p>
             <a:r>
               <a:rPr lang="en-US" dirty="0" smtClean="0"/>
-              <a:t>I will guide you through the implementation of everything </a:t>
-            </a:r>
-            <a:r>
-              <a:rPr lang="en-US" dirty="0" smtClean="0"/>
-              <a:t>else</a:t>
+              <a:t>I will guide you through the implementation of everything else</a:t>
             </a:r>
           </a:p>
           <a:p>
@@ -6044,7 +7275,6 @@
               <a:rPr lang="en-US" dirty="0" smtClean="0"/>
               <a:t> (connected Peripheral)</a:t>
             </a:r>
-            <a:endParaRPr lang="en-US" dirty="0" smtClean="0"/>
           </a:p>
           <a:p>
             <a:r>
@@ -6065,6 +7295,13 @@
   <p:clrMapOvr>
     <a:masterClrMapping/>
   </p:clrMapOvr>
+  <p:timing>
+    <p:tnLst>
+      <p:par>
+        <p:cTn xmlns:p14="http://schemas.microsoft.com/office/powerpoint/2010/main" id="1" dur="indefinite" restart="never" nodeType="tmRoot"/>
+      </p:par>
+    </p:tnLst>
+  </p:timing>
 </p:sld>
 </file>
 
@@ -6131,15 +7368,7 @@
           <a:p>
             <a:r>
               <a:rPr lang="en-US" dirty="0" smtClean="0"/>
-              <a:t>We create a </a:t>
-            </a:r>
-            <a:r>
-              <a:rPr lang="en-US" dirty="0" smtClean="0"/>
-              <a:t>queue for </a:t>
-            </a:r>
-            <a:r>
-              <a:rPr lang="en-US" dirty="0" smtClean="0"/>
-              <a:t>the </a:t>
+              <a:t>We create a queue for the </a:t>
             </a:r>
             <a:r>
               <a:rPr lang="en-US" dirty="0" err="1" smtClean="0"/>
@@ -6156,34 +7385,21 @@
           <a:p>
             <a:r>
               <a:rPr lang="en-US" dirty="0" smtClean="0"/>
-              <a:t>We </a:t>
-            </a:r>
-            <a:r>
-              <a:rPr lang="en-US" dirty="0" smtClean="0"/>
-              <a:t>also create a Dictionary to hold Peripherals we connect to. Why?</a:t>
+              <a:t>We also create a Dictionary to hold Peripherals we connect to. Why?</a:t>
             </a:r>
           </a:p>
           <a:p>
             <a:pPr lvl="1"/>
             <a:r>
               <a:rPr lang="en-US" dirty="0" smtClean="0"/>
-              <a:t>Peripherals need to be </a:t>
-            </a:r>
-            <a:r>
-              <a:rPr lang="en-US" dirty="0" smtClean="0"/>
-              <a:t>retained as soon as they discovered</a:t>
-            </a:r>
-            <a:endParaRPr lang="en-US" dirty="0" smtClean="0"/>
+              <a:t>Peripherals need to be retained as soon as they discovered</a:t>
+            </a:r>
           </a:p>
           <a:p>
             <a:pPr lvl="1"/>
             <a:r>
               <a:rPr lang="en-US" dirty="0" smtClean="0"/>
-              <a:t>We </a:t>
-            </a:r>
-            <a:r>
-              <a:rPr lang="en-US" dirty="0" smtClean="0"/>
-              <a:t>map the Peripheral to a </a:t>
+              <a:t>We map the Peripheral to a </a:t>
             </a:r>
             <a:r>
               <a:rPr lang="en-US" dirty="0" err="1" smtClean="0"/>
@@ -6191,11 +7407,7 @@
             </a:r>
             <a:r>
               <a:rPr lang="en-US" dirty="0" smtClean="0"/>
-              <a:t>, which functions as queue for incoming data from that </a:t>
-            </a:r>
-            <a:r>
-              <a:rPr lang="en-US" dirty="0" smtClean="0"/>
-              <a:t>Peripheral (this allows us to handle multiple peripherals)</a:t>
+              <a:t>, which functions as queue for incoming data from that Peripheral (this allows us to handle multiple peripherals)</a:t>
             </a:r>
             <a:endParaRPr lang="en-US" dirty="0"/>
           </a:p>
@@ -6211,6 +7423,13 @@
   <p:clrMapOvr>
     <a:masterClrMapping/>
   </p:clrMapOvr>
+  <p:timing>
+    <p:tnLst>
+      <p:par>
+        <p:cTn xmlns:p14="http://schemas.microsoft.com/office/powerpoint/2010/main" id="1" dur="indefinite" restart="never" nodeType="tmRoot"/>
+      </p:par>
+    </p:tnLst>
+  </p:timing>
 </p:sld>
 </file>
 
@@ -6369,6 +7588,13 @@
   <p:clrMapOvr>
     <a:masterClrMapping/>
   </p:clrMapOvr>
+  <p:timing>
+    <p:tnLst>
+      <p:par>
+        <p:cTn xmlns:p14="http://schemas.microsoft.com/office/powerpoint/2010/main" id="1" dur="indefinite" restart="never" nodeType="tmRoot"/>
+      </p:par>
+    </p:tnLst>
+  </p:timing>
 </p:sld>
 </file>
 
@@ -6435,13 +7661,8 @@
           <a:p>
             <a:r>
               <a:rPr lang="en-US" dirty="0" smtClean="0"/>
-              <a:t>We also give it an option to ignore </a:t>
-            </a:r>
-            <a:r>
-              <a:rPr lang="en-US" dirty="0" smtClean="0"/>
-              <a:t>duplicates</a:t>
-            </a:r>
-            <a:endParaRPr lang="en-US" dirty="0" smtClean="0"/>
+              <a:t>We also give it an option to ignore duplicates</a:t>
+            </a:r>
           </a:p>
         </p:txBody>
       </p:sp>
@@ -6455,6 +7676,13 @@
   <p:clrMapOvr>
     <a:masterClrMapping/>
   </p:clrMapOvr>
+  <p:timing>
+    <p:tnLst>
+      <p:par>
+        <p:cTn xmlns:p14="http://schemas.microsoft.com/office/powerpoint/2010/main" id="1" dur="indefinite" restart="never" nodeType="tmRoot"/>
+      </p:par>
+    </p:tnLst>
+  </p:timing>
 </p:sld>
 </file>
 
@@ -6564,6 +7792,13 @@
   <p:clrMapOvr>
     <a:masterClrMapping/>
   </p:clrMapOvr>
+  <p:timing>
+    <p:tnLst>
+      <p:par>
+        <p:cTn xmlns:p14="http://schemas.microsoft.com/office/powerpoint/2010/main" id="1" dur="indefinite" restart="never" nodeType="tmRoot"/>
+      </p:par>
+    </p:tnLst>
+  </p:timing>
 </p:sld>
 </file>
 
@@ -6659,6 +7894,13 @@
   <p:clrMapOvr>
     <a:masterClrMapping/>
   </p:clrMapOvr>
+  <p:timing>
+    <p:tnLst>
+      <p:par>
+        <p:cTn xmlns:p14="http://schemas.microsoft.com/office/powerpoint/2010/main" id="1" dur="indefinite" restart="never" nodeType="tmRoot"/>
+      </p:par>
+    </p:tnLst>
+  </p:timing>
 </p:sld>
 </file>
 
@@ -6804,6 +8046,13 @@
   <p:clrMapOvr>
     <a:masterClrMapping/>
   </p:clrMapOvr>
+  <p:timing>
+    <p:tnLst>
+      <p:par>
+        <p:cTn xmlns:p14="http://schemas.microsoft.com/office/powerpoint/2010/main" id="1" dur="indefinite" restart="never" nodeType="tmRoot"/>
+      </p:par>
+    </p:tnLst>
+  </p:timing>
 </p:sld>
 </file>
 
@@ -6928,19 +8177,11 @@
             </a:r>
             <a:r>
               <a:rPr lang="fr-FR" dirty="0" err="1" smtClean="0"/>
-              <a:t>CentralManager</a:t>
-            </a:r>
-            <a:r>
-              <a:rPr lang="fr-FR" dirty="0" err="1" smtClean="0"/>
-              <a:t>.m</a:t>
+              <a:t>CentralManager.m</a:t>
             </a:r>
             <a:r>
               <a:rPr lang="fr-FR" dirty="0" smtClean="0"/>
-              <a:t> </a:t>
-            </a:r>
-            <a:r>
-              <a:rPr lang="fr-FR" dirty="0" smtClean="0"/>
-              <a:t>as the </a:t>
+              <a:t> as the </a:t>
             </a:r>
             <a:r>
               <a:rPr lang="fr-FR" dirty="0" err="1" smtClean="0"/>
@@ -6992,6 +8233,13 @@
   <p:clrMapOvr>
     <a:masterClrMapping/>
   </p:clrMapOvr>
+  <p:timing>
+    <p:tnLst>
+      <p:par>
+        <p:cTn xmlns:p14="http://schemas.microsoft.com/office/powerpoint/2010/main" id="1" dur="indefinite" restart="never" nodeType="tmRoot"/>
+      </p:par>
+    </p:tnLst>
+  </p:timing>
 </p:sld>
 </file>
 
@@ -7054,11 +8302,7 @@
           <a:p>
             <a:r>
               <a:rPr lang="en-US" dirty="0" smtClean="0"/>
-              <a:t>Discovered Peripheral that has a given Service, but we need to loop through all its Services to access this </a:t>
-            </a:r>
-            <a:r>
-              <a:rPr lang="en-US" dirty="0" smtClean="0"/>
-              <a:t>Service</a:t>
+              <a:t>Discovered Peripheral that has a given Service, but we need to loop through all its Services to access this Service</a:t>
             </a:r>
           </a:p>
           <a:p>
@@ -7066,7 +8310,6 @@
               <a:rPr lang="en-US" dirty="0" smtClean="0"/>
               <a:t>The only Service we can talk to (even if we had it previously) is the Service returned by the delegate</a:t>
             </a:r>
-            <a:endParaRPr lang="en-US" dirty="0" smtClean="0"/>
           </a:p>
           <a:p>
             <a:r>
@@ -7097,6 +8340,13 @@
   <p:clrMapOvr>
     <a:masterClrMapping/>
   </p:clrMapOvr>
+  <p:timing>
+    <p:tnLst>
+      <p:par>
+        <p:cTn xmlns:p14="http://schemas.microsoft.com/office/powerpoint/2010/main" id="1" dur="indefinite" restart="never" nodeType="tmRoot"/>
+      </p:par>
+    </p:tnLst>
+  </p:timing>
 </p:sld>
 </file>
 
@@ -7167,15 +8417,7 @@
             </a:r>
             <a:r>
               <a:rPr lang="en-US" dirty="0" smtClean="0"/>
-              <a:t>, we need to </a:t>
-            </a:r>
-            <a:r>
-              <a:rPr lang="en-US" dirty="0" smtClean="0"/>
-              <a:t>loop through </a:t>
-            </a:r>
-            <a:r>
-              <a:rPr lang="en-US" dirty="0" smtClean="0"/>
-              <a:t>all Characteristics of Service</a:t>
+              <a:t>, we need to loop through all Characteristics of Service</a:t>
             </a:r>
           </a:p>
           <a:p>
@@ -7202,6 +8444,13 @@
   <p:clrMapOvr>
     <a:masterClrMapping/>
   </p:clrMapOvr>
+  <p:timing>
+    <p:tnLst>
+      <p:par>
+        <p:cTn xmlns:p14="http://schemas.microsoft.com/office/powerpoint/2010/main" id="1" dur="indefinite" restart="never" nodeType="tmRoot"/>
+      </p:par>
+    </p:tnLst>
+  </p:timing>
 </p:sld>
 </file>
 
@@ -7286,6 +8535,13 @@
   <p:clrMapOvr>
     <a:masterClrMapping/>
   </p:clrMapOvr>
+  <p:timing>
+    <p:tnLst>
+      <p:par>
+        <p:cTn xmlns:p14="http://schemas.microsoft.com/office/powerpoint/2010/main" id="1" dur="indefinite" restart="never" nodeType="tmRoot"/>
+      </p:par>
+    </p:tnLst>
+  </p:timing>
 </p:sld>
 </file>
 
@@ -7393,6 +8649,13 @@
   <p:clrMapOvr>
     <a:masterClrMapping/>
   </p:clrMapOvr>
+  <p:timing>
+    <p:tnLst>
+      <p:par>
+        <p:cTn xmlns:p14="http://schemas.microsoft.com/office/powerpoint/2010/main" id="1" dur="indefinite" restart="never" nodeType="tmRoot"/>
+      </p:par>
+    </p:tnLst>
+  </p:timing>
 </p:sld>
 </file>
 
@@ -7497,6 +8760,13 @@
   <p:clrMapOvr>
     <a:masterClrMapping/>
   </p:clrMapOvr>
+  <p:timing>
+    <p:tnLst>
+      <p:par>
+        <p:cTn xmlns:p14="http://schemas.microsoft.com/office/powerpoint/2010/main" id="1" dur="indefinite" restart="never" nodeType="tmRoot"/>
+      </p:par>
+    </p:tnLst>
+  </p:timing>
 </p:sld>
 </file>
 
@@ -7722,6 +8992,13 @@
   <p:clrMapOvr>
     <a:masterClrMapping/>
   </p:clrMapOvr>
+  <p:timing>
+    <p:tnLst>
+      <p:par>
+        <p:cTn xmlns:p14="http://schemas.microsoft.com/office/powerpoint/2010/main" id="1" dur="indefinite" restart="never" nodeType="tmRoot"/>
+      </p:par>
+    </p:tnLst>
+  </p:timing>
 </p:sld>
 </file>
 
@@ -7786,7 +9063,7 @@
             </a:r>
             <a:r>
               <a:rPr lang="en-US" dirty="0" smtClean="0">
-                <a:hlinkClick r:id="rId2"/>
+                <a:hlinkClick r:id="rId3"/>
               </a:rPr>
               <a:t>nflacco@twitter.com</a:t>
             </a:r>
@@ -7822,6 +9099,13 @@
   <p:clrMapOvr>
     <a:masterClrMapping/>
   </p:clrMapOvr>
+  <p:timing>
+    <p:tnLst>
+      <p:par>
+        <p:cTn xmlns:p14="http://schemas.microsoft.com/office/powerpoint/2010/main" id="1" dur="indefinite" restart="never" nodeType="tmRoot"/>
+      </p:par>
+    </p:tnLst>
+  </p:timing>
 </p:sld>
 </file>
 
@@ -7945,6 +9229,13 @@
   <p:clrMapOvr>
     <a:masterClrMapping/>
   </p:clrMapOvr>
+  <p:timing>
+    <p:tnLst>
+      <p:par>
+        <p:cTn xmlns:p14="http://schemas.microsoft.com/office/powerpoint/2010/main" id="1" dur="indefinite" restart="never" nodeType="tmRoot"/>
+      </p:par>
+    </p:tnLst>
+  </p:timing>
 </p:sld>
 </file>
 
@@ -8054,6 +9345,13 @@
   <p:clrMapOvr>
     <a:masterClrMapping/>
   </p:clrMapOvr>
+  <p:timing>
+    <p:tnLst>
+      <p:par>
+        <p:cTn xmlns:p14="http://schemas.microsoft.com/office/powerpoint/2010/main" id="1" dur="indefinite" restart="never" nodeType="tmRoot"/>
+      </p:par>
+    </p:tnLst>
+  </p:timing>
 </p:sld>
 </file>
 
@@ -8140,8 +9438,13 @@
           <a:p>
             <a:r>
               <a:rPr lang="en-US" dirty="0" smtClean="0"/>
-              <a:t>Build a working BLE app</a:t>
-            </a:r>
+              <a:t>Build a working BLE </a:t>
+            </a:r>
+            <a:r>
+              <a:rPr lang="en-US" dirty="0" smtClean="0"/>
+              <a:t>app</a:t>
+            </a:r>
+            <a:endParaRPr lang="en-US" dirty="0" smtClean="0"/>
           </a:p>
           <a:p>
             <a:r>
@@ -8161,6 +9464,13 @@
   <p:clrMapOvr>
     <a:masterClrMapping/>
   </p:clrMapOvr>
+  <p:timing>
+    <p:tnLst>
+      <p:par>
+        <p:cTn xmlns:p14="http://schemas.microsoft.com/office/powerpoint/2010/main" id="1" dur="indefinite" restart="never" nodeType="tmRoot"/>
+      </p:par>
+    </p:tnLst>
+  </p:timing>
 </p:sld>
 </file>
 
@@ -8250,6 +9560,13 @@
   <p:clrMapOvr>
     <a:masterClrMapping/>
   </p:clrMapOvr>
+  <p:timing>
+    <p:tnLst>
+      <p:par>
+        <p:cTn xmlns:p14="http://schemas.microsoft.com/office/powerpoint/2010/main" id="1" dur="indefinite" restart="never" nodeType="tmRoot"/>
+      </p:par>
+    </p:tnLst>
+  </p:timing>
 </p:sld>
 </file>
 
@@ -8436,6 +9753,13 @@
   <p:clrMapOvr>
     <a:masterClrMapping/>
   </p:clrMapOvr>
+  <p:timing>
+    <p:tnLst>
+      <p:par>
+        <p:cTn xmlns:p14="http://schemas.microsoft.com/office/powerpoint/2010/main" id="1" dur="indefinite" restart="never" nodeType="tmRoot"/>
+      </p:par>
+    </p:tnLst>
+  </p:timing>
 </p:sld>
 </file>
 
@@ -8520,7 +9844,12 @@
             <p:ph sz="half" idx="2"/>
           </p:nvPr>
         </p:nvSpPr>
-        <p:spPr/>
+        <p:spPr>
+          <a:xfrm>
+            <a:off x="457200" y="2174875"/>
+            <a:ext cx="4040188" cy="3319223"/>
+          </a:xfrm>
+        </p:spPr>
         <p:txBody>
           <a:bodyPr/>
           <a:lstStyle/>
@@ -8534,20 +9863,35 @@
           <a:p>
             <a:r>
               <a:rPr lang="en-US" dirty="0" smtClean="0"/>
-              <a:t>High throughput</a:t>
-            </a:r>
-          </a:p>
-          <a:p>
-            <a:r>
-              <a:rPr lang="en-US" dirty="0" smtClean="0"/>
-              <a:t>High power consumption</a:t>
-            </a:r>
-          </a:p>
-          <a:p>
-            <a:r>
-              <a:rPr lang="en-US" dirty="0" smtClean="0"/>
-              <a:t>High latency to connect to another device and send data</a:t>
-            </a:r>
+              <a:t>High </a:t>
+            </a:r>
+            <a:r>
+              <a:rPr lang="en-US" dirty="0" smtClean="0"/>
+              <a:t>throughput*</a:t>
+            </a:r>
+            <a:endParaRPr lang="en-US" dirty="0" smtClean="0"/>
+          </a:p>
+          <a:p>
+            <a:r>
+              <a:rPr lang="en-US" dirty="0" smtClean="0"/>
+              <a:t>High power </a:t>
+            </a:r>
+            <a:r>
+              <a:rPr lang="en-US" dirty="0" smtClean="0"/>
+              <a:t>consumption*</a:t>
+            </a:r>
+            <a:endParaRPr lang="en-US" dirty="0" smtClean="0"/>
+          </a:p>
+          <a:p>
+            <a:r>
+              <a:rPr lang="en-US" dirty="0" smtClean="0"/>
+              <a:t>High latency to connect to another device and send </a:t>
+            </a:r>
+            <a:r>
+              <a:rPr lang="en-US" dirty="0" smtClean="0"/>
+              <a:t>data*</a:t>
+            </a:r>
+            <a:endParaRPr lang="en-US" dirty="0" smtClean="0"/>
           </a:p>
           <a:p>
             <a:r>
@@ -8593,7 +9937,12 @@
             <p:ph sz="quarter" idx="4"/>
           </p:nvPr>
         </p:nvSpPr>
-        <p:spPr/>
+        <p:spPr>
+          <a:xfrm>
+            <a:off x="4645025" y="2174875"/>
+            <a:ext cx="4041775" cy="3319223"/>
+          </a:xfrm>
+        </p:spPr>
         <p:txBody>
           <a:bodyPr/>
           <a:lstStyle/>
@@ -8627,6 +9976,176 @@
               <a:t>No pairing</a:t>
             </a:r>
             <a:endParaRPr lang="en-US" dirty="0"/>
+          </a:p>
+        </p:txBody>
+      </p:sp>
+      <p:sp>
+        <p:nvSpPr>
+          <p:cNvPr id="7" name="Content Placeholder 3"/>
+          <p:cNvSpPr txBox="1">
+            <a:spLocks/>
+          </p:cNvSpPr>
+          <p:nvPr/>
+        </p:nvSpPr>
+        <p:spPr>
+          <a:xfrm>
+            <a:off x="457200" y="5590315"/>
+            <a:ext cx="8229600" cy="535847"/>
+          </a:xfrm>
+          <a:prstGeom prst="rect">
+            <a:avLst/>
+          </a:prstGeom>
+        </p:spPr>
+        <p:txBody>
+          <a:bodyPr vert="horz" lIns="91440" tIns="45720" rIns="91440" bIns="45720" rtlCol="0">
+            <a:normAutofit/>
+          </a:bodyPr>
+          <a:lstStyle>
+            <a:lvl1pPr marL="342900" indent="-342900" algn="l" defTabSz="457200" rtl="0" eaLnBrk="1" latinLnBrk="0" hangingPunct="1">
+              <a:spcBef>
+                <a:spcPct val="20000"/>
+              </a:spcBef>
+              <a:buFont typeface="Arial"/>
+              <a:buChar char="•"/>
+              <a:defRPr sz="2400" kern="1200">
+                <a:solidFill>
+                  <a:schemeClr val="tx1"/>
+                </a:solidFill>
+                <a:latin typeface="+mn-lt"/>
+                <a:ea typeface="+mn-ea"/>
+                <a:cs typeface="+mn-cs"/>
+              </a:defRPr>
+            </a:lvl1pPr>
+            <a:lvl2pPr marL="742950" indent="-285750" algn="l" defTabSz="457200" rtl="0" eaLnBrk="1" latinLnBrk="0" hangingPunct="1">
+              <a:spcBef>
+                <a:spcPct val="20000"/>
+              </a:spcBef>
+              <a:buFont typeface="Arial"/>
+              <a:buChar char="–"/>
+              <a:defRPr sz="2000" kern="1200">
+                <a:solidFill>
+                  <a:schemeClr val="tx1"/>
+                </a:solidFill>
+                <a:latin typeface="+mn-lt"/>
+                <a:ea typeface="+mn-ea"/>
+                <a:cs typeface="+mn-cs"/>
+              </a:defRPr>
+            </a:lvl2pPr>
+            <a:lvl3pPr marL="1143000" indent="-228600" algn="l" defTabSz="457200" rtl="0" eaLnBrk="1" latinLnBrk="0" hangingPunct="1">
+              <a:spcBef>
+                <a:spcPct val="20000"/>
+              </a:spcBef>
+              <a:buFont typeface="Arial"/>
+              <a:buChar char="•"/>
+              <a:defRPr sz="1800" kern="1200">
+                <a:solidFill>
+                  <a:schemeClr val="tx1"/>
+                </a:solidFill>
+                <a:latin typeface="+mn-lt"/>
+                <a:ea typeface="+mn-ea"/>
+                <a:cs typeface="+mn-cs"/>
+              </a:defRPr>
+            </a:lvl3pPr>
+            <a:lvl4pPr marL="1600200" indent="-228600" algn="l" defTabSz="457200" rtl="0" eaLnBrk="1" latinLnBrk="0" hangingPunct="1">
+              <a:spcBef>
+                <a:spcPct val="20000"/>
+              </a:spcBef>
+              <a:buFont typeface="Arial"/>
+              <a:buChar char="–"/>
+              <a:defRPr sz="1600" kern="1200">
+                <a:solidFill>
+                  <a:schemeClr val="tx1"/>
+                </a:solidFill>
+                <a:latin typeface="+mn-lt"/>
+                <a:ea typeface="+mn-ea"/>
+                <a:cs typeface="+mn-cs"/>
+              </a:defRPr>
+            </a:lvl4pPr>
+            <a:lvl5pPr marL="2057400" indent="-228600" algn="l" defTabSz="457200" rtl="0" eaLnBrk="1" latinLnBrk="0" hangingPunct="1">
+              <a:spcBef>
+                <a:spcPct val="20000"/>
+              </a:spcBef>
+              <a:buFont typeface="Arial"/>
+              <a:buChar char="»"/>
+              <a:defRPr sz="1600" kern="1200">
+                <a:solidFill>
+                  <a:schemeClr val="tx1"/>
+                </a:solidFill>
+                <a:latin typeface="+mn-lt"/>
+                <a:ea typeface="+mn-ea"/>
+                <a:cs typeface="+mn-cs"/>
+              </a:defRPr>
+            </a:lvl5pPr>
+            <a:lvl6pPr marL="2514600" indent="-228600" algn="l" defTabSz="457200" rtl="0" eaLnBrk="1" latinLnBrk="0" hangingPunct="1">
+              <a:spcBef>
+                <a:spcPct val="20000"/>
+              </a:spcBef>
+              <a:buFont typeface="Arial"/>
+              <a:buChar char="•"/>
+              <a:defRPr sz="1600" kern="1200">
+                <a:solidFill>
+                  <a:schemeClr val="tx1"/>
+                </a:solidFill>
+                <a:latin typeface="+mn-lt"/>
+                <a:ea typeface="+mn-ea"/>
+                <a:cs typeface="+mn-cs"/>
+              </a:defRPr>
+            </a:lvl6pPr>
+            <a:lvl7pPr marL="2971800" indent="-228600" algn="l" defTabSz="457200" rtl="0" eaLnBrk="1" latinLnBrk="0" hangingPunct="1">
+              <a:spcBef>
+                <a:spcPct val="20000"/>
+              </a:spcBef>
+              <a:buFont typeface="Arial"/>
+              <a:buChar char="•"/>
+              <a:defRPr sz="1600" kern="1200">
+                <a:solidFill>
+                  <a:schemeClr val="tx1"/>
+                </a:solidFill>
+                <a:latin typeface="+mn-lt"/>
+                <a:ea typeface="+mn-ea"/>
+                <a:cs typeface="+mn-cs"/>
+              </a:defRPr>
+            </a:lvl7pPr>
+            <a:lvl8pPr marL="3429000" indent="-228600" algn="l" defTabSz="457200" rtl="0" eaLnBrk="1" latinLnBrk="0" hangingPunct="1">
+              <a:spcBef>
+                <a:spcPct val="20000"/>
+              </a:spcBef>
+              <a:buFont typeface="Arial"/>
+              <a:buChar char="•"/>
+              <a:defRPr sz="1600" kern="1200">
+                <a:solidFill>
+                  <a:schemeClr val="tx1"/>
+                </a:solidFill>
+                <a:latin typeface="+mn-lt"/>
+                <a:ea typeface="+mn-ea"/>
+                <a:cs typeface="+mn-cs"/>
+              </a:defRPr>
+            </a:lvl8pPr>
+            <a:lvl9pPr marL="3886200" indent="-228600" algn="l" defTabSz="457200" rtl="0" eaLnBrk="1" latinLnBrk="0" hangingPunct="1">
+              <a:spcBef>
+                <a:spcPct val="20000"/>
+              </a:spcBef>
+              <a:buFont typeface="Arial"/>
+              <a:buChar char="•"/>
+              <a:defRPr sz="1600" kern="1200">
+                <a:solidFill>
+                  <a:schemeClr val="tx1"/>
+                </a:solidFill>
+                <a:latin typeface="+mn-lt"/>
+                <a:ea typeface="+mn-ea"/>
+                <a:cs typeface="+mn-cs"/>
+              </a:defRPr>
+            </a:lvl9pPr>
+          </a:lstStyle>
+          <a:p>
+            <a:pPr marL="0" indent="0" algn="ctr">
+              <a:buNone/>
+            </a:pPr>
+            <a:r>
+              <a:rPr lang="en-US" i="1" dirty="0" smtClean="0"/>
+              <a:t>*Relative to BLE</a:t>
+            </a:r>
+            <a:endParaRPr lang="en-US" i="1" dirty="0"/>
           </a:p>
         </p:txBody>
       </p:sp>
@@ -8640,6 +10159,13 @@
   <p:clrMapOvr>
     <a:masterClrMapping/>
   </p:clrMapOvr>
+  <p:timing>
+    <p:tnLst>
+      <p:par>
+        <p:cTn xmlns:p14="http://schemas.microsoft.com/office/powerpoint/2010/main" id="1" dur="indefinite" restart="never" nodeType="tmRoot"/>
+      </p:par>
+    </p:tnLst>
+  </p:timing>
 </p:sld>
 </file>
 
@@ -8740,9 +10266,21 @@
             <a:pPr lvl="1"/>
             <a:r>
               <a:rPr lang="en-US" dirty="0" smtClean="0"/>
-              <a:t>Central can subscribe to characteristics or read/write to them</a:t>
+              <a:t>Central can subscribe to characteristics or read/write to </a:t>
+            </a:r>
+            <a:r>
+              <a:rPr lang="en-US" dirty="0" smtClean="0"/>
+              <a:t>them</a:t>
             </a:r>
             <a:endParaRPr lang="en-US" dirty="0"/>
+          </a:p>
+          <a:p>
+            <a:pPr lvl="1"/>
+            <a:r>
+              <a:rPr lang="en-US" i="1" dirty="0" smtClean="0"/>
+              <a:t>Beacons are a just peripherals</a:t>
+            </a:r>
+            <a:endParaRPr lang="en-US" i="1" dirty="0"/>
           </a:p>
         </p:txBody>
       </p:sp>
@@ -8756,6 +10294,13 @@
   <p:clrMapOvr>
     <a:masterClrMapping/>
   </p:clrMapOvr>
+  <p:timing>
+    <p:tnLst>
+      <p:par>
+        <p:cTn xmlns:p14="http://schemas.microsoft.com/office/powerpoint/2010/main" id="1" dur="indefinite" restart="never" nodeType="tmRoot"/>
+      </p:par>
+    </p:tnLst>
+  </p:timing>
 </p:sld>
 </file>
 
@@ -8911,6 +10456,13 @@
   <p:clrMapOvr>
     <a:masterClrMapping/>
   </p:clrMapOvr>
+  <p:timing>
+    <p:tnLst>
+      <p:par>
+        <p:cTn xmlns:p14="http://schemas.microsoft.com/office/powerpoint/2010/main" id="1" dur="indefinite" restart="never" nodeType="tmRoot"/>
+      </p:par>
+    </p:tnLst>
+  </p:timing>
 </p:sld>
 </file>
 

--- a/Lecture.pptx
+++ b/Lecture.pptx
@@ -5,7 +5,7 @@
     <p:sldMasterId id="2147483648" r:id="rId1"/>
   </p:sldMasterIdLst>
   <p:notesMasterIdLst>
-    <p:notesMasterId r:id="rId32"/>
+    <p:notesMasterId r:id="rId34"/>
   </p:notesMasterIdLst>
   <p:sldIdLst>
     <p:sldId id="256" r:id="rId2"/>
@@ -13,31 +13,33 @@
     <p:sldId id="259" r:id="rId4"/>
     <p:sldId id="257" r:id="rId5"/>
     <p:sldId id="260" r:id="rId6"/>
-    <p:sldId id="261" r:id="rId7"/>
-    <p:sldId id="262" r:id="rId8"/>
-    <p:sldId id="263" r:id="rId9"/>
-    <p:sldId id="264" r:id="rId10"/>
-    <p:sldId id="273" r:id="rId11"/>
-    <p:sldId id="265" r:id="rId12"/>
-    <p:sldId id="278" r:id="rId13"/>
-    <p:sldId id="270" r:id="rId14"/>
-    <p:sldId id="272" r:id="rId15"/>
-    <p:sldId id="274" r:id="rId16"/>
-    <p:sldId id="275" r:id="rId17"/>
-    <p:sldId id="277" r:id="rId18"/>
-    <p:sldId id="279" r:id="rId19"/>
-    <p:sldId id="280" r:id="rId20"/>
-    <p:sldId id="281" r:id="rId21"/>
-    <p:sldId id="282" r:id="rId22"/>
-    <p:sldId id="283" r:id="rId23"/>
-    <p:sldId id="284" r:id="rId24"/>
-    <p:sldId id="285" r:id="rId25"/>
-    <p:sldId id="286" r:id="rId26"/>
-    <p:sldId id="287" r:id="rId27"/>
-    <p:sldId id="276" r:id="rId28"/>
-    <p:sldId id="268" r:id="rId29"/>
-    <p:sldId id="290" r:id="rId30"/>
-    <p:sldId id="289" r:id="rId31"/>
+    <p:sldId id="262" r:id="rId7"/>
+    <p:sldId id="291" r:id="rId8"/>
+    <p:sldId id="261" r:id="rId9"/>
+    <p:sldId id="265" r:id="rId10"/>
+    <p:sldId id="263" r:id="rId11"/>
+    <p:sldId id="273" r:id="rId12"/>
+    <p:sldId id="292" r:id="rId13"/>
+    <p:sldId id="293" r:id="rId14"/>
+    <p:sldId id="278" r:id="rId15"/>
+    <p:sldId id="270" r:id="rId16"/>
+    <p:sldId id="272" r:id="rId17"/>
+    <p:sldId id="274" r:id="rId18"/>
+    <p:sldId id="275" r:id="rId19"/>
+    <p:sldId id="277" r:id="rId20"/>
+    <p:sldId id="279" r:id="rId21"/>
+    <p:sldId id="280" r:id="rId22"/>
+    <p:sldId id="281" r:id="rId23"/>
+    <p:sldId id="282" r:id="rId24"/>
+    <p:sldId id="283" r:id="rId25"/>
+    <p:sldId id="284" r:id="rId26"/>
+    <p:sldId id="285" r:id="rId27"/>
+    <p:sldId id="286" r:id="rId28"/>
+    <p:sldId id="287" r:id="rId29"/>
+    <p:sldId id="276" r:id="rId30"/>
+    <p:sldId id="268" r:id="rId31"/>
+    <p:sldId id="290" r:id="rId32"/>
+    <p:sldId id="289" r:id="rId33"/>
   </p:sldIdLst>
   <p:sldSz cx="9144000" cy="6858000" type="screen4x3"/>
   <p:notesSz cx="6858000" cy="9144000"/>
@@ -147,19 +149,21 @@
             <p14:sldId id="257"/>
           </p14:sldIdLst>
         </p14:section>
-        <p14:section name="What is BLE" id="{7B452862-DB47-774E-9E9E-5EA1461A3A0B}">
+        <p14:section name="BLE Concepts" id="{7B452862-DB47-774E-9E9E-5EA1461A3A0B}">
           <p14:sldIdLst>
             <p14:sldId id="260"/>
+            <p14:sldId id="262"/>
+            <p14:sldId id="291"/>
             <p14:sldId id="261"/>
-            <p14:sldId id="262"/>
+            <p14:sldId id="265"/>
           </p14:sldIdLst>
         </p14:section>
-        <p14:section name="CoreBluetooth Framework" id="{15BA195F-727F-154F-A2EA-436F72E06943}">
+        <p14:section name="Core Bluetooth" id="{AF830BA6-D689-4B46-94F8-85B43890D15A}">
           <p14:sldIdLst>
             <p14:sldId id="263"/>
-            <p14:sldId id="264"/>
             <p14:sldId id="273"/>
-            <p14:sldId id="265"/>
+            <p14:sldId id="292"/>
+            <p14:sldId id="293"/>
           </p14:sldIdLst>
         </p14:section>
         <p14:section name="Demo!" id="{D5935544-7B2C-1A4E-9E07-C69973F4176B}">
@@ -289,7 +293,7 @@
           <a:p>
             <a:fld id="{C404A6F0-BBCF-2743-A3DF-3ED198CAD670}" type="datetimeFigureOut">
               <a:rPr lang="en-US" smtClean="0"/>
-              <a:t>3/9/14</a:t>
+              <a:t>6/9/14</a:t>
             </a:fld>
             <a:endParaRPr lang="en-US"/>
           </a:p>
@@ -685,18 +689,37 @@
           <a:bodyPr/>
           <a:lstStyle/>
           <a:p>
-            <a:r>
-              <a:rPr lang="en-US" dirty="0" smtClean="0"/>
-              <a:t>You</a:t>
-            </a:r>
-            <a:r>
-              <a:rPr lang="en-US" baseline="0" dirty="0" smtClean="0"/>
-              <a:t> will have to complete a bunch of functions in </a:t>
-            </a:r>
-            <a:r>
-              <a:rPr lang="en-US" baseline="0" dirty="0" err="1" smtClean="0"/>
-              <a:t>CentralManager.m</a:t>
-            </a:r>
+            <a:pPr marL="0" marR="0" indent="0" algn="l" defTabSz="457200" rtl="0" eaLnBrk="1" fontAlgn="auto" latinLnBrk="0" hangingPunct="1">
+              <a:lnSpc>
+                <a:spcPct val="100000"/>
+              </a:lnSpc>
+              <a:spcBef>
+                <a:spcPts val="0"/>
+              </a:spcBef>
+              <a:spcAft>
+                <a:spcPts val="0"/>
+              </a:spcAft>
+              <a:buClrTx/>
+              <a:buSzTx/>
+              <a:buFontTx/>
+              <a:buNone/>
+              <a:tabLst/>
+              <a:defRPr/>
+            </a:pPr>
+            <a:r>
+              <a:rPr lang="en-US" dirty="0" smtClean="0"/>
+              <a:t>I define the CBUUIDs directly, as opposed to just the strings because it’s very easy in the </a:t>
+            </a:r>
+            <a:r>
+              <a:rPr lang="en-US" dirty="0" err="1" smtClean="0"/>
+              <a:t>CentralManager</a:t>
+            </a:r>
+            <a:r>
+              <a:rPr lang="en-US" dirty="0" smtClean="0"/>
+              <a:t> to use the strings by accident instead of wrapping them in CBUUIDs</a:t>
+            </a:r>
+          </a:p>
+          <a:p>
             <a:endParaRPr lang="en-US" dirty="0"/>
           </a:p>
         </p:txBody>
@@ -718,7 +741,7 @@
           <a:p>
             <a:fld id="{BCD8AC12-6810-D74B-9EE7-946B67E565C5}" type="slidenum">
               <a:rPr lang="en-US" smtClean="0"/>
-              <a:t>13</a:t>
+              <a:t>16</a:t>
             </a:fld>
             <a:endParaRPr lang="en-US"/>
           </a:p>
@@ -727,7 +750,7 @@
     </p:spTree>
     <p:extLst>
       <p:ext uri="{BB962C8B-B14F-4D97-AF65-F5344CB8AC3E}">
-        <p14:creationId xmlns:p14="http://schemas.microsoft.com/office/powerpoint/2010/main" val="711314127"/>
+        <p14:creationId xmlns:p14="http://schemas.microsoft.com/office/powerpoint/2010/main" val="452396248"/>
       </p:ext>
     </p:extLst>
   </p:cSld>
@@ -781,37 +804,10 @@
           <a:bodyPr/>
           <a:lstStyle/>
           <a:p>
-            <a:pPr marL="0" marR="0" indent="0" algn="l" defTabSz="457200" rtl="0" eaLnBrk="1" fontAlgn="auto" latinLnBrk="0" hangingPunct="1">
-              <a:lnSpc>
-                <a:spcPct val="100000"/>
-              </a:lnSpc>
-              <a:spcBef>
-                <a:spcPts val="0"/>
-              </a:spcBef>
-              <a:spcAft>
-                <a:spcPts val="0"/>
-              </a:spcAft>
-              <a:buClrTx/>
-              <a:buSzTx/>
-              <a:buFontTx/>
-              <a:buNone/>
-              <a:tabLst/>
-              <a:defRPr/>
-            </a:pPr>
-            <a:r>
-              <a:rPr lang="en-US" dirty="0" smtClean="0"/>
-              <a:t>I define the CBUUIDs directly, as opposed to just the strings because it’s very easy in the </a:t>
-            </a:r>
-            <a:r>
-              <a:rPr lang="en-US" dirty="0" err="1" smtClean="0"/>
-              <a:t>CentralManager</a:t>
-            </a:r>
-            <a:r>
-              <a:rPr lang="en-US" dirty="0" smtClean="0"/>
-              <a:t> to use the strings by accident instead of wrapping them in CBUUIDs</a:t>
-            </a:r>
-          </a:p>
-          <a:p>
+            <a:r>
+              <a:rPr lang="en-US" dirty="0" smtClean="0"/>
+              <a:t>Note that scanning and detecting are used interchangeably in the literature</a:t>
+            </a:r>
             <a:endParaRPr lang="en-US" dirty="0"/>
           </a:p>
         </p:txBody>
@@ -833,7 +829,7 @@
           <a:p>
             <a:fld id="{BCD8AC12-6810-D74B-9EE7-946B67E565C5}" type="slidenum">
               <a:rPr lang="en-US" smtClean="0"/>
-              <a:t>14</a:t>
+              <a:t>17</a:t>
             </a:fld>
             <a:endParaRPr lang="en-US"/>
           </a:p>
@@ -842,7 +838,7 @@
     </p:spTree>
     <p:extLst>
       <p:ext uri="{BB962C8B-B14F-4D97-AF65-F5344CB8AC3E}">
-        <p14:creationId xmlns:p14="http://schemas.microsoft.com/office/powerpoint/2010/main" val="452396248"/>
+        <p14:creationId xmlns:p14="http://schemas.microsoft.com/office/powerpoint/2010/main" val="775871477"/>
       </p:ext>
     </p:extLst>
   </p:cSld>
@@ -898,7 +894,31 @@
           <a:p>
             <a:r>
               <a:rPr lang="en-US" dirty="0" smtClean="0"/>
-              <a:t>Note that scanning and detecting are used interchangeably in the literature</a:t>
+              <a:t>NOTE:</a:t>
+            </a:r>
+            <a:r>
+              <a:rPr lang="en-US" baseline="0" dirty="0" smtClean="0"/>
+              <a:t> </a:t>
+            </a:r>
+            <a:r>
+              <a:rPr lang="en-US" baseline="0" dirty="0" err="1" smtClean="0"/>
+              <a:t>CBPeripheral</a:t>
+            </a:r>
+            <a:r>
+              <a:rPr lang="en-US" baseline="0" dirty="0" smtClean="0"/>
+              <a:t> is different than </a:t>
+            </a:r>
+            <a:r>
+              <a:rPr lang="en-US" baseline="0" dirty="0" err="1" smtClean="0"/>
+              <a:t>CBPeripheralManager</a:t>
+            </a:r>
+            <a:r>
+              <a:rPr lang="en-US" baseline="0" dirty="0" smtClean="0"/>
+              <a:t> (one is used for connecting to Peripherals, and one is for being </a:t>
+            </a:r>
+            <a:r>
+              <a:rPr lang="en-US" baseline="0" smtClean="0"/>
+              <a:t>a peripheral)</a:t>
             </a:r>
             <a:endParaRPr lang="en-US" dirty="0"/>
           </a:p>
@@ -921,7 +941,7 @@
           <a:p>
             <a:fld id="{BCD8AC12-6810-D74B-9EE7-946B67E565C5}" type="slidenum">
               <a:rPr lang="en-US" smtClean="0"/>
-              <a:t>15</a:t>
+              <a:t>18</a:t>
             </a:fld>
             <a:endParaRPr lang="en-US"/>
           </a:p>
@@ -930,7 +950,7 @@
     </p:spTree>
     <p:extLst>
       <p:ext uri="{BB962C8B-B14F-4D97-AF65-F5344CB8AC3E}">
-        <p14:creationId xmlns:p14="http://schemas.microsoft.com/office/powerpoint/2010/main" val="775871477"/>
+        <p14:creationId xmlns:p14="http://schemas.microsoft.com/office/powerpoint/2010/main" val="2699094001"/>
       </p:ext>
     </p:extLst>
   </p:cSld>
@@ -986,31 +1006,11 @@
           <a:p>
             <a:r>
               <a:rPr lang="en-US" dirty="0" smtClean="0"/>
-              <a:t>NOTE:</a:t>
+              <a:t>What does</a:t>
             </a:r>
             <a:r>
               <a:rPr lang="en-US" baseline="0" dirty="0" smtClean="0"/>
-              <a:t> </a:t>
-            </a:r>
-            <a:r>
-              <a:rPr lang="en-US" baseline="0" dirty="0" err="1" smtClean="0"/>
-              <a:t>CBPeripheral</a:t>
-            </a:r>
-            <a:r>
-              <a:rPr lang="en-US" baseline="0" dirty="0" smtClean="0"/>
-              <a:t> is different than </a:t>
-            </a:r>
-            <a:r>
-              <a:rPr lang="en-US" baseline="0" dirty="0" err="1" smtClean="0"/>
-              <a:t>CBPeripheralManager</a:t>
-            </a:r>
-            <a:r>
-              <a:rPr lang="en-US" baseline="0" dirty="0" smtClean="0"/>
-              <a:t> (one is used for connecting to Peripherals, and one is for being </a:t>
-            </a:r>
-            <a:r>
-              <a:rPr lang="en-US" baseline="0" smtClean="0"/>
-              <a:t>a peripheral)</a:t>
+              <a:t> it mean to ignore duplicates? There is a constant barrage of advertisements, so you don’t want these, unless you want constant proximity updates.</a:t>
             </a:r>
             <a:endParaRPr lang="en-US" dirty="0"/>
           </a:p>
@@ -1033,7 +1033,7 @@
           <a:p>
             <a:fld id="{BCD8AC12-6810-D74B-9EE7-946B67E565C5}" type="slidenum">
               <a:rPr lang="en-US" smtClean="0"/>
-              <a:t>16</a:t>
+              <a:t>21</a:t>
             </a:fld>
             <a:endParaRPr lang="en-US"/>
           </a:p>
@@ -1042,7 +1042,7 @@
     </p:spTree>
     <p:extLst>
       <p:ext uri="{BB962C8B-B14F-4D97-AF65-F5344CB8AC3E}">
-        <p14:creationId xmlns:p14="http://schemas.microsoft.com/office/powerpoint/2010/main" val="2699094001"/>
+        <p14:creationId xmlns:p14="http://schemas.microsoft.com/office/powerpoint/2010/main" val="4081243414"/>
       </p:ext>
     </p:extLst>
   </p:cSld>
@@ -1098,11 +1098,20 @@
           <a:p>
             <a:r>
               <a:rPr lang="en-US" dirty="0" smtClean="0"/>
-              <a:t>What does</a:t>
+              <a:t>RSSI = Received Signal Strength</a:t>
             </a:r>
             <a:r>
               <a:rPr lang="en-US" baseline="0" dirty="0" smtClean="0"/>
-              <a:t> it mean to ignore duplicates? There is a constant barrage of advertisements, so you don’t want these, unless you want constant proximity updates.</a:t>
+              <a:t> Indication</a:t>
+            </a:r>
+          </a:p>
+          <a:p>
+            <a:endParaRPr lang="en-US" baseline="0" dirty="0" smtClean="0"/>
+          </a:p>
+          <a:p>
+            <a:r>
+              <a:rPr lang="en-US" baseline="0" dirty="0" smtClean="0"/>
+              <a:t>You have to retain peripheral BEFORE you connect</a:t>
             </a:r>
             <a:endParaRPr lang="en-US" dirty="0"/>
           </a:p>
@@ -1125,7 +1134,7 @@
           <a:p>
             <a:fld id="{BCD8AC12-6810-D74B-9EE7-946B67E565C5}" type="slidenum">
               <a:rPr lang="en-US" smtClean="0"/>
-              <a:t>19</a:t>
+              <a:t>23</a:t>
             </a:fld>
             <a:endParaRPr lang="en-US"/>
           </a:p>
@@ -1134,7 +1143,7 @@
     </p:spTree>
     <p:extLst>
       <p:ext uri="{BB962C8B-B14F-4D97-AF65-F5344CB8AC3E}">
-        <p14:creationId xmlns:p14="http://schemas.microsoft.com/office/powerpoint/2010/main" val="4081243414"/>
+        <p14:creationId xmlns:p14="http://schemas.microsoft.com/office/powerpoint/2010/main" val="1105014416"/>
       </p:ext>
     </p:extLst>
   </p:cSld>
@@ -1190,20 +1199,7 @@
           <a:p>
             <a:r>
               <a:rPr lang="en-US" dirty="0" smtClean="0"/>
-              <a:t>RSSI = Received Signal Strength</a:t>
-            </a:r>
-            <a:r>
-              <a:rPr lang="en-US" baseline="0" dirty="0" smtClean="0"/>
-              <a:t> Indication</a:t>
-            </a:r>
-          </a:p>
-          <a:p>
-            <a:endParaRPr lang="en-US" baseline="0" dirty="0" smtClean="0"/>
-          </a:p>
-          <a:p>
-            <a:r>
-              <a:rPr lang="en-US" baseline="0" dirty="0" smtClean="0"/>
-              <a:t>You have to retain peripheral BEFORE you connect</a:t>
+              <a:t>We get all </a:t>
             </a:r>
             <a:endParaRPr lang="en-US" dirty="0"/>
           </a:p>
@@ -1226,95 +1222,7 @@
           <a:p>
             <a:fld id="{BCD8AC12-6810-D74B-9EE7-946B67E565C5}" type="slidenum">
               <a:rPr lang="en-US" smtClean="0"/>
-              <a:t>21</a:t>
-            </a:fld>
-            <a:endParaRPr lang="en-US"/>
-          </a:p>
-        </p:txBody>
-      </p:sp>
-    </p:spTree>
-    <p:extLst>
-      <p:ext uri="{BB962C8B-B14F-4D97-AF65-F5344CB8AC3E}">
-        <p14:creationId xmlns:p14="http://schemas.microsoft.com/office/powerpoint/2010/main" val="1105014416"/>
-      </p:ext>
-    </p:extLst>
-  </p:cSld>
-  <p:clrMapOvr>
-    <a:masterClrMapping/>
-  </p:clrMapOvr>
-</p:notes>
-</file>
-
-<file path=ppt/notesSlides/notesSlide16.xml><?xml version="1.0" encoding="utf-8"?>
-<p:notes xmlns:a="http://schemas.openxmlformats.org/drawingml/2006/main" xmlns:r="http://schemas.openxmlformats.org/officeDocument/2006/relationships" xmlns:p="http://schemas.openxmlformats.org/presentationml/2006/main">
-  <p:cSld>
-    <p:spTree>
-      <p:nvGrpSpPr>
-        <p:cNvPr id="1" name=""/>
-        <p:cNvGrpSpPr/>
-        <p:nvPr/>
-      </p:nvGrpSpPr>
-      <p:grpSpPr>
-        <a:xfrm>
-          <a:off x="0" y="0"/>
-          <a:ext cx="0" cy="0"/>
-          <a:chOff x="0" y="0"/>
-          <a:chExt cx="0" cy="0"/>
-        </a:xfrm>
-      </p:grpSpPr>
-      <p:sp>
-        <p:nvSpPr>
-          <p:cNvPr id="2" name="Slide Image Placeholder 1"/>
-          <p:cNvSpPr>
-            <a:spLocks noGrp="1" noRot="1" noChangeAspect="1"/>
-          </p:cNvSpPr>
-          <p:nvPr>
-            <p:ph type="sldImg"/>
-          </p:nvPr>
-        </p:nvSpPr>
-        <p:spPr/>
-      </p:sp>
-      <p:sp>
-        <p:nvSpPr>
-          <p:cNvPr id="3" name="Notes Placeholder 2"/>
-          <p:cNvSpPr>
-            <a:spLocks noGrp="1"/>
-          </p:cNvSpPr>
-          <p:nvPr>
-            <p:ph type="body" idx="1"/>
-          </p:nvPr>
-        </p:nvSpPr>
-        <p:spPr/>
-        <p:txBody>
-          <a:bodyPr/>
-          <a:lstStyle/>
-          <a:p>
-            <a:r>
-              <a:rPr lang="en-US" dirty="0" smtClean="0"/>
-              <a:t>We get all </a:t>
-            </a:r>
-            <a:endParaRPr lang="en-US" dirty="0"/>
-          </a:p>
-        </p:txBody>
-      </p:sp>
-      <p:sp>
-        <p:nvSpPr>
-          <p:cNvPr id="4" name="Slide Number Placeholder 3"/>
-          <p:cNvSpPr>
-            <a:spLocks noGrp="1"/>
-          </p:cNvSpPr>
-          <p:nvPr>
-            <p:ph type="sldNum" sz="quarter" idx="10"/>
-          </p:nvPr>
-        </p:nvSpPr>
-        <p:spPr/>
-        <p:txBody>
-          <a:bodyPr/>
-          <a:lstStyle/>
-          <a:p>
-            <a:fld id="{BCD8AC12-6810-D74B-9EE7-946B67E565C5}" type="slidenum">
-              <a:rPr lang="en-US" smtClean="0"/>
-              <a:t>23</a:t>
+              <a:t>25</a:t>
             </a:fld>
             <a:endParaRPr lang="en-US"/>
           </a:p>
@@ -1668,30 +1576,13 @@
           <a:bodyPr/>
           <a:lstStyle/>
           <a:p>
-            <a:pPr marL="0" marR="0" indent="0" algn="l" defTabSz="457200" rtl="0" eaLnBrk="1" fontAlgn="auto" latinLnBrk="0" hangingPunct="1">
-              <a:lnSpc>
-                <a:spcPct val="100000"/>
-              </a:lnSpc>
-              <a:spcBef>
-                <a:spcPts val="0"/>
-              </a:spcBef>
-              <a:spcAft>
-                <a:spcPts val="0"/>
-              </a:spcAft>
-              <a:buClrTx/>
-              <a:buSzTx/>
-              <a:buFontTx/>
-              <a:buNone/>
-              <a:tabLst/>
-              <a:defRPr/>
-            </a:pPr>
-            <a:r>
-              <a:rPr lang="en-US" dirty="0" smtClean="0"/>
-              <a:t>The classic application is a hear rate monitor which an app on your phone discovers,</a:t>
+            <a:r>
+              <a:rPr lang="en-US" dirty="0" smtClean="0"/>
+              <a:t>No</a:t>
             </a:r>
             <a:r>
               <a:rPr lang="en-US" baseline="0" dirty="0" smtClean="0"/>
-              <a:t> connects to, and subscribes to data from</a:t>
+              <a:t> pairing opens up really cool use cases. You can walk down the street and your smartphone is in your pocket and it can interact with BLE devices- discover them, get data from them, etc. </a:t>
             </a:r>
             <a:endParaRPr lang="en-US" dirty="0"/>
           </a:p>
@@ -1723,7 +1614,7 @@
     </p:spTree>
     <p:extLst>
       <p:ext uri="{BB962C8B-B14F-4D97-AF65-F5344CB8AC3E}">
-        <p14:creationId xmlns:p14="http://schemas.microsoft.com/office/powerpoint/2010/main" val="2812626232"/>
+        <p14:creationId xmlns:p14="http://schemas.microsoft.com/office/powerpoint/2010/main" val="2546360090"/>
       </p:ext>
     </p:extLst>
   </p:cSld>
@@ -1777,13 +1668,30 @@
           <a:bodyPr/>
           <a:lstStyle/>
           <a:p>
-            <a:r>
-              <a:rPr lang="en-US" dirty="0" smtClean="0"/>
-              <a:t>No</a:t>
+            <a:pPr marL="0" marR="0" indent="0" algn="l" defTabSz="457200" rtl="0" eaLnBrk="1" fontAlgn="auto" latinLnBrk="0" hangingPunct="1">
+              <a:lnSpc>
+                <a:spcPct val="100000"/>
+              </a:lnSpc>
+              <a:spcBef>
+                <a:spcPts val="0"/>
+              </a:spcBef>
+              <a:spcAft>
+                <a:spcPts val="0"/>
+              </a:spcAft>
+              <a:buClrTx/>
+              <a:buSzTx/>
+              <a:buFontTx/>
+              <a:buNone/>
+              <a:tabLst/>
+              <a:defRPr/>
+            </a:pPr>
+            <a:r>
+              <a:rPr lang="en-US" dirty="0" smtClean="0"/>
+              <a:t>The classic application is a hear rate monitor which an app on your phone discovers,</a:t>
             </a:r>
             <a:r>
               <a:rPr lang="en-US" baseline="0" dirty="0" smtClean="0"/>
-              <a:t> pairing opens up really cool use cases. You can walk down the street and your smartphone is in your pocket and it can interact with BLE devices- discover them, get data from them, etc. </a:t>
+              <a:t> connects to, and subscribes to data from</a:t>
             </a:r>
             <a:endParaRPr lang="en-US" dirty="0"/>
           </a:p>
@@ -1806,7 +1714,7 @@
           <a:p>
             <a:fld id="{415EADC4-4264-DF41-8D51-DAB00F6C6DC2}" type="slidenum">
               <a:rPr lang="en-US" smtClean="0"/>
-              <a:t>7</a:t>
+              <a:t>8</a:t>
             </a:fld>
             <a:endParaRPr lang="en-US"/>
           </a:p>
@@ -1815,7 +1723,7 @@
     </p:spTree>
     <p:extLst>
       <p:ext uri="{BB962C8B-B14F-4D97-AF65-F5344CB8AC3E}">
-        <p14:creationId xmlns:p14="http://schemas.microsoft.com/office/powerpoint/2010/main" val="2546360090"/>
+        <p14:creationId xmlns:p14="http://schemas.microsoft.com/office/powerpoint/2010/main" val="2812626232"/>
       </p:ext>
     </p:extLst>
   </p:cSld>
@@ -1893,15 +1801,6 @@
               <a:rPr lang="en-US" baseline="0" dirty="0" smtClean="0"/>
               <a:t> in another class</a:t>
             </a:r>
-          </a:p>
-          <a:p>
-            <a:endParaRPr lang="en-US" baseline="0" dirty="0" smtClean="0"/>
-          </a:p>
-          <a:p>
-            <a:r>
-              <a:rPr lang="en-US" baseline="0" dirty="0" smtClean="0"/>
-              <a:t>A beacon is a peripheral.</a:t>
-            </a:r>
             <a:endParaRPr lang="en-US" dirty="0"/>
           </a:p>
         </p:txBody>
@@ -1923,7 +1822,7 @@
           <a:p>
             <a:fld id="{415EADC4-4264-DF41-8D51-DAB00F6C6DC2}" type="slidenum">
               <a:rPr lang="en-US" smtClean="0"/>
-              <a:t>8</a:t>
+              <a:t>9</a:t>
             </a:fld>
             <a:endParaRPr lang="en-US"/>
           </a:p>
@@ -1988,11 +1887,36 @@
           <a:p>
             <a:r>
               <a:rPr lang="en-US" dirty="0" smtClean="0"/>
-              <a:t>The HR monitor could have a HR monitor service, with a BPM notification</a:t>
+              <a:t>This class focuses on </a:t>
+            </a:r>
+            <a:r>
+              <a:rPr lang="en-US" dirty="0" err="1" smtClean="0"/>
+              <a:t>CoreBluetooth</a:t>
+            </a:r>
+            <a:r>
+              <a:rPr lang="en-US" dirty="0" smtClean="0"/>
+              <a:t>. I will cover</a:t>
             </a:r>
             <a:r>
               <a:rPr lang="en-US" baseline="0" dirty="0" smtClean="0"/>
-              <a:t> characteristic, which sends out data, let’s say, every second</a:t>
+              <a:t> </a:t>
+            </a:r>
+            <a:r>
+              <a:rPr lang="en-US" baseline="0" dirty="0" err="1" smtClean="0"/>
+              <a:t>iBeacons</a:t>
+            </a:r>
+            <a:r>
+              <a:rPr lang="en-US" baseline="0" dirty="0" smtClean="0"/>
+              <a:t> in another class</a:t>
+            </a:r>
+          </a:p>
+          <a:p>
+            <a:endParaRPr lang="en-US" baseline="0" dirty="0" smtClean="0"/>
+          </a:p>
+          <a:p>
+            <a:r>
+              <a:rPr lang="en-US" baseline="0" dirty="0" smtClean="0"/>
+              <a:t>A beacon is a peripheral.</a:t>
             </a:r>
             <a:endParaRPr lang="en-US" dirty="0"/>
           </a:p>
@@ -2013,9 +1937,9 @@
           <a:bodyPr/>
           <a:lstStyle/>
           <a:p>
-            <a:fld id="{BCD8AC12-6810-D74B-9EE7-946B67E565C5}" type="slidenum">
-              <a:rPr lang="en-US" smtClean="0"/>
-              <a:t>9</a:t>
+            <a:fld id="{415EADC4-4264-DF41-8D51-DAB00F6C6DC2}" type="slidenum">
+              <a:rPr lang="en-US" smtClean="0"/>
+              <a:t>10</a:t>
             </a:fld>
             <a:endParaRPr lang="en-US"/>
           </a:p>
@@ -2024,7 +1948,7 @@
     </p:spTree>
     <p:extLst>
       <p:ext uri="{BB962C8B-B14F-4D97-AF65-F5344CB8AC3E}">
-        <p14:creationId xmlns:p14="http://schemas.microsoft.com/office/powerpoint/2010/main" val="126889927"/>
+        <p14:creationId xmlns:p14="http://schemas.microsoft.com/office/powerpoint/2010/main" val="1809671152"/>
       </p:ext>
     </p:extLst>
   </p:cSld>
@@ -2080,27 +2004,15 @@
           <a:p>
             <a:r>
               <a:rPr lang="en-US" dirty="0" smtClean="0"/>
-              <a:t>This class focuses on </a:t>
-            </a:r>
-            <a:r>
-              <a:rPr lang="en-US" dirty="0" err="1" smtClean="0"/>
-              <a:t>CoreBluetooth</a:t>
-            </a:r>
-            <a:r>
-              <a:rPr lang="en-US" dirty="0" smtClean="0"/>
-              <a:t>. I will cover</a:t>
+              <a:t>You</a:t>
             </a:r>
             <a:r>
               <a:rPr lang="en-US" baseline="0" dirty="0" smtClean="0"/>
-              <a:t> </a:t>
+              <a:t> will have to complete a bunch of functions in </a:t>
             </a:r>
             <a:r>
               <a:rPr lang="en-US" baseline="0" dirty="0" err="1" smtClean="0"/>
-              <a:t>iBeacons</a:t>
-            </a:r>
-            <a:r>
-              <a:rPr lang="en-US" baseline="0" dirty="0" smtClean="0"/>
-              <a:t> in another class</a:t>
+              <a:t>CentralManager.m</a:t>
             </a:r>
             <a:endParaRPr lang="en-US" dirty="0"/>
           </a:p>
@@ -2121,9 +2033,9 @@
           <a:bodyPr/>
           <a:lstStyle/>
           <a:p>
-            <a:fld id="{415EADC4-4264-DF41-8D51-DAB00F6C6DC2}" type="slidenum">
-              <a:rPr lang="en-US" smtClean="0"/>
-              <a:t>11</a:t>
+            <a:fld id="{BCD8AC12-6810-D74B-9EE7-946B67E565C5}" type="slidenum">
+              <a:rPr lang="en-US" smtClean="0"/>
+              <a:t>15</a:t>
             </a:fld>
             <a:endParaRPr lang="en-US"/>
           </a:p>
@@ -2132,7 +2044,7 @@
     </p:spTree>
     <p:extLst>
       <p:ext uri="{BB962C8B-B14F-4D97-AF65-F5344CB8AC3E}">
-        <p14:creationId xmlns:p14="http://schemas.microsoft.com/office/powerpoint/2010/main" val="1809671152"/>
+        <p14:creationId xmlns:p14="http://schemas.microsoft.com/office/powerpoint/2010/main" val="711314127"/>
       </p:ext>
     </p:extLst>
   </p:cSld>
@@ -2323,7 +2235,7 @@
           <a:p>
             <a:fld id="{8E07F777-4D5A-BD4A-9040-2B1AB3E9D4B0}" type="datetimeFigureOut">
               <a:rPr lang="en-US" smtClean="0"/>
-              <a:t>3/9/14</a:t>
+              <a:t>6/9/14</a:t>
             </a:fld>
             <a:endParaRPr lang="en-US"/>
           </a:p>
@@ -2493,7 +2405,7 @@
           <a:p>
             <a:fld id="{8E07F777-4D5A-BD4A-9040-2B1AB3E9D4B0}" type="datetimeFigureOut">
               <a:rPr lang="en-US" smtClean="0"/>
-              <a:t>3/9/14</a:t>
+              <a:t>6/9/14</a:t>
             </a:fld>
             <a:endParaRPr lang="en-US"/>
           </a:p>
@@ -2673,7 +2585,7 @@
           <a:p>
             <a:fld id="{8E07F777-4D5A-BD4A-9040-2B1AB3E9D4B0}" type="datetimeFigureOut">
               <a:rPr lang="en-US" smtClean="0"/>
-              <a:t>3/9/14</a:t>
+              <a:t>6/9/14</a:t>
             </a:fld>
             <a:endParaRPr lang="en-US"/>
           </a:p>
@@ -2843,7 +2755,7 @@
           <a:p>
             <a:fld id="{8E07F777-4D5A-BD4A-9040-2B1AB3E9D4B0}" type="datetimeFigureOut">
               <a:rPr lang="en-US" smtClean="0"/>
-              <a:t>3/9/14</a:t>
+              <a:t>6/9/14</a:t>
             </a:fld>
             <a:endParaRPr lang="en-US"/>
           </a:p>
@@ -3089,7 +3001,7 @@
           <a:p>
             <a:fld id="{8E07F777-4D5A-BD4A-9040-2B1AB3E9D4B0}" type="datetimeFigureOut">
               <a:rPr lang="en-US" smtClean="0"/>
-              <a:t>3/9/14</a:t>
+              <a:t>6/9/14</a:t>
             </a:fld>
             <a:endParaRPr lang="en-US"/>
           </a:p>
@@ -3377,7 +3289,7 @@
           <a:p>
             <a:fld id="{8E07F777-4D5A-BD4A-9040-2B1AB3E9D4B0}" type="datetimeFigureOut">
               <a:rPr lang="en-US" smtClean="0"/>
-              <a:t>3/9/14</a:t>
+              <a:t>6/9/14</a:t>
             </a:fld>
             <a:endParaRPr lang="en-US"/>
           </a:p>
@@ -3799,7 +3711,7 @@
           <a:p>
             <a:fld id="{8E07F777-4D5A-BD4A-9040-2B1AB3E9D4B0}" type="datetimeFigureOut">
               <a:rPr lang="en-US" smtClean="0"/>
-              <a:t>3/9/14</a:t>
+              <a:t>6/9/14</a:t>
             </a:fld>
             <a:endParaRPr lang="en-US"/>
           </a:p>
@@ -3917,7 +3829,7 @@
           <a:p>
             <a:fld id="{8E07F777-4D5A-BD4A-9040-2B1AB3E9D4B0}" type="datetimeFigureOut">
               <a:rPr lang="en-US" smtClean="0"/>
-              <a:t>3/9/14</a:t>
+              <a:t>6/9/14</a:t>
             </a:fld>
             <a:endParaRPr lang="en-US"/>
           </a:p>
@@ -4012,7 +3924,7 @@
           <a:p>
             <a:fld id="{8E07F777-4D5A-BD4A-9040-2B1AB3E9D4B0}" type="datetimeFigureOut">
               <a:rPr lang="en-US" smtClean="0"/>
-              <a:t>3/9/14</a:t>
+              <a:t>6/9/14</a:t>
             </a:fld>
             <a:endParaRPr lang="en-US"/>
           </a:p>
@@ -4289,7 +4201,7 @@
           <a:p>
             <a:fld id="{8E07F777-4D5A-BD4A-9040-2B1AB3E9D4B0}" type="datetimeFigureOut">
               <a:rPr lang="en-US" smtClean="0"/>
-              <a:t>3/9/14</a:t>
+              <a:t>6/9/14</a:t>
             </a:fld>
             <a:endParaRPr lang="en-US"/>
           </a:p>
@@ -4542,7 +4454,7 @@
           <a:p>
             <a:fld id="{8E07F777-4D5A-BD4A-9040-2B1AB3E9D4B0}" type="datetimeFigureOut">
               <a:rPr lang="en-US" smtClean="0"/>
-              <a:t>3/9/14</a:t>
+              <a:t>6/9/14</a:t>
             </a:fld>
             <a:endParaRPr lang="en-US"/>
           </a:p>
@@ -4755,7 +4667,7 @@
           <a:p>
             <a:fld id="{8E07F777-4D5A-BD4A-9040-2B1AB3E9D4B0}" type="datetimeFigureOut">
               <a:rPr lang="en-US" smtClean="0"/>
-              <a:t>3/9/14</a:t>
+              <a:t>6/9/14</a:t>
             </a:fld>
             <a:endParaRPr lang="en-US"/>
           </a:p>
@@ -5192,12 +5104,8 @@
               <a:defRPr/>
             </a:pPr>
             <a:r>
-              <a:rPr lang="en-US" dirty="0"/>
-              <a:t>March </a:t>
-            </a:r>
-            <a:r>
-              <a:rPr lang="en-US" dirty="0" smtClean="0"/>
-              <a:t>5, </a:t>
+              <a:rPr lang="en-US" dirty="0" smtClean="0"/>
+              <a:t>June 9th, </a:t>
             </a:r>
             <a:r>
               <a:rPr lang="en-US" dirty="0"/>
@@ -5255,8 +5163,12 @@
           <a:lstStyle/>
           <a:p>
             <a:r>
-              <a:rPr lang="en-US" dirty="0" smtClean="0"/>
-              <a:t>Services and Characteristics</a:t>
+              <a:rPr lang="en-US" dirty="0" err="1" smtClean="0"/>
+              <a:t>CoreBluetooth</a:t>
+            </a:r>
+            <a:r>
+              <a:rPr lang="en-US" dirty="0" smtClean="0"/>
+              <a:t> Framework</a:t>
             </a:r>
             <a:endParaRPr lang="en-US" dirty="0"/>
           </a:p>
@@ -5274,38 +5186,48 @@
         </p:nvSpPr>
         <p:spPr/>
         <p:txBody>
-          <a:bodyPr/>
-          <a:lstStyle/>
-          <a:p>
-            <a:r>
-              <a:rPr lang="en-US" dirty="0" smtClean="0"/>
-              <a:t>A BLE device can have multiple services, each with multiple characteristics</a:t>
-            </a:r>
-          </a:p>
-          <a:p>
-            <a:r>
-              <a:rPr lang="en-US" dirty="0" smtClean="0"/>
-              <a:t>Services AND Characteristics are identified by unique IDs</a:t>
-            </a:r>
-          </a:p>
-          <a:p>
-            <a:r>
-              <a:rPr lang="en-US" dirty="0" smtClean="0"/>
-              <a:t>Characteristics come in two flavors:</a:t>
+          <a:bodyPr>
+            <a:normAutofit/>
+          </a:bodyPr>
+          <a:lstStyle/>
+          <a:p>
+            <a:r>
+              <a:rPr lang="en-US" dirty="0" smtClean="0"/>
+              <a:t>Central (Client)</a:t>
             </a:r>
           </a:p>
           <a:p>
             <a:pPr lvl="1"/>
             <a:r>
               <a:rPr lang="en-US" dirty="0" smtClean="0"/>
-              <a:t>Notification</a:t>
+              <a:t>Discovers peripherals and connects to them</a:t>
+            </a:r>
+          </a:p>
+          <a:p>
+            <a:r>
+              <a:rPr lang="en-US" dirty="0" smtClean="0"/>
+              <a:t>Peripheral (Server)</a:t>
             </a:r>
           </a:p>
           <a:p>
             <a:pPr lvl="1"/>
             <a:r>
               <a:rPr lang="en-US" dirty="0" smtClean="0"/>
-              <a:t>Read and/or write</a:t>
+              <a:t>Advertises itself</a:t>
+            </a:r>
+          </a:p>
+          <a:p>
+            <a:pPr lvl="1"/>
+            <a:r>
+              <a:rPr lang="en-US" dirty="0" smtClean="0"/>
+              <a:t>Services, which have Characteristics</a:t>
+            </a:r>
+          </a:p>
+          <a:p>
+            <a:pPr lvl="1"/>
+            <a:r>
+              <a:rPr lang="en-US" dirty="0" smtClean="0"/>
+              <a:t>Central can subscribe to characteristics or read/write to them</a:t>
             </a:r>
             <a:endParaRPr lang="en-US" dirty="0"/>
           </a:p>
@@ -5314,7 +5236,7 @@
     </p:spTree>
     <p:extLst>
       <p:ext uri="{BB962C8B-B14F-4D97-AF65-F5344CB8AC3E}">
-        <p14:creationId xmlns:p14="http://schemas.microsoft.com/office/powerpoint/2010/main" val="1796731119"/>
+        <p14:creationId xmlns:p14="http://schemas.microsoft.com/office/powerpoint/2010/main" val="2467415876"/>
       </p:ext>
     </p:extLst>
   </p:cSld>
@@ -5358,7 +5280,7 @@
           <a:p>
             <a:r>
               <a:rPr lang="en-US" dirty="0" smtClean="0"/>
-              <a:t>Central-Peripheral Lifecycle</a:t>
+              <a:t>Services and Characteristics</a:t>
             </a:r>
             <a:endParaRPr lang="en-US" dirty="0"/>
           </a:p>
@@ -5376,86 +5298,38 @@
         </p:nvSpPr>
         <p:spPr/>
         <p:txBody>
-          <a:bodyPr>
-            <a:normAutofit fontScale="92500" lnSpcReduction="10000"/>
-          </a:bodyPr>
-          <a:lstStyle/>
-          <a:p>
-            <a:pPr marL="514350" indent="-514350">
-              <a:buFont typeface="+mj-lt"/>
-              <a:buAutoNum type="arabicPeriod"/>
-            </a:pPr>
-            <a:r>
-              <a:rPr lang="en-US" dirty="0" smtClean="0"/>
-              <a:t>Peripheral advertises a service with certain characteristics</a:t>
-            </a:r>
-          </a:p>
-          <a:p>
-            <a:pPr marL="514350" indent="-514350">
-              <a:buFont typeface="+mj-lt"/>
-              <a:buAutoNum type="arabicPeriod"/>
-            </a:pPr>
-            <a:r>
-              <a:rPr lang="en-US" dirty="0" smtClean="0"/>
-              <a:t>Central discovers advertisement</a:t>
-            </a:r>
-          </a:p>
-          <a:p>
-            <a:pPr marL="514350" indent="-514350">
-              <a:buFont typeface="+mj-lt"/>
-              <a:buAutoNum type="arabicPeriod"/>
-            </a:pPr>
-            <a:r>
-              <a:rPr lang="en-US" dirty="0" smtClean="0"/>
-              <a:t>Central connects to peripheral</a:t>
-            </a:r>
-          </a:p>
-          <a:p>
-            <a:pPr marL="514350" indent="-514350">
-              <a:buFont typeface="+mj-lt"/>
-              <a:buAutoNum type="arabicPeriod"/>
-            </a:pPr>
-            <a:r>
-              <a:rPr lang="en-US" dirty="0" smtClean="0"/>
-              <a:t>Central </a:t>
-            </a:r>
-            <a:r>
-              <a:rPr lang="en-US" dirty="0" smtClean="0"/>
-              <a:t>discovers </a:t>
-            </a:r>
-            <a:r>
-              <a:rPr lang="en-US" dirty="0" smtClean="0"/>
-              <a:t>services</a:t>
-            </a:r>
-          </a:p>
-          <a:p>
-            <a:pPr marL="514350" indent="-514350">
-              <a:buFont typeface="+mj-lt"/>
-              <a:buAutoNum type="arabicPeriod"/>
-            </a:pPr>
-            <a:r>
-              <a:rPr lang="en-US" dirty="0" smtClean="0"/>
-              <a:t>Central discovers characteristics</a:t>
-            </a:r>
-          </a:p>
-          <a:p>
-            <a:pPr marL="514350" indent="-514350">
-              <a:buFont typeface="+mj-lt"/>
-              <a:buAutoNum type="arabicPeriod"/>
-            </a:pPr>
-            <a:r>
-              <a:rPr lang="en-US" dirty="0" smtClean="0"/>
-              <a:t>Central subscribes or reads from/writes to a characteristic</a:t>
-            </a:r>
-          </a:p>
-          <a:p>
-            <a:pPr marL="514350" indent="-514350">
-              <a:buFont typeface="+mj-lt"/>
-              <a:buAutoNum type="arabicPeriod"/>
-            </a:pPr>
-            <a:r>
-              <a:rPr lang="en-US" dirty="0" smtClean="0"/>
-              <a:t>Central disconnects</a:t>
+          <a:bodyPr/>
+          <a:lstStyle/>
+          <a:p>
+            <a:r>
+              <a:rPr lang="en-US" dirty="0" smtClean="0"/>
+              <a:t>A BLE device can have multiple services, each with multiple characteristics</a:t>
+            </a:r>
+          </a:p>
+          <a:p>
+            <a:r>
+              <a:rPr lang="en-US" dirty="0" smtClean="0"/>
+              <a:t>Services AND Characteristics are identified by unique IDs</a:t>
+            </a:r>
+          </a:p>
+          <a:p>
+            <a:r>
+              <a:rPr lang="en-US" dirty="0" smtClean="0"/>
+              <a:t>Characteristics come in two flavors:</a:t>
+            </a:r>
+          </a:p>
+          <a:p>
+            <a:pPr lvl="1"/>
+            <a:r>
+              <a:rPr lang="en-US" dirty="0" smtClean="0"/>
+              <a:t>Notification</a:t>
+            </a:r>
+          </a:p>
+          <a:p>
+            <a:pPr lvl="1"/>
+            <a:r>
+              <a:rPr lang="en-US" dirty="0" smtClean="0"/>
+              <a:t>Read and/or write</a:t>
             </a:r>
             <a:endParaRPr lang="en-US" dirty="0"/>
           </a:p>
@@ -5464,7 +5338,7 @@
     </p:spTree>
     <p:extLst>
       <p:ext uri="{BB962C8B-B14F-4D97-AF65-F5344CB8AC3E}">
-        <p14:creationId xmlns:p14="http://schemas.microsoft.com/office/powerpoint/2010/main" val="716175767"/>
+        <p14:creationId xmlns:p14="http://schemas.microsoft.com/office/powerpoint/2010/main" val="1796731119"/>
       </p:ext>
     </p:extLst>
   </p:cSld>
@@ -5493,7 +5367,7 @@
       </p:grpSpPr>
       <p:sp>
         <p:nvSpPr>
-          <p:cNvPr id="2" name="Title 1"/>
+          <p:cNvPr id="7" name="Title 6"/>
           <p:cNvSpPr>
             <a:spLocks noGrp="1"/>
           </p:cNvSpPr>
@@ -5508,15 +5382,7 @@
           <a:p>
             <a:r>
               <a:rPr lang="en-US" dirty="0" smtClean="0"/>
-              <a:t>Demo-</a:t>
-            </a:r>
-            <a:r>
-              <a:rPr lang="en-US" dirty="0" err="1" smtClean="0"/>
-              <a:t>Zeit</a:t>
-            </a:r>
-            <a:r>
-              <a:rPr lang="en-US" dirty="0" smtClean="0"/>
-              <a:t>!</a:t>
+              <a:t>Limitations	</a:t>
             </a:r>
             <a:endParaRPr lang="en-US" dirty="0"/>
           </a:p>
@@ -5524,7 +5390,7 @@
       </p:sp>
       <p:sp>
         <p:nvSpPr>
-          <p:cNvPr id="3" name="Content Placeholder 2"/>
+          <p:cNvPr id="8" name="Content Placeholder 7"/>
           <p:cNvSpPr>
             <a:spLocks noGrp="1"/>
           </p:cNvSpPr>
@@ -5539,16 +5405,39 @@
           <a:p>
             <a:r>
               <a:rPr lang="en-US" dirty="0" smtClean="0"/>
-              <a:t>I will now demonstrate the working code that you will build in this class.</a:t>
-            </a:r>
-            <a:endParaRPr lang="en-US" dirty="0"/>
+              <a:t>The canonical setup is a single peripheral-central connection</a:t>
+            </a:r>
+          </a:p>
+          <a:p>
+            <a:r>
+              <a:rPr lang="en-US" dirty="0" smtClean="0"/>
+              <a:t>Spec say 1 connection, but Apple allows you to have 2 connections</a:t>
+            </a:r>
+          </a:p>
+          <a:p>
+            <a:r>
+              <a:rPr lang="en-US" dirty="0"/>
+              <a:t>While you are in the background, the option to allow duplicates on a </a:t>
+            </a:r>
+            <a:r>
+              <a:rPr lang="en-US" dirty="0" err="1"/>
+              <a:t>CBCentralManager</a:t>
+            </a:r>
+            <a:r>
+              <a:rPr lang="en-US" dirty="0"/>
+              <a:t> scan is ignored (force rescan is not advised, it's a workaround/grey </a:t>
+            </a:r>
+            <a:r>
+              <a:rPr lang="en-US" dirty="0" smtClean="0"/>
+              <a:t>area)</a:t>
+            </a:r>
           </a:p>
         </p:txBody>
       </p:sp>
     </p:spTree>
     <p:extLst>
       <p:ext uri="{BB962C8B-B14F-4D97-AF65-F5344CB8AC3E}">
-        <p14:creationId xmlns:p14="http://schemas.microsoft.com/office/powerpoint/2010/main" val="1522740134"/>
+        <p14:creationId xmlns:p14="http://schemas.microsoft.com/office/powerpoint/2010/main" val="189220882"/>
       </p:ext>
     </p:extLst>
   </p:cSld>
@@ -5577,7 +5466,7 @@
       </p:grpSpPr>
       <p:sp>
         <p:nvSpPr>
-          <p:cNvPr id="2" name="Title 1"/>
+          <p:cNvPr id="7" name="Title 6"/>
           <p:cNvSpPr>
             <a:spLocks noGrp="1"/>
           </p:cNvSpPr>
@@ -5592,150 +5481,49 @@
           <a:p>
             <a:r>
               <a:rPr lang="en-US" dirty="0" smtClean="0"/>
-              <a:t>Coding-</a:t>
-            </a:r>
+              <a:t>Related Technologies</a:t>
+            </a:r>
+            <a:endParaRPr lang="en-US" dirty="0"/>
+          </a:p>
+        </p:txBody>
+      </p:sp>
+      <p:sp>
+        <p:nvSpPr>
+          <p:cNvPr id="8" name="Content Placeholder 7"/>
+          <p:cNvSpPr>
+            <a:spLocks noGrp="1"/>
+          </p:cNvSpPr>
+          <p:nvPr>
+            <p:ph idx="1"/>
+          </p:nvPr>
+        </p:nvSpPr>
+        <p:spPr/>
+        <p:txBody>
+          <a:bodyPr/>
+          <a:lstStyle/>
+          <a:p>
             <a:r>
               <a:rPr lang="en-US" dirty="0" err="1" smtClean="0"/>
-              <a:t>Zeit</a:t>
-            </a:r>
-            <a:r>
-              <a:rPr lang="en-US" dirty="0" smtClean="0"/>
-              <a:t>!</a:t>
-            </a:r>
-            <a:endParaRPr lang="en-US" dirty="0"/>
-          </a:p>
-        </p:txBody>
-      </p:sp>
-      <p:sp>
-        <p:nvSpPr>
-          <p:cNvPr id="3" name="Content Placeholder 2"/>
-          <p:cNvSpPr>
-            <a:spLocks noGrp="1"/>
-          </p:cNvSpPr>
-          <p:nvPr>
-            <p:ph idx="1"/>
-          </p:nvPr>
-        </p:nvSpPr>
-        <p:spPr/>
-        <p:txBody>
-          <a:bodyPr>
-            <a:normAutofit lnSpcReduction="10000"/>
-          </a:bodyPr>
-          <a:lstStyle/>
-          <a:p>
-            <a:r>
-              <a:rPr lang="en-US" dirty="0" smtClean="0"/>
-              <a:t>Clone this repo:</a:t>
-            </a:r>
-          </a:p>
-          <a:p>
-            <a:pPr marL="857250" lvl="2" indent="0">
-              <a:buNone/>
-            </a:pPr>
+              <a:t>iBeacon</a:t>
+            </a:r>
+            <a:endParaRPr lang="en-US" dirty="0" smtClean="0"/>
+          </a:p>
+          <a:p>
             <a:r>
               <a:rPr lang="en-US" dirty="0" err="1" smtClean="0"/>
-              <a:t>git</a:t>
-            </a:r>
-            <a:r>
-              <a:rPr lang="en-US" dirty="0" smtClean="0"/>
-              <a:t> </a:t>
-            </a:r>
-            <a:r>
-              <a:rPr lang="en-US" dirty="0" smtClean="0"/>
-              <a:t>clone </a:t>
-            </a:r>
-            <a:r>
-              <a:rPr lang="en-US" dirty="0" smtClean="0">
-                <a:hlinkClick r:id="rId3"/>
-              </a:rPr>
-              <a:t>https://github.com/a34729t/SimpleCentral</a:t>
-            </a:r>
-            <a:endParaRPr lang="en-US" dirty="0" smtClean="0"/>
-          </a:p>
-          <a:p>
-            <a:r>
-              <a:rPr lang="en-US" dirty="0" smtClean="0"/>
-              <a:t>Check out the branch for this class:</a:t>
-            </a:r>
-          </a:p>
-          <a:p>
-            <a:pPr marL="800100" lvl="2" indent="0">
-              <a:buNone/>
-            </a:pPr>
-            <a:r>
-              <a:rPr lang="en-US" dirty="0" err="1" smtClean="0"/>
-              <a:t>git</a:t>
-            </a:r>
-            <a:r>
-              <a:rPr lang="en-US" dirty="0" smtClean="0"/>
-              <a:t> </a:t>
-            </a:r>
-            <a:r>
-              <a:rPr lang="en-US" dirty="0" smtClean="0"/>
-              <a:t>checkout </a:t>
-            </a:r>
-            <a:r>
-              <a:rPr lang="en-US" dirty="0" err="1" smtClean="0"/>
-              <a:t>twitteru</a:t>
-            </a:r>
-            <a:endParaRPr lang="en-US" dirty="0" smtClean="0"/>
-          </a:p>
-          <a:p>
-            <a:r>
-              <a:rPr lang="en-US" dirty="0" smtClean="0"/>
-              <a:t>Open up the project file in </a:t>
-            </a:r>
-            <a:r>
-              <a:rPr lang="en-US" dirty="0" err="1" smtClean="0"/>
-              <a:t>Xcode</a:t>
-            </a:r>
-            <a:endParaRPr lang="en-US" dirty="0" smtClean="0"/>
-          </a:p>
-          <a:p>
-            <a:r>
-              <a:rPr lang="en-US" dirty="0" smtClean="0"/>
-              <a:t>Simple UI: </a:t>
-            </a:r>
-            <a:r>
-              <a:rPr lang="en-US" dirty="0" err="1" smtClean="0"/>
-              <a:t>ViewController</a:t>
-            </a:r>
-            <a:r>
-              <a:rPr lang="en-US" dirty="0" smtClean="0"/>
-              <a:t> and Storyboard</a:t>
-            </a:r>
-          </a:p>
-          <a:p>
-            <a:r>
-              <a:rPr lang="en-US" dirty="0" smtClean="0"/>
-              <a:t>The files you are going to work with are</a:t>
-            </a:r>
-          </a:p>
-          <a:p>
-            <a:pPr lvl="1"/>
-            <a:r>
-              <a:rPr lang="en-US" dirty="0" err="1" smtClean="0"/>
-              <a:t>CentralManager.h</a:t>
-            </a:r>
-            <a:r>
-              <a:rPr lang="en-US" dirty="0" smtClean="0"/>
-              <a:t>/.m</a:t>
-            </a:r>
-          </a:p>
-          <a:p>
-            <a:pPr lvl="1"/>
-            <a:r>
-              <a:rPr lang="en-US" dirty="0" err="1" smtClean="0"/>
-              <a:t>BLEInfo.h</a:t>
-            </a:r>
-            <a:endParaRPr lang="en-US" dirty="0"/>
+              <a:t>Multipeer</a:t>
+            </a:r>
+            <a:r>
+              <a:rPr lang="en-US" dirty="0" smtClean="0"/>
+              <a:t> Framework</a:t>
+            </a:r>
           </a:p>
         </p:txBody>
       </p:sp>
     </p:spTree>
     <p:extLst>
       <p:ext uri="{BB962C8B-B14F-4D97-AF65-F5344CB8AC3E}">
-        <p14:creationId xmlns:p14="http://schemas.microsoft.com/office/powerpoint/2010/main" val="4193316195"/>
+        <p14:creationId xmlns:p14="http://schemas.microsoft.com/office/powerpoint/2010/main" val="1324211193"/>
       </p:ext>
     </p:extLst>
   </p:cSld>
@@ -5778,8 +5566,8 @@
           <a:lstStyle/>
           <a:p>
             <a:r>
-              <a:rPr lang="en-US" dirty="0" err="1" smtClean="0"/>
-              <a:t>BLEInfo.h</a:t>
+              <a:rPr lang="en-US" dirty="0" smtClean="0"/>
+              <a:t>Demo</a:t>
             </a:r>
             <a:endParaRPr lang="en-US" dirty="0"/>
           </a:p>
@@ -5802,35 +5590,16 @@
           <a:p>
             <a:r>
               <a:rPr lang="en-US" dirty="0" smtClean="0"/>
-              <a:t>Configuration File</a:t>
-            </a:r>
-          </a:p>
-          <a:p>
-            <a:r>
-              <a:rPr lang="en-US" dirty="0" smtClean="0"/>
-              <a:t>Define CBUUIDs so we can discover the service and the characteristics advertised by our peripheral</a:t>
-            </a:r>
-          </a:p>
-          <a:p>
-            <a:pPr lvl="1"/>
-            <a:r>
-              <a:rPr lang="en-US" dirty="0" smtClean="0"/>
-              <a:t>SERVICE_CBUUID</a:t>
-            </a:r>
-          </a:p>
-          <a:p>
-            <a:pPr lvl="1"/>
-            <a:r>
-              <a:rPr lang="en-US" dirty="0" smtClean="0"/>
-              <a:t>NOTIFY_CHARACTERISTIC_CBUUID</a:t>
-            </a:r>
+              <a:t>I will now demonstrate the working code that you will build in this class.</a:t>
+            </a:r>
+            <a:endParaRPr lang="en-US" dirty="0"/>
           </a:p>
         </p:txBody>
       </p:sp>
     </p:spTree>
     <p:extLst>
       <p:ext uri="{BB962C8B-B14F-4D97-AF65-F5344CB8AC3E}">
-        <p14:creationId xmlns:p14="http://schemas.microsoft.com/office/powerpoint/2010/main" val="2644878754"/>
+        <p14:creationId xmlns:p14="http://schemas.microsoft.com/office/powerpoint/2010/main" val="1522740134"/>
       </p:ext>
     </p:extLst>
   </p:cSld>
@@ -5873,63 +5642,126 @@
           <a:lstStyle/>
           <a:p>
             <a:r>
+              <a:rPr lang="en-US" dirty="0" smtClean="0"/>
+              <a:t>Preparation</a:t>
+            </a:r>
+            <a:endParaRPr lang="en-US" dirty="0"/>
+          </a:p>
+        </p:txBody>
+      </p:sp>
+      <p:sp>
+        <p:nvSpPr>
+          <p:cNvPr id="3" name="Content Placeholder 2"/>
+          <p:cNvSpPr>
+            <a:spLocks noGrp="1"/>
+          </p:cNvSpPr>
+          <p:nvPr>
+            <p:ph idx="1"/>
+          </p:nvPr>
+        </p:nvSpPr>
+        <p:spPr/>
+        <p:txBody>
+          <a:bodyPr>
+            <a:normAutofit lnSpcReduction="10000"/>
+          </a:bodyPr>
+          <a:lstStyle/>
+          <a:p>
+            <a:r>
+              <a:rPr lang="en-US" dirty="0" smtClean="0"/>
+              <a:t>Clone this repo:</a:t>
+            </a:r>
+          </a:p>
+          <a:p>
+            <a:pPr marL="857250" lvl="2" indent="0">
+              <a:buNone/>
+            </a:pPr>
+            <a:r>
+              <a:rPr lang="en-US" dirty="0" err="1" smtClean="0"/>
+              <a:t>git</a:t>
+            </a:r>
+            <a:r>
+              <a:rPr lang="en-US" dirty="0" smtClean="0"/>
+              <a:t> clone </a:t>
+            </a:r>
+            <a:r>
+              <a:rPr lang="en-US" dirty="0" smtClean="0">
+                <a:hlinkClick r:id="rId3"/>
+              </a:rPr>
+              <a:t>https://github.com/a34729t/SimpleCentral</a:t>
+            </a:r>
+            <a:endParaRPr lang="en-US" dirty="0" smtClean="0"/>
+          </a:p>
+          <a:p>
+            <a:r>
+              <a:rPr lang="en-US" dirty="0" smtClean="0"/>
+              <a:t>Check out the branch for this class:</a:t>
+            </a:r>
+          </a:p>
+          <a:p>
+            <a:pPr marL="800100" lvl="2" indent="0">
+              <a:buNone/>
+            </a:pPr>
+            <a:r>
+              <a:rPr lang="en-US" dirty="0" err="1" smtClean="0"/>
+              <a:t>git</a:t>
+            </a:r>
+            <a:r>
+              <a:rPr lang="en-US" dirty="0" smtClean="0"/>
+              <a:t> checkout </a:t>
+            </a:r>
+            <a:r>
+              <a:rPr lang="en-US" dirty="0" err="1" smtClean="0"/>
+              <a:t>twitteru</a:t>
+            </a:r>
+            <a:endParaRPr lang="en-US" dirty="0" smtClean="0"/>
+          </a:p>
+          <a:p>
+            <a:r>
+              <a:rPr lang="en-US" dirty="0" smtClean="0"/>
+              <a:t>Open up the project file in </a:t>
+            </a:r>
+            <a:r>
+              <a:rPr lang="en-US" dirty="0" err="1" smtClean="0"/>
+              <a:t>Xcode</a:t>
+            </a:r>
+            <a:endParaRPr lang="en-US" dirty="0" smtClean="0"/>
+          </a:p>
+          <a:p>
+            <a:r>
+              <a:rPr lang="en-US" dirty="0" smtClean="0"/>
+              <a:t>Simple UI: </a:t>
+            </a:r>
+            <a:r>
+              <a:rPr lang="en-US" dirty="0" err="1" smtClean="0"/>
+              <a:t>ViewController</a:t>
+            </a:r>
+            <a:r>
+              <a:rPr lang="en-US" dirty="0" smtClean="0"/>
+              <a:t> and Storyboard</a:t>
+            </a:r>
+          </a:p>
+          <a:p>
+            <a:r>
+              <a:rPr lang="en-US" dirty="0" smtClean="0"/>
+              <a:t>The files you are going to work with are</a:t>
+            </a:r>
+          </a:p>
+          <a:p>
+            <a:pPr lvl="1"/>
+            <a:r>
               <a:rPr lang="en-US" dirty="0" err="1" smtClean="0"/>
               <a:t>CentralManager.h</a:t>
             </a:r>
-            <a:endParaRPr lang="en-US" dirty="0"/>
-          </a:p>
-        </p:txBody>
-      </p:sp>
-      <p:sp>
-        <p:nvSpPr>
-          <p:cNvPr id="3" name="Content Placeholder 2"/>
-          <p:cNvSpPr>
-            <a:spLocks noGrp="1"/>
-          </p:cNvSpPr>
-          <p:nvPr>
-            <p:ph idx="1"/>
-          </p:nvPr>
-        </p:nvSpPr>
-        <p:spPr/>
-        <p:txBody>
-          <a:bodyPr/>
-          <a:lstStyle/>
-          <a:p>
-            <a:r>
-              <a:rPr lang="en-US" dirty="0" smtClean="0"/>
-              <a:t>Protocol for discovering peripherals, and receiving data from them (implemented by UI)</a:t>
-            </a:r>
-          </a:p>
-          <a:p>
-            <a:r>
-              <a:rPr lang="en-US" dirty="0" smtClean="0"/>
-              <a:t>Public methods</a:t>
+            <a:r>
+              <a:rPr lang="en-US" dirty="0" smtClean="0"/>
+              <a:t>/.m</a:t>
             </a:r>
           </a:p>
           <a:p>
             <a:pPr lvl="1"/>
             <a:r>
-              <a:rPr lang="en-US" dirty="0" smtClean="0"/>
-              <a:t>Get singleton instance of </a:t>
-            </a:r>
-            <a:r>
               <a:rPr lang="en-US" dirty="0" err="1" smtClean="0"/>
-              <a:t>CentralManager</a:t>
-            </a:r>
-            <a:endParaRPr lang="en-US" dirty="0" smtClean="0"/>
-          </a:p>
-          <a:p>
-            <a:pPr lvl="1"/>
-            <a:r>
-              <a:rPr lang="en-US" dirty="0" smtClean="0"/>
-              <a:t>Start scanning for peripherals</a:t>
-            </a:r>
-          </a:p>
-          <a:p>
-            <a:pPr lvl="1"/>
-            <a:r>
-              <a:rPr lang="en-US" dirty="0" smtClean="0"/>
-              <a:t>Stop scanning</a:t>
+              <a:t>BLEInfo.h</a:t>
             </a:r>
             <a:endParaRPr lang="en-US" dirty="0"/>
           </a:p>
@@ -5938,7 +5770,7 @@
     </p:spTree>
     <p:extLst>
       <p:ext uri="{BB962C8B-B14F-4D97-AF65-F5344CB8AC3E}">
-        <p14:creationId xmlns:p14="http://schemas.microsoft.com/office/powerpoint/2010/main" val="549637519"/>
+        <p14:creationId xmlns:p14="http://schemas.microsoft.com/office/powerpoint/2010/main" val="4193316195"/>
       </p:ext>
     </p:extLst>
   </p:cSld>
@@ -5982,7 +5814,7 @@
           <a:p>
             <a:r>
               <a:rPr lang="en-US" dirty="0" err="1" smtClean="0"/>
-              <a:t>CentralManager.m</a:t>
+              <a:t>BLEInfo.h</a:t>
             </a:r>
             <a:endParaRPr lang="en-US" dirty="0"/>
           </a:p>
@@ -6005,60 +5837,35 @@
           <a:p>
             <a:r>
               <a:rPr lang="en-US" dirty="0" smtClean="0"/>
-              <a:t>I have implemented the constructors and a few other utility methods</a:t>
-            </a:r>
-          </a:p>
-          <a:p>
-            <a:r>
-              <a:rPr lang="en-US" dirty="0" smtClean="0"/>
-              <a:t>I will guide you through the implementation of everything </a:t>
-            </a:r>
-            <a:r>
-              <a:rPr lang="en-US" dirty="0" smtClean="0"/>
-              <a:t>else</a:t>
+              <a:t>Configuration File</a:t>
+            </a:r>
+          </a:p>
+          <a:p>
+            <a:r>
+              <a:rPr lang="en-US" dirty="0" smtClean="0"/>
+              <a:t>Define CBUUIDs so we can discover the service and the characteristics advertised by our peripheral</a:t>
             </a:r>
           </a:p>
           <a:p>
             <a:pPr lvl="1"/>
             <a:r>
               <a:rPr lang="en-US" dirty="0" smtClean="0"/>
-              <a:t>Delegates for </a:t>
-            </a:r>
-            <a:r>
-              <a:rPr lang="en-US" dirty="0" err="1" smtClean="0"/>
-              <a:t>CBCentralCentralManager</a:t>
-            </a:r>
-            <a:endParaRPr lang="en-US" dirty="0"/>
+              <a:t>SERVICE_CBUUID</a:t>
+            </a:r>
           </a:p>
           <a:p>
             <a:pPr lvl="1"/>
             <a:r>
               <a:rPr lang="en-US" dirty="0" smtClean="0"/>
-              <a:t>Delegates for </a:t>
-            </a:r>
-            <a:r>
-              <a:rPr lang="en-US" dirty="0" err="1" smtClean="0"/>
-              <a:t>CBPeripheral</a:t>
-            </a:r>
-            <a:r>
-              <a:rPr lang="en-US" dirty="0" smtClean="0"/>
-              <a:t> (connected Peripheral)</a:t>
-            </a:r>
-            <a:endParaRPr lang="en-US" dirty="0" smtClean="0"/>
-          </a:p>
-          <a:p>
-            <a:r>
-              <a:rPr lang="en-US" dirty="0" smtClean="0"/>
-              <a:t>I will add log messages to everything- I highly encourage you to do the same</a:t>
-            </a:r>
-            <a:endParaRPr lang="en-US" dirty="0"/>
+              <a:t>NOTIFY_CHARACTERISTIC_CBUUID</a:t>
+            </a:r>
           </a:p>
         </p:txBody>
       </p:sp>
     </p:spTree>
     <p:extLst>
       <p:ext uri="{BB962C8B-B14F-4D97-AF65-F5344CB8AC3E}">
-        <p14:creationId xmlns:p14="http://schemas.microsoft.com/office/powerpoint/2010/main" val="2233782356"/>
+        <p14:creationId xmlns:p14="http://schemas.microsoft.com/office/powerpoint/2010/main" val="2644878754"/>
       </p:ext>
     </p:extLst>
   </p:cSld>
@@ -6101,12 +5908,8 @@
           <a:lstStyle/>
           <a:p>
             <a:r>
-              <a:rPr lang="en-US" dirty="0"/>
-              <a:t>- (id)</a:t>
-            </a:r>
-            <a:r>
-              <a:rPr lang="en-US" dirty="0" err="1"/>
-              <a:t>init</a:t>
+              <a:rPr lang="en-US" dirty="0" err="1" smtClean="0"/>
+              <a:t>CentralManager.h</a:t>
             </a:r>
             <a:endParaRPr lang="en-US" dirty="0"/>
           </a:p>
@@ -6124,78 +5927,44 @@
         </p:nvSpPr>
         <p:spPr/>
         <p:txBody>
-          <a:bodyPr>
-            <a:normAutofit fontScale="92500" lnSpcReduction="20000"/>
-          </a:bodyPr>
-          <a:lstStyle/>
-          <a:p>
-            <a:r>
-              <a:rPr lang="en-US" dirty="0" smtClean="0"/>
-              <a:t>We create a </a:t>
-            </a:r>
-            <a:r>
-              <a:rPr lang="en-US" dirty="0" smtClean="0"/>
-              <a:t>queue for </a:t>
-            </a:r>
-            <a:r>
-              <a:rPr lang="en-US" dirty="0" smtClean="0"/>
-              <a:t>the </a:t>
+          <a:bodyPr/>
+          <a:lstStyle/>
+          <a:p>
+            <a:r>
+              <a:rPr lang="en-US" dirty="0" smtClean="0"/>
+              <a:t>Protocol for discovering peripherals, and receiving data from them (implemented by UI)</a:t>
+            </a:r>
+          </a:p>
+          <a:p>
+            <a:r>
+              <a:rPr lang="en-US" dirty="0" smtClean="0"/>
+              <a:t>Public methods</a:t>
+            </a:r>
+          </a:p>
+          <a:p>
+            <a:pPr lvl="1"/>
+            <a:r>
+              <a:rPr lang="en-US" dirty="0" smtClean="0"/>
+              <a:t>Get singleton instance of </a:t>
             </a:r>
             <a:r>
               <a:rPr lang="en-US" dirty="0" err="1" smtClean="0"/>
-              <a:t>CBCentralManager</a:t>
+              <a:t>CentralManager</a:t>
             </a:r>
             <a:endParaRPr lang="en-US" dirty="0" smtClean="0"/>
           </a:p>
           <a:p>
-            <a:r>
-              <a:rPr lang="en-US" dirty="0" smtClean="0"/>
-              <a:t>This means delegates also fire on this queue- any calls to the UI need to be on the main queue</a:t>
-            </a:r>
-          </a:p>
-          <a:p>
-            <a:r>
-              <a:rPr lang="en-US" dirty="0" smtClean="0"/>
-              <a:t>We </a:t>
-            </a:r>
-            <a:r>
-              <a:rPr lang="en-US" dirty="0" smtClean="0"/>
-              <a:t>also create a Dictionary to hold Peripherals we connect to. Why?</a:t>
-            </a:r>
-          </a:p>
-          <a:p>
             <a:pPr lvl="1"/>
             <a:r>
               <a:rPr lang="en-US" dirty="0" smtClean="0"/>
-              <a:t>Peripherals need to be </a:t>
-            </a:r>
-            <a:r>
-              <a:rPr lang="en-US" dirty="0" smtClean="0"/>
-              <a:t>retained as soon as they discovered</a:t>
-            </a:r>
-            <a:endParaRPr lang="en-US" dirty="0" smtClean="0"/>
+              <a:t>Start scanning for peripherals</a:t>
+            </a:r>
           </a:p>
           <a:p>
             <a:pPr lvl="1"/>
             <a:r>
               <a:rPr lang="en-US" dirty="0" smtClean="0"/>
-              <a:t>We </a:t>
-            </a:r>
-            <a:r>
-              <a:rPr lang="en-US" dirty="0" smtClean="0"/>
-              <a:t>map the Peripheral to a </a:t>
-            </a:r>
-            <a:r>
-              <a:rPr lang="en-US" dirty="0" err="1" smtClean="0"/>
-              <a:t>NSMutableArray</a:t>
-            </a:r>
-            <a:r>
-              <a:rPr lang="en-US" dirty="0" smtClean="0"/>
-              <a:t>, which functions as queue for incoming data from that </a:t>
-            </a:r>
-            <a:r>
-              <a:rPr lang="en-US" dirty="0" smtClean="0"/>
-              <a:t>Peripheral (this allows us to handle multiple peripherals)</a:t>
+              <a:t>Stop scanning</a:t>
             </a:r>
             <a:endParaRPr lang="en-US" dirty="0"/>
           </a:p>
@@ -6204,7 +5973,7 @@
     </p:spTree>
     <p:extLst>
       <p:ext uri="{BB962C8B-B14F-4D97-AF65-F5344CB8AC3E}">
-        <p14:creationId xmlns:p14="http://schemas.microsoft.com/office/powerpoint/2010/main" val="30358925"/>
+        <p14:creationId xmlns:p14="http://schemas.microsoft.com/office/powerpoint/2010/main" val="549637519"/>
       </p:ext>
     </p:extLst>
   </p:cSld>
@@ -6247,8 +6016,8 @@
           <a:lstStyle/>
           <a:p>
             <a:r>
-              <a:rPr lang="en-US" dirty="0" smtClean="0"/>
-              <a:t>Peripheral Management	</a:t>
+              <a:rPr lang="en-US" dirty="0" err="1" smtClean="0"/>
+              <a:t>CentralManager.m</a:t>
             </a:r>
             <a:endParaRPr lang="en-US" dirty="0"/>
           </a:p>
@@ -6264,105 +6033,62 @@
             <p:ph idx="1"/>
           </p:nvPr>
         </p:nvSpPr>
-        <p:spPr>
-          <a:xfrm>
-            <a:off x="457200" y="1600200"/>
-            <a:ext cx="8554720" cy="4525963"/>
-          </a:xfrm>
-        </p:spPr>
-        <p:txBody>
-          <a:bodyPr>
-            <a:normAutofit/>
-          </a:bodyPr>
-          <a:lstStyle/>
-          <a:p>
-            <a:pPr marL="0" indent="0">
-              <a:buNone/>
-            </a:pPr>
-            <a:r>
-              <a:rPr lang="fi-FI" sz="2800" dirty="0" smtClean="0"/>
-              <a:t>- (</a:t>
-            </a:r>
-            <a:r>
-              <a:rPr lang="fi-FI" sz="2800" dirty="0" err="1"/>
-              <a:t>void)addPeripheral:(CBPeripheral</a:t>
-            </a:r>
-            <a:r>
-              <a:rPr lang="fi-FI" sz="2800" dirty="0"/>
-              <a:t> *)</a:t>
-            </a:r>
-            <a:r>
-              <a:rPr lang="fi-FI" sz="2800" dirty="0" err="1" smtClean="0"/>
-              <a:t>peripheral</a:t>
-            </a:r>
-            <a:endParaRPr lang="fi-FI" sz="2800" dirty="0" smtClean="0"/>
-          </a:p>
-          <a:p>
-            <a:pPr marL="0" indent="0">
-              <a:buNone/>
-            </a:pPr>
-            <a:r>
-              <a:rPr lang="fi-FI" sz="2800" dirty="0" smtClean="0"/>
-              <a:t>- (</a:t>
-            </a:r>
-            <a:r>
-              <a:rPr lang="fi-FI" sz="2800" dirty="0" err="1"/>
-              <a:t>void)removePeripheral:(CBPeripheral</a:t>
-            </a:r>
-            <a:r>
-              <a:rPr lang="fi-FI" sz="2800" dirty="0"/>
-              <a:t> *)</a:t>
-            </a:r>
-            <a:r>
-              <a:rPr lang="fi-FI" sz="2800" dirty="0" err="1" smtClean="0"/>
-              <a:t>peripheral</a:t>
-            </a:r>
-            <a:endParaRPr lang="fi-FI" sz="2800" dirty="0" smtClean="0"/>
-          </a:p>
-          <a:p>
-            <a:pPr marL="0" indent="0">
-              <a:buNone/>
-            </a:pPr>
-            <a:r>
-              <a:rPr lang="de-DE" sz="2800" dirty="0"/>
-              <a:t>- (</a:t>
-            </a:r>
-            <a:r>
-              <a:rPr lang="de-DE" sz="2800" dirty="0" err="1"/>
-              <a:t>NSMutableArray</a:t>
-            </a:r>
-            <a:r>
-              <a:rPr lang="de-DE" sz="2800" dirty="0"/>
-              <a:t> *)</a:t>
-            </a:r>
-            <a:r>
-              <a:rPr lang="de-DE" sz="2800" dirty="0" err="1"/>
-              <a:t>getPeripheralQueue</a:t>
-            </a:r>
-            <a:r>
-              <a:rPr lang="de-DE" sz="2800" dirty="0"/>
-              <a:t>:(</a:t>
-            </a:r>
-            <a:r>
-              <a:rPr lang="de-DE" sz="2800" dirty="0" err="1"/>
+        <p:spPr/>
+        <p:txBody>
+          <a:bodyPr/>
+          <a:lstStyle/>
+          <a:p>
+            <a:r>
+              <a:rPr lang="en-US" dirty="0" smtClean="0"/>
+              <a:t>I have implemented the constructors and a few other utility methods</a:t>
+            </a:r>
+          </a:p>
+          <a:p>
+            <a:r>
+              <a:rPr lang="en-US" dirty="0" smtClean="0"/>
+              <a:t>I will guide you through the implementation of everything else</a:t>
+            </a:r>
+          </a:p>
+          <a:p>
+            <a:pPr lvl="1"/>
+            <a:r>
+              <a:rPr lang="en-US" dirty="0" smtClean="0"/>
+              <a:t>Delegates for </a:t>
+            </a:r>
+            <a:r>
+              <a:rPr lang="en-US" dirty="0" err="1" smtClean="0"/>
+              <a:t>CBCentralCentralManager</a:t>
+            </a:r>
+            <a:endParaRPr lang="en-US" dirty="0"/>
+          </a:p>
+          <a:p>
+            <a:pPr lvl="1"/>
+            <a:r>
+              <a:rPr lang="en-US" dirty="0" smtClean="0"/>
+              <a:t>Delegates for </a:t>
+            </a:r>
+            <a:r>
+              <a:rPr lang="en-US" dirty="0" err="1" smtClean="0"/>
               <a:t>CBPeripheral</a:t>
             </a:r>
             <a:r>
-              <a:rPr lang="de-DE" sz="2800" dirty="0"/>
-              <a:t> *)</a:t>
-            </a:r>
-            <a:r>
-              <a:rPr lang="de-DE" sz="2800" dirty="0" err="1"/>
-              <a:t>peripheral</a:t>
-            </a:r>
-            <a:endParaRPr lang="en-US" sz="2800" dirty="0"/>
+              <a:rPr lang="en-US" dirty="0" smtClean="0"/>
+              <a:t> (connected Peripheral)</a:t>
+            </a:r>
+          </a:p>
+          <a:p>
+            <a:r>
+              <a:rPr lang="en-US" dirty="0" smtClean="0"/>
+              <a:t>I will add log messages to everything- I highly encourage you to do the same</a:t>
+            </a:r>
+            <a:endParaRPr lang="en-US" dirty="0"/>
           </a:p>
         </p:txBody>
       </p:sp>
     </p:spTree>
     <p:extLst>
       <p:ext uri="{BB962C8B-B14F-4D97-AF65-F5344CB8AC3E}">
-        <p14:creationId xmlns:p14="http://schemas.microsoft.com/office/powerpoint/2010/main" val="2293683563"/>
+        <p14:creationId xmlns:p14="http://schemas.microsoft.com/office/powerpoint/2010/main" val="2233782356"/>
       </p:ext>
     </p:extLst>
   </p:cSld>
@@ -6405,8 +6131,12 @@
           <a:lstStyle/>
           <a:p>
             <a:r>
-              <a:rPr lang="en-US" dirty="0" smtClean="0"/>
-              <a:t>Start and Stop Scanning</a:t>
+              <a:rPr lang="en-US" dirty="0"/>
+              <a:t>- (id)</a:t>
+            </a:r>
+            <a:r>
+              <a:rPr lang="en-US" dirty="0" err="1"/>
+              <a:t>init</a:t>
             </a:r>
             <a:endParaRPr lang="en-US" dirty="0"/>
           </a:p>
@@ -6424,31 +6154,62 @@
         </p:nvSpPr>
         <p:spPr/>
         <p:txBody>
-          <a:bodyPr/>
-          <a:lstStyle/>
-          <a:p>
-            <a:r>
-              <a:rPr lang="en-US" dirty="0" smtClean="0"/>
-              <a:t>We have to scan for the Peripheral with a given Service CBUUID</a:t>
-            </a:r>
-          </a:p>
-          <a:p>
-            <a:r>
-              <a:rPr lang="en-US" dirty="0" smtClean="0"/>
-              <a:t>We also give it an option to ignore </a:t>
-            </a:r>
-            <a:r>
-              <a:rPr lang="en-US" dirty="0" smtClean="0"/>
-              <a:t>duplicates</a:t>
+          <a:bodyPr>
+            <a:normAutofit fontScale="92500" lnSpcReduction="20000"/>
+          </a:bodyPr>
+          <a:lstStyle/>
+          <a:p>
+            <a:r>
+              <a:rPr lang="en-US" dirty="0" smtClean="0"/>
+              <a:t>We create a queue for the </a:t>
+            </a:r>
+            <a:r>
+              <a:rPr lang="en-US" dirty="0" err="1" smtClean="0"/>
+              <a:t>CBCentralManager</a:t>
             </a:r>
             <a:endParaRPr lang="en-US" dirty="0" smtClean="0"/>
+          </a:p>
+          <a:p>
+            <a:r>
+              <a:rPr lang="en-US" dirty="0" smtClean="0"/>
+              <a:t>This means delegates also fire on this queue- any calls to the UI need to be on the main queue</a:t>
+            </a:r>
+          </a:p>
+          <a:p>
+            <a:r>
+              <a:rPr lang="en-US" dirty="0" smtClean="0"/>
+              <a:t>We also create a Dictionary to hold Peripherals we connect to. Why?</a:t>
+            </a:r>
+          </a:p>
+          <a:p>
+            <a:pPr lvl="1"/>
+            <a:r>
+              <a:rPr lang="en-US" dirty="0" smtClean="0"/>
+              <a:t>Peripherals need to be retained as soon as they discovered</a:t>
+            </a:r>
+          </a:p>
+          <a:p>
+            <a:pPr lvl="1"/>
+            <a:r>
+              <a:rPr lang="en-US" dirty="0" smtClean="0"/>
+              <a:t>We map the Peripheral to a </a:t>
+            </a:r>
+            <a:r>
+              <a:rPr lang="en-US" dirty="0" err="1" smtClean="0"/>
+              <a:t>NSMutableArray</a:t>
+            </a:r>
+            <a:r>
+              <a:rPr lang="en-US" dirty="0" smtClean="0"/>
+              <a:t>, which functions as queue for incoming data from that Peripheral (this allows us to handle multiple peripherals)</a:t>
+            </a:r>
+            <a:endParaRPr lang="en-US" dirty="0"/>
           </a:p>
         </p:txBody>
       </p:sp>
     </p:spTree>
     <p:extLst>
       <p:ext uri="{BB962C8B-B14F-4D97-AF65-F5344CB8AC3E}">
-        <p14:creationId xmlns:p14="http://schemas.microsoft.com/office/powerpoint/2010/main" val="1327889346"/>
+        <p14:creationId xmlns:p14="http://schemas.microsoft.com/office/powerpoint/2010/main" val="30358925"/>
       </p:ext>
     </p:extLst>
   </p:cSld>
@@ -6515,13 +6276,21 @@
           <a:p>
             <a:r>
               <a:rPr lang="en-US" dirty="0" smtClean="0"/>
-              <a:t>Engineer on Client Analytics Team</a:t>
-            </a:r>
-          </a:p>
-          <a:p>
-            <a:r>
-              <a:rPr lang="en-US" dirty="0" smtClean="0"/>
-              <a:t>Worked on NFC and networking on </a:t>
+              <a:t>Engineer on </a:t>
+            </a:r>
+            <a:r>
+              <a:rPr lang="en-US" dirty="0" smtClean="0"/>
+              <a:t>Timelines Client </a:t>
+            </a:r>
+            <a:r>
+              <a:rPr lang="en-US" dirty="0" smtClean="0"/>
+              <a:t>Team</a:t>
+            </a:r>
+          </a:p>
+          <a:p>
+            <a:r>
+              <a:rPr lang="en-US" dirty="0" smtClean="0"/>
+              <a:t>Worked on </a:t>
             </a:r>
             <a:r>
               <a:rPr lang="en-US" dirty="0" err="1" smtClean="0"/>
@@ -6529,7 +6298,23 @@
             </a:r>
             <a:r>
               <a:rPr lang="en-US" dirty="0" smtClean="0"/>
-              <a:t> in previous jobs</a:t>
+              <a:t> </a:t>
+            </a:r>
+            <a:r>
+              <a:rPr lang="en-US" dirty="0" smtClean="0"/>
+              <a:t>NFC </a:t>
+            </a:r>
+            <a:r>
+              <a:rPr lang="en-US" dirty="0" smtClean="0"/>
+              <a:t>and </a:t>
+            </a:r>
+            <a:r>
+              <a:rPr lang="en-US" dirty="0" smtClean="0"/>
+              <a:t>networking in </a:t>
+            </a:r>
+            <a:r>
+              <a:rPr lang="en-US" dirty="0" smtClean="0"/>
+              <a:t>previous jobs</a:t>
             </a:r>
           </a:p>
           <a:p>
@@ -6543,14 +6328,13 @@
             </a:r>
             <a:r>
               <a:rPr lang="en-US" dirty="0" smtClean="0"/>
-              <a:t> since Q4 2013.</a:t>
-            </a:r>
-          </a:p>
-          <a:p>
-            <a:r>
-              <a:rPr lang="en-US" dirty="0" smtClean="0"/>
-              <a:t>Current personal project: Peer to peer mesh network using BLE</a:t>
-            </a:r>
+              <a:t> since Q4 </a:t>
+            </a:r>
+            <a:r>
+              <a:rPr lang="en-US" dirty="0" smtClean="0"/>
+              <a:t>2013</a:t>
+            </a:r>
+            <a:endParaRPr lang="en-US" dirty="0" smtClean="0"/>
           </a:p>
         </p:txBody>
       </p:sp>
@@ -6596,63 +6380,126 @@
         </p:nvSpPr>
         <p:spPr/>
         <p:txBody>
+          <a:bodyPr/>
+          <a:lstStyle/>
+          <a:p>
+            <a:r>
+              <a:rPr lang="en-US" dirty="0" smtClean="0"/>
+              <a:t>Peripheral Management	</a:t>
+            </a:r>
+            <a:endParaRPr lang="en-US" dirty="0"/>
+          </a:p>
+        </p:txBody>
+      </p:sp>
+      <p:sp>
+        <p:nvSpPr>
+          <p:cNvPr id="3" name="Content Placeholder 2"/>
+          <p:cNvSpPr>
+            <a:spLocks noGrp="1"/>
+          </p:cNvSpPr>
+          <p:nvPr>
+            <p:ph idx="1"/>
+          </p:nvPr>
+        </p:nvSpPr>
+        <p:spPr>
+          <a:xfrm>
+            <a:off x="457200" y="1600200"/>
+            <a:ext cx="8554720" cy="4525963"/>
+          </a:xfrm>
+        </p:spPr>
+        <p:txBody>
           <a:bodyPr>
             <a:normAutofit/>
           </a:bodyPr>
           <a:lstStyle/>
           <a:p>
-            <a:r>
-              <a:rPr lang="fi-FI" sz="4000" dirty="0" err="1" smtClean="0"/>
-              <a:t>centralManagerDidUpdateState</a:t>
-            </a:r>
-            <a:endParaRPr lang="en-US" sz="4000" dirty="0"/>
-          </a:p>
-        </p:txBody>
-      </p:sp>
-      <p:sp>
-        <p:nvSpPr>
-          <p:cNvPr id="4" name="Content Placeholder 2"/>
-          <p:cNvSpPr>
-            <a:spLocks noGrp="1"/>
-          </p:cNvSpPr>
-          <p:nvPr>
-            <p:ph idx="1"/>
-          </p:nvPr>
-        </p:nvSpPr>
-        <p:spPr>
-          <a:xfrm>
-            <a:off x="457200" y="1600200"/>
-            <a:ext cx="8229600" cy="4525963"/>
-          </a:xfrm>
-        </p:spPr>
-        <p:txBody>
-          <a:bodyPr/>
-          <a:lstStyle/>
-          <a:p>
-            <a:r>
-              <a:rPr lang="en-US" dirty="0" smtClean="0"/>
-              <a:t>I’ve enumerated all the states for you</a:t>
-            </a:r>
-          </a:p>
-          <a:p>
-            <a:r>
-              <a:rPr lang="en-US" dirty="0" smtClean="0"/>
-              <a:t>We need to add a call to start scanning once BLE is powered on</a:t>
-            </a:r>
-          </a:p>
-          <a:p>
-            <a:r>
-              <a:rPr lang="en-US" dirty="0" smtClean="0"/>
-              <a:t>A common mistake is to start doing stuff before we are in powered on state- this causes problems because the hardware is not ready</a:t>
-            </a:r>
-            <a:endParaRPr lang="en-US" dirty="0"/>
+            <a:pPr marL="0" indent="0">
+              <a:buNone/>
+            </a:pPr>
+            <a:r>
+              <a:rPr lang="fi-FI" sz="2800" dirty="0" smtClean="0"/>
+              <a:t>- (</a:t>
+            </a:r>
+            <a:r>
+              <a:rPr lang="fi-FI" sz="2800" dirty="0" err="1"/>
+              <a:t>void)addPeripheral:(CBPeripheral</a:t>
+            </a:r>
+            <a:r>
+              <a:rPr lang="fi-FI" sz="2800" dirty="0"/>
+              <a:t> *)</a:t>
+            </a:r>
+            <a:r>
+              <a:rPr lang="fi-FI" sz="2800" dirty="0" err="1" smtClean="0"/>
+              <a:t>peripheral</a:t>
+            </a:r>
+            <a:endParaRPr lang="fi-FI" sz="2800" dirty="0" smtClean="0"/>
+          </a:p>
+          <a:p>
+            <a:pPr marL="0" indent="0">
+              <a:buNone/>
+            </a:pPr>
+            <a:r>
+              <a:rPr lang="fi-FI" sz="2800" dirty="0" smtClean="0"/>
+              <a:t>- (</a:t>
+            </a:r>
+            <a:r>
+              <a:rPr lang="fi-FI" sz="2800" dirty="0" err="1"/>
+              <a:t>void)removePeripheral:(CBPeripheral</a:t>
+            </a:r>
+            <a:r>
+              <a:rPr lang="fi-FI" sz="2800" dirty="0"/>
+              <a:t> *)</a:t>
+            </a:r>
+            <a:r>
+              <a:rPr lang="fi-FI" sz="2800" dirty="0" err="1" smtClean="0"/>
+              <a:t>peripheral</a:t>
+            </a:r>
+            <a:endParaRPr lang="fi-FI" sz="2800" dirty="0" smtClean="0"/>
+          </a:p>
+          <a:p>
+            <a:pPr marL="0" indent="0">
+              <a:buNone/>
+            </a:pPr>
+            <a:r>
+              <a:rPr lang="de-DE" sz="2800" dirty="0"/>
+              <a:t>- (</a:t>
+            </a:r>
+            <a:r>
+              <a:rPr lang="de-DE" sz="2800" dirty="0" err="1"/>
+              <a:t>NSMutableArray</a:t>
+            </a:r>
+            <a:r>
+              <a:rPr lang="de-DE" sz="2800" dirty="0"/>
+              <a:t> *)</a:t>
+            </a:r>
+            <a:r>
+              <a:rPr lang="de-DE" sz="2800" dirty="0" err="1"/>
+              <a:t>getPeripheralQueue</a:t>
+            </a:r>
+            <a:r>
+              <a:rPr lang="de-DE" sz="2800" dirty="0"/>
+              <a:t>:(</a:t>
+            </a:r>
+            <a:r>
+              <a:rPr lang="de-DE" sz="2800" dirty="0" err="1"/>
+              <a:t>CBPeripheral</a:t>
+            </a:r>
+            <a:r>
+              <a:rPr lang="de-DE" sz="2800" dirty="0"/>
+              <a:t> *)</a:t>
+            </a:r>
+            <a:r>
+              <a:rPr lang="de-DE" sz="2800" dirty="0" err="1"/>
+              <a:t>peripheral</a:t>
+            </a:r>
+            <a:endParaRPr lang="en-US" sz="2800" dirty="0"/>
           </a:p>
         </p:txBody>
       </p:sp>
     </p:spTree>
     <p:extLst>
       <p:ext uri="{BB962C8B-B14F-4D97-AF65-F5344CB8AC3E}">
-        <p14:creationId xmlns:p14="http://schemas.microsoft.com/office/powerpoint/2010/main" val="1086234843"/>
+        <p14:creationId xmlns:p14="http://schemas.microsoft.com/office/powerpoint/2010/main" val="2293683563"/>
       </p:ext>
     </p:extLst>
   </p:cSld>
@@ -6691,16 +6538,14 @@
         </p:nvSpPr>
         <p:spPr/>
         <p:txBody>
-          <a:bodyPr>
-            <a:normAutofit/>
-          </a:bodyPr>
-          <a:lstStyle/>
-          <a:p>
-            <a:r>
-              <a:rPr lang="en-US" sz="4000" dirty="0" err="1" smtClean="0"/>
-              <a:t>didDiscoverPeripheral</a:t>
-            </a:r>
-            <a:endParaRPr lang="en-US" sz="4000" dirty="0"/>
+          <a:bodyPr/>
+          <a:lstStyle/>
+          <a:p>
+            <a:r>
+              <a:rPr lang="en-US" dirty="0" smtClean="0"/>
+              <a:t>Start and Stop Scanning</a:t>
+            </a:r>
+            <a:endParaRPr lang="en-US" dirty="0"/>
           </a:p>
         </p:txBody>
       </p:sp>
@@ -6716,88 +6561,26 @@
         </p:nvSpPr>
         <p:spPr/>
         <p:txBody>
-          <a:bodyPr>
-            <a:normAutofit fontScale="85000" lnSpcReduction="10000"/>
-          </a:bodyPr>
-          <a:lstStyle/>
-          <a:p>
-            <a:r>
-              <a:rPr lang="en-US" dirty="0" smtClean="0"/>
-              <a:t>You receive</a:t>
-            </a:r>
-          </a:p>
-          <a:p>
-            <a:pPr lvl="1"/>
-            <a:r>
-              <a:rPr lang="en-US" dirty="0"/>
-              <a:t>I</a:t>
-            </a:r>
-            <a:r>
-              <a:rPr lang="en-US" dirty="0" smtClean="0"/>
-              <a:t>nformation about the peripheral itself</a:t>
-            </a:r>
-          </a:p>
-          <a:p>
-            <a:pPr lvl="1"/>
-            <a:r>
-              <a:rPr lang="en-US" dirty="0" smtClean="0"/>
-              <a:t>A dictionary of data the peripheral is advertising</a:t>
-            </a:r>
-          </a:p>
-          <a:p>
-            <a:pPr lvl="1"/>
-            <a:r>
-              <a:rPr lang="en-US" dirty="0" smtClean="0"/>
-              <a:t>RSSI (Signal strength), higher number (</a:t>
-            </a:r>
-            <a:r>
-              <a:rPr lang="en-US" dirty="0" err="1" smtClean="0"/>
-              <a:t>ie</a:t>
-            </a:r>
-            <a:r>
-              <a:rPr lang="en-US" dirty="0" smtClean="0"/>
-              <a:t> less negative) means stronger signal</a:t>
-            </a:r>
-          </a:p>
-          <a:p>
-            <a:r>
-              <a:rPr lang="en-US" dirty="0" smtClean="0"/>
-              <a:t>Don’t try to connect to a weak signal</a:t>
-            </a:r>
-          </a:p>
-          <a:p>
-            <a:r>
-              <a:rPr lang="en-US" dirty="0" smtClean="0"/>
-              <a:t>Add the Peripheral to your dictionary so it is retained. Otherwise you will get a </a:t>
-            </a:r>
-            <a:r>
-              <a:rPr lang="en-US" dirty="0" err="1" smtClean="0"/>
-              <a:t>dealloc</a:t>
-            </a:r>
-            <a:r>
-              <a:rPr lang="en-US" dirty="0" smtClean="0"/>
-              <a:t> error message</a:t>
-            </a:r>
-          </a:p>
-          <a:p>
-            <a:r>
-              <a:rPr lang="en-US" dirty="0" smtClean="0"/>
-              <a:t>Attempt a connection</a:t>
-            </a:r>
-          </a:p>
-          <a:p>
-            <a:r>
-              <a:rPr lang="en-US" dirty="0" smtClean="0"/>
-              <a:t>Fire delegate on main thread to notify UI of discovery</a:t>
-            </a:r>
-            <a:endParaRPr lang="en-US" dirty="0"/>
+          <a:bodyPr/>
+          <a:lstStyle/>
+          <a:p>
+            <a:r>
+              <a:rPr lang="en-US" dirty="0" smtClean="0"/>
+              <a:t>We have to scan for the Peripheral with a given Service CBUUID</a:t>
+            </a:r>
+          </a:p>
+          <a:p>
+            <a:r>
+              <a:rPr lang="en-US" dirty="0" smtClean="0"/>
+              <a:t>We also give it an option to ignore duplicates</a:t>
+            </a:r>
           </a:p>
         </p:txBody>
       </p:sp>
     </p:spTree>
     <p:extLst>
       <p:ext uri="{BB962C8B-B14F-4D97-AF65-F5344CB8AC3E}">
-        <p14:creationId xmlns:p14="http://schemas.microsoft.com/office/powerpoint/2010/main" val="3317935992"/>
+        <p14:creationId xmlns:p14="http://schemas.microsoft.com/office/powerpoint/2010/main" val="1327889346"/>
       </p:ext>
     </p:extLst>
   </p:cSld>
@@ -6842,16 +6625,16 @@
           <a:lstStyle/>
           <a:p>
             <a:r>
-              <a:rPr lang="en-US" dirty="0" smtClean="0"/>
-              <a:t>Connection Outcomes</a:t>
-            </a:r>
-            <a:endParaRPr lang="en-US" dirty="0"/>
-          </a:p>
-        </p:txBody>
-      </p:sp>
-      <p:sp>
-        <p:nvSpPr>
-          <p:cNvPr id="3" name="Content Placeholder 2"/>
+              <a:rPr lang="fi-FI" sz="4000" dirty="0" err="1" smtClean="0"/>
+              <a:t>centralManagerDidUpdateState</a:t>
+            </a:r>
+            <a:endParaRPr lang="en-US" sz="4000" dirty="0"/>
+          </a:p>
+        </p:txBody>
+      </p:sp>
+      <p:sp>
+        <p:nvSpPr>
+          <p:cNvPr id="4" name="Content Placeholder 2"/>
           <p:cNvSpPr>
             <a:spLocks noGrp="1"/>
           </p:cNvSpPr>
@@ -6859,124 +6642,31 @@
             <p:ph idx="1"/>
           </p:nvPr>
         </p:nvSpPr>
-        <p:spPr/>
-        <p:txBody>
-          <a:bodyPr/>
-          <a:lstStyle/>
-          <a:p>
-            <a:r>
-              <a:rPr lang="fr-FR" dirty="0" err="1" smtClean="0"/>
-              <a:t>didFailToConnectPeripheral</a:t>
-            </a:r>
-            <a:endParaRPr lang="fr-FR" dirty="0" smtClean="0"/>
-          </a:p>
-          <a:p>
-            <a:pPr lvl="1"/>
-            <a:r>
-              <a:rPr lang="en-US" dirty="0" smtClean="0"/>
-              <a:t>R</a:t>
-            </a:r>
-            <a:r>
-              <a:rPr lang="fr-FR" dirty="0" err="1" smtClean="0"/>
-              <a:t>emove</a:t>
-            </a:r>
-            <a:r>
-              <a:rPr lang="fr-FR" dirty="0" smtClean="0"/>
-              <a:t> </a:t>
-            </a:r>
-            <a:r>
-              <a:rPr lang="fr-FR" dirty="0" err="1" smtClean="0"/>
-              <a:t>Peripheral</a:t>
-            </a:r>
-            <a:endParaRPr lang="fr-FR" dirty="0" smtClean="0"/>
-          </a:p>
-          <a:p>
-            <a:r>
-              <a:rPr lang="it-IT" dirty="0" err="1" smtClean="0"/>
-              <a:t>didDisconnectPeripheral</a:t>
-            </a:r>
-            <a:endParaRPr lang="it-IT" dirty="0" smtClean="0"/>
-          </a:p>
-          <a:p>
-            <a:pPr lvl="1"/>
-            <a:r>
-              <a:rPr lang="it-IT" dirty="0" err="1" smtClean="0"/>
-              <a:t>Remove</a:t>
-            </a:r>
-            <a:r>
-              <a:rPr lang="it-IT" dirty="0" smtClean="0"/>
-              <a:t> </a:t>
-            </a:r>
-            <a:r>
-              <a:rPr lang="it-IT" dirty="0" err="1" smtClean="0"/>
-              <a:t>Peripheral</a:t>
-            </a:r>
-            <a:endParaRPr lang="it-IT" dirty="0" smtClean="0"/>
-          </a:p>
-          <a:p>
-            <a:r>
-              <a:rPr lang="fr-FR" dirty="0" err="1" smtClean="0"/>
-              <a:t>didConnectPeripheral</a:t>
-            </a:r>
-            <a:endParaRPr lang="fr-FR" dirty="0" smtClean="0"/>
-          </a:p>
-          <a:p>
-            <a:pPr lvl="1"/>
-            <a:r>
-              <a:rPr lang="fr-FR" dirty="0" smtClean="0"/>
-              <a:t>Set the </a:t>
-            </a:r>
-            <a:r>
-              <a:rPr lang="fr-FR" dirty="0" err="1" smtClean="0"/>
-              <a:t>CentralManager</a:t>
-            </a:r>
-            <a:r>
-              <a:rPr lang="fr-FR" dirty="0" err="1" smtClean="0"/>
-              <a:t>.m</a:t>
-            </a:r>
-            <a:r>
-              <a:rPr lang="fr-FR" dirty="0" smtClean="0"/>
-              <a:t> </a:t>
-            </a:r>
-            <a:r>
-              <a:rPr lang="fr-FR" dirty="0" smtClean="0"/>
-              <a:t>as the </a:t>
-            </a:r>
-            <a:r>
-              <a:rPr lang="fr-FR" dirty="0" err="1" smtClean="0"/>
-              <a:t>delegate</a:t>
-            </a:r>
-            <a:r>
-              <a:rPr lang="fr-FR" dirty="0" smtClean="0"/>
-              <a:t> of the </a:t>
-            </a:r>
-            <a:r>
-              <a:rPr lang="fr-FR" dirty="0" err="1" smtClean="0"/>
-              <a:t>Peripheral</a:t>
-            </a:r>
-            <a:endParaRPr lang="fr-FR" dirty="0" smtClean="0"/>
-          </a:p>
-          <a:p>
-            <a:pPr lvl="1"/>
-            <a:r>
-              <a:rPr lang="fr-FR" dirty="0" err="1" smtClean="0"/>
-              <a:t>Discover</a:t>
-            </a:r>
-            <a:r>
-              <a:rPr lang="fr-FR" dirty="0" smtClean="0"/>
-              <a:t> Services, </a:t>
-            </a:r>
-            <a:r>
-              <a:rPr lang="fr-FR" dirty="0" err="1" smtClean="0"/>
-              <a:t>using</a:t>
-            </a:r>
-            <a:r>
-              <a:rPr lang="fr-FR" dirty="0" smtClean="0"/>
-              <a:t> </a:t>
-            </a:r>
-            <a:r>
-              <a:rPr lang="fr-FR" dirty="0" err="1" smtClean="0"/>
-              <a:t>Service_CBUUID</a:t>
+        <p:spPr>
+          <a:xfrm>
+            <a:off x="457200" y="1600200"/>
+            <a:ext cx="8229600" cy="4525963"/>
+          </a:xfrm>
+        </p:spPr>
+        <p:txBody>
+          <a:bodyPr/>
+          <a:lstStyle/>
+          <a:p>
+            <a:r>
+              <a:rPr lang="en-US" dirty="0" smtClean="0"/>
+              <a:t>I’ve enumerated all the states for you</a:t>
+            </a:r>
+          </a:p>
+          <a:p>
+            <a:r>
+              <a:rPr lang="en-US" dirty="0" smtClean="0"/>
+              <a:t>We need to add a call to start scanning once BLE is powered on</a:t>
+            </a:r>
+          </a:p>
+          <a:p>
+            <a:r>
+              <a:rPr lang="en-US" dirty="0" smtClean="0"/>
+              <a:t>A common mistake is to start doing stuff before we are in powered on state- this causes problems because the hardware is not ready</a:t>
             </a:r>
             <a:endParaRPr lang="en-US" dirty="0"/>
           </a:p>
@@ -6985,7 +6675,7 @@
     </p:spTree>
     <p:extLst>
       <p:ext uri="{BB962C8B-B14F-4D97-AF65-F5344CB8AC3E}">
-        <p14:creationId xmlns:p14="http://schemas.microsoft.com/office/powerpoint/2010/main" val="3269061702"/>
+        <p14:creationId xmlns:p14="http://schemas.microsoft.com/office/powerpoint/2010/main" val="1086234843"/>
       </p:ext>
     </p:extLst>
   </p:cSld>
@@ -7024,14 +6714,16 @@
         </p:nvSpPr>
         <p:spPr/>
         <p:txBody>
-          <a:bodyPr/>
-          <a:lstStyle/>
-          <a:p>
-            <a:r>
-              <a:rPr lang="en-US" dirty="0" err="1"/>
-              <a:t>didDiscoverServices</a:t>
-            </a:r>
-            <a:endParaRPr lang="en-US" dirty="0"/>
+          <a:bodyPr>
+            <a:normAutofit/>
+          </a:bodyPr>
+          <a:lstStyle/>
+          <a:p>
+            <a:r>
+              <a:rPr lang="en-US" sz="4000" dirty="0" err="1" smtClean="0"/>
+              <a:t>didDiscoverPeripheral</a:t>
+            </a:r>
+            <a:endParaRPr lang="en-US" sz="4000" dirty="0"/>
           </a:p>
         </p:txBody>
       </p:sp>
@@ -7048,40 +6740,78 @@
         <p:spPr/>
         <p:txBody>
           <a:bodyPr>
-            <a:normAutofit lnSpcReduction="10000"/>
+            <a:normAutofit fontScale="85000" lnSpcReduction="10000"/>
           </a:bodyPr>
           <a:lstStyle/>
           <a:p>
             <a:r>
               <a:rPr lang="en-US" dirty="0" smtClean="0"/>
-              <a:t>Discovered Peripheral that has a given Service, but we need to loop through all its Services to access this </a:t>
-            </a:r>
-            <a:r>
-              <a:rPr lang="en-US" dirty="0" smtClean="0"/>
-              <a:t>Service</a:t>
-            </a:r>
-          </a:p>
-          <a:p>
-            <a:r>
-              <a:rPr lang="en-US" dirty="0" smtClean="0"/>
-              <a:t>The only Service we can talk to (even if we had it previously) is the Service returned by the delegate</a:t>
-            </a:r>
-            <a:endParaRPr lang="en-US" dirty="0" smtClean="0"/>
-          </a:p>
-          <a:p>
-            <a:r>
-              <a:rPr lang="en-US" dirty="0" smtClean="0"/>
-              <a:t>But first, check error case</a:t>
-            </a:r>
-          </a:p>
-          <a:p>
-            <a:r>
-              <a:rPr lang="en-US" dirty="0" smtClean="0"/>
-              <a:t>Once correct Service has been identified, </a:t>
+              <a:t>You receive</a:t>
+            </a:r>
+          </a:p>
+          <a:p>
+            <a:pPr lvl="1"/>
+            <a:r>
+              <a:rPr lang="en-US" dirty="0"/>
+              <a:t>I</a:t>
+            </a:r>
+            <a:r>
+              <a:rPr lang="en-US" dirty="0" smtClean="0"/>
+              <a:t>nformation about the peripheral itself</a:t>
+            </a:r>
+          </a:p>
+          <a:p>
+            <a:pPr lvl="1"/>
+            <a:r>
+              <a:rPr lang="en-US" dirty="0" smtClean="0"/>
+              <a:t>A dictionary of data the peripheral is advertising</a:t>
+            </a:r>
+          </a:p>
+          <a:p>
+            <a:pPr lvl="1"/>
+            <a:r>
+              <a:rPr lang="en-US" dirty="0" smtClean="0"/>
+              <a:t>RSSI (Signal strength), higher number (</a:t>
             </a:r>
             <a:r>
               <a:rPr lang="en-US" dirty="0" err="1" smtClean="0"/>
-              <a:t>discoverCharacteristics</a:t>
+              <a:t>ie</a:t>
+            </a:r>
+            <a:r>
+              <a:rPr lang="en-US" dirty="0" smtClean="0"/>
+              <a:t> less negative) means stronger signal</a:t>
+            </a:r>
+          </a:p>
+          <a:p>
+            <a:r>
+              <a:rPr lang="en-US" dirty="0" smtClean="0"/>
+              <a:t>Don’t try to connect to a weak signal</a:t>
+            </a:r>
+          </a:p>
+          <a:p>
+            <a:r>
+              <a:rPr lang="en-US" dirty="0" smtClean="0"/>
+              <a:t>Add the Peripheral to your dictionary so it is retained. Otherwise you will get a </a:t>
+            </a:r>
+            <a:r>
+              <a:rPr lang="en-US" dirty="0" err="1" smtClean="0"/>
+              <a:t>dealloc</a:t>
+            </a:r>
+            <a:r>
+              <a:rPr lang="en-US" dirty="0" smtClean="0"/>
+              <a:t> error message</a:t>
+            </a:r>
+          </a:p>
+          <a:p>
+            <a:r>
+              <a:rPr lang="en-US" dirty="0" smtClean="0"/>
+              <a:t>Attempt a connection</a:t>
+            </a:r>
+          </a:p>
+          <a:p>
+            <a:r>
+              <a:rPr lang="en-US" dirty="0" smtClean="0"/>
+              <a:t>Fire delegate on main thread to notify UI of discovery</a:t>
             </a:r>
             <a:endParaRPr lang="en-US" dirty="0"/>
           </a:p>
@@ -7090,7 +6820,7 @@
     </p:spTree>
     <p:extLst>
       <p:ext uri="{BB962C8B-B14F-4D97-AF65-F5344CB8AC3E}">
-        <p14:creationId xmlns:p14="http://schemas.microsoft.com/office/powerpoint/2010/main" val="3389913013"/>
+        <p14:creationId xmlns:p14="http://schemas.microsoft.com/office/powerpoint/2010/main" val="3317935992"/>
       </p:ext>
     </p:extLst>
   </p:cSld>
@@ -7130,13 +6860,13 @@
         <p:spPr/>
         <p:txBody>
           <a:bodyPr>
-            <a:normAutofit fontScale="90000"/>
+            <a:normAutofit/>
           </a:bodyPr>
           <a:lstStyle/>
           <a:p>
             <a:r>
-              <a:rPr lang="en-US" dirty="0" err="1"/>
-              <a:t>didDiscoverCharacteristicsForService</a:t>
+              <a:rPr lang="en-US" dirty="0" smtClean="0"/>
+              <a:t>Connection Outcomes</a:t>
             </a:r>
             <a:endParaRPr lang="en-US" dirty="0"/>
           </a:p>
@@ -7158,44 +6888,119 @@
           <a:lstStyle/>
           <a:p>
             <a:r>
-              <a:rPr lang="en-US" dirty="0" smtClean="0"/>
-              <a:t>Similar to </a:t>
-            </a:r>
-            <a:r>
-              <a:rPr lang="en-US" dirty="0" err="1" smtClean="0"/>
-              <a:t>DiscoverServices</a:t>
-            </a:r>
-            <a:r>
-              <a:rPr lang="en-US" dirty="0" smtClean="0"/>
-              <a:t>, we need to </a:t>
-            </a:r>
-            <a:r>
-              <a:rPr lang="en-US" dirty="0" smtClean="0"/>
-              <a:t>loop through </a:t>
-            </a:r>
-            <a:r>
-              <a:rPr lang="en-US" dirty="0" smtClean="0"/>
-              <a:t>all Characteristics of Service</a:t>
-            </a:r>
-          </a:p>
-          <a:p>
-            <a:r>
-              <a:rPr lang="en-US" dirty="0" smtClean="0"/>
-              <a:t>And we need to check the error case</a:t>
-            </a:r>
-          </a:p>
-          <a:p>
-            <a:r>
-              <a:rPr lang="en-US" dirty="0" smtClean="0"/>
-              <a:t>Once we have identified the Characteristic we want, tell the Peripheral to notify us when the value of the Characteristic is updated</a:t>
-            </a:r>
+              <a:rPr lang="fr-FR" dirty="0" err="1" smtClean="0"/>
+              <a:t>didFailToConnectPeripheral</a:t>
+            </a:r>
+            <a:endParaRPr lang="fr-FR" dirty="0" smtClean="0"/>
+          </a:p>
+          <a:p>
+            <a:pPr lvl="1"/>
+            <a:r>
+              <a:rPr lang="en-US" dirty="0" smtClean="0"/>
+              <a:t>R</a:t>
+            </a:r>
+            <a:r>
+              <a:rPr lang="fr-FR" dirty="0" err="1" smtClean="0"/>
+              <a:t>emove</a:t>
+            </a:r>
+            <a:r>
+              <a:rPr lang="fr-FR" dirty="0" smtClean="0"/>
+              <a:t> </a:t>
+            </a:r>
+            <a:r>
+              <a:rPr lang="fr-FR" dirty="0" err="1" smtClean="0"/>
+              <a:t>Peripheral</a:t>
+            </a:r>
+            <a:endParaRPr lang="fr-FR" dirty="0" smtClean="0"/>
+          </a:p>
+          <a:p>
+            <a:r>
+              <a:rPr lang="it-IT" dirty="0" err="1" smtClean="0"/>
+              <a:t>didDisconnectPeripheral</a:t>
+            </a:r>
+            <a:endParaRPr lang="it-IT" dirty="0" smtClean="0"/>
+          </a:p>
+          <a:p>
+            <a:pPr lvl="1"/>
+            <a:r>
+              <a:rPr lang="it-IT" dirty="0" err="1" smtClean="0"/>
+              <a:t>Remove</a:t>
+            </a:r>
+            <a:r>
+              <a:rPr lang="it-IT" dirty="0" smtClean="0"/>
+              <a:t> </a:t>
+            </a:r>
+            <a:r>
+              <a:rPr lang="it-IT" dirty="0" err="1" smtClean="0"/>
+              <a:t>Peripheral</a:t>
+            </a:r>
+            <a:endParaRPr lang="it-IT" dirty="0" smtClean="0"/>
+          </a:p>
+          <a:p>
+            <a:r>
+              <a:rPr lang="fr-FR" dirty="0" err="1" smtClean="0"/>
+              <a:t>didConnectPeripheral</a:t>
+            </a:r>
+            <a:endParaRPr lang="fr-FR" dirty="0" smtClean="0"/>
+          </a:p>
+          <a:p>
+            <a:pPr lvl="1"/>
+            <a:r>
+              <a:rPr lang="fr-FR" dirty="0" smtClean="0"/>
+              <a:t>Set the </a:t>
+            </a:r>
+            <a:r>
+              <a:rPr lang="fr-FR" dirty="0" err="1" smtClean="0"/>
+              <a:t>CentralManager.m</a:t>
+            </a:r>
+            <a:r>
+              <a:rPr lang="fr-FR" dirty="0" smtClean="0"/>
+              <a:t> as the </a:t>
+            </a:r>
+            <a:r>
+              <a:rPr lang="fr-FR" dirty="0" err="1" smtClean="0"/>
+              <a:t>delegate</a:t>
+            </a:r>
+            <a:r>
+              <a:rPr lang="fr-FR" dirty="0" smtClean="0"/>
+              <a:t> of the </a:t>
+            </a:r>
+            <a:r>
+              <a:rPr lang="fr-FR" dirty="0" err="1" smtClean="0"/>
+              <a:t>Peripheral</a:t>
+            </a:r>
+            <a:endParaRPr lang="fr-FR" dirty="0" smtClean="0"/>
+          </a:p>
+          <a:p>
+            <a:pPr lvl="1"/>
+            <a:r>
+              <a:rPr lang="fr-FR" dirty="0" err="1" smtClean="0"/>
+              <a:t>Discover</a:t>
+            </a:r>
+            <a:r>
+              <a:rPr lang="fr-FR" dirty="0" smtClean="0"/>
+              <a:t> Services, </a:t>
+            </a:r>
+            <a:r>
+              <a:rPr lang="fr-FR" dirty="0" err="1" smtClean="0"/>
+              <a:t>using</a:t>
+            </a:r>
+            <a:r>
+              <a:rPr lang="fr-FR" dirty="0" smtClean="0"/>
+              <a:t> </a:t>
+            </a:r>
+            <a:r>
+              <a:rPr lang="fr-FR" dirty="0" err="1" smtClean="0"/>
+              <a:t>Service_CBUUID</a:t>
+            </a:r>
+            <a:endParaRPr lang="en-US" dirty="0"/>
           </a:p>
         </p:txBody>
       </p:sp>
     </p:spTree>
     <p:extLst>
       <p:ext uri="{BB962C8B-B14F-4D97-AF65-F5344CB8AC3E}">
-        <p14:creationId xmlns:p14="http://schemas.microsoft.com/office/powerpoint/2010/main" val="1222390062"/>
+        <p14:creationId xmlns:p14="http://schemas.microsoft.com/office/powerpoint/2010/main" val="3269061702"/>
       </p:ext>
     </p:extLst>
   </p:cSld>
@@ -7234,43 +7039,59 @@
         </p:nvSpPr>
         <p:spPr/>
         <p:txBody>
+          <a:bodyPr/>
+          <a:lstStyle/>
+          <a:p>
+            <a:r>
+              <a:rPr lang="en-US" dirty="0" err="1"/>
+              <a:t>didDiscoverServices</a:t>
+            </a:r>
+            <a:endParaRPr lang="en-US" dirty="0"/>
+          </a:p>
+        </p:txBody>
+      </p:sp>
+      <p:sp>
+        <p:nvSpPr>
+          <p:cNvPr id="3" name="Content Placeholder 2"/>
+          <p:cNvSpPr>
+            <a:spLocks noGrp="1"/>
+          </p:cNvSpPr>
+          <p:nvPr>
+            <p:ph idx="1"/>
+          </p:nvPr>
+        </p:nvSpPr>
+        <p:spPr/>
+        <p:txBody>
           <a:bodyPr>
-            <a:normAutofit fontScale="90000"/>
+            <a:normAutofit lnSpcReduction="10000"/>
           </a:bodyPr>
           <a:lstStyle/>
           <a:p>
             <a:r>
-              <a:rPr lang="en-US" dirty="0" err="1"/>
-              <a:t>didUpdateNotificationStateForCharacteristic</a:t>
-            </a:r>
-            <a:endParaRPr lang="en-US" dirty="0"/>
-          </a:p>
-        </p:txBody>
-      </p:sp>
-      <p:sp>
-        <p:nvSpPr>
-          <p:cNvPr id="3" name="Content Placeholder 2"/>
-          <p:cNvSpPr>
-            <a:spLocks noGrp="1"/>
-          </p:cNvSpPr>
-          <p:nvPr>
-            <p:ph idx="1"/>
-          </p:nvPr>
-        </p:nvSpPr>
-        <p:spPr/>
-        <p:txBody>
-          <a:bodyPr/>
-          <a:lstStyle/>
-          <a:p>
-            <a:r>
-              <a:rPr lang="en-US" dirty="0" smtClean="0"/>
-              <a:t>If the characteristic is notifying, great</a:t>
-            </a:r>
-          </a:p>
-          <a:p>
-            <a:r>
-              <a:rPr lang="en-US" dirty="0" smtClean="0"/>
-              <a:t>If it isn’t, then we should disconnect</a:t>
+              <a:rPr lang="en-US" dirty="0" smtClean="0"/>
+              <a:t>Discovered Peripheral that has a given Service, but we need to loop through all its Services to access this Service</a:t>
+            </a:r>
+          </a:p>
+          <a:p>
+            <a:r>
+              <a:rPr lang="en-US" dirty="0" smtClean="0"/>
+              <a:t>The only Service we can talk to (even if we had it previously) is the Service returned by the delegate</a:t>
+            </a:r>
+          </a:p>
+          <a:p>
+            <a:r>
+              <a:rPr lang="en-US" dirty="0" smtClean="0"/>
+              <a:t>But first, check error case</a:t>
+            </a:r>
+          </a:p>
+          <a:p>
+            <a:r>
+              <a:rPr lang="en-US" dirty="0" smtClean="0"/>
+              <a:t>Once correct Service has been identified, </a:t>
+            </a:r>
+            <a:r>
+              <a:rPr lang="en-US" dirty="0" err="1" smtClean="0"/>
+              <a:t>discoverCharacteristics</a:t>
             </a:r>
             <a:endParaRPr lang="en-US" dirty="0"/>
           </a:p>
@@ -7279,7 +7100,7 @@
     </p:spTree>
     <p:extLst>
       <p:ext uri="{BB962C8B-B14F-4D97-AF65-F5344CB8AC3E}">
-        <p14:creationId xmlns:p14="http://schemas.microsoft.com/office/powerpoint/2010/main" val="1409497380"/>
+        <p14:creationId xmlns:p14="http://schemas.microsoft.com/office/powerpoint/2010/main" val="3389913013"/>
       </p:ext>
     </p:extLst>
   </p:cSld>
@@ -7318,12 +7139,14 @@
         </p:nvSpPr>
         <p:spPr/>
         <p:txBody>
-          <a:bodyPr/>
-          <a:lstStyle/>
-          <a:p>
-            <a:r>
-              <a:rPr lang="fi-FI" dirty="0" err="1"/>
-              <a:t>didUpdateValueForCharacteristic</a:t>
+          <a:bodyPr>
+            <a:normAutofit fontScale="90000"/>
+          </a:bodyPr>
+          <a:lstStyle/>
+          <a:p>
+            <a:r>
+              <a:rPr lang="en-US" dirty="0" err="1"/>
+              <a:t>didDiscoverCharacteristicsForService</a:t>
             </a:r>
             <a:endParaRPr lang="en-US" dirty="0"/>
           </a:p>
@@ -7346,47 +7169,35 @@
           <a:p>
             <a:r>
               <a:rPr lang="en-US" dirty="0" smtClean="0"/>
-              <a:t>Check for errors</a:t>
-            </a:r>
-          </a:p>
-          <a:p>
-            <a:r>
-              <a:rPr lang="en-US" dirty="0" smtClean="0"/>
-              <a:t>Make sure the characteristic is the one we are subscribed to</a:t>
-            </a:r>
-          </a:p>
-          <a:p>
-            <a:r>
-              <a:rPr lang="en-US" dirty="0" smtClean="0"/>
-              <a:t>Convert the </a:t>
+              <a:t>Similar to </a:t>
             </a:r>
             <a:r>
               <a:rPr lang="en-US" dirty="0" err="1" smtClean="0"/>
-              <a:t>NSData</a:t>
-            </a:r>
-            <a:r>
-              <a:rPr lang="en-US" dirty="0" smtClean="0"/>
-              <a:t> to </a:t>
-            </a:r>
-            <a:r>
-              <a:rPr lang="en-US" dirty="0" err="1" smtClean="0"/>
-              <a:t>NSString</a:t>
-            </a:r>
-            <a:endParaRPr lang="en-US" dirty="0" smtClean="0"/>
-          </a:p>
-          <a:p>
-            <a:r>
-              <a:rPr lang="en-US" dirty="0" smtClean="0"/>
-              <a:t>Fire a delegate to the UI (on the main thread)</a:t>
-            </a:r>
-            <a:endParaRPr lang="en-US" dirty="0"/>
+              <a:t>DiscoverServices</a:t>
+            </a:r>
+            <a:r>
+              <a:rPr lang="en-US" dirty="0" smtClean="0"/>
+              <a:t>, we need to loop through all Characteristics of Service</a:t>
+            </a:r>
+          </a:p>
+          <a:p>
+            <a:r>
+              <a:rPr lang="en-US" dirty="0" smtClean="0"/>
+              <a:t>And we need to check the error case</a:t>
+            </a:r>
+          </a:p>
+          <a:p>
+            <a:r>
+              <a:rPr lang="en-US" dirty="0" smtClean="0"/>
+              <a:t>Once we have identified the Characteristic we want, tell the Peripheral to notify us when the value of the Characteristic is updated</a:t>
+            </a:r>
           </a:p>
         </p:txBody>
       </p:sp>
     </p:spTree>
     <p:extLst>
       <p:ext uri="{BB962C8B-B14F-4D97-AF65-F5344CB8AC3E}">
-        <p14:creationId xmlns:p14="http://schemas.microsoft.com/office/powerpoint/2010/main" val="1531552038"/>
+        <p14:creationId xmlns:p14="http://schemas.microsoft.com/office/powerpoint/2010/main" val="1222390062"/>
       </p:ext>
     </p:extLst>
   </p:cSld>
@@ -7425,12 +7236,14 @@
         </p:nvSpPr>
         <p:spPr/>
         <p:txBody>
-          <a:bodyPr/>
-          <a:lstStyle/>
-          <a:p>
-            <a:r>
-              <a:rPr lang="en-US" dirty="0" smtClean="0"/>
-              <a:t>Messages that are &gt; MTU</a:t>
+          <a:bodyPr>
+            <a:normAutofit fontScale="90000"/>
+          </a:bodyPr>
+          <a:lstStyle/>
+          <a:p>
+            <a:r>
+              <a:rPr lang="en-US" dirty="0" err="1"/>
+              <a:t>didUpdateNotificationStateForCharacteristic</a:t>
             </a:r>
             <a:endParaRPr lang="en-US" dirty="0"/>
           </a:p>
@@ -7453,36 +7266,14 @@
           <a:p>
             <a:r>
               <a:rPr lang="en-US" dirty="0" smtClean="0"/>
-              <a:t>Peripheral: Chunk a message into pieces of MTU size + EOM packet</a:t>
-            </a:r>
-          </a:p>
-          <a:p>
-            <a:r>
-              <a:rPr lang="en-US" dirty="0" smtClean="0"/>
-              <a:t>Central: Receive chunked message from a given peripheral, and reassemble it</a:t>
-            </a:r>
-          </a:p>
-          <a:p>
-            <a:r>
-              <a:rPr lang="en-US" dirty="0" smtClean="0"/>
-              <a:t>Fortunately, I’ve already given you a message Queue for each connected Peripheral</a:t>
-            </a:r>
-          </a:p>
-          <a:p>
-            <a:r>
-              <a:rPr lang="en-US" dirty="0" smtClean="0"/>
-              <a:t>Look at the branch </a:t>
-            </a:r>
-            <a:r>
-              <a:rPr lang="en-US" i="1" dirty="0" err="1" smtClean="0"/>
-              <a:t>chunkmsg</a:t>
-            </a:r>
-            <a:r>
-              <a:rPr lang="en-US" dirty="0" smtClean="0"/>
-              <a:t> for more details</a:t>
-            </a:r>
-          </a:p>
-          <a:p>
+              <a:t>If the characteristic is notifying, great</a:t>
+            </a:r>
+          </a:p>
+          <a:p>
+            <a:r>
+              <a:rPr lang="en-US" dirty="0" smtClean="0"/>
+              <a:t>If it isn’t, then we should disconnect</a:t>
+            </a:r>
             <a:endParaRPr lang="en-US" dirty="0"/>
           </a:p>
         </p:txBody>
@@ -7490,7 +7281,7 @@
     </p:spTree>
     <p:extLst>
       <p:ext uri="{BB962C8B-B14F-4D97-AF65-F5344CB8AC3E}">
-        <p14:creationId xmlns:p14="http://schemas.microsoft.com/office/powerpoint/2010/main" val="1986206250"/>
+        <p14:creationId xmlns:p14="http://schemas.microsoft.com/office/powerpoint/2010/main" val="1409497380"/>
       </p:ext>
     </p:extLst>
   </p:cSld>
@@ -7529,185 +7320,67 @@
         </p:nvSpPr>
         <p:spPr/>
         <p:txBody>
-          <a:bodyPr>
-            <a:normAutofit fontScale="90000"/>
-          </a:bodyPr>
-          <a:lstStyle/>
-          <a:p>
+          <a:bodyPr/>
+          <a:lstStyle/>
+          <a:p>
+            <a:r>
+              <a:rPr lang="fi-FI" dirty="0" err="1"/>
+              <a:t>didUpdateValueForCharacteristic</a:t>
+            </a:r>
+            <a:endParaRPr lang="en-US" dirty="0"/>
+          </a:p>
+        </p:txBody>
+      </p:sp>
+      <p:sp>
+        <p:nvSpPr>
+          <p:cNvPr id="3" name="Content Placeholder 2"/>
+          <p:cNvSpPr>
+            <a:spLocks noGrp="1"/>
+          </p:cNvSpPr>
+          <p:nvPr>
+            <p:ph idx="1"/>
+          </p:nvPr>
+        </p:nvSpPr>
+        <p:spPr/>
+        <p:txBody>
+          <a:bodyPr/>
+          <a:lstStyle/>
+          <a:p>
+            <a:r>
+              <a:rPr lang="en-US" dirty="0" smtClean="0"/>
+              <a:t>Check for errors</a:t>
+            </a:r>
+          </a:p>
+          <a:p>
+            <a:r>
+              <a:rPr lang="en-US" dirty="0" smtClean="0"/>
+              <a:t>Make sure the characteristic is the one we are subscribed to</a:t>
+            </a:r>
+          </a:p>
+          <a:p>
+            <a:r>
+              <a:rPr lang="en-US" dirty="0" smtClean="0"/>
+              <a:t>Convert the </a:t>
+            </a:r>
             <a:r>
               <a:rPr lang="en-US" dirty="0" err="1" smtClean="0"/>
-              <a:t>CBPeripheral</a:t>
-            </a:r>
-            <a:r>
-              <a:rPr lang="en-US" dirty="0" smtClean="0"/>
-              <a:t> is being </a:t>
+              <a:t>NSData</a:t>
+            </a:r>
+            <a:r>
+              <a:rPr lang="en-US" dirty="0" smtClean="0"/>
+              <a:t> to </a:t>
             </a:r>
             <a:r>
               <a:rPr lang="en-US" dirty="0" err="1" smtClean="0"/>
-              <a:t>decalloc’ed</a:t>
-            </a:r>
-            <a:r>
-              <a:rPr lang="en-US" dirty="0" smtClean="0"/>
-              <a:t> while connecting</a:t>
-            </a:r>
-            <a:endParaRPr lang="en-US" dirty="0"/>
-          </a:p>
-        </p:txBody>
-      </p:sp>
-      <p:sp>
-        <p:nvSpPr>
-          <p:cNvPr id="3" name="Content Placeholder 2"/>
-          <p:cNvSpPr>
-            <a:spLocks noGrp="1"/>
-          </p:cNvSpPr>
-          <p:nvPr>
-            <p:ph idx="1"/>
-          </p:nvPr>
-        </p:nvSpPr>
-        <p:spPr/>
-        <p:txBody>
-          <a:bodyPr>
-            <a:normAutofit fontScale="62500" lnSpcReduction="20000"/>
-          </a:bodyPr>
-          <a:lstStyle/>
-          <a:p>
-            <a:pPr marL="0" indent="0">
-              <a:buNone/>
-            </a:pPr>
-            <a:r>
-              <a:rPr lang="en-US" dirty="0"/>
-              <a:t>2014-03-08 09:44:27.096 BLE Echo Client[10022:60b] </a:t>
-            </a:r>
-            <a:r>
-              <a:rPr lang="en-US" dirty="0" err="1"/>
-              <a:t>CoreBluetooth</a:t>
-            </a:r>
-            <a:r>
-              <a:rPr lang="en-US" dirty="0"/>
-              <a:t>[WARNING] &lt;</a:t>
-            </a:r>
-            <a:r>
-              <a:rPr lang="en-US" dirty="0" err="1"/>
-              <a:t>CBCentralManager</a:t>
-            </a:r>
-            <a:r>
-              <a:rPr lang="en-US" dirty="0"/>
-              <a:t>: 0x16e4fc10&gt; is not powered on</a:t>
-            </a:r>
-          </a:p>
-          <a:p>
-            <a:pPr marL="0" indent="0">
-              <a:buNone/>
-            </a:pPr>
-            <a:r>
-              <a:rPr lang="en-US" dirty="0"/>
-              <a:t>2014-03-08 09:44:27.100 BLE Echo Client[10022:60b] CM Scanning started</a:t>
-            </a:r>
-          </a:p>
-          <a:p>
-            <a:pPr marL="0" indent="0">
-              <a:buNone/>
-            </a:pPr>
-            <a:r>
-              <a:rPr lang="en-US" dirty="0"/>
-              <a:t>2014-03-08 09:44:27.109 BLE Echo Client[10022:3707] </a:t>
-            </a:r>
-            <a:r>
-              <a:rPr lang="en-US" dirty="0" err="1"/>
-              <a:t>CoreBluetooth</a:t>
-            </a:r>
-            <a:r>
-              <a:rPr lang="en-US" dirty="0"/>
-              <a:t> BLE hardware is powered on and ready</a:t>
-            </a:r>
-          </a:p>
-          <a:p>
-            <a:pPr marL="0" indent="0">
-              <a:buNone/>
-            </a:pPr>
-            <a:r>
-              <a:rPr lang="en-US" dirty="0"/>
-              <a:t>2014-03-08 09:44:27.143 BLE Echo Client[10022:3707] CM Discovered name:(null) id:50A16740-FD50-4E8D-2195-4C0CB06F2C6D </a:t>
-            </a:r>
-            <a:r>
-              <a:rPr lang="en-US" dirty="0" err="1"/>
-              <a:t>rssi</a:t>
-            </a:r>
-            <a:r>
-              <a:rPr lang="en-US" dirty="0"/>
-              <a:t>:-37</a:t>
-            </a:r>
-          </a:p>
-          <a:p>
-            <a:pPr marL="0" indent="0">
-              <a:buNone/>
-            </a:pPr>
-            <a:r>
-              <a:rPr lang="en-US" dirty="0"/>
-              <a:t>2014-03-08 09:44:27.146 BLE Echo Client[10022:60b] VC </a:t>
-            </a:r>
-            <a:r>
-              <a:rPr lang="en-US" dirty="0" err="1"/>
-              <a:t>didDiscoverPeripheral</a:t>
-            </a:r>
-            <a:r>
-              <a:rPr lang="en-US" dirty="0"/>
-              <a:t>:&lt;__</a:t>
-            </a:r>
-            <a:r>
-              <a:rPr lang="en-US" dirty="0" err="1"/>
-              <a:t>NSConcreteUUID</a:t>
-            </a:r>
-            <a:r>
-              <a:rPr lang="en-US" dirty="0"/>
-              <a:t> 0x16d313c0&gt; 50A16740-FD50-4E8D-2195-4C0CB06F2C6D </a:t>
-            </a:r>
-            <a:r>
-              <a:rPr lang="en-US" dirty="0" err="1"/>
-              <a:t>rssi</a:t>
-            </a:r>
-            <a:r>
-              <a:rPr lang="en-US" dirty="0"/>
-              <a:t>:-37</a:t>
-            </a:r>
-          </a:p>
-          <a:p>
-            <a:pPr marL="0" indent="0">
-              <a:buNone/>
-            </a:pPr>
-            <a:r>
-              <a:rPr lang="en-US" dirty="0"/>
-              <a:t>2014-03-08 09:44:27.148 BLE Echo Client[10022:3707] </a:t>
-            </a:r>
-            <a:r>
-              <a:rPr lang="en-US" b="1" dirty="0" err="1"/>
-              <a:t>CoreBluetooth</a:t>
-            </a:r>
-            <a:r>
-              <a:rPr lang="en-US" b="1" dirty="0"/>
-              <a:t>[WARNING] &lt;</a:t>
-            </a:r>
-            <a:r>
-              <a:rPr lang="en-US" b="1" dirty="0" err="1"/>
-              <a:t>CBPeripheral</a:t>
-            </a:r>
-            <a:r>
-              <a:rPr lang="en-US" b="1" dirty="0"/>
-              <a:t>: 0x16e2c8c0 identifier = 50A16740-FD50-4E8D-2195-4C0CB06F2C6D, Name = "(null)", state = connecting&gt; is being </a:t>
-            </a:r>
-            <a:r>
-              <a:rPr lang="en-US" b="1" dirty="0" err="1"/>
-              <a:t>dealloc'ed</a:t>
-            </a:r>
-            <a:r>
-              <a:rPr lang="en-US" b="1" dirty="0"/>
-              <a:t> while connecting</a:t>
-            </a:r>
-          </a:p>
-          <a:p>
-            <a:pPr marL="0" indent="0">
-              <a:buNone/>
-            </a:pPr>
+              <a:t>NSString</a:t>
+            </a:r>
+            <a:endParaRPr lang="en-US" dirty="0" smtClean="0"/>
+          </a:p>
+          <a:p>
+            <a:r>
+              <a:rPr lang="en-US" dirty="0" smtClean="0"/>
+              <a:t>Fire a delegate to the UI (on the main thread)</a:t>
+            </a:r>
             <a:endParaRPr lang="en-US" dirty="0"/>
           </a:p>
         </p:txBody>
@@ -7715,7 +7388,7 @@
     </p:spTree>
     <p:extLst>
       <p:ext uri="{BB962C8B-B14F-4D97-AF65-F5344CB8AC3E}">
-        <p14:creationId xmlns:p14="http://schemas.microsoft.com/office/powerpoint/2010/main" val="2869909520"/>
+        <p14:creationId xmlns:p14="http://schemas.microsoft.com/office/powerpoint/2010/main" val="1531552038"/>
       </p:ext>
     </p:extLst>
   </p:cSld>
@@ -7759,7 +7432,7 @@
           <a:p>
             <a:r>
               <a:rPr lang="en-US" dirty="0" smtClean="0"/>
-              <a:t>We’re done</a:t>
+              <a:t>Messages that are &gt; MTU</a:t>
             </a:r>
             <a:endParaRPr lang="en-US" dirty="0"/>
           </a:p>
@@ -7782,32 +7455,36 @@
           <a:p>
             <a:r>
               <a:rPr lang="en-US" dirty="0" smtClean="0"/>
-              <a:t>Email me (</a:t>
-            </a:r>
-            <a:r>
-              <a:rPr lang="en-US" dirty="0" smtClean="0">
-                <a:hlinkClick r:id="rId2"/>
-              </a:rPr>
-              <a:t>nflacco@twitter.com</a:t>
-            </a:r>
-            <a:r>
-              <a:rPr lang="en-US" dirty="0" smtClean="0"/>
-              <a:t>) or drop by my desk if you have </a:t>
-            </a:r>
-            <a:r>
-              <a:rPr lang="en-US" smtClean="0"/>
-              <a:t>feedback, questions</a:t>
-            </a:r>
-            <a:r>
-              <a:rPr lang="en-US" dirty="0" smtClean="0"/>
-              <a:t>, ideas, etc.</a:t>
-            </a:r>
-          </a:p>
-          <a:p>
-            <a:r>
-              <a:rPr lang="en-US" dirty="0" smtClean="0"/>
-              <a:t>I will try to get some screencasts for the remote folks</a:t>
-            </a:r>
+              <a:t>Peripheral: Chunk a message into pieces of MTU size + EOM packet</a:t>
+            </a:r>
+          </a:p>
+          <a:p>
+            <a:r>
+              <a:rPr lang="en-US" dirty="0" smtClean="0"/>
+              <a:t>Central: Receive chunked message from a given peripheral, and reassemble it</a:t>
+            </a:r>
+          </a:p>
+          <a:p>
+            <a:r>
+              <a:rPr lang="en-US" dirty="0" smtClean="0"/>
+              <a:t>Fortunately, I’ve already given you a message Queue for each connected Peripheral</a:t>
+            </a:r>
+          </a:p>
+          <a:p>
+            <a:r>
+              <a:rPr lang="en-US" dirty="0" smtClean="0"/>
+              <a:t>Look at the branch </a:t>
+            </a:r>
+            <a:r>
+              <a:rPr lang="en-US" i="1" dirty="0" err="1" smtClean="0"/>
+              <a:t>chunkmsg</a:t>
+            </a:r>
+            <a:r>
+              <a:rPr lang="en-US" dirty="0" smtClean="0"/>
+              <a:t> for more details</a:t>
+            </a:r>
+          </a:p>
+          <a:p>
             <a:endParaRPr lang="en-US" dirty="0"/>
           </a:p>
         </p:txBody>
@@ -7815,7 +7492,7 @@
     </p:spTree>
     <p:extLst>
       <p:ext uri="{BB962C8B-B14F-4D97-AF65-F5344CB8AC3E}">
-        <p14:creationId xmlns:p14="http://schemas.microsoft.com/office/powerpoint/2010/main" val="526323798"/>
+        <p14:creationId xmlns:p14="http://schemas.microsoft.com/office/powerpoint/2010/main" val="1986206250"/>
       </p:ext>
     </p:extLst>
   </p:cSld>
@@ -7977,6 +7654,331 @@
         </p:nvSpPr>
         <p:spPr/>
         <p:txBody>
+          <a:bodyPr>
+            <a:normAutofit fontScale="90000"/>
+          </a:bodyPr>
+          <a:lstStyle/>
+          <a:p>
+            <a:r>
+              <a:rPr lang="en-US" dirty="0" err="1" smtClean="0"/>
+              <a:t>CBPeripheral</a:t>
+            </a:r>
+            <a:r>
+              <a:rPr lang="en-US" dirty="0" smtClean="0"/>
+              <a:t> is being </a:t>
+            </a:r>
+            <a:r>
+              <a:rPr lang="en-US" dirty="0" err="1" smtClean="0"/>
+              <a:t>decalloc’ed</a:t>
+            </a:r>
+            <a:r>
+              <a:rPr lang="en-US" dirty="0" smtClean="0"/>
+              <a:t> while connecting</a:t>
+            </a:r>
+            <a:endParaRPr lang="en-US" dirty="0"/>
+          </a:p>
+        </p:txBody>
+      </p:sp>
+      <p:sp>
+        <p:nvSpPr>
+          <p:cNvPr id="3" name="Content Placeholder 2"/>
+          <p:cNvSpPr>
+            <a:spLocks noGrp="1"/>
+          </p:cNvSpPr>
+          <p:nvPr>
+            <p:ph idx="1"/>
+          </p:nvPr>
+        </p:nvSpPr>
+        <p:spPr/>
+        <p:txBody>
+          <a:bodyPr>
+            <a:normAutofit fontScale="62500" lnSpcReduction="20000"/>
+          </a:bodyPr>
+          <a:lstStyle/>
+          <a:p>
+            <a:pPr marL="0" indent="0">
+              <a:buNone/>
+            </a:pPr>
+            <a:r>
+              <a:rPr lang="en-US" dirty="0"/>
+              <a:t>2014-03-08 09:44:27.096 BLE Echo Client[10022:60b] </a:t>
+            </a:r>
+            <a:r>
+              <a:rPr lang="en-US" dirty="0" err="1"/>
+              <a:t>CoreBluetooth</a:t>
+            </a:r>
+            <a:r>
+              <a:rPr lang="en-US" dirty="0"/>
+              <a:t>[WARNING] &lt;</a:t>
+            </a:r>
+            <a:r>
+              <a:rPr lang="en-US" dirty="0" err="1"/>
+              <a:t>CBCentralManager</a:t>
+            </a:r>
+            <a:r>
+              <a:rPr lang="en-US" dirty="0"/>
+              <a:t>: 0x16e4fc10&gt; is not powered on</a:t>
+            </a:r>
+          </a:p>
+          <a:p>
+            <a:pPr marL="0" indent="0">
+              <a:buNone/>
+            </a:pPr>
+            <a:r>
+              <a:rPr lang="en-US" dirty="0"/>
+              <a:t>2014-03-08 09:44:27.100 BLE Echo Client[10022:60b] CM Scanning started</a:t>
+            </a:r>
+          </a:p>
+          <a:p>
+            <a:pPr marL="0" indent="0">
+              <a:buNone/>
+            </a:pPr>
+            <a:r>
+              <a:rPr lang="en-US" dirty="0"/>
+              <a:t>2014-03-08 09:44:27.109 BLE Echo Client[10022:3707] </a:t>
+            </a:r>
+            <a:r>
+              <a:rPr lang="en-US" dirty="0" err="1"/>
+              <a:t>CoreBluetooth</a:t>
+            </a:r>
+            <a:r>
+              <a:rPr lang="en-US" dirty="0"/>
+              <a:t> BLE hardware is powered on and ready</a:t>
+            </a:r>
+          </a:p>
+          <a:p>
+            <a:pPr marL="0" indent="0">
+              <a:buNone/>
+            </a:pPr>
+            <a:r>
+              <a:rPr lang="en-US" dirty="0"/>
+              <a:t>2014-03-08 09:44:27.143 BLE Echo Client[10022:3707] CM Discovered name:(null) id:50A16740-FD50-4E8D-2195-4C0CB06F2C6D </a:t>
+            </a:r>
+            <a:r>
+              <a:rPr lang="en-US" dirty="0" err="1"/>
+              <a:t>rssi</a:t>
+            </a:r>
+            <a:r>
+              <a:rPr lang="en-US" dirty="0"/>
+              <a:t>:-37</a:t>
+            </a:r>
+          </a:p>
+          <a:p>
+            <a:pPr marL="0" indent="0">
+              <a:buNone/>
+            </a:pPr>
+            <a:r>
+              <a:rPr lang="en-US" dirty="0"/>
+              <a:t>2014-03-08 09:44:27.146 BLE Echo Client[10022:60b] VC </a:t>
+            </a:r>
+            <a:r>
+              <a:rPr lang="en-US" dirty="0" err="1"/>
+              <a:t>didDiscoverPeripheral</a:t>
+            </a:r>
+            <a:r>
+              <a:rPr lang="en-US" dirty="0"/>
+              <a:t>:&lt;__</a:t>
+            </a:r>
+            <a:r>
+              <a:rPr lang="en-US" dirty="0" err="1"/>
+              <a:t>NSConcreteUUID</a:t>
+            </a:r>
+            <a:r>
+              <a:rPr lang="en-US" dirty="0"/>
+              <a:t> 0x16d313c0&gt; 50A16740-FD50-4E8D-2195-4C0CB06F2C6D </a:t>
+            </a:r>
+            <a:r>
+              <a:rPr lang="en-US" dirty="0" err="1"/>
+              <a:t>rssi</a:t>
+            </a:r>
+            <a:r>
+              <a:rPr lang="en-US" dirty="0"/>
+              <a:t>:-37</a:t>
+            </a:r>
+          </a:p>
+          <a:p>
+            <a:pPr marL="0" indent="0">
+              <a:buNone/>
+            </a:pPr>
+            <a:r>
+              <a:rPr lang="en-US" dirty="0"/>
+              <a:t>2014-03-08 09:44:27.148 BLE Echo Client[10022:3707] </a:t>
+            </a:r>
+            <a:r>
+              <a:rPr lang="en-US" b="1" dirty="0" err="1"/>
+              <a:t>CoreBluetooth</a:t>
+            </a:r>
+            <a:r>
+              <a:rPr lang="en-US" b="1" dirty="0"/>
+              <a:t>[WARNING] &lt;</a:t>
+            </a:r>
+            <a:r>
+              <a:rPr lang="en-US" b="1" dirty="0" err="1"/>
+              <a:t>CBPeripheral</a:t>
+            </a:r>
+            <a:r>
+              <a:rPr lang="en-US" b="1" dirty="0"/>
+              <a:t>: 0x16e2c8c0 identifier = 50A16740-FD50-4E8D-2195-4C0CB06F2C6D, Name = "(null)", state = connecting&gt; is being </a:t>
+            </a:r>
+            <a:r>
+              <a:rPr lang="en-US" b="1" dirty="0" err="1"/>
+              <a:t>dealloc'ed</a:t>
+            </a:r>
+            <a:r>
+              <a:rPr lang="en-US" b="1" dirty="0"/>
+              <a:t> while connecting</a:t>
+            </a:r>
+          </a:p>
+          <a:p>
+            <a:pPr marL="0" indent="0">
+              <a:buNone/>
+            </a:pPr>
+            <a:endParaRPr lang="en-US" dirty="0"/>
+          </a:p>
+        </p:txBody>
+      </p:sp>
+    </p:spTree>
+    <p:extLst>
+      <p:ext uri="{BB962C8B-B14F-4D97-AF65-F5344CB8AC3E}">
+        <p14:creationId xmlns:p14="http://schemas.microsoft.com/office/powerpoint/2010/main" val="2869909520"/>
+      </p:ext>
+    </p:extLst>
+  </p:cSld>
+  <p:clrMapOvr>
+    <a:masterClrMapping/>
+  </p:clrMapOvr>
+</p:sld>
+</file>
+
+<file path=ppt/slides/slide31.xml><?xml version="1.0" encoding="utf-8"?>
+<p:sld xmlns:a="http://schemas.openxmlformats.org/drawingml/2006/main" xmlns:r="http://schemas.openxmlformats.org/officeDocument/2006/relationships" xmlns:p="http://schemas.openxmlformats.org/presentationml/2006/main">
+  <p:cSld>
+    <p:spTree>
+      <p:nvGrpSpPr>
+        <p:cNvPr id="1" name=""/>
+        <p:cNvGrpSpPr/>
+        <p:nvPr/>
+      </p:nvGrpSpPr>
+      <p:grpSpPr>
+        <a:xfrm>
+          <a:off x="0" y="0"/>
+          <a:ext cx="0" cy="0"/>
+          <a:chOff x="0" y="0"/>
+          <a:chExt cx="0" cy="0"/>
+        </a:xfrm>
+      </p:grpSpPr>
+      <p:sp>
+        <p:nvSpPr>
+          <p:cNvPr id="2" name="Title 1"/>
+          <p:cNvSpPr>
+            <a:spLocks noGrp="1"/>
+          </p:cNvSpPr>
+          <p:nvPr>
+            <p:ph type="title"/>
+          </p:nvPr>
+        </p:nvSpPr>
+        <p:spPr/>
+        <p:txBody>
+          <a:bodyPr/>
+          <a:lstStyle/>
+          <a:p>
+            <a:r>
+              <a:rPr lang="en-US" dirty="0" smtClean="0"/>
+              <a:t>We’re done</a:t>
+            </a:r>
+            <a:endParaRPr lang="en-US" dirty="0"/>
+          </a:p>
+        </p:txBody>
+      </p:sp>
+      <p:sp>
+        <p:nvSpPr>
+          <p:cNvPr id="3" name="Content Placeholder 2"/>
+          <p:cNvSpPr>
+            <a:spLocks noGrp="1"/>
+          </p:cNvSpPr>
+          <p:nvPr>
+            <p:ph idx="1"/>
+          </p:nvPr>
+        </p:nvSpPr>
+        <p:spPr/>
+        <p:txBody>
+          <a:bodyPr/>
+          <a:lstStyle/>
+          <a:p>
+            <a:r>
+              <a:rPr lang="en-US" dirty="0" smtClean="0"/>
+              <a:t>Email me (</a:t>
+            </a:r>
+            <a:r>
+              <a:rPr lang="en-US" dirty="0" smtClean="0">
+                <a:hlinkClick r:id="rId2"/>
+              </a:rPr>
+              <a:t>nflacco@twitter.com</a:t>
+            </a:r>
+            <a:r>
+              <a:rPr lang="en-US" dirty="0" smtClean="0"/>
+              <a:t>) or drop by my desk if you have </a:t>
+            </a:r>
+            <a:r>
+              <a:rPr lang="en-US" smtClean="0"/>
+              <a:t>feedback, questions</a:t>
+            </a:r>
+            <a:r>
+              <a:rPr lang="en-US" dirty="0" smtClean="0"/>
+              <a:t>, ideas, etc.</a:t>
+            </a:r>
+          </a:p>
+          <a:p>
+            <a:r>
+              <a:rPr lang="en-US" dirty="0" smtClean="0"/>
+              <a:t>I will try to get some screencasts for the remote folks</a:t>
+            </a:r>
+            <a:endParaRPr lang="en-US" dirty="0"/>
+          </a:p>
+        </p:txBody>
+      </p:sp>
+    </p:spTree>
+    <p:extLst>
+      <p:ext uri="{BB962C8B-B14F-4D97-AF65-F5344CB8AC3E}">
+        <p14:creationId xmlns:p14="http://schemas.microsoft.com/office/powerpoint/2010/main" val="526323798"/>
+      </p:ext>
+    </p:extLst>
+  </p:cSld>
+  <p:clrMapOvr>
+    <a:masterClrMapping/>
+  </p:clrMapOvr>
+</p:sld>
+</file>
+
+<file path=ppt/slides/slide32.xml><?xml version="1.0" encoding="utf-8"?>
+<p:sld xmlns:a="http://schemas.openxmlformats.org/drawingml/2006/main" xmlns:r="http://schemas.openxmlformats.org/officeDocument/2006/relationships" xmlns:p="http://schemas.openxmlformats.org/presentationml/2006/main">
+  <p:cSld>
+    <p:spTree>
+      <p:nvGrpSpPr>
+        <p:cNvPr id="1" name=""/>
+        <p:cNvGrpSpPr/>
+        <p:nvPr/>
+      </p:nvGrpSpPr>
+      <p:grpSpPr>
+        <a:xfrm>
+          <a:off x="0" y="0"/>
+          <a:ext cx="0" cy="0"/>
+          <a:chOff x="0" y="0"/>
+          <a:chExt cx="0" cy="0"/>
+        </a:xfrm>
+      </p:grpSpPr>
+      <p:sp>
+        <p:nvSpPr>
+          <p:cNvPr id="2" name="Title 1"/>
+          <p:cNvSpPr>
+            <a:spLocks noGrp="1"/>
+          </p:cNvSpPr>
+          <p:nvPr>
+            <p:ph type="title"/>
+          </p:nvPr>
+        </p:nvSpPr>
+        <p:spPr/>
+        <p:txBody>
           <a:bodyPr/>
           <a:lstStyle/>
           <a:p>
@@ -8235,7 +8237,11 @@
           <a:p>
             <a:r>
               <a:rPr lang="en-US" dirty="0" smtClean="0"/>
-              <a:t>Devices broadcast their services, and other devices find them without needing to pair or do any configuration</a:t>
+              <a:t>Devices broadcast their services, and other devices find them without needing to pair or do any </a:t>
+            </a:r>
+            <a:r>
+              <a:rPr lang="en-US" dirty="0" smtClean="0"/>
+              <a:t>configuration</a:t>
             </a:r>
           </a:p>
         </p:txBody>
@@ -8254,6 +8260,320 @@
 </file>
 
 <file path=ppt/slides/slide6.xml><?xml version="1.0" encoding="utf-8"?>
+<p:sld xmlns:a="http://schemas.openxmlformats.org/drawingml/2006/main" xmlns:r="http://schemas.openxmlformats.org/officeDocument/2006/relationships" xmlns:p="http://schemas.openxmlformats.org/presentationml/2006/main">
+  <p:cSld>
+    <p:spTree>
+      <p:nvGrpSpPr>
+        <p:cNvPr id="1" name=""/>
+        <p:cNvGrpSpPr/>
+        <p:nvPr/>
+      </p:nvGrpSpPr>
+      <p:grpSpPr>
+        <a:xfrm>
+          <a:off x="0" y="0"/>
+          <a:ext cx="0" cy="0"/>
+          <a:chOff x="0" y="0"/>
+          <a:chExt cx="0" cy="0"/>
+        </a:xfrm>
+      </p:grpSpPr>
+      <p:sp>
+        <p:nvSpPr>
+          <p:cNvPr id="2" name="Title 1"/>
+          <p:cNvSpPr>
+            <a:spLocks noGrp="1"/>
+          </p:cNvSpPr>
+          <p:nvPr>
+            <p:ph type="title"/>
+          </p:nvPr>
+        </p:nvSpPr>
+        <p:spPr/>
+        <p:txBody>
+          <a:bodyPr/>
+          <a:lstStyle/>
+          <a:p>
+            <a:r>
+              <a:rPr lang="en-US" dirty="0" smtClean="0"/>
+              <a:t>Bluetooth </a:t>
+            </a:r>
+            <a:r>
+              <a:rPr lang="en-US" dirty="0" err="1" smtClean="0"/>
+              <a:t>vs</a:t>
+            </a:r>
+            <a:r>
+              <a:rPr lang="en-US" dirty="0" smtClean="0"/>
+              <a:t> BLE</a:t>
+            </a:r>
+            <a:endParaRPr lang="en-US" dirty="0"/>
+          </a:p>
+        </p:txBody>
+      </p:sp>
+      <p:sp>
+        <p:nvSpPr>
+          <p:cNvPr id="3" name="Text Placeholder 2"/>
+          <p:cNvSpPr>
+            <a:spLocks noGrp="1"/>
+          </p:cNvSpPr>
+          <p:nvPr>
+            <p:ph type="body" idx="1"/>
+          </p:nvPr>
+        </p:nvSpPr>
+        <p:spPr/>
+        <p:txBody>
+          <a:bodyPr/>
+          <a:lstStyle/>
+          <a:p>
+            <a:r>
+              <a:rPr lang="en-US" dirty="0" smtClean="0"/>
+              <a:t>Bluetooth Classic</a:t>
+            </a:r>
+            <a:endParaRPr lang="en-US" dirty="0"/>
+          </a:p>
+        </p:txBody>
+      </p:sp>
+      <p:sp>
+        <p:nvSpPr>
+          <p:cNvPr id="4" name="Content Placeholder 3"/>
+          <p:cNvSpPr>
+            <a:spLocks noGrp="1"/>
+          </p:cNvSpPr>
+          <p:nvPr>
+            <p:ph sz="half" idx="2"/>
+          </p:nvPr>
+        </p:nvSpPr>
+        <p:spPr/>
+        <p:txBody>
+          <a:bodyPr/>
+          <a:lstStyle/>
+          <a:p>
+            <a:r>
+              <a:rPr lang="en-US" dirty="0" err="1" smtClean="0"/>
+              <a:t>Scatternet</a:t>
+            </a:r>
+            <a:endParaRPr lang="en-US" dirty="0" smtClean="0"/>
+          </a:p>
+          <a:p>
+            <a:r>
+              <a:rPr lang="en-US" dirty="0" smtClean="0"/>
+              <a:t>High throughput</a:t>
+            </a:r>
+          </a:p>
+          <a:p>
+            <a:r>
+              <a:rPr lang="en-US" dirty="0" smtClean="0"/>
+              <a:t>High power consumption</a:t>
+            </a:r>
+          </a:p>
+          <a:p>
+            <a:r>
+              <a:rPr lang="en-US" dirty="0" smtClean="0"/>
+              <a:t>High latency to connect to another device and send data</a:t>
+            </a:r>
+          </a:p>
+          <a:p>
+            <a:r>
+              <a:rPr lang="en-US" dirty="0" smtClean="0"/>
+              <a:t>Devices must be paired</a:t>
+            </a:r>
+          </a:p>
+          <a:p>
+            <a:endParaRPr lang="en-US" dirty="0"/>
+          </a:p>
+        </p:txBody>
+      </p:sp>
+      <p:sp>
+        <p:nvSpPr>
+          <p:cNvPr id="5" name="Text Placeholder 4"/>
+          <p:cNvSpPr>
+            <a:spLocks noGrp="1"/>
+          </p:cNvSpPr>
+          <p:nvPr>
+            <p:ph type="body" sz="quarter" idx="3"/>
+          </p:nvPr>
+        </p:nvSpPr>
+        <p:spPr/>
+        <p:txBody>
+          <a:bodyPr/>
+          <a:lstStyle/>
+          <a:p>
+            <a:r>
+              <a:rPr lang="en-US" dirty="0" smtClean="0"/>
+              <a:t>BLE</a:t>
+            </a:r>
+            <a:endParaRPr lang="en-US" dirty="0"/>
+          </a:p>
+        </p:txBody>
+      </p:sp>
+      <p:sp>
+        <p:nvSpPr>
+          <p:cNvPr id="6" name="Content Placeholder 5"/>
+          <p:cNvSpPr>
+            <a:spLocks noGrp="1"/>
+          </p:cNvSpPr>
+          <p:nvPr>
+            <p:ph sz="quarter" idx="4"/>
+          </p:nvPr>
+        </p:nvSpPr>
+        <p:spPr/>
+        <p:txBody>
+          <a:bodyPr/>
+          <a:lstStyle/>
+          <a:p>
+            <a:r>
+              <a:rPr lang="en-US" dirty="0" smtClean="0"/>
+              <a:t>Client-server</a:t>
+            </a:r>
+          </a:p>
+          <a:p>
+            <a:r>
+              <a:rPr lang="en-US" dirty="0" smtClean="0"/>
+              <a:t>Low throughput</a:t>
+            </a:r>
+          </a:p>
+          <a:p>
+            <a:r>
+              <a:rPr lang="en-US" dirty="0" smtClean="0"/>
+              <a:t>Low power consumption</a:t>
+            </a:r>
+          </a:p>
+          <a:p>
+            <a:r>
+              <a:rPr lang="en-US" dirty="0" smtClean="0"/>
+              <a:t>Low latency</a:t>
+            </a:r>
+          </a:p>
+          <a:p>
+            <a:r>
+              <a:rPr lang="en-US" dirty="0" smtClean="0"/>
+              <a:t>No pairing</a:t>
+            </a:r>
+            <a:endParaRPr lang="en-US" dirty="0"/>
+          </a:p>
+        </p:txBody>
+      </p:sp>
+    </p:spTree>
+    <p:extLst>
+      <p:ext uri="{BB962C8B-B14F-4D97-AF65-F5344CB8AC3E}">
+        <p14:creationId xmlns:p14="http://schemas.microsoft.com/office/powerpoint/2010/main" val="4215194430"/>
+      </p:ext>
+    </p:extLst>
+  </p:cSld>
+  <p:clrMapOvr>
+    <a:masterClrMapping/>
+  </p:clrMapOvr>
+</p:sld>
+</file>
+
+<file path=ppt/slides/slide7.xml><?xml version="1.0" encoding="utf-8"?>
+<p:sld xmlns:a="http://schemas.openxmlformats.org/drawingml/2006/main" xmlns:r="http://schemas.openxmlformats.org/officeDocument/2006/relationships" xmlns:p="http://schemas.openxmlformats.org/presentationml/2006/main">
+  <p:cSld>
+    <p:spTree>
+      <p:nvGrpSpPr>
+        <p:cNvPr id="1" name=""/>
+        <p:cNvGrpSpPr/>
+        <p:nvPr/>
+      </p:nvGrpSpPr>
+      <p:grpSpPr>
+        <a:xfrm>
+          <a:off x="0" y="0"/>
+          <a:ext cx="0" cy="0"/>
+          <a:chOff x="0" y="0"/>
+          <a:chExt cx="0" cy="0"/>
+        </a:xfrm>
+      </p:grpSpPr>
+      <p:sp>
+        <p:nvSpPr>
+          <p:cNvPr id="7" name="Title 6"/>
+          <p:cNvSpPr>
+            <a:spLocks noGrp="1"/>
+          </p:cNvSpPr>
+          <p:nvPr>
+            <p:ph type="title"/>
+          </p:nvPr>
+        </p:nvSpPr>
+        <p:spPr/>
+        <p:txBody>
+          <a:bodyPr/>
+          <a:lstStyle/>
+          <a:p>
+            <a:r>
+              <a:rPr lang="en-US" dirty="0" smtClean="0"/>
+              <a:t>Core Concepts</a:t>
+            </a:r>
+            <a:endParaRPr lang="en-US" dirty="0"/>
+          </a:p>
+        </p:txBody>
+      </p:sp>
+      <p:sp>
+        <p:nvSpPr>
+          <p:cNvPr id="8" name="Content Placeholder 7"/>
+          <p:cNvSpPr>
+            <a:spLocks noGrp="1"/>
+          </p:cNvSpPr>
+          <p:nvPr>
+            <p:ph idx="1"/>
+          </p:nvPr>
+        </p:nvSpPr>
+        <p:spPr/>
+        <p:txBody>
+          <a:bodyPr>
+            <a:normAutofit/>
+          </a:bodyPr>
+          <a:lstStyle/>
+          <a:p>
+            <a:r>
+              <a:rPr lang="en-US" dirty="0" smtClean="0"/>
+              <a:t>Central (Client)</a:t>
+            </a:r>
+          </a:p>
+          <a:p>
+            <a:r>
+              <a:rPr lang="en-US" dirty="0" smtClean="0"/>
+              <a:t>Peripheral (Server)</a:t>
+            </a:r>
+          </a:p>
+          <a:p>
+            <a:r>
+              <a:rPr lang="en-US" dirty="0" smtClean="0"/>
+              <a:t>GATT </a:t>
+            </a:r>
+            <a:r>
+              <a:rPr lang="en-US" dirty="0"/>
+              <a:t>(Generic Attribute Profile</a:t>
+            </a:r>
+            <a:r>
+              <a:rPr lang="en-US" dirty="0" smtClean="0"/>
+              <a:t>)</a:t>
+            </a:r>
+          </a:p>
+          <a:p>
+            <a:r>
+              <a:rPr lang="en-US" dirty="0" smtClean="0"/>
+              <a:t>Service</a:t>
+            </a:r>
+          </a:p>
+          <a:p>
+            <a:r>
+              <a:rPr lang="en-US" dirty="0" smtClean="0"/>
+              <a:t>Characteristic</a:t>
+            </a:r>
+            <a:endParaRPr lang="en-US" dirty="0"/>
+          </a:p>
+        </p:txBody>
+      </p:sp>
+    </p:spTree>
+    <p:extLst>
+      <p:ext uri="{BB962C8B-B14F-4D97-AF65-F5344CB8AC3E}">
+        <p14:creationId xmlns:p14="http://schemas.microsoft.com/office/powerpoint/2010/main" val="3978696710"/>
+      </p:ext>
+    </p:extLst>
+  </p:cSld>
+  <p:clrMapOvr>
+    <a:masterClrMapping/>
+  </p:clrMapOvr>
+</p:sld>
+</file>
+
+<file path=ppt/slides/slide8.xml><?xml version="1.0" encoding="utf-8"?>
 <p:sld xmlns:a="http://schemas.openxmlformats.org/drawingml/2006/main" xmlns:r="http://schemas.openxmlformats.org/officeDocument/2006/relationships" xmlns:p="http://schemas.openxmlformats.org/presentationml/2006/main">
   <p:cSld>
     <p:spTree>
@@ -8335,7 +8655,7 @@
           <a:p>
             <a:r>
               <a:rPr lang="en-US" dirty="0" smtClean="0"/>
-              <a:t>BLE</a:t>
+              <a:t>Typical Use Case</a:t>
             </a:r>
             <a:endParaRPr lang="en-US" dirty="0"/>
           </a:p>
@@ -8420,7 +8740,345 @@
             <a:pPr algn="ctr"/>
             <a:r>
               <a:rPr lang="en-US" dirty="0" smtClean="0"/>
-              <a:t>Advertise HR Data</a:t>
+              <a:t>HR Data Service</a:t>
+            </a:r>
+            <a:endParaRPr lang="en-US" dirty="0"/>
+          </a:p>
+        </p:txBody>
+      </p:sp>
+      <p:sp>
+        <p:nvSpPr>
+          <p:cNvPr id="9" name="Text Placeholder 2"/>
+          <p:cNvSpPr txBox="1">
+            <a:spLocks/>
+          </p:cNvSpPr>
+          <p:nvPr/>
+        </p:nvSpPr>
+        <p:spPr>
+          <a:xfrm>
+            <a:off x="447200" y="1355095"/>
+            <a:ext cx="2342876" cy="639762"/>
+          </a:xfrm>
+          <a:prstGeom prst="rect">
+            <a:avLst/>
+          </a:prstGeom>
+        </p:spPr>
+        <p:txBody>
+          <a:bodyPr vert="horz" lIns="91440" tIns="45720" rIns="91440" bIns="45720" rtlCol="0">
+            <a:normAutofit/>
+          </a:bodyPr>
+          <a:lstStyle>
+            <a:lvl1pPr marL="342900" indent="-342900" algn="l" defTabSz="457200" rtl="0" eaLnBrk="1" latinLnBrk="0" hangingPunct="1">
+              <a:spcBef>
+                <a:spcPct val="20000"/>
+              </a:spcBef>
+              <a:buFont typeface="Arial"/>
+              <a:buChar char="•"/>
+              <a:defRPr sz="3200" kern="1200">
+                <a:solidFill>
+                  <a:schemeClr val="tx1"/>
+                </a:solidFill>
+                <a:latin typeface="+mn-lt"/>
+                <a:ea typeface="+mn-ea"/>
+                <a:cs typeface="+mn-cs"/>
+              </a:defRPr>
+            </a:lvl1pPr>
+            <a:lvl2pPr marL="742950" indent="-285750" algn="l" defTabSz="457200" rtl="0" eaLnBrk="1" latinLnBrk="0" hangingPunct="1">
+              <a:spcBef>
+                <a:spcPct val="20000"/>
+              </a:spcBef>
+              <a:buFont typeface="Arial"/>
+              <a:buChar char="–"/>
+              <a:defRPr sz="2800" kern="1200">
+                <a:solidFill>
+                  <a:schemeClr val="tx1"/>
+                </a:solidFill>
+                <a:latin typeface="+mn-lt"/>
+                <a:ea typeface="+mn-ea"/>
+                <a:cs typeface="+mn-cs"/>
+              </a:defRPr>
+            </a:lvl2pPr>
+            <a:lvl3pPr marL="1143000" indent="-228600" algn="l" defTabSz="457200" rtl="0" eaLnBrk="1" latinLnBrk="0" hangingPunct="1">
+              <a:spcBef>
+                <a:spcPct val="20000"/>
+              </a:spcBef>
+              <a:buFont typeface="Arial"/>
+              <a:buChar char="•"/>
+              <a:defRPr sz="2400" kern="1200">
+                <a:solidFill>
+                  <a:schemeClr val="tx1"/>
+                </a:solidFill>
+                <a:latin typeface="+mn-lt"/>
+                <a:ea typeface="+mn-ea"/>
+                <a:cs typeface="+mn-cs"/>
+              </a:defRPr>
+            </a:lvl3pPr>
+            <a:lvl4pPr marL="1600200" indent="-228600" algn="l" defTabSz="457200" rtl="0" eaLnBrk="1" latinLnBrk="0" hangingPunct="1">
+              <a:spcBef>
+                <a:spcPct val="20000"/>
+              </a:spcBef>
+              <a:buFont typeface="Arial"/>
+              <a:buChar char="–"/>
+              <a:defRPr sz="2000" kern="1200">
+                <a:solidFill>
+                  <a:schemeClr val="tx1"/>
+                </a:solidFill>
+                <a:latin typeface="+mn-lt"/>
+                <a:ea typeface="+mn-ea"/>
+                <a:cs typeface="+mn-cs"/>
+              </a:defRPr>
+            </a:lvl4pPr>
+            <a:lvl5pPr marL="2057400" indent="-228600" algn="l" defTabSz="457200" rtl="0" eaLnBrk="1" latinLnBrk="0" hangingPunct="1">
+              <a:spcBef>
+                <a:spcPct val="20000"/>
+              </a:spcBef>
+              <a:buFont typeface="Arial"/>
+              <a:buChar char="»"/>
+              <a:defRPr sz="2000" kern="1200">
+                <a:solidFill>
+                  <a:schemeClr val="tx1"/>
+                </a:solidFill>
+                <a:latin typeface="+mn-lt"/>
+                <a:ea typeface="+mn-ea"/>
+                <a:cs typeface="+mn-cs"/>
+              </a:defRPr>
+            </a:lvl5pPr>
+            <a:lvl6pPr marL="2514600" indent="-228600" algn="l" defTabSz="457200" rtl="0" eaLnBrk="1" latinLnBrk="0" hangingPunct="1">
+              <a:spcBef>
+                <a:spcPct val="20000"/>
+              </a:spcBef>
+              <a:buFont typeface="Arial"/>
+              <a:buChar char="•"/>
+              <a:defRPr sz="2000" kern="1200">
+                <a:solidFill>
+                  <a:schemeClr val="tx1"/>
+                </a:solidFill>
+                <a:latin typeface="+mn-lt"/>
+                <a:ea typeface="+mn-ea"/>
+                <a:cs typeface="+mn-cs"/>
+              </a:defRPr>
+            </a:lvl6pPr>
+            <a:lvl7pPr marL="2971800" indent="-228600" algn="l" defTabSz="457200" rtl="0" eaLnBrk="1" latinLnBrk="0" hangingPunct="1">
+              <a:spcBef>
+                <a:spcPct val="20000"/>
+              </a:spcBef>
+              <a:buFont typeface="Arial"/>
+              <a:buChar char="•"/>
+              <a:defRPr sz="2000" kern="1200">
+                <a:solidFill>
+                  <a:schemeClr val="tx1"/>
+                </a:solidFill>
+                <a:latin typeface="+mn-lt"/>
+                <a:ea typeface="+mn-ea"/>
+                <a:cs typeface="+mn-cs"/>
+              </a:defRPr>
+            </a:lvl7pPr>
+            <a:lvl8pPr marL="3429000" indent="-228600" algn="l" defTabSz="457200" rtl="0" eaLnBrk="1" latinLnBrk="0" hangingPunct="1">
+              <a:spcBef>
+                <a:spcPct val="20000"/>
+              </a:spcBef>
+              <a:buFont typeface="Arial"/>
+              <a:buChar char="•"/>
+              <a:defRPr sz="2000" kern="1200">
+                <a:solidFill>
+                  <a:schemeClr val="tx1"/>
+                </a:solidFill>
+                <a:latin typeface="+mn-lt"/>
+                <a:ea typeface="+mn-ea"/>
+                <a:cs typeface="+mn-cs"/>
+              </a:defRPr>
+            </a:lvl8pPr>
+            <a:lvl9pPr marL="3886200" indent="-228600" algn="l" defTabSz="457200" rtl="0" eaLnBrk="1" latinLnBrk="0" hangingPunct="1">
+              <a:spcBef>
+                <a:spcPct val="20000"/>
+              </a:spcBef>
+              <a:buFont typeface="Arial"/>
+              <a:buChar char="•"/>
+              <a:defRPr sz="2000" kern="1200">
+                <a:solidFill>
+                  <a:schemeClr val="tx1"/>
+                </a:solidFill>
+                <a:latin typeface="+mn-lt"/>
+                <a:ea typeface="+mn-ea"/>
+                <a:cs typeface="+mn-cs"/>
+              </a:defRPr>
+            </a:lvl9pPr>
+          </a:lstStyle>
+          <a:p>
+            <a:pPr marL="0" indent="0" algn="ctr">
+              <a:buNone/>
+            </a:pPr>
+            <a:r>
+              <a:rPr lang="en-US" dirty="0" smtClean="0"/>
+              <a:t>Central</a:t>
+            </a:r>
+            <a:endParaRPr lang="en-US" dirty="0"/>
+          </a:p>
+        </p:txBody>
+      </p:sp>
+      <p:sp>
+        <p:nvSpPr>
+          <p:cNvPr id="10" name="Text Placeholder 4"/>
+          <p:cNvSpPr txBox="1">
+            <a:spLocks/>
+          </p:cNvSpPr>
+          <p:nvPr/>
+        </p:nvSpPr>
+        <p:spPr>
+          <a:xfrm>
+            <a:off x="4645025" y="1355095"/>
+            <a:ext cx="4041775" cy="639762"/>
+          </a:xfrm>
+          <a:prstGeom prst="rect">
+            <a:avLst/>
+          </a:prstGeom>
+        </p:spPr>
+        <p:txBody>
+          <a:bodyPr/>
+          <a:lstStyle>
+            <a:lvl1pPr marL="342900" indent="-342900" algn="l" defTabSz="457200" rtl="0" eaLnBrk="1" latinLnBrk="0" hangingPunct="1">
+              <a:spcBef>
+                <a:spcPct val="20000"/>
+              </a:spcBef>
+              <a:buFont typeface="Arial"/>
+              <a:buChar char="•"/>
+              <a:defRPr sz="3200" kern="1200">
+                <a:solidFill>
+                  <a:schemeClr val="tx1"/>
+                </a:solidFill>
+                <a:latin typeface="+mn-lt"/>
+                <a:ea typeface="+mn-ea"/>
+                <a:cs typeface="+mn-cs"/>
+              </a:defRPr>
+            </a:lvl1pPr>
+            <a:lvl2pPr marL="742950" indent="-285750" algn="l" defTabSz="457200" rtl="0" eaLnBrk="1" latinLnBrk="0" hangingPunct="1">
+              <a:spcBef>
+                <a:spcPct val="20000"/>
+              </a:spcBef>
+              <a:buFont typeface="Arial"/>
+              <a:buChar char="–"/>
+              <a:defRPr sz="2800" kern="1200">
+                <a:solidFill>
+                  <a:schemeClr val="tx1"/>
+                </a:solidFill>
+                <a:latin typeface="+mn-lt"/>
+                <a:ea typeface="+mn-ea"/>
+                <a:cs typeface="+mn-cs"/>
+              </a:defRPr>
+            </a:lvl2pPr>
+            <a:lvl3pPr marL="1143000" indent="-228600" algn="l" defTabSz="457200" rtl="0" eaLnBrk="1" latinLnBrk="0" hangingPunct="1">
+              <a:spcBef>
+                <a:spcPct val="20000"/>
+              </a:spcBef>
+              <a:buFont typeface="Arial"/>
+              <a:buChar char="•"/>
+              <a:defRPr sz="2400" kern="1200">
+                <a:solidFill>
+                  <a:schemeClr val="tx1"/>
+                </a:solidFill>
+                <a:latin typeface="+mn-lt"/>
+                <a:ea typeface="+mn-ea"/>
+                <a:cs typeface="+mn-cs"/>
+              </a:defRPr>
+            </a:lvl3pPr>
+            <a:lvl4pPr marL="1600200" indent="-228600" algn="l" defTabSz="457200" rtl="0" eaLnBrk="1" latinLnBrk="0" hangingPunct="1">
+              <a:spcBef>
+                <a:spcPct val="20000"/>
+              </a:spcBef>
+              <a:buFont typeface="Arial"/>
+              <a:buChar char="–"/>
+              <a:defRPr sz="2000" kern="1200">
+                <a:solidFill>
+                  <a:schemeClr val="tx1"/>
+                </a:solidFill>
+                <a:latin typeface="+mn-lt"/>
+                <a:ea typeface="+mn-ea"/>
+                <a:cs typeface="+mn-cs"/>
+              </a:defRPr>
+            </a:lvl4pPr>
+            <a:lvl5pPr marL="2057400" indent="-228600" algn="l" defTabSz="457200" rtl="0" eaLnBrk="1" latinLnBrk="0" hangingPunct="1">
+              <a:spcBef>
+                <a:spcPct val="20000"/>
+              </a:spcBef>
+              <a:buFont typeface="Arial"/>
+              <a:buChar char="»"/>
+              <a:defRPr sz="2000" kern="1200">
+                <a:solidFill>
+                  <a:schemeClr val="tx1"/>
+                </a:solidFill>
+                <a:latin typeface="+mn-lt"/>
+                <a:ea typeface="+mn-ea"/>
+                <a:cs typeface="+mn-cs"/>
+              </a:defRPr>
+            </a:lvl5pPr>
+            <a:lvl6pPr marL="2514600" indent="-228600" algn="l" defTabSz="457200" rtl="0" eaLnBrk="1" latinLnBrk="0" hangingPunct="1">
+              <a:spcBef>
+                <a:spcPct val="20000"/>
+              </a:spcBef>
+              <a:buFont typeface="Arial"/>
+              <a:buChar char="•"/>
+              <a:defRPr sz="2000" kern="1200">
+                <a:solidFill>
+                  <a:schemeClr val="tx1"/>
+                </a:solidFill>
+                <a:latin typeface="+mn-lt"/>
+                <a:ea typeface="+mn-ea"/>
+                <a:cs typeface="+mn-cs"/>
+              </a:defRPr>
+            </a:lvl6pPr>
+            <a:lvl7pPr marL="2971800" indent="-228600" algn="l" defTabSz="457200" rtl="0" eaLnBrk="1" latinLnBrk="0" hangingPunct="1">
+              <a:spcBef>
+                <a:spcPct val="20000"/>
+              </a:spcBef>
+              <a:buFont typeface="Arial"/>
+              <a:buChar char="•"/>
+              <a:defRPr sz="2000" kern="1200">
+                <a:solidFill>
+                  <a:schemeClr val="tx1"/>
+                </a:solidFill>
+                <a:latin typeface="+mn-lt"/>
+                <a:ea typeface="+mn-ea"/>
+                <a:cs typeface="+mn-cs"/>
+              </a:defRPr>
+            </a:lvl7pPr>
+            <a:lvl8pPr marL="3429000" indent="-228600" algn="l" defTabSz="457200" rtl="0" eaLnBrk="1" latinLnBrk="0" hangingPunct="1">
+              <a:spcBef>
+                <a:spcPct val="20000"/>
+              </a:spcBef>
+              <a:buFont typeface="Arial"/>
+              <a:buChar char="•"/>
+              <a:defRPr sz="2000" kern="1200">
+                <a:solidFill>
+                  <a:schemeClr val="tx1"/>
+                </a:solidFill>
+                <a:latin typeface="+mn-lt"/>
+                <a:ea typeface="+mn-ea"/>
+                <a:cs typeface="+mn-cs"/>
+              </a:defRPr>
+            </a:lvl8pPr>
+            <a:lvl9pPr marL="3886200" indent="-228600" algn="l" defTabSz="457200" rtl="0" eaLnBrk="1" latinLnBrk="0" hangingPunct="1">
+              <a:spcBef>
+                <a:spcPct val="20000"/>
+              </a:spcBef>
+              <a:buFont typeface="Arial"/>
+              <a:buChar char="•"/>
+              <a:defRPr sz="2000" kern="1200">
+                <a:solidFill>
+                  <a:schemeClr val="tx1"/>
+                </a:solidFill>
+                <a:latin typeface="+mn-lt"/>
+                <a:ea typeface="+mn-ea"/>
+                <a:cs typeface="+mn-cs"/>
+              </a:defRPr>
+            </a:lvl9pPr>
+          </a:lstStyle>
+          <a:p>
+            <a:pPr marL="0" indent="0" algn="ctr">
+              <a:buNone/>
+            </a:pPr>
+            <a:r>
+              <a:rPr lang="en-US" dirty="0" smtClean="0"/>
+              <a:t>Peripheral</a:t>
             </a:r>
             <a:endParaRPr lang="en-US" dirty="0"/>
           </a:p>
@@ -8430,326 +9088,6 @@
     <p:extLst>
       <p:ext uri="{BB962C8B-B14F-4D97-AF65-F5344CB8AC3E}">
         <p14:creationId xmlns:p14="http://schemas.microsoft.com/office/powerpoint/2010/main" val="211044734"/>
-      </p:ext>
-    </p:extLst>
-  </p:cSld>
-  <p:clrMapOvr>
-    <a:masterClrMapping/>
-  </p:clrMapOvr>
-</p:sld>
-</file>
-
-<file path=ppt/slides/slide7.xml><?xml version="1.0" encoding="utf-8"?>
-<p:sld xmlns:a="http://schemas.openxmlformats.org/drawingml/2006/main" xmlns:r="http://schemas.openxmlformats.org/officeDocument/2006/relationships" xmlns:p="http://schemas.openxmlformats.org/presentationml/2006/main">
-  <p:cSld>
-    <p:spTree>
-      <p:nvGrpSpPr>
-        <p:cNvPr id="1" name=""/>
-        <p:cNvGrpSpPr/>
-        <p:nvPr/>
-      </p:nvGrpSpPr>
-      <p:grpSpPr>
-        <a:xfrm>
-          <a:off x="0" y="0"/>
-          <a:ext cx="0" cy="0"/>
-          <a:chOff x="0" y="0"/>
-          <a:chExt cx="0" cy="0"/>
-        </a:xfrm>
-      </p:grpSpPr>
-      <p:sp>
-        <p:nvSpPr>
-          <p:cNvPr id="2" name="Title 1"/>
-          <p:cNvSpPr>
-            <a:spLocks noGrp="1"/>
-          </p:cNvSpPr>
-          <p:nvPr>
-            <p:ph type="title"/>
-          </p:nvPr>
-        </p:nvSpPr>
-        <p:spPr/>
-        <p:txBody>
-          <a:bodyPr/>
-          <a:lstStyle/>
-          <a:p>
-            <a:r>
-              <a:rPr lang="en-US" dirty="0" smtClean="0"/>
-              <a:t>Bluetooth </a:t>
-            </a:r>
-            <a:r>
-              <a:rPr lang="en-US" dirty="0" err="1" smtClean="0"/>
-              <a:t>vs</a:t>
-            </a:r>
-            <a:r>
-              <a:rPr lang="en-US" dirty="0" smtClean="0"/>
-              <a:t> BLE</a:t>
-            </a:r>
-            <a:endParaRPr lang="en-US" dirty="0"/>
-          </a:p>
-        </p:txBody>
-      </p:sp>
-      <p:sp>
-        <p:nvSpPr>
-          <p:cNvPr id="3" name="Text Placeholder 2"/>
-          <p:cNvSpPr>
-            <a:spLocks noGrp="1"/>
-          </p:cNvSpPr>
-          <p:nvPr>
-            <p:ph type="body" idx="1"/>
-          </p:nvPr>
-        </p:nvSpPr>
-        <p:spPr/>
-        <p:txBody>
-          <a:bodyPr/>
-          <a:lstStyle/>
-          <a:p>
-            <a:r>
-              <a:rPr lang="en-US" dirty="0" smtClean="0"/>
-              <a:t>Bluetooth Classic</a:t>
-            </a:r>
-            <a:endParaRPr lang="en-US" dirty="0"/>
-          </a:p>
-        </p:txBody>
-      </p:sp>
-      <p:sp>
-        <p:nvSpPr>
-          <p:cNvPr id="4" name="Content Placeholder 3"/>
-          <p:cNvSpPr>
-            <a:spLocks noGrp="1"/>
-          </p:cNvSpPr>
-          <p:nvPr>
-            <p:ph sz="half" idx="2"/>
-          </p:nvPr>
-        </p:nvSpPr>
-        <p:spPr/>
-        <p:txBody>
-          <a:bodyPr/>
-          <a:lstStyle/>
-          <a:p>
-            <a:r>
-              <a:rPr lang="en-US" dirty="0" err="1" smtClean="0"/>
-              <a:t>Scatternet</a:t>
-            </a:r>
-            <a:endParaRPr lang="en-US" dirty="0" smtClean="0"/>
-          </a:p>
-          <a:p>
-            <a:r>
-              <a:rPr lang="en-US" dirty="0" smtClean="0"/>
-              <a:t>High throughput</a:t>
-            </a:r>
-          </a:p>
-          <a:p>
-            <a:r>
-              <a:rPr lang="en-US" dirty="0" smtClean="0"/>
-              <a:t>High power consumption</a:t>
-            </a:r>
-          </a:p>
-          <a:p>
-            <a:r>
-              <a:rPr lang="en-US" dirty="0" smtClean="0"/>
-              <a:t>High latency to connect to another device and send data</a:t>
-            </a:r>
-          </a:p>
-          <a:p>
-            <a:r>
-              <a:rPr lang="en-US" dirty="0" smtClean="0"/>
-              <a:t>Devices must be paired</a:t>
-            </a:r>
-          </a:p>
-          <a:p>
-            <a:endParaRPr lang="en-US" dirty="0"/>
-          </a:p>
-        </p:txBody>
-      </p:sp>
-      <p:sp>
-        <p:nvSpPr>
-          <p:cNvPr id="5" name="Text Placeholder 4"/>
-          <p:cNvSpPr>
-            <a:spLocks noGrp="1"/>
-          </p:cNvSpPr>
-          <p:nvPr>
-            <p:ph type="body" sz="quarter" idx="3"/>
-          </p:nvPr>
-        </p:nvSpPr>
-        <p:spPr/>
-        <p:txBody>
-          <a:bodyPr/>
-          <a:lstStyle/>
-          <a:p>
-            <a:r>
-              <a:rPr lang="en-US" dirty="0" smtClean="0"/>
-              <a:t>BLE</a:t>
-            </a:r>
-            <a:endParaRPr lang="en-US" dirty="0"/>
-          </a:p>
-        </p:txBody>
-      </p:sp>
-      <p:sp>
-        <p:nvSpPr>
-          <p:cNvPr id="6" name="Content Placeholder 5"/>
-          <p:cNvSpPr>
-            <a:spLocks noGrp="1"/>
-          </p:cNvSpPr>
-          <p:nvPr>
-            <p:ph sz="quarter" idx="4"/>
-          </p:nvPr>
-        </p:nvSpPr>
-        <p:spPr/>
-        <p:txBody>
-          <a:bodyPr/>
-          <a:lstStyle/>
-          <a:p>
-            <a:r>
-              <a:rPr lang="en-US" dirty="0" smtClean="0"/>
-              <a:t>Client-server</a:t>
-            </a:r>
-          </a:p>
-          <a:p>
-            <a:r>
-              <a:rPr lang="en-US" dirty="0" smtClean="0"/>
-              <a:t>Low throughput</a:t>
-            </a:r>
-          </a:p>
-          <a:p>
-            <a:r>
-              <a:rPr lang="en-US" dirty="0" smtClean="0"/>
-              <a:t>Low power consumption</a:t>
-            </a:r>
-          </a:p>
-          <a:p>
-            <a:r>
-              <a:rPr lang="en-US" dirty="0" smtClean="0"/>
-              <a:t>Low latency</a:t>
-            </a:r>
-          </a:p>
-          <a:p>
-            <a:r>
-              <a:rPr lang="en-US" dirty="0" smtClean="0"/>
-              <a:t>No pairing</a:t>
-            </a:r>
-            <a:endParaRPr lang="en-US" dirty="0"/>
-          </a:p>
-        </p:txBody>
-      </p:sp>
-    </p:spTree>
-    <p:extLst>
-      <p:ext uri="{BB962C8B-B14F-4D97-AF65-F5344CB8AC3E}">
-        <p14:creationId xmlns:p14="http://schemas.microsoft.com/office/powerpoint/2010/main" val="4215194430"/>
-      </p:ext>
-    </p:extLst>
-  </p:cSld>
-  <p:clrMapOvr>
-    <a:masterClrMapping/>
-  </p:clrMapOvr>
-</p:sld>
-</file>
-
-<file path=ppt/slides/slide8.xml><?xml version="1.0" encoding="utf-8"?>
-<p:sld xmlns:a="http://schemas.openxmlformats.org/drawingml/2006/main" xmlns:r="http://schemas.openxmlformats.org/officeDocument/2006/relationships" xmlns:p="http://schemas.openxmlformats.org/presentationml/2006/main">
-  <p:cSld>
-    <p:spTree>
-      <p:nvGrpSpPr>
-        <p:cNvPr id="1" name=""/>
-        <p:cNvGrpSpPr/>
-        <p:nvPr/>
-      </p:nvGrpSpPr>
-      <p:grpSpPr>
-        <a:xfrm>
-          <a:off x="0" y="0"/>
-          <a:ext cx="0" cy="0"/>
-          <a:chOff x="0" y="0"/>
-          <a:chExt cx="0" cy="0"/>
-        </a:xfrm>
-      </p:grpSpPr>
-      <p:sp>
-        <p:nvSpPr>
-          <p:cNvPr id="2" name="Title 1"/>
-          <p:cNvSpPr>
-            <a:spLocks noGrp="1"/>
-          </p:cNvSpPr>
-          <p:nvPr>
-            <p:ph type="title"/>
-          </p:nvPr>
-        </p:nvSpPr>
-        <p:spPr/>
-        <p:txBody>
-          <a:bodyPr/>
-          <a:lstStyle/>
-          <a:p>
-            <a:r>
-              <a:rPr lang="en-US" dirty="0" err="1" smtClean="0"/>
-              <a:t>CoreBluetooth</a:t>
-            </a:r>
-            <a:r>
-              <a:rPr lang="en-US" dirty="0" smtClean="0"/>
-              <a:t> Framework</a:t>
-            </a:r>
-            <a:endParaRPr lang="en-US" dirty="0"/>
-          </a:p>
-        </p:txBody>
-      </p:sp>
-      <p:sp>
-        <p:nvSpPr>
-          <p:cNvPr id="3" name="Content Placeholder 2"/>
-          <p:cNvSpPr>
-            <a:spLocks noGrp="1"/>
-          </p:cNvSpPr>
-          <p:nvPr>
-            <p:ph idx="1"/>
-          </p:nvPr>
-        </p:nvSpPr>
-        <p:spPr/>
-        <p:txBody>
-          <a:bodyPr>
-            <a:normAutofit/>
-          </a:bodyPr>
-          <a:lstStyle/>
-          <a:p>
-            <a:r>
-              <a:rPr lang="en-US" dirty="0" smtClean="0"/>
-              <a:t>Central (Client)</a:t>
-            </a:r>
-          </a:p>
-          <a:p>
-            <a:pPr lvl="1"/>
-            <a:r>
-              <a:rPr lang="en-US" dirty="0" smtClean="0"/>
-              <a:t>Discovers peripherals and connects to them</a:t>
-            </a:r>
-          </a:p>
-          <a:p>
-            <a:r>
-              <a:rPr lang="en-US" dirty="0" smtClean="0"/>
-              <a:t>Peripheral (Server)</a:t>
-            </a:r>
-          </a:p>
-          <a:p>
-            <a:pPr lvl="1"/>
-            <a:r>
-              <a:rPr lang="en-US" dirty="0" smtClean="0"/>
-              <a:t>Advertises itself</a:t>
-            </a:r>
-          </a:p>
-          <a:p>
-            <a:pPr lvl="1"/>
-            <a:r>
-              <a:rPr lang="en-US" dirty="0" smtClean="0"/>
-              <a:t>Services, which have Characteristics</a:t>
-            </a:r>
-          </a:p>
-          <a:p>
-            <a:pPr lvl="1"/>
-            <a:r>
-              <a:rPr lang="en-US" dirty="0" smtClean="0"/>
-              <a:t>Central can subscribe to characteristics or read/write to them</a:t>
-            </a:r>
-            <a:endParaRPr lang="en-US" dirty="0"/>
-          </a:p>
-        </p:txBody>
-      </p:sp>
-    </p:spTree>
-    <p:extLst>
-      <p:ext uri="{BB962C8B-B14F-4D97-AF65-F5344CB8AC3E}">
-        <p14:creationId xmlns:p14="http://schemas.microsoft.com/office/powerpoint/2010/main" val="2467415876"/>
       </p:ext>
     </p:extLst>
   </p:cSld>
@@ -8792,12 +9130,8 @@
           <a:lstStyle/>
           <a:p>
             <a:r>
-              <a:rPr lang="en-US" dirty="0" err="1" smtClean="0"/>
-              <a:t>CoreBluetooth</a:t>
-            </a:r>
-            <a:r>
-              <a:rPr lang="en-US" dirty="0" smtClean="0"/>
-              <a:t> Use Case</a:t>
+              <a:rPr lang="en-US" dirty="0" smtClean="0"/>
+              <a:t>Central-Peripheral Lifecycle</a:t>
             </a:r>
             <a:endParaRPr lang="en-US" dirty="0"/>
           </a:p>
@@ -8805,106 +9139,97 @@
       </p:sp>
       <p:sp>
         <p:nvSpPr>
-          <p:cNvPr id="3" name="Text Placeholder 2"/>
-          <p:cNvSpPr>
-            <a:spLocks noGrp="1"/>
-          </p:cNvSpPr>
-          <p:nvPr>
-            <p:ph type="body" idx="1"/>
-          </p:nvPr>
-        </p:nvSpPr>
-        <p:spPr/>
-        <p:txBody>
-          <a:bodyPr/>
-          <a:lstStyle/>
-          <a:p>
-            <a:pPr algn="ctr"/>
-            <a:r>
-              <a:rPr lang="en-US" dirty="0" smtClean="0"/>
-              <a:t>Central</a:t>
+          <p:cNvPr id="3" name="Content Placeholder 2"/>
+          <p:cNvSpPr>
+            <a:spLocks noGrp="1"/>
+          </p:cNvSpPr>
+          <p:nvPr>
+            <p:ph idx="1"/>
+          </p:nvPr>
+        </p:nvSpPr>
+        <p:spPr/>
+        <p:txBody>
+          <a:bodyPr>
+            <a:normAutofit fontScale="92500" lnSpcReduction="10000"/>
+          </a:bodyPr>
+          <a:lstStyle/>
+          <a:p>
+            <a:pPr marL="514350" indent="-514350">
+              <a:buFont typeface="+mj-lt"/>
+              <a:buAutoNum type="arabicPeriod"/>
+            </a:pPr>
+            <a:r>
+              <a:rPr lang="en-US" dirty="0" smtClean="0"/>
+              <a:t>Peripheral advertises a service with certain characteristics</a:t>
+            </a:r>
+          </a:p>
+          <a:p>
+            <a:pPr marL="514350" indent="-514350">
+              <a:buFont typeface="+mj-lt"/>
+              <a:buAutoNum type="arabicPeriod"/>
+            </a:pPr>
+            <a:r>
+              <a:rPr lang="en-US" dirty="0" smtClean="0"/>
+              <a:t>Central discovers advertisement</a:t>
+            </a:r>
+          </a:p>
+          <a:p>
+            <a:pPr marL="514350" indent="-514350">
+              <a:buFont typeface="+mj-lt"/>
+              <a:buAutoNum type="arabicPeriod"/>
+            </a:pPr>
+            <a:r>
+              <a:rPr lang="en-US" dirty="0" smtClean="0"/>
+              <a:t>Central connects to peripheral</a:t>
+            </a:r>
+          </a:p>
+          <a:p>
+            <a:pPr marL="514350" indent="-514350">
+              <a:buFont typeface="+mj-lt"/>
+              <a:buAutoNum type="arabicPeriod"/>
+            </a:pPr>
+            <a:r>
+              <a:rPr lang="en-US" dirty="0" smtClean="0"/>
+              <a:t>Central discovers services</a:t>
+            </a:r>
+          </a:p>
+          <a:p>
+            <a:pPr marL="514350" indent="-514350">
+              <a:buFont typeface="+mj-lt"/>
+              <a:buAutoNum type="arabicPeriod"/>
+            </a:pPr>
+            <a:r>
+              <a:rPr lang="en-US" dirty="0" smtClean="0"/>
+              <a:t>Central discovers characteristics</a:t>
+            </a:r>
+          </a:p>
+          <a:p>
+            <a:pPr marL="514350" indent="-514350">
+              <a:buFont typeface="+mj-lt"/>
+              <a:buAutoNum type="arabicPeriod"/>
+            </a:pPr>
+            <a:r>
+              <a:rPr lang="en-US" dirty="0" smtClean="0"/>
+              <a:t>Central subscribes or reads from/writes to a characteristic</a:t>
+            </a:r>
+          </a:p>
+          <a:p>
+            <a:pPr marL="514350" indent="-514350">
+              <a:buFont typeface="+mj-lt"/>
+              <a:buAutoNum type="arabicPeriod"/>
+            </a:pPr>
+            <a:r>
+              <a:rPr lang="en-US" dirty="0" smtClean="0"/>
+              <a:t>Central disconnects</a:t>
             </a:r>
             <a:endParaRPr lang="en-US" dirty="0"/>
           </a:p>
         </p:txBody>
       </p:sp>
-      <p:sp>
-        <p:nvSpPr>
-          <p:cNvPr id="5" name="Text Placeholder 4"/>
-          <p:cNvSpPr>
-            <a:spLocks noGrp="1"/>
-          </p:cNvSpPr>
-          <p:nvPr>
-            <p:ph type="body" sz="quarter" idx="3"/>
-          </p:nvPr>
-        </p:nvSpPr>
-        <p:spPr/>
-        <p:txBody>
-          <a:bodyPr/>
-          <a:lstStyle/>
-          <a:p>
-            <a:pPr algn="ctr"/>
-            <a:r>
-              <a:rPr lang="en-US" dirty="0" smtClean="0"/>
-              <a:t>Peripheral</a:t>
-            </a:r>
-            <a:endParaRPr lang="en-US" dirty="0"/>
-          </a:p>
-        </p:txBody>
-      </p:sp>
-      <p:pic>
-        <p:nvPicPr>
-          <p:cNvPr id="7" name="Content Placeholder 6"/>
-          <p:cNvPicPr>
-            <a:picLocks noGrp="1" noChangeAspect="1"/>
-          </p:cNvPicPr>
-          <p:nvPr>
-            <p:ph sz="half" idx="2"/>
-          </p:nvPr>
-        </p:nvPicPr>
-        <p:blipFill>
-          <a:blip r:embed="rId3"/>
-          <a:srcRect l="-52250" r="-52250"/>
-          <a:stretch>
-            <a:fillRect/>
-          </a:stretch>
-        </p:blipFill>
-        <p:spPr>
-          <a:xfrm>
-            <a:off x="457200" y="2302065"/>
-            <a:ext cx="4040188" cy="3824098"/>
-          </a:xfrm>
-          <a:prstGeom prst="rect">
-            <a:avLst/>
-          </a:prstGeom>
-        </p:spPr>
-      </p:pic>
-      <p:pic>
-        <p:nvPicPr>
-          <p:cNvPr id="8" name="Content Placeholder 7"/>
-          <p:cNvPicPr>
-            <a:picLocks noGrp="1" noChangeAspect="1"/>
-          </p:cNvPicPr>
-          <p:nvPr>
-            <p:ph sz="quarter" idx="4"/>
-          </p:nvPr>
-        </p:nvPicPr>
-        <p:blipFill>
-          <a:blip r:embed="rId4"/>
-          <a:srcRect t="-9249" b="-9249"/>
-          <a:stretch>
-            <a:fillRect/>
-          </a:stretch>
-        </p:blipFill>
-        <p:spPr>
-          <a:prstGeom prst="rect">
-            <a:avLst/>
-          </a:prstGeom>
-        </p:spPr>
-      </p:pic>
     </p:spTree>
     <p:extLst>
       <p:ext uri="{BB962C8B-B14F-4D97-AF65-F5344CB8AC3E}">
-        <p14:creationId xmlns:p14="http://schemas.microsoft.com/office/powerpoint/2010/main" val="3240095201"/>
+        <p14:creationId xmlns:p14="http://schemas.microsoft.com/office/powerpoint/2010/main" val="716175767"/>
       </p:ext>
     </p:extLst>
   </p:cSld>
